--- a/outputs/summary.pptx
+++ b/outputs/summary.pptx
@@ -5,17 +5,23 @@
     <p:sldMasterId id="2147483648" r:id="rId1"/>
   </p:sldMasterIdLst>
   <p:sldIdLst>
-    <p:sldId id="256" r:id="rId2"/>
-    <p:sldId id="266" r:id="rId3"/>
+    <p:sldId id="267" r:id="rId2"/>
+    <p:sldId id="256" r:id="rId3"/>
     <p:sldId id="259" r:id="rId4"/>
     <p:sldId id="258" r:id="rId5"/>
     <p:sldId id="257" r:id="rId6"/>
     <p:sldId id="260" r:id="rId7"/>
     <p:sldId id="261" r:id="rId8"/>
     <p:sldId id="262" r:id="rId9"/>
-    <p:sldId id="263" r:id="rId10"/>
-    <p:sldId id="264" r:id="rId11"/>
-    <p:sldId id="265" r:id="rId12"/>
+    <p:sldId id="266" r:id="rId10"/>
+    <p:sldId id="268" r:id="rId11"/>
+    <p:sldId id="275" r:id="rId12"/>
+    <p:sldId id="276" r:id="rId13"/>
+    <p:sldId id="277" r:id="rId14"/>
+    <p:sldId id="271" r:id="rId15"/>
+    <p:sldId id="278" r:id="rId16"/>
+    <p:sldId id="263" r:id="rId17"/>
+    <p:sldId id="274" r:id="rId18"/>
   </p:sldIdLst>
   <p:sldSz cx="12192000" cy="6858000"/>
   <p:notesSz cx="6858000" cy="9144000"/>
@@ -114,7 +120,654 @@
       </a:defRPr>
     </a:lvl9pPr>
   </p:defaultTextStyle>
+  <p:extLst>
+    <p:ext uri="{EFAFB233-063F-42B5-8137-9DF3F51BA10A}">
+      <p15:sldGuideLst xmlns:p15="http://schemas.microsoft.com/office/powerpoint/2012/main"/>
+    </p:ext>
+  </p:extLst>
 </p:presentation>
+</file>
+
+<file path=ppt/revisionInfo.xml><?xml version="1.0" encoding="utf-8"?>
+<p1510:revInfo xmlns:a="http://schemas.openxmlformats.org/drawingml/2006/main" xmlns:r="http://schemas.openxmlformats.org/officeDocument/2006/relationships" xmlns:p1510="http://schemas.microsoft.com/office/powerpoint/2015/10/main">
+  <p1510:revLst>
+    <p1510:client id="{AD861AA3-1B13-4595-854C-9F6C151E35BA}" v="43" dt="2022-11-07T10:25:03.469"/>
+  </p1510:revLst>
+</p1510:revInfo>
+</file>
+
+<file path=ppt/changesInfos/changesInfo1.xml><?xml version="1.0" encoding="utf-8"?>
+<pc:chgInfo xmlns:a="http://schemas.openxmlformats.org/drawingml/2006/main" xmlns:r="http://schemas.openxmlformats.org/officeDocument/2006/relationships" xmlns:ac="http://schemas.microsoft.com/office/drawing/2013/main/command" xmlns:pc="http://schemas.microsoft.com/office/powerpoint/2013/main/command">
+  <pc:docChgLst>
+    <pc:chgData name="Jauregui Beso, Jara" userId="545a1999-fc67-42e4-bc6e-07b57f946614" providerId="ADAL" clId="{AD861AA3-1B13-4595-854C-9F6C151E35BA}"/>
+    <pc:docChg chg="undo custSel addSld delSld modSld sldOrd">
+      <pc:chgData name="Jauregui Beso, Jara" userId="545a1999-fc67-42e4-bc6e-07b57f946614" providerId="ADAL" clId="{AD861AA3-1B13-4595-854C-9F6C151E35BA}" dt="2022-11-07T10:26:05.400" v="1990"/>
+      <pc:docMkLst>
+        <pc:docMk/>
+      </pc:docMkLst>
+      <pc:sldChg chg="addSp delSp modSp mod">
+        <pc:chgData name="Jauregui Beso, Jara" userId="545a1999-fc67-42e4-bc6e-07b57f946614" providerId="ADAL" clId="{AD861AA3-1B13-4595-854C-9F6C151E35BA}" dt="2022-11-03T09:06:42.857" v="17" actId="1076"/>
+        <pc:sldMkLst>
+          <pc:docMk/>
+          <pc:sldMk cId="4221457052" sldId="256"/>
+        </pc:sldMkLst>
+        <pc:spChg chg="add mod">
+          <ac:chgData name="Jauregui Beso, Jara" userId="545a1999-fc67-42e4-bc6e-07b57f946614" providerId="ADAL" clId="{AD861AA3-1B13-4595-854C-9F6C151E35BA}" dt="2022-11-03T09:06:12.708" v="8" actId="1076"/>
+          <ac:spMkLst>
+            <pc:docMk/>
+            <pc:sldMk cId="4221457052" sldId="256"/>
+            <ac:spMk id="4" creationId="{97D056CA-03C2-0D6C-64E1-9D18DD871326}"/>
+          </ac:spMkLst>
+        </pc:spChg>
+        <pc:spChg chg="add mod">
+          <ac:chgData name="Jauregui Beso, Jara" userId="545a1999-fc67-42e4-bc6e-07b57f946614" providerId="ADAL" clId="{AD861AA3-1B13-4595-854C-9F6C151E35BA}" dt="2022-11-03T09:06:20.687" v="10" actId="1076"/>
+          <ac:spMkLst>
+            <pc:docMk/>
+            <pc:sldMk cId="4221457052" sldId="256"/>
+            <ac:spMk id="5" creationId="{9D55DCB2-0A03-0B6D-5AC8-03FCB27CC864}"/>
+          </ac:spMkLst>
+        </pc:spChg>
+        <pc:spChg chg="add mod">
+          <ac:chgData name="Jauregui Beso, Jara" userId="545a1999-fc67-42e4-bc6e-07b57f946614" providerId="ADAL" clId="{AD861AA3-1B13-4595-854C-9F6C151E35BA}" dt="2022-11-03T09:06:42.857" v="17" actId="1076"/>
+          <ac:spMkLst>
+            <pc:docMk/>
+            <pc:sldMk cId="4221457052" sldId="256"/>
+            <ac:spMk id="6" creationId="{23E78D1C-1316-2D4D-336C-12FE82AC251C}"/>
+          </ac:spMkLst>
+        </pc:spChg>
+        <pc:picChg chg="add mod">
+          <ac:chgData name="Jauregui Beso, Jara" userId="545a1999-fc67-42e4-bc6e-07b57f946614" providerId="ADAL" clId="{AD861AA3-1B13-4595-854C-9F6C151E35BA}" dt="2022-11-03T09:06:35.903" v="16" actId="1076"/>
+          <ac:picMkLst>
+            <pc:docMk/>
+            <pc:sldMk cId="4221457052" sldId="256"/>
+            <ac:picMk id="3" creationId="{FB2D6238-2909-7820-887C-E8F96409B54B}"/>
+          </ac:picMkLst>
+        </pc:picChg>
+        <pc:picChg chg="del">
+          <ac:chgData name="Jauregui Beso, Jara" userId="545a1999-fc67-42e4-bc6e-07b57f946614" providerId="ADAL" clId="{AD861AA3-1B13-4595-854C-9F6C151E35BA}" dt="2022-11-03T09:05:41.294" v="0" actId="478"/>
+          <ac:picMkLst>
+            <pc:docMk/>
+            <pc:sldMk cId="4221457052" sldId="256"/>
+            <ac:picMk id="9" creationId="{0D92446F-FA1E-5BF7-5462-E7CE30964EE0}"/>
+          </ac:picMkLst>
+        </pc:picChg>
+      </pc:sldChg>
+      <pc:sldChg chg="modSp mod">
+        <pc:chgData name="Jauregui Beso, Jara" userId="545a1999-fc67-42e4-bc6e-07b57f946614" providerId="ADAL" clId="{AD861AA3-1B13-4595-854C-9F6C151E35BA}" dt="2022-11-03T09:16:43.201" v="310" actId="20577"/>
+        <pc:sldMkLst>
+          <pc:docMk/>
+          <pc:sldMk cId="3489585339" sldId="257"/>
+        </pc:sldMkLst>
+        <pc:spChg chg="mod">
+          <ac:chgData name="Jauregui Beso, Jara" userId="545a1999-fc67-42e4-bc6e-07b57f946614" providerId="ADAL" clId="{AD861AA3-1B13-4595-854C-9F6C151E35BA}" dt="2022-11-03T09:16:43.201" v="310" actId="20577"/>
+          <ac:spMkLst>
+            <pc:docMk/>
+            <pc:sldMk cId="3489585339" sldId="257"/>
+            <ac:spMk id="15" creationId="{1E076FE3-A983-0F19-D08D-EAE6513ED872}"/>
+          </ac:spMkLst>
+        </pc:spChg>
+      </pc:sldChg>
+      <pc:sldChg chg="modSp mod">
+        <pc:chgData name="Jauregui Beso, Jara" userId="545a1999-fc67-42e4-bc6e-07b57f946614" providerId="ADAL" clId="{AD861AA3-1B13-4595-854C-9F6C151E35BA}" dt="2022-11-03T09:14:00.688" v="304" actId="27636"/>
+        <pc:sldMkLst>
+          <pc:docMk/>
+          <pc:sldMk cId="2436105536" sldId="259"/>
+        </pc:sldMkLst>
+        <pc:spChg chg="mod">
+          <ac:chgData name="Jauregui Beso, Jara" userId="545a1999-fc67-42e4-bc6e-07b57f946614" providerId="ADAL" clId="{AD861AA3-1B13-4595-854C-9F6C151E35BA}" dt="2022-11-03T09:14:00.688" v="304" actId="27636"/>
+          <ac:spMkLst>
+            <pc:docMk/>
+            <pc:sldMk cId="2436105536" sldId="259"/>
+            <ac:spMk id="3" creationId="{FD2D1AC9-4034-52F2-6924-A64C8BF6C876}"/>
+          </ac:spMkLst>
+        </pc:spChg>
+      </pc:sldChg>
+      <pc:sldChg chg="addSp delSp modSp mod">
+        <pc:chgData name="Jauregui Beso, Jara" userId="545a1999-fc67-42e4-bc6e-07b57f946614" providerId="ADAL" clId="{AD861AA3-1B13-4595-854C-9F6C151E35BA}" dt="2022-11-07T10:12:59.856" v="1518" actId="20577"/>
+        <pc:sldMkLst>
+          <pc:docMk/>
+          <pc:sldMk cId="1422733971" sldId="263"/>
+        </pc:sldMkLst>
+        <pc:spChg chg="add mod">
+          <ac:chgData name="Jauregui Beso, Jara" userId="545a1999-fc67-42e4-bc6e-07b57f946614" providerId="ADAL" clId="{AD861AA3-1B13-4595-854C-9F6C151E35BA}" dt="2022-11-07T10:12:59.856" v="1518" actId="20577"/>
+          <ac:spMkLst>
+            <pc:docMk/>
+            <pc:sldMk cId="1422733971" sldId="263"/>
+            <ac:spMk id="6" creationId="{52A5B92E-70CA-DAC2-485F-85B149E59375}"/>
+          </ac:spMkLst>
+        </pc:spChg>
+        <pc:spChg chg="del">
+          <ac:chgData name="Jauregui Beso, Jara" userId="545a1999-fc67-42e4-bc6e-07b57f946614" providerId="ADAL" clId="{AD861AA3-1B13-4595-854C-9F6C151E35BA}" dt="2022-11-03T11:46:13.175" v="1405" actId="478"/>
+          <ac:spMkLst>
+            <pc:docMk/>
+            <pc:sldMk cId="1422733971" sldId="263"/>
+            <ac:spMk id="11" creationId="{260FD1F0-D4F9-64B8-21EE-35A657542C55}"/>
+          </ac:spMkLst>
+        </pc:spChg>
+        <pc:spChg chg="del">
+          <ac:chgData name="Jauregui Beso, Jara" userId="545a1999-fc67-42e4-bc6e-07b57f946614" providerId="ADAL" clId="{AD861AA3-1B13-4595-854C-9F6C151E35BA}" dt="2022-11-03T11:41:07.163" v="1398" actId="478"/>
+          <ac:spMkLst>
+            <pc:docMk/>
+            <pc:sldMk cId="1422733971" sldId="263"/>
+            <ac:spMk id="15" creationId="{4AC1055D-C3A9-1E1F-3930-E7CF498C7519}"/>
+          </ac:spMkLst>
+        </pc:spChg>
+        <pc:picChg chg="add mod ord">
+          <ac:chgData name="Jauregui Beso, Jara" userId="545a1999-fc67-42e4-bc6e-07b57f946614" providerId="ADAL" clId="{AD861AA3-1B13-4595-854C-9F6C151E35BA}" dt="2022-11-03T11:46:34.463" v="1410" actId="1076"/>
+          <ac:picMkLst>
+            <pc:docMk/>
+            <pc:sldMk cId="1422733971" sldId="263"/>
+            <ac:picMk id="3" creationId="{04988A35-2B1C-DA5E-D94A-F20B88D17605}"/>
+          </ac:picMkLst>
+        </pc:picChg>
+        <pc:picChg chg="add del mod">
+          <ac:chgData name="Jauregui Beso, Jara" userId="545a1999-fc67-42e4-bc6e-07b57f946614" providerId="ADAL" clId="{AD861AA3-1B13-4595-854C-9F6C151E35BA}" dt="2022-11-03T11:46:23.238" v="1408"/>
+          <ac:picMkLst>
+            <pc:docMk/>
+            <pc:sldMk cId="1422733971" sldId="263"/>
+            <ac:picMk id="5" creationId="{3A50181D-AB66-C314-CC10-EAC27A5704D3}"/>
+          </ac:picMkLst>
+        </pc:picChg>
+        <pc:picChg chg="del">
+          <ac:chgData name="Jauregui Beso, Jara" userId="545a1999-fc67-42e4-bc6e-07b57f946614" providerId="ADAL" clId="{AD861AA3-1B13-4595-854C-9F6C151E35BA}" dt="2022-11-03T11:41:04.343" v="1396" actId="478"/>
+          <ac:picMkLst>
+            <pc:docMk/>
+            <pc:sldMk cId="1422733971" sldId="263"/>
+            <ac:picMk id="8" creationId="{22DB82C1-AB4C-C75A-4F6A-4867AD100141}"/>
+          </ac:picMkLst>
+        </pc:picChg>
+        <pc:picChg chg="del">
+          <ac:chgData name="Jauregui Beso, Jara" userId="545a1999-fc67-42e4-bc6e-07b57f946614" providerId="ADAL" clId="{AD861AA3-1B13-4595-854C-9F6C151E35BA}" dt="2022-11-03T11:41:04.944" v="1397" actId="478"/>
+          <ac:picMkLst>
+            <pc:docMk/>
+            <pc:sldMk cId="1422733971" sldId="263"/>
+            <ac:picMk id="14" creationId="{C79C25F6-0623-2931-B39E-0CB52372A240}"/>
+          </ac:picMkLst>
+        </pc:picChg>
+      </pc:sldChg>
+      <pc:sldChg chg="del">
+        <pc:chgData name="Jauregui Beso, Jara" userId="545a1999-fc67-42e4-bc6e-07b57f946614" providerId="ADAL" clId="{AD861AA3-1B13-4595-854C-9F6C151E35BA}" dt="2022-11-07T10:11:17.517" v="1454" actId="47"/>
+        <pc:sldMkLst>
+          <pc:docMk/>
+          <pc:sldMk cId="3303346691" sldId="264"/>
+        </pc:sldMkLst>
+      </pc:sldChg>
+      <pc:sldChg chg="del">
+        <pc:chgData name="Jauregui Beso, Jara" userId="545a1999-fc67-42e4-bc6e-07b57f946614" providerId="ADAL" clId="{AD861AA3-1B13-4595-854C-9F6C151E35BA}" dt="2022-11-07T10:11:18.275" v="1455" actId="47"/>
+        <pc:sldMkLst>
+          <pc:docMk/>
+          <pc:sldMk cId="2852343294" sldId="265"/>
+        </pc:sldMkLst>
+      </pc:sldChg>
+      <pc:sldChg chg="del">
+        <pc:chgData name="Jauregui Beso, Jara" userId="545a1999-fc67-42e4-bc6e-07b57f946614" providerId="ADAL" clId="{AD861AA3-1B13-4595-854C-9F6C151E35BA}" dt="2022-11-03T09:06:52.874" v="18" actId="47"/>
+        <pc:sldMkLst>
+          <pc:docMk/>
+          <pc:sldMk cId="1629727062" sldId="266"/>
+        </pc:sldMkLst>
+      </pc:sldChg>
+      <pc:sldChg chg="addSp delSp modSp new mod ord">
+        <pc:chgData name="Jauregui Beso, Jara" userId="545a1999-fc67-42e4-bc6e-07b57f946614" providerId="ADAL" clId="{AD861AA3-1B13-4595-854C-9F6C151E35BA}" dt="2022-11-03T11:19:04.257" v="1263" actId="27636"/>
+        <pc:sldMkLst>
+          <pc:docMk/>
+          <pc:sldMk cId="4097966587" sldId="266"/>
+        </pc:sldMkLst>
+        <pc:spChg chg="mod">
+          <ac:chgData name="Jauregui Beso, Jara" userId="545a1999-fc67-42e4-bc6e-07b57f946614" providerId="ADAL" clId="{AD861AA3-1B13-4595-854C-9F6C151E35BA}" dt="2022-11-03T10:16:05.154" v="456" actId="20577"/>
+          <ac:spMkLst>
+            <pc:docMk/>
+            <pc:sldMk cId="4097966587" sldId="266"/>
+            <ac:spMk id="2" creationId="{C40AFC7F-5EA5-87CD-EEF2-6BDE715C738D}"/>
+          </ac:spMkLst>
+        </pc:spChg>
+        <pc:spChg chg="del">
+          <ac:chgData name="Jauregui Beso, Jara" userId="545a1999-fc67-42e4-bc6e-07b57f946614" providerId="ADAL" clId="{AD861AA3-1B13-4595-854C-9F6C151E35BA}" dt="2022-11-03T09:25:03.408" v="364" actId="478"/>
+          <ac:spMkLst>
+            <pc:docMk/>
+            <pc:sldMk cId="4097966587" sldId="266"/>
+            <ac:spMk id="3" creationId="{1B417871-F10B-F092-047B-47E7DE4A83E2}"/>
+          </ac:spMkLst>
+        </pc:spChg>
+        <pc:spChg chg="add mod">
+          <ac:chgData name="Jauregui Beso, Jara" userId="545a1999-fc67-42e4-bc6e-07b57f946614" providerId="ADAL" clId="{AD861AA3-1B13-4595-854C-9F6C151E35BA}" dt="2022-11-03T11:19:04.257" v="1263" actId="27636"/>
+          <ac:spMkLst>
+            <pc:docMk/>
+            <pc:sldMk cId="4097966587" sldId="266"/>
+            <ac:spMk id="4" creationId="{169428E1-00B6-1985-2387-D774DAA298E8}"/>
+          </ac:spMkLst>
+        </pc:spChg>
+      </pc:sldChg>
+      <pc:sldChg chg="modSp new mod ord">
+        <pc:chgData name="Jauregui Beso, Jara" userId="545a1999-fc67-42e4-bc6e-07b57f946614" providerId="ADAL" clId="{AD861AA3-1B13-4595-854C-9F6C151E35BA}" dt="2022-11-03T10:15:10.802" v="427" actId="20577"/>
+        <pc:sldMkLst>
+          <pc:docMk/>
+          <pc:sldMk cId="941861617" sldId="267"/>
+        </pc:sldMkLst>
+        <pc:spChg chg="mod">
+          <ac:chgData name="Jauregui Beso, Jara" userId="545a1999-fc67-42e4-bc6e-07b57f946614" providerId="ADAL" clId="{AD861AA3-1B13-4595-854C-9F6C151E35BA}" dt="2022-11-03T10:15:10.802" v="427" actId="20577"/>
+          <ac:spMkLst>
+            <pc:docMk/>
+            <pc:sldMk cId="941861617" sldId="267"/>
+            <ac:spMk id="2" creationId="{BA5E6F36-563B-3818-761F-EAF303C2D618}"/>
+          </ac:spMkLst>
+        </pc:spChg>
+      </pc:sldChg>
+      <pc:sldChg chg="addSp delSp modSp add mod">
+        <pc:chgData name="Jauregui Beso, Jara" userId="545a1999-fc67-42e4-bc6e-07b57f946614" providerId="ADAL" clId="{AD861AA3-1B13-4595-854C-9F6C151E35BA}" dt="2022-11-07T10:19:20.491" v="1933" actId="20577"/>
+        <pc:sldMkLst>
+          <pc:docMk/>
+          <pc:sldMk cId="2327810541" sldId="268"/>
+        </pc:sldMkLst>
+        <pc:spChg chg="mod">
+          <ac:chgData name="Jauregui Beso, Jara" userId="545a1999-fc67-42e4-bc6e-07b57f946614" providerId="ADAL" clId="{AD861AA3-1B13-4595-854C-9F6C151E35BA}" dt="2022-11-03T10:46:27.869" v="1152" actId="1076"/>
+          <ac:spMkLst>
+            <pc:docMk/>
+            <pc:sldMk cId="2327810541" sldId="268"/>
+            <ac:spMk id="2" creationId="{C40AFC7F-5EA5-87CD-EEF2-6BDE715C738D}"/>
+          </ac:spMkLst>
+        </pc:spChg>
+        <pc:spChg chg="del">
+          <ac:chgData name="Jauregui Beso, Jara" userId="545a1999-fc67-42e4-bc6e-07b57f946614" providerId="ADAL" clId="{AD861AA3-1B13-4595-854C-9F6C151E35BA}" dt="2022-11-03T10:32:31.631" v="912" actId="478"/>
+          <ac:spMkLst>
+            <pc:docMk/>
+            <pc:sldMk cId="2327810541" sldId="268"/>
+            <ac:spMk id="4" creationId="{169428E1-00B6-1985-2387-D774DAA298E8}"/>
+          </ac:spMkLst>
+        </pc:spChg>
+        <pc:spChg chg="add del mod">
+          <ac:chgData name="Jauregui Beso, Jara" userId="545a1999-fc67-42e4-bc6e-07b57f946614" providerId="ADAL" clId="{AD861AA3-1B13-4595-854C-9F6C151E35BA}" dt="2022-11-03T10:32:48.634" v="945" actId="478"/>
+          <ac:spMkLst>
+            <pc:docMk/>
+            <pc:sldMk cId="2327810541" sldId="268"/>
+            <ac:spMk id="5" creationId="{9F7B7170-F7D0-5FFF-70F6-033DE1D86293}"/>
+          </ac:spMkLst>
+        </pc:spChg>
+        <pc:spChg chg="add mod">
+          <ac:chgData name="Jauregui Beso, Jara" userId="545a1999-fc67-42e4-bc6e-07b57f946614" providerId="ADAL" clId="{AD861AA3-1B13-4595-854C-9F6C151E35BA}" dt="2022-11-07T10:19:20.491" v="1933" actId="20577"/>
+          <ac:spMkLst>
+            <pc:docMk/>
+            <pc:sldMk cId="2327810541" sldId="268"/>
+            <ac:spMk id="11" creationId="{99BAED0E-81C2-C67C-9F14-4EB2793F82AE}"/>
+          </ac:spMkLst>
+        </pc:spChg>
+        <pc:picChg chg="add del mod ord modCrop">
+          <ac:chgData name="Jauregui Beso, Jara" userId="545a1999-fc67-42e4-bc6e-07b57f946614" providerId="ADAL" clId="{AD861AA3-1B13-4595-854C-9F6C151E35BA}" dt="2022-11-03T10:39:23.706" v="958" actId="478"/>
+          <ac:picMkLst>
+            <pc:docMk/>
+            <pc:sldMk cId="2327810541" sldId="268"/>
+            <ac:picMk id="7" creationId="{BE5A5004-DBDB-C39F-59CF-220935FD8EB3}"/>
+          </ac:picMkLst>
+        </pc:picChg>
+        <pc:picChg chg="add del mod ord modCrop">
+          <ac:chgData name="Jauregui Beso, Jara" userId="545a1999-fc67-42e4-bc6e-07b57f946614" providerId="ADAL" clId="{AD861AA3-1B13-4595-854C-9F6C151E35BA}" dt="2022-11-07T10:14:29.945" v="1595" actId="478"/>
+          <ac:picMkLst>
+            <pc:docMk/>
+            <pc:sldMk cId="2327810541" sldId="268"/>
+            <ac:picMk id="9" creationId="{1DD11078-4070-8F15-DFC7-A11CEB60B02A}"/>
+          </ac:picMkLst>
+        </pc:picChg>
+        <pc:picChg chg="add del mod">
+          <ac:chgData name="Jauregui Beso, Jara" userId="545a1999-fc67-42e4-bc6e-07b57f946614" providerId="ADAL" clId="{AD861AA3-1B13-4595-854C-9F6C151E35BA}" dt="2022-11-03T10:40:21.855" v="971" actId="21"/>
+          <ac:picMkLst>
+            <pc:docMk/>
+            <pc:sldMk cId="2327810541" sldId="268"/>
+            <ac:picMk id="10" creationId="{85AA68ED-240A-CC04-13A2-14218446526B}"/>
+          </ac:picMkLst>
+        </pc:picChg>
+      </pc:sldChg>
+      <pc:sldChg chg="addSp delSp modSp add del mod">
+        <pc:chgData name="Jauregui Beso, Jara" userId="545a1999-fc67-42e4-bc6e-07b57f946614" providerId="ADAL" clId="{AD861AA3-1B13-4595-854C-9F6C151E35BA}" dt="2022-11-07T10:21:15.255" v="1949" actId="47"/>
+        <pc:sldMkLst>
+          <pc:docMk/>
+          <pc:sldMk cId="3799996995" sldId="269"/>
+        </pc:sldMkLst>
+        <pc:spChg chg="del">
+          <ac:chgData name="Jauregui Beso, Jara" userId="545a1999-fc67-42e4-bc6e-07b57f946614" providerId="ADAL" clId="{AD861AA3-1B13-4595-854C-9F6C151E35BA}" dt="2022-11-03T10:49:13.484" v="1170" actId="478"/>
+          <ac:spMkLst>
+            <pc:docMk/>
+            <pc:sldMk cId="3799996995" sldId="269"/>
+            <ac:spMk id="2" creationId="{C40AFC7F-5EA5-87CD-EEF2-6BDE715C738D}"/>
+          </ac:spMkLst>
+        </pc:spChg>
+        <pc:spChg chg="add mod">
+          <ac:chgData name="Jauregui Beso, Jara" userId="545a1999-fc67-42e4-bc6e-07b57f946614" providerId="ADAL" clId="{AD861AA3-1B13-4595-854C-9F6C151E35BA}" dt="2022-11-03T10:57:25.124" v="1216" actId="14100"/>
+          <ac:spMkLst>
+            <pc:docMk/>
+            <pc:sldMk cId="3799996995" sldId="269"/>
+            <ac:spMk id="4" creationId="{20E6FDB1-60BC-85B0-3EA3-09433FA21E59}"/>
+          </ac:spMkLst>
+        </pc:spChg>
+        <pc:spChg chg="add del mod">
+          <ac:chgData name="Jauregui Beso, Jara" userId="545a1999-fc67-42e4-bc6e-07b57f946614" providerId="ADAL" clId="{AD861AA3-1B13-4595-854C-9F6C151E35BA}" dt="2022-11-03T10:49:16.864" v="1172" actId="478"/>
+          <ac:spMkLst>
+            <pc:docMk/>
+            <pc:sldMk cId="3799996995" sldId="269"/>
+            <ac:spMk id="6" creationId="{9843D951-5FBC-CF28-354A-A8D1855A2479}"/>
+          </ac:spMkLst>
+        </pc:spChg>
+        <pc:spChg chg="add mod">
+          <ac:chgData name="Jauregui Beso, Jara" userId="545a1999-fc67-42e4-bc6e-07b57f946614" providerId="ADAL" clId="{AD861AA3-1B13-4595-854C-9F6C151E35BA}" dt="2022-11-03T10:49:13.750" v="1171"/>
+          <ac:spMkLst>
+            <pc:docMk/>
+            <pc:sldMk cId="3799996995" sldId="269"/>
+            <ac:spMk id="8" creationId="{1A2E2F0C-CB54-5BFD-916D-FC7EB09EA889}"/>
+          </ac:spMkLst>
+        </pc:spChg>
+        <pc:spChg chg="add del mod">
+          <ac:chgData name="Jauregui Beso, Jara" userId="545a1999-fc67-42e4-bc6e-07b57f946614" providerId="ADAL" clId="{AD861AA3-1B13-4595-854C-9F6C151E35BA}" dt="2022-11-03T10:50:50.136" v="1174"/>
+          <ac:spMkLst>
+            <pc:docMk/>
+            <pc:sldMk cId="3799996995" sldId="269"/>
+            <ac:spMk id="9" creationId="{42027B54-F7A2-20F0-6F81-7EE83915AA80}"/>
+          </ac:spMkLst>
+        </pc:spChg>
+        <pc:picChg chg="add mod ord">
+          <ac:chgData name="Jauregui Beso, Jara" userId="545a1999-fc67-42e4-bc6e-07b57f946614" providerId="ADAL" clId="{AD861AA3-1B13-4595-854C-9F6C151E35BA}" dt="2022-11-03T10:47:08.009" v="1167" actId="1076"/>
+          <ac:picMkLst>
+            <pc:docMk/>
+            <pc:sldMk cId="3799996995" sldId="269"/>
+            <ac:picMk id="3" creationId="{CD872D1A-EDCD-FB5B-6288-6C5F12C69A3E}"/>
+          </ac:picMkLst>
+        </pc:picChg>
+        <pc:picChg chg="del">
+          <ac:chgData name="Jauregui Beso, Jara" userId="545a1999-fc67-42e4-bc6e-07b57f946614" providerId="ADAL" clId="{AD861AA3-1B13-4595-854C-9F6C151E35BA}" dt="2022-11-03T10:40:13.332" v="967" actId="21"/>
+          <ac:picMkLst>
+            <pc:docMk/>
+            <pc:sldMk cId="3799996995" sldId="269"/>
+            <ac:picMk id="7" creationId="{BE5A5004-DBDB-C39F-59CF-220935FD8EB3}"/>
+          </ac:picMkLst>
+        </pc:picChg>
+      </pc:sldChg>
+      <pc:sldChg chg="addSp delSp modSp add del mod">
+        <pc:chgData name="Jauregui Beso, Jara" userId="545a1999-fc67-42e4-bc6e-07b57f946614" providerId="ADAL" clId="{AD861AA3-1B13-4595-854C-9F6C151E35BA}" dt="2022-11-07T10:21:26.361" v="1950" actId="47"/>
+        <pc:sldMkLst>
+          <pc:docMk/>
+          <pc:sldMk cId="3878019074" sldId="270"/>
+        </pc:sldMkLst>
+        <pc:spChg chg="mod">
+          <ac:chgData name="Jauregui Beso, Jara" userId="545a1999-fc67-42e4-bc6e-07b57f946614" providerId="ADAL" clId="{AD861AA3-1B13-4595-854C-9F6C151E35BA}" dt="2022-11-03T11:01:35.265" v="1245" actId="20577"/>
+          <ac:spMkLst>
+            <pc:docMk/>
+            <pc:sldMk cId="3878019074" sldId="270"/>
+            <ac:spMk id="4" creationId="{20E6FDB1-60BC-85B0-3EA3-09433FA21E59}"/>
+          </ac:spMkLst>
+        </pc:spChg>
+        <pc:picChg chg="add del">
+          <ac:chgData name="Jauregui Beso, Jara" userId="545a1999-fc67-42e4-bc6e-07b57f946614" providerId="ADAL" clId="{AD861AA3-1B13-4595-854C-9F6C151E35BA}" dt="2022-11-03T11:01:04.617" v="1240" actId="478"/>
+          <ac:picMkLst>
+            <pc:docMk/>
+            <pc:sldMk cId="3878019074" sldId="270"/>
+            <ac:picMk id="3" creationId="{CD872D1A-EDCD-FB5B-6288-6C5F12C69A3E}"/>
+          </ac:picMkLst>
+        </pc:picChg>
+        <pc:picChg chg="add del mod">
+          <ac:chgData name="Jauregui Beso, Jara" userId="545a1999-fc67-42e4-bc6e-07b57f946614" providerId="ADAL" clId="{AD861AA3-1B13-4595-854C-9F6C151E35BA}" dt="2022-11-03T11:01:03.308" v="1239" actId="21"/>
+          <ac:picMkLst>
+            <pc:docMk/>
+            <pc:sldMk cId="3878019074" sldId="270"/>
+            <ac:picMk id="5" creationId="{9E9062FF-746F-0015-2393-33FA603598BA}"/>
+          </ac:picMkLst>
+        </pc:picChg>
+        <pc:picChg chg="add mod ord modCrop">
+          <ac:chgData name="Jauregui Beso, Jara" userId="545a1999-fc67-42e4-bc6e-07b57f946614" providerId="ADAL" clId="{AD861AA3-1B13-4595-854C-9F6C151E35BA}" dt="2022-11-03T11:01:28.563" v="1243" actId="167"/>
+          <ac:picMkLst>
+            <pc:docMk/>
+            <pc:sldMk cId="3878019074" sldId="270"/>
+            <ac:picMk id="6" creationId="{5E30E6D6-718B-14A4-81E4-D7ED454BEAAC}"/>
+          </ac:picMkLst>
+        </pc:picChg>
+      </pc:sldChg>
+      <pc:sldChg chg="addSp delSp modSp add mod">
+        <pc:chgData name="Jauregui Beso, Jara" userId="545a1999-fc67-42e4-bc6e-07b57f946614" providerId="ADAL" clId="{AD861AA3-1B13-4595-854C-9F6C151E35BA}" dt="2022-11-07T10:23:13.288" v="1980" actId="478"/>
+        <pc:sldMkLst>
+          <pc:docMk/>
+          <pc:sldMk cId="1696135541" sldId="271"/>
+        </pc:sldMkLst>
+        <pc:spChg chg="add del mod">
+          <ac:chgData name="Jauregui Beso, Jara" userId="545a1999-fc67-42e4-bc6e-07b57f946614" providerId="ADAL" clId="{AD861AA3-1B13-4595-854C-9F6C151E35BA}" dt="2022-11-07T10:23:13.288" v="1980" actId="478"/>
+          <ac:spMkLst>
+            <pc:docMk/>
+            <pc:sldMk cId="1696135541" sldId="271"/>
+            <ac:spMk id="3" creationId="{16B87924-C1A0-2F98-CD10-29730CE71F7F}"/>
+          </ac:spMkLst>
+        </pc:spChg>
+        <pc:spChg chg="mod">
+          <ac:chgData name="Jauregui Beso, Jara" userId="545a1999-fc67-42e4-bc6e-07b57f946614" providerId="ADAL" clId="{AD861AA3-1B13-4595-854C-9F6C151E35BA}" dt="2022-11-07T10:23:09.016" v="1979" actId="20577"/>
+          <ac:spMkLst>
+            <pc:docMk/>
+            <pc:sldMk cId="1696135541" sldId="271"/>
+            <ac:spMk id="4" creationId="{20E6FDB1-60BC-85B0-3EA3-09433FA21E59}"/>
+          </ac:spMkLst>
+        </pc:spChg>
+        <pc:spChg chg="mod">
+          <ac:chgData name="Jauregui Beso, Jara" userId="545a1999-fc67-42e4-bc6e-07b57f946614" providerId="ADAL" clId="{AD861AA3-1B13-4595-854C-9F6C151E35BA}" dt="2022-11-03T11:26:27.757" v="1292" actId="20577"/>
+          <ac:spMkLst>
+            <pc:docMk/>
+            <pc:sldMk cId="1696135541" sldId="271"/>
+            <ac:spMk id="8" creationId="{1A2E2F0C-CB54-5BFD-916D-FC7EB09EA889}"/>
+          </ac:spMkLst>
+        </pc:spChg>
+        <pc:picChg chg="add mod ord">
+          <ac:chgData name="Jauregui Beso, Jara" userId="545a1999-fc67-42e4-bc6e-07b57f946614" providerId="ADAL" clId="{AD861AA3-1B13-4595-854C-9F6C151E35BA}" dt="2022-11-03T11:27:48.443" v="1306" actId="14100"/>
+          <ac:picMkLst>
+            <pc:docMk/>
+            <pc:sldMk cId="1696135541" sldId="271"/>
+            <ac:picMk id="2" creationId="{C4473714-3127-14A0-B9C8-6C63849C423C}"/>
+          </ac:picMkLst>
+        </pc:picChg>
+        <pc:picChg chg="del">
+          <ac:chgData name="Jauregui Beso, Jara" userId="545a1999-fc67-42e4-bc6e-07b57f946614" providerId="ADAL" clId="{AD861AA3-1B13-4595-854C-9F6C151E35BA}" dt="2022-11-03T11:26:30.321" v="1293" actId="478"/>
+          <ac:picMkLst>
+            <pc:docMk/>
+            <pc:sldMk cId="1696135541" sldId="271"/>
+            <ac:picMk id="6" creationId="{5E30E6D6-718B-14A4-81E4-D7ED454BEAAC}"/>
+          </ac:picMkLst>
+        </pc:picChg>
+      </pc:sldChg>
+      <pc:sldChg chg="addSp delSp modSp add del mod">
+        <pc:chgData name="Jauregui Beso, Jara" userId="545a1999-fc67-42e4-bc6e-07b57f946614" providerId="ADAL" clId="{AD861AA3-1B13-4595-854C-9F6C151E35BA}" dt="2022-11-07T10:25:06.213" v="1982" actId="47"/>
+        <pc:sldMkLst>
+          <pc:docMk/>
+          <pc:sldMk cId="3560596556" sldId="272"/>
+        </pc:sldMkLst>
+        <pc:spChg chg="mod">
+          <ac:chgData name="Jauregui Beso, Jara" userId="545a1999-fc67-42e4-bc6e-07b57f946614" providerId="ADAL" clId="{AD861AA3-1B13-4595-854C-9F6C151E35BA}" dt="2022-11-03T11:33:15.698" v="1363" actId="20577"/>
+          <ac:spMkLst>
+            <pc:docMk/>
+            <pc:sldMk cId="3560596556" sldId="272"/>
+            <ac:spMk id="4" creationId="{20E6FDB1-60BC-85B0-3EA3-09433FA21E59}"/>
+          </ac:spMkLst>
+        </pc:spChg>
+        <pc:picChg chg="add del">
+          <ac:chgData name="Jauregui Beso, Jara" userId="545a1999-fc67-42e4-bc6e-07b57f946614" providerId="ADAL" clId="{AD861AA3-1B13-4595-854C-9F6C151E35BA}" dt="2022-11-03T11:30:33.929" v="1347" actId="478"/>
+          <ac:picMkLst>
+            <pc:docMk/>
+            <pc:sldMk cId="3560596556" sldId="272"/>
+            <ac:picMk id="2" creationId="{C4473714-3127-14A0-B9C8-6C63849C423C}"/>
+          </ac:picMkLst>
+        </pc:picChg>
+        <pc:picChg chg="add del mod">
+          <ac:chgData name="Jauregui Beso, Jara" userId="545a1999-fc67-42e4-bc6e-07b57f946614" providerId="ADAL" clId="{AD861AA3-1B13-4595-854C-9F6C151E35BA}" dt="2022-11-03T11:29:54.513" v="1338"/>
+          <ac:picMkLst>
+            <pc:docMk/>
+            <pc:sldMk cId="3560596556" sldId="272"/>
+            <ac:picMk id="3" creationId="{DA19072F-1FA1-9A84-90DA-3D7A15013477}"/>
+          </ac:picMkLst>
+        </pc:picChg>
+        <pc:picChg chg="add del mod">
+          <ac:chgData name="Jauregui Beso, Jara" userId="545a1999-fc67-42e4-bc6e-07b57f946614" providerId="ADAL" clId="{AD861AA3-1B13-4595-854C-9F6C151E35BA}" dt="2022-11-03T11:30:32.660" v="1346" actId="21"/>
+          <ac:picMkLst>
+            <pc:docMk/>
+            <pc:sldMk cId="3560596556" sldId="272"/>
+            <ac:picMk id="5" creationId="{65598C31-4B71-4C12-61A0-D2AAD7181D3A}"/>
+          </ac:picMkLst>
+        </pc:picChg>
+        <pc:picChg chg="add mod ord">
+          <ac:chgData name="Jauregui Beso, Jara" userId="545a1999-fc67-42e4-bc6e-07b57f946614" providerId="ADAL" clId="{AD861AA3-1B13-4595-854C-9F6C151E35BA}" dt="2022-11-03T11:30:36.937" v="1349" actId="167"/>
+          <ac:picMkLst>
+            <pc:docMk/>
+            <pc:sldMk cId="3560596556" sldId="272"/>
+            <ac:picMk id="6" creationId="{9420DA0D-0061-5BFB-60BF-5897393B5A6E}"/>
+          </ac:picMkLst>
+        </pc:picChg>
+        <pc:picChg chg="add del mod">
+          <ac:chgData name="Jauregui Beso, Jara" userId="545a1999-fc67-42e4-bc6e-07b57f946614" providerId="ADAL" clId="{AD861AA3-1B13-4595-854C-9F6C151E35BA}" dt="2022-11-03T11:31:00.925" v="1351"/>
+          <ac:picMkLst>
+            <pc:docMk/>
+            <pc:sldMk cId="3560596556" sldId="272"/>
+            <ac:picMk id="7" creationId="{F303DBBB-5645-209F-FF1D-BC61FA0E2700}"/>
+          </ac:picMkLst>
+        </pc:picChg>
+      </pc:sldChg>
+      <pc:sldChg chg="addSp delSp modSp add del mod">
+        <pc:chgData name="Jauregui Beso, Jara" userId="545a1999-fc67-42e4-bc6e-07b57f946614" providerId="ADAL" clId="{AD861AA3-1B13-4595-854C-9F6C151E35BA}" dt="2022-11-07T10:25:12.452" v="1983" actId="47"/>
+        <pc:sldMkLst>
+          <pc:docMk/>
+          <pc:sldMk cId="2535874916" sldId="273"/>
+        </pc:sldMkLst>
+        <pc:spChg chg="mod">
+          <ac:chgData name="Jauregui Beso, Jara" userId="545a1999-fc67-42e4-bc6e-07b57f946614" providerId="ADAL" clId="{AD861AA3-1B13-4595-854C-9F6C151E35BA}" dt="2022-11-03T11:46:16.915" v="1406" actId="20577"/>
+          <ac:spMkLst>
+            <pc:docMk/>
+            <pc:sldMk cId="2535874916" sldId="273"/>
+            <ac:spMk id="4" creationId="{20E6FDB1-60BC-85B0-3EA3-09433FA21E59}"/>
+          </ac:spMkLst>
+        </pc:spChg>
+        <pc:picChg chg="add del mod">
+          <ac:chgData name="Jauregui Beso, Jara" userId="545a1999-fc67-42e4-bc6e-07b57f946614" providerId="ADAL" clId="{AD861AA3-1B13-4595-854C-9F6C151E35BA}" dt="2022-11-03T11:36:04.688" v="1389" actId="21"/>
+          <ac:picMkLst>
+            <pc:docMk/>
+            <pc:sldMk cId="2535874916" sldId="273"/>
+            <ac:picMk id="3" creationId="{B78876F7-9A59-5EDA-6D68-E12AA608E98A}"/>
+          </ac:picMkLst>
+        </pc:picChg>
+        <pc:picChg chg="add mod ord">
+          <ac:chgData name="Jauregui Beso, Jara" userId="545a1999-fc67-42e4-bc6e-07b57f946614" providerId="ADAL" clId="{AD861AA3-1B13-4595-854C-9F6C151E35BA}" dt="2022-11-03T11:36:14.477" v="1394" actId="1076"/>
+          <ac:picMkLst>
+            <pc:docMk/>
+            <pc:sldMk cId="2535874916" sldId="273"/>
+            <ac:picMk id="5" creationId="{1D9ADAFB-67F8-3BB6-2095-75240B5DE3DE}"/>
+          </ac:picMkLst>
+        </pc:picChg>
+        <pc:picChg chg="del">
+          <ac:chgData name="Jauregui Beso, Jara" userId="545a1999-fc67-42e4-bc6e-07b57f946614" providerId="ADAL" clId="{AD861AA3-1B13-4595-854C-9F6C151E35BA}" dt="2022-11-03T11:36:06.039" v="1390" actId="478"/>
+          <ac:picMkLst>
+            <pc:docMk/>
+            <pc:sldMk cId="2535874916" sldId="273"/>
+            <ac:picMk id="6" creationId="{9420DA0D-0061-5BFB-60BF-5897393B5A6E}"/>
+          </ac:picMkLst>
+        </pc:picChg>
+      </pc:sldChg>
+      <pc:sldChg chg="addSp delSp modSp add mod">
+        <pc:chgData name="Jauregui Beso, Jara" userId="545a1999-fc67-42e4-bc6e-07b57f946614" providerId="ADAL" clId="{AD861AA3-1B13-4595-854C-9F6C151E35BA}" dt="2022-11-07T10:13:06.511" v="1520"/>
+        <pc:sldMkLst>
+          <pc:docMk/>
+          <pc:sldMk cId="3389449928" sldId="274"/>
+        </pc:sldMkLst>
+        <pc:spChg chg="del">
+          <ac:chgData name="Jauregui Beso, Jara" userId="545a1999-fc67-42e4-bc6e-07b57f946614" providerId="ADAL" clId="{AD861AA3-1B13-4595-854C-9F6C151E35BA}" dt="2022-11-07T10:13:06.272" v="1519" actId="478"/>
+          <ac:spMkLst>
+            <pc:docMk/>
+            <pc:sldMk cId="3389449928" sldId="274"/>
+            <ac:spMk id="6" creationId="{52A5B92E-70CA-DAC2-485F-85B149E59375}"/>
+          </ac:spMkLst>
+        </pc:spChg>
+        <pc:spChg chg="add mod">
+          <ac:chgData name="Jauregui Beso, Jara" userId="545a1999-fc67-42e4-bc6e-07b57f946614" providerId="ADAL" clId="{AD861AA3-1B13-4595-854C-9F6C151E35BA}" dt="2022-11-07T10:13:06.511" v="1520"/>
+          <ac:spMkLst>
+            <pc:docMk/>
+            <pc:sldMk cId="3389449928" sldId="274"/>
+            <ac:spMk id="7" creationId="{048F93AD-7EFE-4873-9FEF-50E0F31AA337}"/>
+          </ac:spMkLst>
+        </pc:spChg>
+        <pc:picChg chg="del">
+          <ac:chgData name="Jauregui Beso, Jara" userId="545a1999-fc67-42e4-bc6e-07b57f946614" providerId="ADAL" clId="{AD861AA3-1B13-4595-854C-9F6C151E35BA}" dt="2022-11-07T10:12:21.455" v="1457" actId="478"/>
+          <ac:picMkLst>
+            <pc:docMk/>
+            <pc:sldMk cId="3389449928" sldId="274"/>
+            <ac:picMk id="3" creationId="{04988A35-2B1C-DA5E-D94A-F20B88D17605}"/>
+          </ac:picMkLst>
+        </pc:picChg>
+        <pc:picChg chg="add mod ord">
+          <ac:chgData name="Jauregui Beso, Jara" userId="545a1999-fc67-42e4-bc6e-07b57f946614" providerId="ADAL" clId="{AD861AA3-1B13-4595-854C-9F6C151E35BA}" dt="2022-11-07T10:12:36.970" v="1463" actId="1076"/>
+          <ac:picMkLst>
+            <pc:docMk/>
+            <pc:sldMk cId="3389449928" sldId="274"/>
+            <ac:picMk id="5" creationId="{E9B97A04-774B-6EE6-36A8-B2648B791E42}"/>
+          </ac:picMkLst>
+        </pc:picChg>
+      </pc:sldChg>
+      <pc:sldChg chg="modSp add mod">
+        <pc:chgData name="Jauregui Beso, Jara" userId="545a1999-fc67-42e4-bc6e-07b57f946614" providerId="ADAL" clId="{AD861AA3-1B13-4595-854C-9F6C151E35BA}" dt="2022-11-07T10:20:20.478" v="1942" actId="113"/>
+        <pc:sldMkLst>
+          <pc:docMk/>
+          <pc:sldMk cId="91587047" sldId="275"/>
+        </pc:sldMkLst>
+        <pc:spChg chg="mod">
+          <ac:chgData name="Jauregui Beso, Jara" userId="545a1999-fc67-42e4-bc6e-07b57f946614" providerId="ADAL" clId="{AD861AA3-1B13-4595-854C-9F6C151E35BA}" dt="2022-11-07T10:20:20.478" v="1942" actId="113"/>
+          <ac:spMkLst>
+            <pc:docMk/>
+            <pc:sldMk cId="91587047" sldId="275"/>
+            <ac:spMk id="11" creationId="{99BAED0E-81C2-C67C-9F14-4EB2793F82AE}"/>
+          </ac:spMkLst>
+        </pc:spChg>
+        <pc:picChg chg="mod modCrop">
+          <ac:chgData name="Jauregui Beso, Jara" userId="545a1999-fc67-42e4-bc6e-07b57f946614" providerId="ADAL" clId="{AD861AA3-1B13-4595-854C-9F6C151E35BA}" dt="2022-11-07T10:17:35.245" v="1883" actId="1076"/>
+          <ac:picMkLst>
+            <pc:docMk/>
+            <pc:sldMk cId="91587047" sldId="275"/>
+            <ac:picMk id="9" creationId="{1DD11078-4070-8F15-DFC7-A11CEB60B02A}"/>
+          </ac:picMkLst>
+        </pc:picChg>
+      </pc:sldChg>
+      <pc:sldChg chg="modSp add mod">
+        <pc:chgData name="Jauregui Beso, Jara" userId="545a1999-fc67-42e4-bc6e-07b57f946614" providerId="ADAL" clId="{AD861AA3-1B13-4595-854C-9F6C151E35BA}" dt="2022-11-07T10:21:08.782" v="1948" actId="113"/>
+        <pc:sldMkLst>
+          <pc:docMk/>
+          <pc:sldMk cId="3817661182" sldId="276"/>
+        </pc:sldMkLst>
+        <pc:spChg chg="mod">
+          <ac:chgData name="Jauregui Beso, Jara" userId="545a1999-fc67-42e4-bc6e-07b57f946614" providerId="ADAL" clId="{AD861AA3-1B13-4595-854C-9F6C151E35BA}" dt="2022-11-07T10:21:08.782" v="1948" actId="113"/>
+          <ac:spMkLst>
+            <pc:docMk/>
+            <pc:sldMk cId="3817661182" sldId="276"/>
+            <ac:spMk id="11" creationId="{99BAED0E-81C2-C67C-9F14-4EB2793F82AE}"/>
+          </ac:spMkLst>
+        </pc:spChg>
+      </pc:sldChg>
+      <pc:sldChg chg="modSp add mod">
+        <pc:chgData name="Jauregui Beso, Jara" userId="545a1999-fc67-42e4-bc6e-07b57f946614" providerId="ADAL" clId="{AD861AA3-1B13-4595-854C-9F6C151E35BA}" dt="2022-11-07T10:21:53.005" v="1952"/>
+        <pc:sldMkLst>
+          <pc:docMk/>
+          <pc:sldMk cId="2386819989" sldId="277"/>
+        </pc:sldMkLst>
+        <pc:spChg chg="mod">
+          <ac:chgData name="Jauregui Beso, Jara" userId="545a1999-fc67-42e4-bc6e-07b57f946614" providerId="ADAL" clId="{AD861AA3-1B13-4595-854C-9F6C151E35BA}" dt="2022-11-07T10:21:53.005" v="1952"/>
+          <ac:spMkLst>
+            <pc:docMk/>
+            <pc:sldMk cId="2386819989" sldId="277"/>
+            <ac:spMk id="2" creationId="{C40AFC7F-5EA5-87CD-EEF2-6BDE715C738D}"/>
+          </ac:spMkLst>
+        </pc:spChg>
+      </pc:sldChg>
+      <pc:sldChg chg="modSp add mod">
+        <pc:chgData name="Jauregui Beso, Jara" userId="545a1999-fc67-42e4-bc6e-07b57f946614" providerId="ADAL" clId="{AD861AA3-1B13-4595-854C-9F6C151E35BA}" dt="2022-11-07T10:26:05.400" v="1990"/>
+        <pc:sldMkLst>
+          <pc:docMk/>
+          <pc:sldMk cId="3356519008" sldId="278"/>
+        </pc:sldMkLst>
+        <pc:spChg chg="mod">
+          <ac:chgData name="Jauregui Beso, Jara" userId="545a1999-fc67-42e4-bc6e-07b57f946614" providerId="ADAL" clId="{AD861AA3-1B13-4595-854C-9F6C151E35BA}" dt="2022-11-07T10:26:05.400" v="1990"/>
+          <ac:spMkLst>
+            <pc:docMk/>
+            <pc:sldMk cId="3356519008" sldId="278"/>
+            <ac:spMk id="4" creationId="{20E6FDB1-60BC-85B0-3EA3-09433FA21E59}"/>
+          </ac:spMkLst>
+        </pc:spChg>
+      </pc:sldChg>
+    </pc:docChg>
+  </pc:docChgLst>
+</pc:chgInfo>
 </file>
 
 <file path=ppt/slideLayouts/slideLayout1.xml><?xml version="1.0" encoding="utf-8"?>
@@ -264,7 +917,7 @@
           <a:p>
             <a:fld id="{046D3877-9706-4A9A-A778-097DEF198E05}" type="datetimeFigureOut">
               <a:rPr lang="en-US" smtClean="0"/>
-              <a:t>10/19/2022</a:t>
+              <a:t>11/3/2022</a:t>
             </a:fld>
             <a:endParaRPr lang="en-US"/>
           </a:p>
@@ -462,7 +1115,7 @@
           <a:p>
             <a:fld id="{046D3877-9706-4A9A-A778-097DEF198E05}" type="datetimeFigureOut">
               <a:rPr lang="en-US" smtClean="0"/>
-              <a:t>10/19/2022</a:t>
+              <a:t>11/3/2022</a:t>
             </a:fld>
             <a:endParaRPr lang="en-US"/>
           </a:p>
@@ -670,7 +1323,7 @@
           <a:p>
             <a:fld id="{046D3877-9706-4A9A-A778-097DEF198E05}" type="datetimeFigureOut">
               <a:rPr lang="en-US" smtClean="0"/>
-              <a:t>10/19/2022</a:t>
+              <a:t>11/3/2022</a:t>
             </a:fld>
             <a:endParaRPr lang="en-US"/>
           </a:p>
@@ -868,7 +1521,7 @@
           <a:p>
             <a:fld id="{046D3877-9706-4A9A-A778-097DEF198E05}" type="datetimeFigureOut">
               <a:rPr lang="en-US" smtClean="0"/>
-              <a:t>10/19/2022</a:t>
+              <a:t>11/3/2022</a:t>
             </a:fld>
             <a:endParaRPr lang="en-US"/>
           </a:p>
@@ -1143,7 +1796,7 @@
           <a:p>
             <a:fld id="{046D3877-9706-4A9A-A778-097DEF198E05}" type="datetimeFigureOut">
               <a:rPr lang="en-US" smtClean="0"/>
-              <a:t>10/19/2022</a:t>
+              <a:t>11/3/2022</a:t>
             </a:fld>
             <a:endParaRPr lang="en-US"/>
           </a:p>
@@ -1408,7 +2061,7 @@
           <a:p>
             <a:fld id="{046D3877-9706-4A9A-A778-097DEF198E05}" type="datetimeFigureOut">
               <a:rPr lang="en-US" smtClean="0"/>
-              <a:t>10/19/2022</a:t>
+              <a:t>11/3/2022</a:t>
             </a:fld>
             <a:endParaRPr lang="en-US"/>
           </a:p>
@@ -1820,7 +2473,7 @@
           <a:p>
             <a:fld id="{046D3877-9706-4A9A-A778-097DEF198E05}" type="datetimeFigureOut">
               <a:rPr lang="en-US" smtClean="0"/>
-              <a:t>10/19/2022</a:t>
+              <a:t>11/3/2022</a:t>
             </a:fld>
             <a:endParaRPr lang="en-US"/>
           </a:p>
@@ -1961,7 +2614,7 @@
           <a:p>
             <a:fld id="{046D3877-9706-4A9A-A778-097DEF198E05}" type="datetimeFigureOut">
               <a:rPr lang="en-US" smtClean="0"/>
-              <a:t>10/19/2022</a:t>
+              <a:t>11/3/2022</a:t>
             </a:fld>
             <a:endParaRPr lang="en-US"/>
           </a:p>
@@ -2074,7 +2727,7 @@
           <a:p>
             <a:fld id="{046D3877-9706-4A9A-A778-097DEF198E05}" type="datetimeFigureOut">
               <a:rPr lang="en-US" smtClean="0"/>
-              <a:t>10/19/2022</a:t>
+              <a:t>11/3/2022</a:t>
             </a:fld>
             <a:endParaRPr lang="en-US"/>
           </a:p>
@@ -2385,7 +3038,7 @@
           <a:p>
             <a:fld id="{046D3877-9706-4A9A-A778-097DEF198E05}" type="datetimeFigureOut">
               <a:rPr lang="en-US" smtClean="0"/>
-              <a:t>10/19/2022</a:t>
+              <a:t>11/3/2022</a:t>
             </a:fld>
             <a:endParaRPr lang="en-US"/>
           </a:p>
@@ -2673,7 +3326,7 @@
           <a:p>
             <a:fld id="{046D3877-9706-4A9A-A778-097DEF198E05}" type="datetimeFigureOut">
               <a:rPr lang="en-US" smtClean="0"/>
-              <a:t>10/19/2022</a:t>
+              <a:t>11/3/2022</a:t>
             </a:fld>
             <a:endParaRPr lang="en-US"/>
           </a:p>
@@ -2914,7 +3567,7 @@
           <a:p>
             <a:fld id="{046D3877-9706-4A9A-A778-097DEF198E05}" type="datetimeFigureOut">
               <a:rPr lang="en-US" smtClean="0"/>
-              <a:t>10/19/2022</a:t>
+              <a:t>11/3/2022</a:t>
             </a:fld>
             <a:endParaRPr lang="en-US"/>
           </a:p>
@@ -3331,46 +3984,63 @@
           <a:chExt cx="0" cy="0"/>
         </a:xfrm>
       </p:grpSpPr>
-      <p:pic>
-        <p:nvPicPr>
-          <p:cNvPr id="9" name="Picture 8" descr="Chart&#10;&#10;Description automatically generated">
-            <a:extLst>
-              <a:ext uri="{FF2B5EF4-FFF2-40B4-BE49-F238E27FC236}">
-                <a16:creationId xmlns:a16="http://schemas.microsoft.com/office/drawing/2014/main" id="{0D92446F-FA1E-5BF7-5462-E7CE30964EE0}"/>
-              </a:ext>
-            </a:extLst>
-          </p:cNvPr>
-          <p:cNvPicPr>
-            <a:picLocks noChangeAspect="1"/>
-          </p:cNvPicPr>
-          <p:nvPr/>
-        </p:nvPicPr>
-        <p:blipFill>
-          <a:blip r:embed="rId2">
-            <a:extLst>
-              <a:ext uri="{28A0092B-C50C-407E-A947-70E740481C1C}">
-                <a14:useLocalDpi xmlns:a14="http://schemas.microsoft.com/office/drawing/2010/main" val="0"/>
-              </a:ext>
-            </a:extLst>
-          </a:blip>
-          <a:stretch>
-            <a:fillRect/>
-          </a:stretch>
-        </p:blipFill>
-        <p:spPr>
-          <a:xfrm>
-            <a:off x="1095681" y="0"/>
-            <a:ext cx="10287000" cy="6858000"/>
-          </a:xfrm>
-          <a:prstGeom prst="rect">
-            <a:avLst/>
-          </a:prstGeom>
-        </p:spPr>
-      </p:pic>
+      <p:sp>
+        <p:nvSpPr>
+          <p:cNvPr id="2" name="Title 1">
+            <a:extLst>
+              <a:ext uri="{FF2B5EF4-FFF2-40B4-BE49-F238E27FC236}">
+                <a16:creationId xmlns:a16="http://schemas.microsoft.com/office/drawing/2014/main" id="{BA5E6F36-563B-3818-761F-EAF303C2D618}"/>
+              </a:ext>
+            </a:extLst>
+          </p:cNvPr>
+          <p:cNvSpPr>
+            <a:spLocks noGrp="1"/>
+          </p:cNvSpPr>
+          <p:nvPr>
+            <p:ph type="title"/>
+          </p:nvPr>
+        </p:nvSpPr>
+        <p:spPr/>
+        <p:txBody>
+          <a:bodyPr/>
+          <a:lstStyle/>
+          <a:p>
+            <a:r>
+              <a:rPr lang="en-GB" dirty="0"/>
+              <a:t>Design, dataset (altitudes and dates), indexes </a:t>
+            </a:r>
+          </a:p>
+        </p:txBody>
+      </p:sp>
+      <p:sp>
+        <p:nvSpPr>
+          <p:cNvPr id="3" name="Content Placeholder 2">
+            <a:extLst>
+              <a:ext uri="{FF2B5EF4-FFF2-40B4-BE49-F238E27FC236}">
+                <a16:creationId xmlns:a16="http://schemas.microsoft.com/office/drawing/2014/main" id="{1432A79D-AE7E-F3E3-0135-2F0EE1114BBE}"/>
+              </a:ext>
+            </a:extLst>
+          </p:cNvPr>
+          <p:cNvSpPr>
+            <a:spLocks noGrp="1"/>
+          </p:cNvSpPr>
+          <p:nvPr>
+            <p:ph idx="1"/>
+          </p:nvPr>
+        </p:nvSpPr>
+        <p:spPr/>
+        <p:txBody>
+          <a:bodyPr/>
+          <a:lstStyle/>
+          <a:p>
+            <a:endParaRPr lang="en-GB"/>
+          </a:p>
+        </p:txBody>
+      </p:sp>
     </p:spTree>
     <p:extLst>
       <p:ext uri="{BB962C8B-B14F-4D97-AF65-F5344CB8AC3E}">
-        <p14:creationId xmlns:p14="http://schemas.microsoft.com/office/powerpoint/2010/main" val="4221457052"/>
+        <p14:creationId xmlns:p14="http://schemas.microsoft.com/office/powerpoint/2010/main" val="941861617"/>
       </p:ext>
     </p:extLst>
   </p:cSld>
@@ -3402,7 +4072,7 @@
           <p:cNvPr id="2" name="Title 1">
             <a:extLst>
               <a:ext uri="{FF2B5EF4-FFF2-40B4-BE49-F238E27FC236}">
-                <a16:creationId xmlns:a16="http://schemas.microsoft.com/office/drawing/2014/main" id="{9436E8AB-C561-2FCA-0265-5CB6416C4D16}"/>
+                <a16:creationId xmlns:a16="http://schemas.microsoft.com/office/drawing/2014/main" id="{C40AFC7F-5EA5-87CD-EEF2-6BDE715C738D}"/>
               </a:ext>
             </a:extLst>
           </p:cNvPr>
@@ -3413,24 +4083,29 @@
             <p:ph type="title"/>
           </p:nvPr>
         </p:nvSpPr>
-        <p:spPr/>
+        <p:spPr>
+          <a:xfrm>
+            <a:off x="693605" y="462450"/>
+            <a:ext cx="10515600" cy="1325563"/>
+          </a:xfrm>
+        </p:spPr>
         <p:txBody>
           <a:bodyPr/>
           <a:lstStyle/>
           <a:p>
             <a:r>
-              <a:rPr lang="es-ES" b="1" dirty="0" err="1"/>
-              <a:t>Random</a:t>
-            </a:r>
-            <a:r>
-              <a:rPr lang="es-ES" b="1" dirty="0"/>
-              <a:t> </a:t>
-            </a:r>
-            <a:r>
-              <a:rPr lang="es-ES" b="1" dirty="0" err="1"/>
-              <a:t>Forests</a:t>
-            </a:r>
-            <a:endParaRPr lang="en-US" b="1" dirty="0"/>
+              <a:rPr lang="en-US" b="1" dirty="0"/>
+              <a:t>CART trees (</a:t>
+            </a:r>
+            <a:r>
+              <a:rPr lang="en-US" b="1" dirty="0" err="1"/>
+              <a:t>rpart</a:t>
+            </a:r>
+            <a:r>
+              <a:rPr lang="en-US" b="1" dirty="0"/>
+              <a:t>)</a:t>
+            </a:r>
+            <a:endParaRPr lang="en-US" dirty="0"/>
           </a:p>
         </p:txBody>
       </p:sp>
@@ -3439,7 +4114,7 @@
           <p:cNvPr id="11" name="TextBox 10">
             <a:extLst>
               <a:ext uri="{FF2B5EF4-FFF2-40B4-BE49-F238E27FC236}">
-                <a16:creationId xmlns:a16="http://schemas.microsoft.com/office/drawing/2014/main" id="{260FD1F0-D4F9-64B8-21EE-35A657542C55}"/>
+                <a16:creationId xmlns:a16="http://schemas.microsoft.com/office/drawing/2014/main" id="{99BAED0E-81C2-C67C-9F14-4EB2793F82AE}"/>
               </a:ext>
             </a:extLst>
           </p:cNvPr>
@@ -3448,8 +4123,8 @@
         </p:nvSpPr>
         <p:spPr>
           <a:xfrm>
-            <a:off x="9618661" y="86510"/>
-            <a:ext cx="2579159" cy="707886"/>
+            <a:off x="693604" y="1788013"/>
+            <a:ext cx="9066621" cy="1852815"/>
           </a:xfrm>
           <a:prstGeom prst="rect">
             <a:avLst/>
@@ -3462,160 +4137,48 @@
           </a:bodyPr>
           <a:lstStyle/>
           <a:p>
-            <a:r>
-              <a:rPr lang="es-ES" sz="4000" u="sng" dirty="0"/>
-              <a:t>30m</a:t>
-            </a:r>
-            <a:r>
-              <a:rPr lang="es-ES" sz="4000" dirty="0"/>
-              <a:t> 03-09</a:t>
-            </a:r>
-            <a:endParaRPr lang="en-US" sz="4000" dirty="0"/>
-          </a:p>
-        </p:txBody>
-      </p:sp>
-      <p:sp>
-        <p:nvSpPr>
-          <p:cNvPr id="15" name="TextBox 14">
-            <a:extLst>
-              <a:ext uri="{FF2B5EF4-FFF2-40B4-BE49-F238E27FC236}">
-                <a16:creationId xmlns:a16="http://schemas.microsoft.com/office/drawing/2014/main" id="{4AC1055D-C3A9-1E1F-3930-E7CF498C7519}"/>
-              </a:ext>
-            </a:extLst>
-          </p:cNvPr>
-          <p:cNvSpPr txBox="1"/>
-          <p:nvPr/>
-        </p:nvSpPr>
-        <p:spPr>
-          <a:xfrm>
-            <a:off x="838200" y="1507638"/>
-            <a:ext cx="3911600" cy="1477328"/>
-          </a:xfrm>
-          <a:prstGeom prst="rect">
-            <a:avLst/>
-          </a:prstGeom>
-          <a:noFill/>
-        </p:spPr>
-        <p:txBody>
-          <a:bodyPr wrap="square" rtlCol="0">
-            <a:spAutoFit/>
-          </a:bodyPr>
-          <a:lstStyle/>
-          <a:p>
-            <a:r>
-              <a:rPr lang="es-ES" dirty="0"/>
-              <a:t>PC1 &amp; PC2</a:t>
-            </a:r>
-          </a:p>
-          <a:p>
-            <a:endParaRPr lang="es-ES" dirty="0"/>
-          </a:p>
-          <a:p>
-            <a:r>
-              <a:rPr lang="es-ES" dirty="0"/>
-              <a:t>70% </a:t>
-            </a:r>
-            <a:r>
-              <a:rPr lang="es-ES" dirty="0" err="1"/>
-              <a:t>train</a:t>
-            </a:r>
-            <a:r>
-              <a:rPr lang="es-ES" dirty="0"/>
-              <a:t> 30% test </a:t>
-            </a:r>
-            <a:r>
-              <a:rPr lang="es-ES" dirty="0" err="1"/>
-              <a:t>random</a:t>
-            </a:r>
-            <a:r>
-              <a:rPr lang="es-ES" dirty="0"/>
-              <a:t> </a:t>
-            </a:r>
-            <a:r>
-              <a:rPr lang="es-ES" dirty="0" err="1"/>
-              <a:t>split</a:t>
-            </a:r>
-            <a:endParaRPr lang="es-ES" dirty="0"/>
-          </a:p>
-          <a:p>
-            <a:endParaRPr lang="es-ES" dirty="0"/>
-          </a:p>
-          <a:p>
-            <a:r>
-              <a:rPr lang="es-ES" dirty="0"/>
-              <a:t>10000 </a:t>
-            </a:r>
-            <a:r>
-              <a:rPr lang="es-ES" dirty="0" err="1"/>
-              <a:t>trees</a:t>
-            </a:r>
-            <a:endParaRPr lang="en-US" dirty="0"/>
-          </a:p>
-        </p:txBody>
-      </p:sp>
-      <p:pic>
-        <p:nvPicPr>
-          <p:cNvPr id="9" name="Picture 8">
-            <a:extLst>
-              <a:ext uri="{FF2B5EF4-FFF2-40B4-BE49-F238E27FC236}">
-                <a16:creationId xmlns:a16="http://schemas.microsoft.com/office/drawing/2014/main" id="{7CAED757-18A1-9153-D981-22A841E0F0BE}"/>
-              </a:ext>
-            </a:extLst>
-          </p:cNvPr>
-          <p:cNvPicPr>
-            <a:picLocks noChangeAspect="1"/>
-          </p:cNvPicPr>
-          <p:nvPr/>
-        </p:nvPicPr>
-        <p:blipFill rotWithShape="1">
-          <a:blip r:embed="rId2"/>
-          <a:srcRect b="72412"/>
-          <a:stretch/>
-        </p:blipFill>
-        <p:spPr>
-          <a:xfrm>
-            <a:off x="1073887" y="3573481"/>
-            <a:ext cx="4183913" cy="2150354"/>
-          </a:xfrm>
-          <a:prstGeom prst="rect">
-            <a:avLst/>
-          </a:prstGeom>
-        </p:spPr>
-      </p:pic>
-      <p:pic>
-        <p:nvPicPr>
-          <p:cNvPr id="12" name="Picture 11">
-            <a:extLst>
-              <a:ext uri="{FF2B5EF4-FFF2-40B4-BE49-F238E27FC236}">
-                <a16:creationId xmlns:a16="http://schemas.microsoft.com/office/drawing/2014/main" id="{420D1C0C-B835-51FA-09F4-85E7C3E0DB7E}"/>
-              </a:ext>
-            </a:extLst>
-          </p:cNvPr>
-          <p:cNvPicPr>
-            <a:picLocks noChangeAspect="1"/>
-          </p:cNvPicPr>
-          <p:nvPr/>
-        </p:nvPicPr>
-        <p:blipFill>
-          <a:blip r:embed="rId3"/>
-          <a:stretch>
-            <a:fillRect/>
-          </a:stretch>
-        </p:blipFill>
-        <p:spPr>
-          <a:xfrm>
-            <a:off x="6413500" y="1073011"/>
-            <a:ext cx="5245100" cy="4781550"/>
-          </a:xfrm>
-          <a:prstGeom prst="rect">
-            <a:avLst/>
-          </a:prstGeom>
-        </p:spPr>
-      </p:pic>
+            <a:pPr>
+              <a:lnSpc>
+                <a:spcPct val="200000"/>
+              </a:lnSpc>
+            </a:pPr>
+            <a:r>
+              <a:rPr lang="en-US" sz="2000" b="1" dirty="0"/>
+              <a:t>10-fold Cross-Validation with 10 repeats</a:t>
+            </a:r>
+          </a:p>
+          <a:p>
+            <a:pPr marL="457200" indent="-457200">
+              <a:lnSpc>
+                <a:spcPct val="200000"/>
+              </a:lnSpc>
+              <a:buFont typeface="+mj-lt"/>
+              <a:buAutoNum type="arabicParenR"/>
+            </a:pPr>
+            <a:r>
+              <a:rPr lang="en-US" sz="2000" dirty="0"/>
+              <a:t>Model trained with entire dataset</a:t>
+            </a:r>
+          </a:p>
+          <a:p>
+            <a:pPr marL="457200" indent="-457200">
+              <a:lnSpc>
+                <a:spcPct val="200000"/>
+              </a:lnSpc>
+              <a:buFont typeface="+mj-lt"/>
+              <a:buAutoNum type="arabicParenR"/>
+            </a:pPr>
+            <a:r>
+              <a:rPr lang="en-US" sz="2000" dirty="0"/>
+              <a:t>Model trained in 80% of the data, accuracy tested in 20% holdout </a:t>
+            </a:r>
+          </a:p>
+        </p:txBody>
+      </p:sp>
     </p:spTree>
     <p:extLst>
       <p:ext uri="{BB962C8B-B14F-4D97-AF65-F5344CB8AC3E}">
-        <p14:creationId xmlns:p14="http://schemas.microsoft.com/office/powerpoint/2010/main" val="3303346691"/>
+        <p14:creationId xmlns:p14="http://schemas.microsoft.com/office/powerpoint/2010/main" val="2327810541"/>
       </p:ext>
     </p:extLst>
   </p:cSld>
@@ -3642,12 +4205,47 @@
           <a:chExt cx="0" cy="0"/>
         </a:xfrm>
       </p:grpSpPr>
+      <p:pic>
+        <p:nvPicPr>
+          <p:cNvPr id="9" name="Picture 8" descr="Diagram&#10;&#10;Description automatically generated">
+            <a:extLst>
+              <a:ext uri="{FF2B5EF4-FFF2-40B4-BE49-F238E27FC236}">
+                <a16:creationId xmlns:a16="http://schemas.microsoft.com/office/drawing/2014/main" id="{1DD11078-4070-8F15-DFC7-A11CEB60B02A}"/>
+              </a:ext>
+            </a:extLst>
+          </p:cNvPr>
+          <p:cNvPicPr>
+            <a:picLocks noChangeAspect="1"/>
+          </p:cNvPicPr>
+          <p:nvPr/>
+        </p:nvPicPr>
+        <p:blipFill rotWithShape="1">
+          <a:blip r:embed="rId2">
+            <a:extLst>
+              <a:ext uri="{28A0092B-C50C-407E-A947-70E740481C1C}">
+                <a14:useLocalDpi xmlns:a14="http://schemas.microsoft.com/office/drawing/2010/main" val="0"/>
+              </a:ext>
+            </a:extLst>
+          </a:blip>
+          <a:srcRect l="4323" r="2847" b="9926"/>
+          <a:stretch/>
+        </p:blipFill>
+        <p:spPr>
+          <a:xfrm>
+            <a:off x="4846983" y="136189"/>
+            <a:ext cx="7345017" cy="6030425"/>
+          </a:xfrm>
+          <a:prstGeom prst="rect">
+            <a:avLst/>
+          </a:prstGeom>
+        </p:spPr>
+      </p:pic>
       <p:sp>
         <p:nvSpPr>
           <p:cNvPr id="2" name="Title 1">
             <a:extLst>
               <a:ext uri="{FF2B5EF4-FFF2-40B4-BE49-F238E27FC236}">
-                <a16:creationId xmlns:a16="http://schemas.microsoft.com/office/drawing/2014/main" id="{9436E8AB-C561-2FCA-0265-5CB6416C4D16}"/>
+                <a16:creationId xmlns:a16="http://schemas.microsoft.com/office/drawing/2014/main" id="{C40AFC7F-5EA5-87CD-EEF2-6BDE715C738D}"/>
               </a:ext>
             </a:extLst>
           </p:cNvPr>
@@ -3658,24 +4256,29 @@
             <p:ph type="title"/>
           </p:nvPr>
         </p:nvSpPr>
-        <p:spPr/>
+        <p:spPr>
+          <a:xfrm>
+            <a:off x="693605" y="462450"/>
+            <a:ext cx="10515600" cy="1325563"/>
+          </a:xfrm>
+        </p:spPr>
         <p:txBody>
           <a:bodyPr/>
           <a:lstStyle/>
           <a:p>
             <a:r>
-              <a:rPr lang="es-ES" b="1" dirty="0" err="1"/>
-              <a:t>Random</a:t>
-            </a:r>
-            <a:r>
-              <a:rPr lang="es-ES" b="1" dirty="0"/>
-              <a:t> </a:t>
-            </a:r>
-            <a:r>
-              <a:rPr lang="es-ES" b="1" dirty="0" err="1"/>
-              <a:t>Forests</a:t>
-            </a:r>
-            <a:endParaRPr lang="en-US" b="1" dirty="0"/>
+              <a:rPr lang="en-US" b="1" dirty="0"/>
+              <a:t>CART trees (</a:t>
+            </a:r>
+            <a:r>
+              <a:rPr lang="en-US" b="1" dirty="0" err="1"/>
+              <a:t>rpart</a:t>
+            </a:r>
+            <a:r>
+              <a:rPr lang="en-US" b="1" dirty="0"/>
+              <a:t>)</a:t>
+            </a:r>
+            <a:endParaRPr lang="en-US" dirty="0"/>
           </a:p>
         </p:txBody>
       </p:sp>
@@ -3684,7 +4287,7 @@
           <p:cNvPr id="11" name="TextBox 10">
             <a:extLst>
               <a:ext uri="{FF2B5EF4-FFF2-40B4-BE49-F238E27FC236}">
-                <a16:creationId xmlns:a16="http://schemas.microsoft.com/office/drawing/2014/main" id="{260FD1F0-D4F9-64B8-21EE-35A657542C55}"/>
+                <a16:creationId xmlns:a16="http://schemas.microsoft.com/office/drawing/2014/main" id="{99BAED0E-81C2-C67C-9F14-4EB2793F82AE}"/>
               </a:ext>
             </a:extLst>
           </p:cNvPr>
@@ -3693,8 +4296,8 @@
         </p:nvSpPr>
         <p:spPr>
           <a:xfrm>
-            <a:off x="9618661" y="86510"/>
-            <a:ext cx="2579159" cy="707886"/>
+            <a:off x="417443" y="1788013"/>
+            <a:ext cx="5257800" cy="2468368"/>
           </a:xfrm>
           <a:prstGeom prst="rect">
             <a:avLst/>
@@ -3707,24 +4310,184 @@
           </a:bodyPr>
           <a:lstStyle/>
           <a:p>
-            <a:r>
-              <a:rPr lang="es-ES" sz="4000" u="sng" dirty="0"/>
-              <a:t>50m</a:t>
-            </a:r>
-            <a:r>
-              <a:rPr lang="es-ES" sz="4000" dirty="0"/>
-              <a:t> 03-22</a:t>
-            </a:r>
-            <a:endParaRPr lang="en-US" sz="4000" dirty="0"/>
-          </a:p>
-        </p:txBody>
-      </p:sp>
-      <p:sp>
-        <p:nvSpPr>
-          <p:cNvPr id="15" name="TextBox 14">
-            <a:extLst>
-              <a:ext uri="{FF2B5EF4-FFF2-40B4-BE49-F238E27FC236}">
-                <a16:creationId xmlns:a16="http://schemas.microsoft.com/office/drawing/2014/main" id="{4AC1055D-C3A9-1E1F-3930-E7CF498C7519}"/>
+            <a:pPr>
+              <a:lnSpc>
+                <a:spcPct val="200000"/>
+              </a:lnSpc>
+            </a:pPr>
+            <a:r>
+              <a:rPr lang="en-US" sz="2000" b="1" dirty="0"/>
+              <a:t>1) Trained with entire dataset (not validated)</a:t>
+            </a:r>
+          </a:p>
+          <a:p>
+            <a:pPr>
+              <a:lnSpc>
+                <a:spcPct val="200000"/>
+              </a:lnSpc>
+            </a:pPr>
+            <a:r>
+              <a:rPr lang="en-US" sz="2000" dirty="0"/>
+              <a:t>Best performance : 03-22 at 50m w/o PC</a:t>
+            </a:r>
+          </a:p>
+          <a:p>
+            <a:pPr marL="285750" indent="-285750">
+              <a:lnSpc>
+                <a:spcPct val="200000"/>
+              </a:lnSpc>
+              <a:buFont typeface="Arial" panose="020B0604020202020204" pitchFamily="34" charset="0"/>
+              <a:buChar char="•"/>
+            </a:pPr>
+            <a:r>
+              <a:rPr lang="en-US" sz="2000" dirty="0"/>
+              <a:t>Mean accuracy: 88 % (</a:t>
+            </a:r>
+            <a:r>
+              <a:rPr lang="en-US" sz="2000" dirty="0" err="1"/>
+              <a:t>sd</a:t>
+            </a:r>
+            <a:r>
+              <a:rPr lang="en-US" sz="2000" dirty="0"/>
+              <a:t>:</a:t>
+            </a:r>
+          </a:p>
+          <a:p>
+            <a:pPr marL="285750" indent="-285750">
+              <a:lnSpc>
+                <a:spcPct val="200000"/>
+              </a:lnSpc>
+              <a:buFont typeface="Arial" panose="020B0604020202020204" pitchFamily="34" charset="0"/>
+              <a:buChar char="•"/>
+            </a:pPr>
+            <a:r>
+              <a:rPr lang="en-US" sz="2000" dirty="0"/>
+              <a:t>Mean Kappa:  84.5 % (</a:t>
+            </a:r>
+            <a:r>
+              <a:rPr lang="en-US" sz="2000" dirty="0" err="1"/>
+              <a:t>sd</a:t>
+            </a:r>
+            <a:r>
+              <a:rPr lang="en-US" sz="2000" dirty="0"/>
+              <a:t>: 	</a:t>
+            </a:r>
+          </a:p>
+        </p:txBody>
+      </p:sp>
+    </p:spTree>
+    <p:extLst>
+      <p:ext uri="{BB962C8B-B14F-4D97-AF65-F5344CB8AC3E}">
+        <p14:creationId xmlns:p14="http://schemas.microsoft.com/office/powerpoint/2010/main" val="91587047"/>
+      </p:ext>
+    </p:extLst>
+  </p:cSld>
+  <p:clrMapOvr>
+    <a:masterClrMapping/>
+  </p:clrMapOvr>
+</p:sld>
+</file>
+
+<file path=ppt/slides/slide12.xml><?xml version="1.0" encoding="utf-8"?>
+<p:sld xmlns:a="http://schemas.openxmlformats.org/drawingml/2006/main" xmlns:r="http://schemas.openxmlformats.org/officeDocument/2006/relationships" xmlns:p="http://schemas.openxmlformats.org/presentationml/2006/main">
+  <p:cSld>
+    <p:spTree>
+      <p:nvGrpSpPr>
+        <p:cNvPr id="1" name=""/>
+        <p:cNvGrpSpPr/>
+        <p:nvPr/>
+      </p:nvGrpSpPr>
+      <p:grpSpPr>
+        <a:xfrm>
+          <a:off x="0" y="0"/>
+          <a:ext cx="0" cy="0"/>
+          <a:chOff x="0" y="0"/>
+          <a:chExt cx="0" cy="0"/>
+        </a:xfrm>
+      </p:grpSpPr>
+      <p:pic>
+        <p:nvPicPr>
+          <p:cNvPr id="9" name="Picture 8" descr="Diagram&#10;&#10;Description automatically generated">
+            <a:extLst>
+              <a:ext uri="{FF2B5EF4-FFF2-40B4-BE49-F238E27FC236}">
+                <a16:creationId xmlns:a16="http://schemas.microsoft.com/office/drawing/2014/main" id="{1DD11078-4070-8F15-DFC7-A11CEB60B02A}"/>
+              </a:ext>
+            </a:extLst>
+          </p:cNvPr>
+          <p:cNvPicPr>
+            <a:picLocks noChangeAspect="1"/>
+          </p:cNvPicPr>
+          <p:nvPr/>
+        </p:nvPicPr>
+        <p:blipFill rotWithShape="1">
+          <a:blip r:embed="rId2">
+            <a:extLst>
+              <a:ext uri="{28A0092B-C50C-407E-A947-70E740481C1C}">
+                <a14:useLocalDpi xmlns:a14="http://schemas.microsoft.com/office/drawing/2010/main" val="0"/>
+              </a:ext>
+            </a:extLst>
+          </a:blip>
+          <a:srcRect l="4323" r="2847" b="9926"/>
+          <a:stretch/>
+        </p:blipFill>
+        <p:spPr>
+          <a:xfrm>
+            <a:off x="4846983" y="136189"/>
+            <a:ext cx="7345017" cy="6030425"/>
+          </a:xfrm>
+          <a:prstGeom prst="rect">
+            <a:avLst/>
+          </a:prstGeom>
+        </p:spPr>
+      </p:pic>
+      <p:sp>
+        <p:nvSpPr>
+          <p:cNvPr id="2" name="Title 1">
+            <a:extLst>
+              <a:ext uri="{FF2B5EF4-FFF2-40B4-BE49-F238E27FC236}">
+                <a16:creationId xmlns:a16="http://schemas.microsoft.com/office/drawing/2014/main" id="{C40AFC7F-5EA5-87CD-EEF2-6BDE715C738D}"/>
+              </a:ext>
+            </a:extLst>
+          </p:cNvPr>
+          <p:cNvSpPr>
+            <a:spLocks noGrp="1"/>
+          </p:cNvSpPr>
+          <p:nvPr>
+            <p:ph type="title"/>
+          </p:nvPr>
+        </p:nvSpPr>
+        <p:spPr>
+          <a:xfrm>
+            <a:off x="693605" y="462450"/>
+            <a:ext cx="10515600" cy="1325563"/>
+          </a:xfrm>
+        </p:spPr>
+        <p:txBody>
+          <a:bodyPr/>
+          <a:lstStyle/>
+          <a:p>
+            <a:r>
+              <a:rPr lang="en-US" b="1" dirty="0"/>
+              <a:t>CART trees (</a:t>
+            </a:r>
+            <a:r>
+              <a:rPr lang="en-US" b="1" dirty="0" err="1"/>
+              <a:t>rpart</a:t>
+            </a:r>
+            <a:r>
+              <a:rPr lang="en-US" b="1" dirty="0"/>
+              <a:t>)</a:t>
+            </a:r>
+            <a:endParaRPr lang="en-US" dirty="0"/>
+          </a:p>
+        </p:txBody>
+      </p:sp>
+      <p:sp>
+        <p:nvSpPr>
+          <p:cNvPr id="11" name="TextBox 10">
+            <a:extLst>
+              <a:ext uri="{FF2B5EF4-FFF2-40B4-BE49-F238E27FC236}">
+                <a16:creationId xmlns:a16="http://schemas.microsoft.com/office/drawing/2014/main" id="{99BAED0E-81C2-C67C-9F14-4EB2793F82AE}"/>
               </a:ext>
             </a:extLst>
           </p:cNvPr>
@@ -3733,8 +4496,8 @@
         </p:nvSpPr>
         <p:spPr>
           <a:xfrm>
-            <a:off x="838200" y="1507638"/>
-            <a:ext cx="3911600" cy="1477328"/>
+            <a:off x="417443" y="1788013"/>
+            <a:ext cx="5257800" cy="3083921"/>
           </a:xfrm>
           <a:prstGeom prst="rect">
             <a:avLst/>
@@ -3747,63 +4510,245 @@
           </a:bodyPr>
           <a:lstStyle/>
           <a:p>
-            <a:r>
-              <a:rPr lang="es-ES" dirty="0"/>
-              <a:t>PC1 &amp; PC2</a:t>
-            </a:r>
-          </a:p>
-          <a:p>
-            <a:endParaRPr lang="es-ES" dirty="0"/>
-          </a:p>
-          <a:p>
-            <a:r>
-              <a:rPr lang="es-ES" dirty="0"/>
-              <a:t>70% </a:t>
-            </a:r>
-            <a:r>
-              <a:rPr lang="es-ES" dirty="0" err="1"/>
-              <a:t>train</a:t>
-            </a:r>
-            <a:r>
-              <a:rPr lang="es-ES" dirty="0"/>
-              <a:t> 30% test </a:t>
-            </a:r>
-            <a:r>
-              <a:rPr lang="es-ES" dirty="0" err="1"/>
-              <a:t>random</a:t>
-            </a:r>
-            <a:r>
-              <a:rPr lang="es-ES" dirty="0"/>
-              <a:t> </a:t>
-            </a:r>
-            <a:r>
-              <a:rPr lang="es-ES" dirty="0" err="1"/>
-              <a:t>split</a:t>
-            </a:r>
-            <a:endParaRPr lang="es-ES" dirty="0"/>
-          </a:p>
-          <a:p>
-            <a:endParaRPr lang="es-ES" dirty="0"/>
-          </a:p>
-          <a:p>
-            <a:r>
-              <a:rPr lang="es-ES" dirty="0"/>
-              <a:t>10000 </a:t>
-            </a:r>
-            <a:r>
-              <a:rPr lang="es-ES" dirty="0" err="1"/>
-              <a:t>trees</a:t>
+            <a:pPr>
+              <a:lnSpc>
+                <a:spcPct val="200000"/>
+              </a:lnSpc>
+            </a:pPr>
+            <a:r>
+              <a:rPr lang="en-US" sz="2000" b="1" dirty="0"/>
+              <a:t>2) Trained in 80% of the data, accuracy tested in 20% holdout </a:t>
+            </a:r>
+          </a:p>
+          <a:p>
+            <a:pPr>
+              <a:lnSpc>
+                <a:spcPct val="200000"/>
+              </a:lnSpc>
+            </a:pPr>
+            <a:r>
+              <a:rPr lang="en-US" sz="2000" dirty="0"/>
+              <a:t>Best performance : 03-22 at 50m w/o PC</a:t>
+            </a:r>
+          </a:p>
+          <a:p>
+            <a:pPr marL="285750" indent="-285750">
+              <a:lnSpc>
+                <a:spcPct val="200000"/>
+              </a:lnSpc>
+              <a:buFont typeface="Arial" panose="020B0604020202020204" pitchFamily="34" charset="0"/>
+              <a:buChar char="•"/>
+            </a:pPr>
+            <a:r>
+              <a:rPr lang="en-US" sz="2000" dirty="0"/>
+              <a:t>Mean accuracy: 88 % (</a:t>
+            </a:r>
+            <a:r>
+              <a:rPr lang="en-US" sz="2000" dirty="0" err="1"/>
+              <a:t>sd</a:t>
+            </a:r>
+            <a:r>
+              <a:rPr lang="en-US" sz="2000" dirty="0"/>
+              <a:t>:</a:t>
+            </a:r>
+          </a:p>
+          <a:p>
+            <a:pPr marL="285750" indent="-285750">
+              <a:lnSpc>
+                <a:spcPct val="200000"/>
+              </a:lnSpc>
+              <a:buFont typeface="Arial" panose="020B0604020202020204" pitchFamily="34" charset="0"/>
+              <a:buChar char="•"/>
+            </a:pPr>
+            <a:r>
+              <a:rPr lang="en-US" sz="2000" dirty="0"/>
+              <a:t>Mean Kappa:  84.5 % (</a:t>
+            </a:r>
+            <a:r>
+              <a:rPr lang="en-US" sz="2000" dirty="0" err="1"/>
+              <a:t>sd</a:t>
+            </a:r>
+            <a:r>
+              <a:rPr lang="en-US" sz="2000" dirty="0"/>
+              <a:t>: 	</a:t>
+            </a:r>
+          </a:p>
+        </p:txBody>
+      </p:sp>
+    </p:spTree>
+    <p:extLst>
+      <p:ext uri="{BB962C8B-B14F-4D97-AF65-F5344CB8AC3E}">
+        <p14:creationId xmlns:p14="http://schemas.microsoft.com/office/powerpoint/2010/main" val="3817661182"/>
+      </p:ext>
+    </p:extLst>
+  </p:cSld>
+  <p:clrMapOvr>
+    <a:masterClrMapping/>
+  </p:clrMapOvr>
+</p:sld>
+</file>
+
+<file path=ppt/slides/slide13.xml><?xml version="1.0" encoding="utf-8"?>
+<p:sld xmlns:a="http://schemas.openxmlformats.org/drawingml/2006/main" xmlns:r="http://schemas.openxmlformats.org/officeDocument/2006/relationships" xmlns:p="http://schemas.openxmlformats.org/presentationml/2006/main">
+  <p:cSld>
+    <p:spTree>
+      <p:nvGrpSpPr>
+        <p:cNvPr id="1" name=""/>
+        <p:cNvGrpSpPr/>
+        <p:nvPr/>
+      </p:nvGrpSpPr>
+      <p:grpSpPr>
+        <a:xfrm>
+          <a:off x="0" y="0"/>
+          <a:ext cx="0" cy="0"/>
+          <a:chOff x="0" y="0"/>
+          <a:chExt cx="0" cy="0"/>
+        </a:xfrm>
+      </p:grpSpPr>
+      <p:sp>
+        <p:nvSpPr>
+          <p:cNvPr id="2" name="Title 1">
+            <a:extLst>
+              <a:ext uri="{FF2B5EF4-FFF2-40B4-BE49-F238E27FC236}">
+                <a16:creationId xmlns:a16="http://schemas.microsoft.com/office/drawing/2014/main" id="{C40AFC7F-5EA5-87CD-EEF2-6BDE715C738D}"/>
+              </a:ext>
+            </a:extLst>
+          </p:cNvPr>
+          <p:cNvSpPr>
+            <a:spLocks noGrp="1"/>
+          </p:cNvSpPr>
+          <p:nvPr>
+            <p:ph type="title"/>
+          </p:nvPr>
+        </p:nvSpPr>
+        <p:spPr>
+          <a:xfrm>
+            <a:off x="693605" y="462450"/>
+            <a:ext cx="10515600" cy="1325563"/>
+          </a:xfrm>
+        </p:spPr>
+        <p:txBody>
+          <a:bodyPr/>
+          <a:lstStyle/>
+          <a:p>
+            <a:r>
+              <a:rPr lang="en-US" b="1" dirty="0"/>
+              <a:t>Conditional Inference (</a:t>
+            </a:r>
+            <a:r>
+              <a:rPr lang="en-US" b="1" dirty="0" err="1"/>
+              <a:t>ctree</a:t>
+            </a:r>
+            <a:r>
+              <a:rPr lang="en-US" b="1" dirty="0"/>
+              <a:t>)</a:t>
             </a:r>
             <a:endParaRPr lang="en-US" dirty="0"/>
           </a:p>
         </p:txBody>
       </p:sp>
+      <p:sp>
+        <p:nvSpPr>
+          <p:cNvPr id="11" name="TextBox 10">
+            <a:extLst>
+              <a:ext uri="{FF2B5EF4-FFF2-40B4-BE49-F238E27FC236}">
+                <a16:creationId xmlns:a16="http://schemas.microsoft.com/office/drawing/2014/main" id="{99BAED0E-81C2-C67C-9F14-4EB2793F82AE}"/>
+              </a:ext>
+            </a:extLst>
+          </p:cNvPr>
+          <p:cNvSpPr txBox="1"/>
+          <p:nvPr/>
+        </p:nvSpPr>
+        <p:spPr>
+          <a:xfrm>
+            <a:off x="693604" y="1788013"/>
+            <a:ext cx="9066621" cy="1852815"/>
+          </a:xfrm>
+          <a:prstGeom prst="rect">
+            <a:avLst/>
+          </a:prstGeom>
+          <a:noFill/>
+        </p:spPr>
+        <p:txBody>
+          <a:bodyPr wrap="square" rtlCol="0">
+            <a:spAutoFit/>
+          </a:bodyPr>
+          <a:lstStyle/>
+          <a:p>
+            <a:pPr>
+              <a:lnSpc>
+                <a:spcPct val="200000"/>
+              </a:lnSpc>
+            </a:pPr>
+            <a:r>
+              <a:rPr lang="en-US" sz="2000" b="1" dirty="0"/>
+              <a:t>10-fold Cross-Validation with 10 repeats</a:t>
+            </a:r>
+          </a:p>
+          <a:p>
+            <a:pPr marL="457200" indent="-457200">
+              <a:lnSpc>
+                <a:spcPct val="200000"/>
+              </a:lnSpc>
+              <a:buFont typeface="+mj-lt"/>
+              <a:buAutoNum type="arabicParenR"/>
+            </a:pPr>
+            <a:r>
+              <a:rPr lang="en-US" sz="2000" dirty="0"/>
+              <a:t>Model trained with entire dataset</a:t>
+            </a:r>
+          </a:p>
+          <a:p>
+            <a:pPr marL="457200" indent="-457200">
+              <a:lnSpc>
+                <a:spcPct val="200000"/>
+              </a:lnSpc>
+              <a:buFont typeface="+mj-lt"/>
+              <a:buAutoNum type="arabicParenR"/>
+            </a:pPr>
+            <a:r>
+              <a:rPr lang="en-US" sz="2000" dirty="0"/>
+              <a:t>Model trained in 80% of the data, accuracy tested in 20% holdout </a:t>
+            </a:r>
+          </a:p>
+        </p:txBody>
+      </p:sp>
+    </p:spTree>
+    <p:extLst>
+      <p:ext uri="{BB962C8B-B14F-4D97-AF65-F5344CB8AC3E}">
+        <p14:creationId xmlns:p14="http://schemas.microsoft.com/office/powerpoint/2010/main" val="2386819989"/>
+      </p:ext>
+    </p:extLst>
+  </p:cSld>
+  <p:clrMapOvr>
+    <a:masterClrMapping/>
+  </p:clrMapOvr>
+</p:sld>
+</file>
+
+<file path=ppt/slides/slide14.xml><?xml version="1.0" encoding="utf-8"?>
+<p:sld xmlns:a="http://schemas.openxmlformats.org/drawingml/2006/main" xmlns:r="http://schemas.openxmlformats.org/officeDocument/2006/relationships" xmlns:p="http://schemas.openxmlformats.org/presentationml/2006/main">
+  <p:cSld>
+    <p:spTree>
+      <p:nvGrpSpPr>
+        <p:cNvPr id="1" name=""/>
+        <p:cNvGrpSpPr/>
+        <p:nvPr/>
+      </p:nvGrpSpPr>
+      <p:grpSpPr>
+        <a:xfrm>
+          <a:off x="0" y="0"/>
+          <a:ext cx="0" cy="0"/>
+          <a:chOff x="0" y="0"/>
+          <a:chExt cx="0" cy="0"/>
+        </a:xfrm>
+      </p:grpSpPr>
       <p:pic>
         <p:nvPicPr>
-          <p:cNvPr id="4" name="Picture 3">
-            <a:extLst>
-              <a:ext uri="{FF2B5EF4-FFF2-40B4-BE49-F238E27FC236}">
-                <a16:creationId xmlns:a16="http://schemas.microsoft.com/office/drawing/2014/main" id="{BCDBFE9A-1605-04D4-22E4-2A781A159333}"/>
+          <p:cNvPr id="2" name="Picture 1">
+            <a:extLst>
+              <a:ext uri="{FF2B5EF4-FFF2-40B4-BE49-F238E27FC236}">
+                <a16:creationId xmlns:a16="http://schemas.microsoft.com/office/drawing/2014/main" id="{C4473714-3127-14A0-B9C8-6C63849C423C}"/>
               </a:ext>
             </a:extLst>
           </p:cNvPr>
@@ -3820,20 +4765,206 @@
         </p:blipFill>
         <p:spPr>
           <a:xfrm>
-            <a:off x="838200" y="3782874"/>
-            <a:ext cx="4296159" cy="2025650"/>
+            <a:off x="3659995" y="1177159"/>
+            <a:ext cx="8532005" cy="5247295"/>
           </a:xfrm>
           <a:prstGeom prst="rect">
             <a:avLst/>
           </a:prstGeom>
         </p:spPr>
       </p:pic>
+      <p:sp>
+        <p:nvSpPr>
+          <p:cNvPr id="4" name="TextBox 3">
+            <a:extLst>
+              <a:ext uri="{FF2B5EF4-FFF2-40B4-BE49-F238E27FC236}">
+                <a16:creationId xmlns:a16="http://schemas.microsoft.com/office/drawing/2014/main" id="{20E6FDB1-60BC-85B0-3EA3-09433FA21E59}"/>
+              </a:ext>
+            </a:extLst>
+          </p:cNvPr>
+          <p:cNvSpPr txBox="1"/>
+          <p:nvPr/>
+        </p:nvSpPr>
+        <p:spPr>
+          <a:xfrm>
+            <a:off x="526775" y="1637865"/>
+            <a:ext cx="4955134" cy="2468368"/>
+          </a:xfrm>
+          <a:prstGeom prst="rect">
+            <a:avLst/>
+          </a:prstGeom>
+          <a:noFill/>
+        </p:spPr>
+        <p:txBody>
+          <a:bodyPr wrap="square" rtlCol="0">
+            <a:spAutoFit/>
+          </a:bodyPr>
+          <a:lstStyle/>
+          <a:p>
+            <a:pPr>
+              <a:lnSpc>
+                <a:spcPct val="200000"/>
+              </a:lnSpc>
+            </a:pPr>
+            <a:r>
+              <a:rPr lang="en-US" sz="2000" b="1" dirty="0"/>
+              <a:t>1) Trained with entire dataset (not validated)</a:t>
+            </a:r>
+          </a:p>
+          <a:p>
+            <a:pPr>
+              <a:lnSpc>
+                <a:spcPct val="200000"/>
+              </a:lnSpc>
+            </a:pPr>
+            <a:r>
+              <a:rPr lang="en-US" sz="2000" dirty="0"/>
+              <a:t>Best performance : 03-22 at 50m with PC</a:t>
+            </a:r>
+          </a:p>
+          <a:p>
+            <a:pPr marL="285750" indent="-285750">
+              <a:lnSpc>
+                <a:spcPct val="200000"/>
+              </a:lnSpc>
+              <a:buFont typeface="Arial" panose="020B0604020202020204" pitchFamily="34" charset="0"/>
+              <a:buChar char="•"/>
+            </a:pPr>
+            <a:r>
+              <a:rPr lang="en-US" sz="2000" dirty="0"/>
+              <a:t>Mean accuracy : 85% (</a:t>
+            </a:r>
+            <a:r>
+              <a:rPr lang="en-US" sz="2000" dirty="0" err="1"/>
+              <a:t>sd</a:t>
+            </a:r>
+            <a:r>
+              <a:rPr lang="en-US" sz="2000" dirty="0"/>
+              <a:t>:</a:t>
+            </a:r>
+          </a:p>
+          <a:p>
+            <a:pPr marL="285750" indent="-285750">
+              <a:lnSpc>
+                <a:spcPct val="200000"/>
+              </a:lnSpc>
+              <a:buFont typeface="Arial" panose="020B0604020202020204" pitchFamily="34" charset="0"/>
+              <a:buChar char="•"/>
+            </a:pPr>
+            <a:r>
+              <a:rPr lang="en-US" sz="2000" dirty="0"/>
+              <a:t>Mean Kappa :  80 %  (</a:t>
+            </a:r>
+            <a:r>
+              <a:rPr lang="en-US" sz="2000" dirty="0" err="1"/>
+              <a:t>sd</a:t>
+            </a:r>
+            <a:r>
+              <a:rPr lang="en-US" sz="2000" dirty="0"/>
+              <a:t>: 	</a:t>
+            </a:r>
+          </a:p>
+        </p:txBody>
+      </p:sp>
+      <p:sp>
+        <p:nvSpPr>
+          <p:cNvPr id="8" name="Title 1">
+            <a:extLst>
+              <a:ext uri="{FF2B5EF4-FFF2-40B4-BE49-F238E27FC236}">
+                <a16:creationId xmlns:a16="http://schemas.microsoft.com/office/drawing/2014/main" id="{1A2E2F0C-CB54-5BFD-916D-FC7EB09EA889}"/>
+              </a:ext>
+            </a:extLst>
+          </p:cNvPr>
+          <p:cNvSpPr txBox="1">
+            <a:spLocks/>
+          </p:cNvSpPr>
+          <p:nvPr/>
+        </p:nvSpPr>
+        <p:spPr>
+          <a:xfrm>
+            <a:off x="693605" y="462450"/>
+            <a:ext cx="10515600" cy="1325563"/>
+          </a:xfrm>
+          <a:prstGeom prst="rect">
+            <a:avLst/>
+          </a:prstGeom>
+        </p:spPr>
+        <p:txBody>
+          <a:bodyPr vert="horz" lIns="91440" tIns="45720" rIns="91440" bIns="45720" rtlCol="0" anchor="ctr">
+            <a:normAutofit/>
+          </a:bodyPr>
+          <a:lstStyle>
+            <a:lvl1pPr algn="l" defTabSz="914400" rtl="0" eaLnBrk="1" latinLnBrk="0" hangingPunct="1">
+              <a:lnSpc>
+                <a:spcPct val="90000"/>
+              </a:lnSpc>
+              <a:spcBef>
+                <a:spcPct val="0"/>
+              </a:spcBef>
+              <a:buNone/>
+              <a:defRPr sz="4400" kern="1200">
+                <a:solidFill>
+                  <a:schemeClr val="tx1"/>
+                </a:solidFill>
+                <a:latin typeface="+mj-lt"/>
+                <a:ea typeface="+mj-ea"/>
+                <a:cs typeface="+mj-cs"/>
+              </a:defRPr>
+            </a:lvl1pPr>
+          </a:lstStyle>
+          <a:p>
+            <a:r>
+              <a:rPr lang="en-US" b="1" dirty="0"/>
+              <a:t>Conditional Inference (</a:t>
+            </a:r>
+            <a:r>
+              <a:rPr lang="en-US" b="1" dirty="0" err="1"/>
+              <a:t>ctree</a:t>
+            </a:r>
+            <a:r>
+              <a:rPr lang="en-US" b="1" dirty="0"/>
+              <a:t>)</a:t>
+            </a:r>
+            <a:endParaRPr lang="en-US" dirty="0"/>
+          </a:p>
+        </p:txBody>
+      </p:sp>
+    </p:spTree>
+    <p:extLst>
+      <p:ext uri="{BB962C8B-B14F-4D97-AF65-F5344CB8AC3E}">
+        <p14:creationId xmlns:p14="http://schemas.microsoft.com/office/powerpoint/2010/main" val="1696135541"/>
+      </p:ext>
+    </p:extLst>
+  </p:cSld>
+  <p:clrMapOvr>
+    <a:masterClrMapping/>
+  </p:clrMapOvr>
+</p:sld>
+</file>
+
+<file path=ppt/slides/slide15.xml><?xml version="1.0" encoding="utf-8"?>
+<p:sld xmlns:a="http://schemas.openxmlformats.org/drawingml/2006/main" xmlns:r="http://schemas.openxmlformats.org/officeDocument/2006/relationships" xmlns:p="http://schemas.openxmlformats.org/presentationml/2006/main">
+  <p:cSld>
+    <p:spTree>
+      <p:nvGrpSpPr>
+        <p:cNvPr id="1" name=""/>
+        <p:cNvGrpSpPr/>
+        <p:nvPr/>
+      </p:nvGrpSpPr>
+      <p:grpSpPr>
+        <a:xfrm>
+          <a:off x="0" y="0"/>
+          <a:ext cx="0" cy="0"/>
+          <a:chOff x="0" y="0"/>
+          <a:chExt cx="0" cy="0"/>
+        </a:xfrm>
+      </p:grpSpPr>
       <p:pic>
         <p:nvPicPr>
-          <p:cNvPr id="6" name="Picture 5">
-            <a:extLst>
-              <a:ext uri="{FF2B5EF4-FFF2-40B4-BE49-F238E27FC236}">
-                <a16:creationId xmlns:a16="http://schemas.microsoft.com/office/drawing/2014/main" id="{F7DF4AC8-3AA8-56D0-9DFC-8676F46F3984}"/>
+          <p:cNvPr id="2" name="Picture 1">
+            <a:extLst>
+              <a:ext uri="{FF2B5EF4-FFF2-40B4-BE49-F238E27FC236}">
+                <a16:creationId xmlns:a16="http://schemas.microsoft.com/office/drawing/2014/main" id="{C4473714-3127-14A0-B9C8-6C63849C423C}"/>
               </a:ext>
             </a:extLst>
           </p:cNvPr>
@@ -3843,25 +4974,529 @@
           <p:nvPr/>
         </p:nvPicPr>
         <p:blipFill>
-          <a:blip r:embed="rId3"/>
+          <a:blip r:embed="rId2"/>
           <a:stretch>
             <a:fillRect/>
           </a:stretch>
         </p:blipFill>
         <p:spPr>
           <a:xfrm>
-            <a:off x="6380162" y="1073011"/>
-            <a:ext cx="5172075" cy="4781550"/>
+            <a:off x="3659995" y="1177159"/>
+            <a:ext cx="8532005" cy="5247295"/>
           </a:xfrm>
           <a:prstGeom prst="rect">
             <a:avLst/>
           </a:prstGeom>
         </p:spPr>
       </p:pic>
+      <p:sp>
+        <p:nvSpPr>
+          <p:cNvPr id="4" name="TextBox 3">
+            <a:extLst>
+              <a:ext uri="{FF2B5EF4-FFF2-40B4-BE49-F238E27FC236}">
+                <a16:creationId xmlns:a16="http://schemas.microsoft.com/office/drawing/2014/main" id="{20E6FDB1-60BC-85B0-3EA3-09433FA21E59}"/>
+              </a:ext>
+            </a:extLst>
+          </p:cNvPr>
+          <p:cNvSpPr txBox="1"/>
+          <p:nvPr/>
+        </p:nvSpPr>
+        <p:spPr>
+          <a:xfrm>
+            <a:off x="526775" y="1637865"/>
+            <a:ext cx="4955134" cy="3083921"/>
+          </a:xfrm>
+          <a:prstGeom prst="rect">
+            <a:avLst/>
+          </a:prstGeom>
+          <a:noFill/>
+        </p:spPr>
+        <p:txBody>
+          <a:bodyPr wrap="square" rtlCol="0">
+            <a:spAutoFit/>
+          </a:bodyPr>
+          <a:lstStyle/>
+          <a:p>
+            <a:pPr>
+              <a:lnSpc>
+                <a:spcPct val="200000"/>
+              </a:lnSpc>
+            </a:pPr>
+            <a:r>
+              <a:rPr lang="en-US" sz="2000" b="1" dirty="0"/>
+              <a:t>2) Trained in 80% of the data, accuracy tested in 20% holdout </a:t>
+            </a:r>
+          </a:p>
+          <a:p>
+            <a:pPr>
+              <a:lnSpc>
+                <a:spcPct val="200000"/>
+              </a:lnSpc>
+            </a:pPr>
+            <a:r>
+              <a:rPr lang="en-US" sz="2000" dirty="0"/>
+              <a:t>Best performance : 03-22 at 50m with PC</a:t>
+            </a:r>
+          </a:p>
+          <a:p>
+            <a:pPr marL="285750" indent="-285750">
+              <a:lnSpc>
+                <a:spcPct val="200000"/>
+              </a:lnSpc>
+              <a:buFont typeface="Arial" panose="020B0604020202020204" pitchFamily="34" charset="0"/>
+              <a:buChar char="•"/>
+            </a:pPr>
+            <a:r>
+              <a:rPr lang="en-US" sz="2000" dirty="0"/>
+              <a:t>Mean accuracy : 85% (</a:t>
+            </a:r>
+            <a:r>
+              <a:rPr lang="en-US" sz="2000" dirty="0" err="1"/>
+              <a:t>sd</a:t>
+            </a:r>
+            <a:r>
+              <a:rPr lang="en-US" sz="2000" dirty="0"/>
+              <a:t>:</a:t>
+            </a:r>
+          </a:p>
+          <a:p>
+            <a:pPr marL="285750" indent="-285750">
+              <a:lnSpc>
+                <a:spcPct val="200000"/>
+              </a:lnSpc>
+              <a:buFont typeface="Arial" panose="020B0604020202020204" pitchFamily="34" charset="0"/>
+              <a:buChar char="•"/>
+            </a:pPr>
+            <a:r>
+              <a:rPr lang="en-US" sz="2000" dirty="0"/>
+              <a:t>Mean Kappa :  80 %  (</a:t>
+            </a:r>
+            <a:r>
+              <a:rPr lang="en-US" sz="2000" dirty="0" err="1"/>
+              <a:t>sd</a:t>
+            </a:r>
+            <a:r>
+              <a:rPr lang="en-US" sz="2000" dirty="0"/>
+              <a:t>: 	</a:t>
+            </a:r>
+          </a:p>
+        </p:txBody>
+      </p:sp>
+      <p:sp>
+        <p:nvSpPr>
+          <p:cNvPr id="8" name="Title 1">
+            <a:extLst>
+              <a:ext uri="{FF2B5EF4-FFF2-40B4-BE49-F238E27FC236}">
+                <a16:creationId xmlns:a16="http://schemas.microsoft.com/office/drawing/2014/main" id="{1A2E2F0C-CB54-5BFD-916D-FC7EB09EA889}"/>
+              </a:ext>
+            </a:extLst>
+          </p:cNvPr>
+          <p:cNvSpPr txBox="1">
+            <a:spLocks/>
+          </p:cNvSpPr>
+          <p:nvPr/>
+        </p:nvSpPr>
+        <p:spPr>
+          <a:xfrm>
+            <a:off x="693605" y="462450"/>
+            <a:ext cx="10515600" cy="1325563"/>
+          </a:xfrm>
+          <a:prstGeom prst="rect">
+            <a:avLst/>
+          </a:prstGeom>
+        </p:spPr>
+        <p:txBody>
+          <a:bodyPr vert="horz" lIns="91440" tIns="45720" rIns="91440" bIns="45720" rtlCol="0" anchor="ctr">
+            <a:normAutofit/>
+          </a:bodyPr>
+          <a:lstStyle>
+            <a:lvl1pPr algn="l" defTabSz="914400" rtl="0" eaLnBrk="1" latinLnBrk="0" hangingPunct="1">
+              <a:lnSpc>
+                <a:spcPct val="90000"/>
+              </a:lnSpc>
+              <a:spcBef>
+                <a:spcPct val="0"/>
+              </a:spcBef>
+              <a:buNone/>
+              <a:defRPr sz="4400" kern="1200">
+                <a:solidFill>
+                  <a:schemeClr val="tx1"/>
+                </a:solidFill>
+                <a:latin typeface="+mj-lt"/>
+                <a:ea typeface="+mj-ea"/>
+                <a:cs typeface="+mj-cs"/>
+              </a:defRPr>
+            </a:lvl1pPr>
+          </a:lstStyle>
+          <a:p>
+            <a:r>
+              <a:rPr lang="en-US" b="1" dirty="0"/>
+              <a:t>Conditional Inference (</a:t>
+            </a:r>
+            <a:r>
+              <a:rPr lang="en-US" b="1" dirty="0" err="1"/>
+              <a:t>ctree</a:t>
+            </a:r>
+            <a:r>
+              <a:rPr lang="en-US" b="1" dirty="0"/>
+              <a:t>)</a:t>
+            </a:r>
+            <a:endParaRPr lang="en-US" dirty="0"/>
+          </a:p>
+        </p:txBody>
+      </p:sp>
     </p:spTree>
     <p:extLst>
       <p:ext uri="{BB962C8B-B14F-4D97-AF65-F5344CB8AC3E}">
-        <p14:creationId xmlns:p14="http://schemas.microsoft.com/office/powerpoint/2010/main" val="2852343294"/>
+        <p14:creationId xmlns:p14="http://schemas.microsoft.com/office/powerpoint/2010/main" val="3356519008"/>
+      </p:ext>
+    </p:extLst>
+  </p:cSld>
+  <p:clrMapOvr>
+    <a:masterClrMapping/>
+  </p:clrMapOvr>
+</p:sld>
+</file>
+
+<file path=ppt/slides/slide16.xml><?xml version="1.0" encoding="utf-8"?>
+<p:sld xmlns:a="http://schemas.openxmlformats.org/drawingml/2006/main" xmlns:r="http://schemas.openxmlformats.org/officeDocument/2006/relationships" xmlns:p="http://schemas.openxmlformats.org/presentationml/2006/main">
+  <p:cSld>
+    <p:spTree>
+      <p:nvGrpSpPr>
+        <p:cNvPr id="1" name=""/>
+        <p:cNvGrpSpPr/>
+        <p:nvPr/>
+      </p:nvGrpSpPr>
+      <p:grpSpPr>
+        <a:xfrm>
+          <a:off x="0" y="0"/>
+          <a:ext cx="0" cy="0"/>
+          <a:chOff x="0" y="0"/>
+          <a:chExt cx="0" cy="0"/>
+        </a:xfrm>
+      </p:grpSpPr>
+      <p:pic>
+        <p:nvPicPr>
+          <p:cNvPr id="3" name="Picture 2">
+            <a:extLst>
+              <a:ext uri="{FF2B5EF4-FFF2-40B4-BE49-F238E27FC236}">
+                <a16:creationId xmlns:a16="http://schemas.microsoft.com/office/drawing/2014/main" id="{04988A35-2B1C-DA5E-D94A-F20B88D17605}"/>
+              </a:ext>
+            </a:extLst>
+          </p:cNvPr>
+          <p:cNvPicPr>
+            <a:picLocks noChangeAspect="1"/>
+          </p:cNvPicPr>
+          <p:nvPr/>
+        </p:nvPicPr>
+        <p:blipFill>
+          <a:blip r:embed="rId2"/>
+          <a:stretch>
+            <a:fillRect/>
+          </a:stretch>
+        </p:blipFill>
+        <p:spPr>
+          <a:xfrm>
+            <a:off x="4262977" y="814213"/>
+            <a:ext cx="7929023" cy="5946767"/>
+          </a:xfrm>
+          <a:prstGeom prst="rect">
+            <a:avLst/>
+          </a:prstGeom>
+        </p:spPr>
+      </p:pic>
+      <p:sp>
+        <p:nvSpPr>
+          <p:cNvPr id="2" name="Title 1">
+            <a:extLst>
+              <a:ext uri="{FF2B5EF4-FFF2-40B4-BE49-F238E27FC236}">
+                <a16:creationId xmlns:a16="http://schemas.microsoft.com/office/drawing/2014/main" id="{9436E8AB-C561-2FCA-0265-5CB6416C4D16}"/>
+              </a:ext>
+            </a:extLst>
+          </p:cNvPr>
+          <p:cNvSpPr>
+            <a:spLocks noGrp="1"/>
+          </p:cNvSpPr>
+          <p:nvPr>
+            <p:ph type="title"/>
+          </p:nvPr>
+        </p:nvSpPr>
+        <p:spPr/>
+        <p:txBody>
+          <a:bodyPr/>
+          <a:lstStyle/>
+          <a:p>
+            <a:r>
+              <a:rPr lang="es-ES" b="1" dirty="0" err="1"/>
+              <a:t>Random</a:t>
+            </a:r>
+            <a:r>
+              <a:rPr lang="es-ES" b="1" dirty="0"/>
+              <a:t> </a:t>
+            </a:r>
+            <a:r>
+              <a:rPr lang="es-ES" b="1" dirty="0" err="1"/>
+              <a:t>Forests</a:t>
+            </a:r>
+            <a:endParaRPr lang="en-US" b="1" dirty="0"/>
+          </a:p>
+        </p:txBody>
+      </p:sp>
+      <p:sp>
+        <p:nvSpPr>
+          <p:cNvPr id="6" name="TextBox 5">
+            <a:extLst>
+              <a:ext uri="{FF2B5EF4-FFF2-40B4-BE49-F238E27FC236}">
+                <a16:creationId xmlns:a16="http://schemas.microsoft.com/office/drawing/2014/main" id="{52A5B92E-70CA-DAC2-485F-85B149E59375}"/>
+              </a:ext>
+            </a:extLst>
+          </p:cNvPr>
+          <p:cNvSpPr txBox="1"/>
+          <p:nvPr/>
+        </p:nvSpPr>
+        <p:spPr>
+          <a:xfrm>
+            <a:off x="572891" y="1757466"/>
+            <a:ext cx="5228819" cy="2468368"/>
+          </a:xfrm>
+          <a:prstGeom prst="rect">
+            <a:avLst/>
+          </a:prstGeom>
+          <a:noFill/>
+        </p:spPr>
+        <p:txBody>
+          <a:bodyPr wrap="square" rtlCol="0">
+            <a:spAutoFit/>
+          </a:bodyPr>
+          <a:lstStyle/>
+          <a:p>
+            <a:pPr>
+              <a:lnSpc>
+                <a:spcPct val="200000"/>
+              </a:lnSpc>
+            </a:pPr>
+            <a:r>
+              <a:rPr lang="en-US" sz="2000" b="1" dirty="0"/>
+              <a:t>70 - 30 % train - test split</a:t>
+            </a:r>
+            <a:endParaRPr lang="en-US" sz="2000" dirty="0"/>
+          </a:p>
+          <a:p>
+            <a:pPr>
+              <a:lnSpc>
+                <a:spcPct val="200000"/>
+              </a:lnSpc>
+            </a:pPr>
+            <a:r>
+              <a:rPr lang="en-US" sz="2000" dirty="0"/>
+              <a:t>5000 trees</a:t>
+            </a:r>
+          </a:p>
+          <a:p>
+            <a:pPr>
+              <a:lnSpc>
+                <a:spcPct val="200000"/>
+              </a:lnSpc>
+            </a:pPr>
+            <a:r>
+              <a:rPr lang="en-US" sz="2000" dirty="0"/>
+              <a:t>Best performance :</a:t>
+            </a:r>
+          </a:p>
+          <a:p>
+            <a:pPr>
+              <a:lnSpc>
+                <a:spcPct val="200000"/>
+              </a:lnSpc>
+            </a:pPr>
+            <a:r>
+              <a:rPr lang="en-US" sz="2000" dirty="0"/>
+              <a:t>03-22 at 50m without PC</a:t>
+            </a:r>
+          </a:p>
+        </p:txBody>
+      </p:sp>
+    </p:spTree>
+    <p:extLst>
+      <p:ext uri="{BB962C8B-B14F-4D97-AF65-F5344CB8AC3E}">
+        <p14:creationId xmlns:p14="http://schemas.microsoft.com/office/powerpoint/2010/main" val="1422733971"/>
+      </p:ext>
+    </p:extLst>
+  </p:cSld>
+  <p:clrMapOvr>
+    <a:masterClrMapping/>
+  </p:clrMapOvr>
+</p:sld>
+</file>
+
+<file path=ppt/slides/slide17.xml><?xml version="1.0" encoding="utf-8"?>
+<p:sld xmlns:a="http://schemas.openxmlformats.org/drawingml/2006/main" xmlns:r="http://schemas.openxmlformats.org/officeDocument/2006/relationships" xmlns:p="http://schemas.openxmlformats.org/presentationml/2006/main">
+  <p:cSld>
+    <p:spTree>
+      <p:nvGrpSpPr>
+        <p:cNvPr id="1" name=""/>
+        <p:cNvGrpSpPr/>
+        <p:nvPr/>
+      </p:nvGrpSpPr>
+      <p:grpSpPr>
+        <a:xfrm>
+          <a:off x="0" y="0"/>
+          <a:ext cx="0" cy="0"/>
+          <a:chOff x="0" y="0"/>
+          <a:chExt cx="0" cy="0"/>
+        </a:xfrm>
+      </p:grpSpPr>
+      <p:pic>
+        <p:nvPicPr>
+          <p:cNvPr id="5" name="Picture 4" descr="Chart, scatter chart&#10;&#10;Description automatically generated">
+            <a:extLst>
+              <a:ext uri="{FF2B5EF4-FFF2-40B4-BE49-F238E27FC236}">
+                <a16:creationId xmlns:a16="http://schemas.microsoft.com/office/drawing/2014/main" id="{E9B97A04-774B-6EE6-36A8-B2648B791E42}"/>
+              </a:ext>
+            </a:extLst>
+          </p:cNvPr>
+          <p:cNvPicPr>
+            <a:picLocks noChangeAspect="1"/>
+          </p:cNvPicPr>
+          <p:nvPr/>
+        </p:nvPicPr>
+        <p:blipFill>
+          <a:blip r:embed="rId2">
+            <a:extLst>
+              <a:ext uri="{28A0092B-C50C-407E-A947-70E740481C1C}">
+                <a14:useLocalDpi xmlns:a14="http://schemas.microsoft.com/office/drawing/2010/main" val="0"/>
+              </a:ext>
+            </a:extLst>
+          </a:blip>
+          <a:stretch>
+            <a:fillRect/>
+          </a:stretch>
+        </p:blipFill>
+        <p:spPr>
+          <a:xfrm>
+            <a:off x="4414338" y="870251"/>
+            <a:ext cx="7315215" cy="5486411"/>
+          </a:xfrm>
+          <a:prstGeom prst="rect">
+            <a:avLst/>
+          </a:prstGeom>
+        </p:spPr>
+      </p:pic>
+      <p:sp>
+        <p:nvSpPr>
+          <p:cNvPr id="2" name="Title 1">
+            <a:extLst>
+              <a:ext uri="{FF2B5EF4-FFF2-40B4-BE49-F238E27FC236}">
+                <a16:creationId xmlns:a16="http://schemas.microsoft.com/office/drawing/2014/main" id="{9436E8AB-C561-2FCA-0265-5CB6416C4D16}"/>
+              </a:ext>
+            </a:extLst>
+          </p:cNvPr>
+          <p:cNvSpPr>
+            <a:spLocks noGrp="1"/>
+          </p:cNvSpPr>
+          <p:nvPr>
+            <p:ph type="title"/>
+          </p:nvPr>
+        </p:nvSpPr>
+        <p:spPr/>
+        <p:txBody>
+          <a:bodyPr/>
+          <a:lstStyle/>
+          <a:p>
+            <a:r>
+              <a:rPr lang="es-ES" b="1" dirty="0" err="1"/>
+              <a:t>Random</a:t>
+            </a:r>
+            <a:r>
+              <a:rPr lang="es-ES" b="1" dirty="0"/>
+              <a:t> </a:t>
+            </a:r>
+            <a:r>
+              <a:rPr lang="es-ES" b="1" dirty="0" err="1"/>
+              <a:t>Forests</a:t>
+            </a:r>
+            <a:endParaRPr lang="en-US" b="1" dirty="0"/>
+          </a:p>
+        </p:txBody>
+      </p:sp>
+      <p:sp>
+        <p:nvSpPr>
+          <p:cNvPr id="7" name="TextBox 6">
+            <a:extLst>
+              <a:ext uri="{FF2B5EF4-FFF2-40B4-BE49-F238E27FC236}">
+                <a16:creationId xmlns:a16="http://schemas.microsoft.com/office/drawing/2014/main" id="{048F93AD-7EFE-4873-9FEF-50E0F31AA337}"/>
+              </a:ext>
+            </a:extLst>
+          </p:cNvPr>
+          <p:cNvSpPr txBox="1"/>
+          <p:nvPr/>
+        </p:nvSpPr>
+        <p:spPr>
+          <a:xfrm>
+            <a:off x="572891" y="1757466"/>
+            <a:ext cx="5228819" cy="2468368"/>
+          </a:xfrm>
+          <a:prstGeom prst="rect">
+            <a:avLst/>
+          </a:prstGeom>
+          <a:noFill/>
+        </p:spPr>
+        <p:txBody>
+          <a:bodyPr wrap="square" rtlCol="0">
+            <a:spAutoFit/>
+          </a:bodyPr>
+          <a:lstStyle/>
+          <a:p>
+            <a:pPr>
+              <a:lnSpc>
+                <a:spcPct val="200000"/>
+              </a:lnSpc>
+            </a:pPr>
+            <a:r>
+              <a:rPr lang="en-US" sz="2000" b="1" dirty="0"/>
+              <a:t>70 - 30 % train - test split</a:t>
+            </a:r>
+            <a:endParaRPr lang="en-US" sz="2000" dirty="0"/>
+          </a:p>
+          <a:p>
+            <a:pPr>
+              <a:lnSpc>
+                <a:spcPct val="200000"/>
+              </a:lnSpc>
+            </a:pPr>
+            <a:r>
+              <a:rPr lang="en-US" sz="2000" dirty="0"/>
+              <a:t>5000 trees</a:t>
+            </a:r>
+          </a:p>
+          <a:p>
+            <a:pPr>
+              <a:lnSpc>
+                <a:spcPct val="200000"/>
+              </a:lnSpc>
+            </a:pPr>
+            <a:r>
+              <a:rPr lang="en-US" sz="2000" dirty="0"/>
+              <a:t>Best performance :</a:t>
+            </a:r>
+          </a:p>
+          <a:p>
+            <a:pPr>
+              <a:lnSpc>
+                <a:spcPct val="200000"/>
+              </a:lnSpc>
+            </a:pPr>
+            <a:r>
+              <a:rPr lang="en-US" sz="2000" dirty="0"/>
+              <a:t>03-22 at 50m without PC</a:t>
+            </a:r>
+          </a:p>
+        </p:txBody>
+      </p:sp>
+    </p:spTree>
+    <p:extLst>
+      <p:ext uri="{BB962C8B-B14F-4D97-AF65-F5344CB8AC3E}">
+        <p14:creationId xmlns:p14="http://schemas.microsoft.com/office/powerpoint/2010/main" val="3389449928"/>
       </p:ext>
     </p:extLst>
   </p:cSld>
@@ -3888,223 +5523,202 @@
           <a:chExt cx="0" cy="0"/>
         </a:xfrm>
       </p:grpSpPr>
-      <p:grpSp>
-        <p:nvGrpSpPr>
-          <p:cNvPr id="7" name="Group 6">
-            <a:extLst>
-              <a:ext uri="{FF2B5EF4-FFF2-40B4-BE49-F238E27FC236}">
-                <a16:creationId xmlns:a16="http://schemas.microsoft.com/office/drawing/2014/main" id="{7C62935E-80B3-C015-BA1A-DFB7AB842B64}"/>
-              </a:ext>
-            </a:extLst>
-          </p:cNvPr>
-          <p:cNvGrpSpPr/>
+      <p:pic>
+        <p:nvPicPr>
+          <p:cNvPr id="3" name="Picture 2" descr="Chart, box and whisker chart&#10;&#10;Description automatically generated">
+            <a:extLst>
+              <a:ext uri="{FF2B5EF4-FFF2-40B4-BE49-F238E27FC236}">
+                <a16:creationId xmlns:a16="http://schemas.microsoft.com/office/drawing/2014/main" id="{FB2D6238-2909-7820-887C-E8F96409B54B}"/>
+              </a:ext>
+            </a:extLst>
+          </p:cNvPr>
+          <p:cNvPicPr>
+            <a:picLocks noChangeAspect="1"/>
+          </p:cNvPicPr>
           <p:nvPr/>
-        </p:nvGrpSpPr>
-        <p:grpSpPr>
+        </p:nvPicPr>
+        <p:blipFill>
+          <a:blip r:embed="rId2">
+            <a:extLst>
+              <a:ext uri="{28A0092B-C50C-407E-A947-70E740481C1C}">
+                <a14:useLocalDpi xmlns:a14="http://schemas.microsoft.com/office/drawing/2010/main" val="0"/>
+              </a:ext>
+            </a:extLst>
+          </a:blip>
+          <a:stretch>
+            <a:fillRect/>
+          </a:stretch>
+        </p:blipFill>
+        <p:spPr>
           <a:xfrm>
-            <a:off x="1778000" y="190500"/>
-            <a:ext cx="8483600" cy="6362700"/>
-            <a:chOff x="1778000" y="190500"/>
-            <a:chExt cx="8483600" cy="6362700"/>
+            <a:off x="1746603" y="166952"/>
+            <a:ext cx="8698794" cy="6524095"/>
           </a:xfrm>
-        </p:grpSpPr>
-        <p:pic>
-          <p:nvPicPr>
-            <p:cNvPr id="3" name="Picture 2" descr="Chart, box and whisker chart&#10;&#10;Description automatically generated">
-              <a:extLst>
-                <a:ext uri="{FF2B5EF4-FFF2-40B4-BE49-F238E27FC236}">
-                  <a16:creationId xmlns:a16="http://schemas.microsoft.com/office/drawing/2014/main" id="{C2D8F168-91DD-C448-D980-B2C084461699}"/>
-                </a:ext>
-              </a:extLst>
-            </p:cNvPr>
-            <p:cNvPicPr>
-              <a:picLocks noChangeAspect="1"/>
-            </p:cNvPicPr>
-            <p:nvPr/>
-          </p:nvPicPr>
-          <p:blipFill>
-            <a:blip r:embed="rId2">
-              <a:extLst>
-                <a:ext uri="{28A0092B-C50C-407E-A947-70E740481C1C}">
-                  <a14:useLocalDpi xmlns:a14="http://schemas.microsoft.com/office/drawing/2010/main" val="0"/>
-                </a:ext>
-              </a:extLst>
-            </a:blip>
-            <a:stretch>
-              <a:fillRect/>
-            </a:stretch>
-          </p:blipFill>
-          <p:spPr>
-            <a:xfrm>
-              <a:off x="1778000" y="190500"/>
-              <a:ext cx="8483600" cy="6362700"/>
-            </a:xfrm>
-            <a:prstGeom prst="rect">
-              <a:avLst/>
-            </a:prstGeom>
-          </p:spPr>
-        </p:pic>
-        <p:sp>
-          <p:nvSpPr>
-            <p:cNvPr id="4" name="Rectangle 3">
-              <a:extLst>
-                <a:ext uri="{FF2B5EF4-FFF2-40B4-BE49-F238E27FC236}">
-                  <a16:creationId xmlns:a16="http://schemas.microsoft.com/office/drawing/2014/main" id="{47EB5844-6E11-6C95-7290-B51CA2ABCFBB}"/>
-                </a:ext>
-              </a:extLst>
-            </p:cNvPr>
-            <p:cNvSpPr/>
-            <p:nvPr/>
-          </p:nvSpPr>
-          <p:spPr>
-            <a:xfrm>
-              <a:off x="2336800" y="1638300"/>
-              <a:ext cx="406400" cy="4152900"/>
-            </a:xfrm>
-            <a:prstGeom prst="rect">
-              <a:avLst/>
-            </a:prstGeom>
-            <a:noFill/>
-            <a:ln>
-              <a:solidFill>
-                <a:srgbClr val="FF0000"/>
-              </a:solidFill>
-            </a:ln>
-          </p:spPr>
-          <p:style>
-            <a:lnRef idx="2">
-              <a:schemeClr val="accent1">
-                <a:shade val="50000"/>
-              </a:schemeClr>
-            </a:lnRef>
-            <a:fillRef idx="1">
-              <a:schemeClr val="accent1"/>
-            </a:fillRef>
-            <a:effectRef idx="0">
-              <a:schemeClr val="accent1"/>
-            </a:effectRef>
-            <a:fontRef idx="minor">
-              <a:schemeClr val="lt1"/>
-            </a:fontRef>
-          </p:style>
-          <p:txBody>
-            <a:bodyPr rtlCol="0" anchor="ctr"/>
-            <a:lstStyle/>
-            <a:p>
-              <a:pPr algn="ctr"/>
-              <a:endParaRPr lang="en-US"/>
-            </a:p>
-          </p:txBody>
-        </p:sp>
-        <p:sp>
-          <p:nvSpPr>
-            <p:cNvPr id="5" name="Rectangle 4">
-              <a:extLst>
-                <a:ext uri="{FF2B5EF4-FFF2-40B4-BE49-F238E27FC236}">
-                  <a16:creationId xmlns:a16="http://schemas.microsoft.com/office/drawing/2014/main" id="{A18608D6-B16F-3107-80A8-1264A1E360BC}"/>
-                </a:ext>
-              </a:extLst>
-            </p:cNvPr>
-            <p:cNvSpPr/>
-            <p:nvPr/>
-          </p:nvSpPr>
-          <p:spPr>
-            <a:xfrm>
-              <a:off x="4699000" y="1638300"/>
-              <a:ext cx="406400" cy="4152900"/>
-            </a:xfrm>
-            <a:prstGeom prst="rect">
-              <a:avLst/>
-            </a:prstGeom>
-            <a:noFill/>
-            <a:ln>
-              <a:solidFill>
-                <a:srgbClr val="FF0000"/>
-              </a:solidFill>
-            </a:ln>
-          </p:spPr>
-          <p:style>
-            <a:lnRef idx="2">
-              <a:schemeClr val="accent1">
-                <a:shade val="50000"/>
-              </a:schemeClr>
-            </a:lnRef>
-            <a:fillRef idx="1">
-              <a:schemeClr val="accent1"/>
-            </a:fillRef>
-            <a:effectRef idx="0">
-              <a:schemeClr val="accent1"/>
-            </a:effectRef>
-            <a:fontRef idx="minor">
-              <a:schemeClr val="lt1"/>
-            </a:fontRef>
-          </p:style>
-          <p:txBody>
-            <a:bodyPr rtlCol="0" anchor="ctr"/>
-            <a:lstStyle/>
-            <a:p>
-              <a:pPr algn="ctr"/>
-              <a:endParaRPr lang="en-US"/>
-            </a:p>
-          </p:txBody>
-        </p:sp>
-        <p:sp>
-          <p:nvSpPr>
-            <p:cNvPr id="6" name="Rectangle 5">
-              <a:extLst>
-                <a:ext uri="{FF2B5EF4-FFF2-40B4-BE49-F238E27FC236}">
-                  <a16:creationId xmlns:a16="http://schemas.microsoft.com/office/drawing/2014/main" id="{4F8410E7-5226-D2E4-53C1-E5191A0F2665}"/>
-                </a:ext>
-              </a:extLst>
-            </p:cNvPr>
-            <p:cNvSpPr/>
-            <p:nvPr/>
-          </p:nvSpPr>
-          <p:spPr>
-            <a:xfrm>
-              <a:off x="7061200" y="1511300"/>
-              <a:ext cx="406400" cy="4279900"/>
-            </a:xfrm>
-            <a:prstGeom prst="rect">
-              <a:avLst/>
-            </a:prstGeom>
-            <a:noFill/>
-            <a:ln>
-              <a:solidFill>
-                <a:srgbClr val="FF0000"/>
-              </a:solidFill>
-            </a:ln>
-          </p:spPr>
-          <p:style>
-            <a:lnRef idx="2">
-              <a:schemeClr val="accent1">
-                <a:shade val="50000"/>
-              </a:schemeClr>
-            </a:lnRef>
-            <a:fillRef idx="1">
-              <a:schemeClr val="accent1"/>
-            </a:fillRef>
-            <a:effectRef idx="0">
-              <a:schemeClr val="accent1"/>
-            </a:effectRef>
-            <a:fontRef idx="minor">
-              <a:schemeClr val="lt1"/>
-            </a:fontRef>
-          </p:style>
-          <p:txBody>
-            <a:bodyPr rtlCol="0" anchor="ctr"/>
-            <a:lstStyle/>
-            <a:p>
-              <a:pPr algn="ctr"/>
-              <a:endParaRPr lang="en-US"/>
-            </a:p>
-          </p:txBody>
-        </p:sp>
-      </p:grpSp>
+          <a:prstGeom prst="rect">
+            <a:avLst/>
+          </a:prstGeom>
+        </p:spPr>
+      </p:pic>
+      <p:sp>
+        <p:nvSpPr>
+          <p:cNvPr id="4" name="Rectangle 3">
+            <a:extLst>
+              <a:ext uri="{FF2B5EF4-FFF2-40B4-BE49-F238E27FC236}">
+                <a16:creationId xmlns:a16="http://schemas.microsoft.com/office/drawing/2014/main" id="{97D056CA-03C2-0D6C-64E1-9D18DD871326}"/>
+              </a:ext>
+            </a:extLst>
+          </p:cNvPr>
+          <p:cNvSpPr/>
+          <p:nvPr/>
+        </p:nvSpPr>
+        <p:spPr>
+          <a:xfrm>
+            <a:off x="2295703" y="1217060"/>
+            <a:ext cx="406400" cy="4152900"/>
+          </a:xfrm>
+          <a:prstGeom prst="rect">
+            <a:avLst/>
+          </a:prstGeom>
+          <a:noFill/>
+          <a:ln>
+            <a:solidFill>
+              <a:srgbClr val="FF0000"/>
+            </a:solidFill>
+          </a:ln>
+        </p:spPr>
+        <p:style>
+          <a:lnRef idx="2">
+            <a:schemeClr val="accent1">
+              <a:shade val="50000"/>
+            </a:schemeClr>
+          </a:lnRef>
+          <a:fillRef idx="1">
+            <a:schemeClr val="accent1"/>
+          </a:fillRef>
+          <a:effectRef idx="0">
+            <a:schemeClr val="accent1"/>
+          </a:effectRef>
+          <a:fontRef idx="minor">
+            <a:schemeClr val="lt1"/>
+          </a:fontRef>
+        </p:style>
+        <p:txBody>
+          <a:bodyPr rtlCol="0" anchor="ctr"/>
+          <a:lstStyle/>
+          <a:p>
+            <a:pPr algn="ctr"/>
+            <a:endParaRPr lang="en-US"/>
+          </a:p>
+        </p:txBody>
+      </p:sp>
+      <p:sp>
+        <p:nvSpPr>
+          <p:cNvPr id="5" name="Rectangle 4">
+            <a:extLst>
+              <a:ext uri="{FF2B5EF4-FFF2-40B4-BE49-F238E27FC236}">
+                <a16:creationId xmlns:a16="http://schemas.microsoft.com/office/drawing/2014/main" id="{9D55DCB2-0A03-0B6D-5AC8-03FCB27CC864}"/>
+              </a:ext>
+            </a:extLst>
+          </p:cNvPr>
+          <p:cNvSpPr/>
+          <p:nvPr/>
+        </p:nvSpPr>
+        <p:spPr>
+          <a:xfrm>
+            <a:off x="4728966" y="1133154"/>
+            <a:ext cx="406400" cy="4152900"/>
+          </a:xfrm>
+          <a:prstGeom prst="rect">
+            <a:avLst/>
+          </a:prstGeom>
+          <a:noFill/>
+          <a:ln>
+            <a:solidFill>
+              <a:srgbClr val="FF0000"/>
+            </a:solidFill>
+          </a:ln>
+        </p:spPr>
+        <p:style>
+          <a:lnRef idx="2">
+            <a:schemeClr val="accent1">
+              <a:shade val="50000"/>
+            </a:schemeClr>
+          </a:lnRef>
+          <a:fillRef idx="1">
+            <a:schemeClr val="accent1"/>
+          </a:fillRef>
+          <a:effectRef idx="0">
+            <a:schemeClr val="accent1"/>
+          </a:effectRef>
+          <a:fontRef idx="minor">
+            <a:schemeClr val="lt1"/>
+          </a:fontRef>
+        </p:style>
+        <p:txBody>
+          <a:bodyPr rtlCol="0" anchor="ctr"/>
+          <a:lstStyle/>
+          <a:p>
+            <a:pPr algn="ctr"/>
+            <a:endParaRPr lang="en-US"/>
+          </a:p>
+        </p:txBody>
+      </p:sp>
+      <p:sp>
+        <p:nvSpPr>
+          <p:cNvPr id="6" name="Rectangle 5">
+            <a:extLst>
+              <a:ext uri="{FF2B5EF4-FFF2-40B4-BE49-F238E27FC236}">
+                <a16:creationId xmlns:a16="http://schemas.microsoft.com/office/drawing/2014/main" id="{23E78D1C-1316-2D4D-336C-12FE82AC251C}"/>
+              </a:ext>
+            </a:extLst>
+          </p:cNvPr>
+          <p:cNvSpPr/>
+          <p:nvPr/>
+        </p:nvSpPr>
+        <p:spPr>
+          <a:xfrm>
+            <a:off x="7162229" y="1217060"/>
+            <a:ext cx="406400" cy="4152900"/>
+          </a:xfrm>
+          <a:prstGeom prst="rect">
+            <a:avLst/>
+          </a:prstGeom>
+          <a:noFill/>
+          <a:ln>
+            <a:solidFill>
+              <a:srgbClr val="FF0000"/>
+            </a:solidFill>
+          </a:ln>
+        </p:spPr>
+        <p:style>
+          <a:lnRef idx="2">
+            <a:schemeClr val="accent1">
+              <a:shade val="50000"/>
+            </a:schemeClr>
+          </a:lnRef>
+          <a:fillRef idx="1">
+            <a:schemeClr val="accent1"/>
+          </a:fillRef>
+          <a:effectRef idx="0">
+            <a:schemeClr val="accent1"/>
+          </a:effectRef>
+          <a:fontRef idx="minor">
+            <a:schemeClr val="lt1"/>
+          </a:fontRef>
+        </p:style>
+        <p:txBody>
+          <a:bodyPr rtlCol="0" anchor="ctr"/>
+          <a:lstStyle/>
+          <a:p>
+            <a:pPr algn="ctr"/>
+            <a:endParaRPr lang="en-US"/>
+          </a:p>
+        </p:txBody>
+      </p:sp>
     </p:spTree>
     <p:extLst>
       <p:ext uri="{BB962C8B-B14F-4D97-AF65-F5344CB8AC3E}">
-        <p14:creationId xmlns:p14="http://schemas.microsoft.com/office/powerpoint/2010/main" val="1629727062"/>
+        <p14:creationId xmlns:p14="http://schemas.microsoft.com/office/powerpoint/2010/main" val="4221457052"/>
       </p:ext>
     </p:extLst>
   </p:cSld>
@@ -4149,17 +5763,19 @@
         </p:nvSpPr>
         <p:spPr>
           <a:xfrm>
-            <a:off x="838200" y="1253331"/>
-            <a:ext cx="10515600" cy="4351338"/>
+            <a:off x="838200" y="667820"/>
+            <a:ext cx="10515600" cy="5691883"/>
           </a:xfrm>
         </p:spPr>
         <p:txBody>
-          <a:bodyPr/>
+          <a:bodyPr>
+            <a:normAutofit/>
+          </a:bodyPr>
           <a:lstStyle/>
           <a:p>
             <a:r>
               <a:rPr lang="es-ES" dirty="0" err="1"/>
-              <a:t>For</a:t>
+              <a:t>Most</a:t>
             </a:r>
             <a:r>
               <a:rPr lang="es-ES" dirty="0"/>
@@ -4167,7 +5783,7 @@
             </a:r>
             <a:r>
               <a:rPr lang="es-ES" dirty="0" err="1"/>
-              <a:t>most</a:t>
+              <a:t>of</a:t>
             </a:r>
             <a:r>
               <a:rPr lang="es-ES" dirty="0"/>
@@ -4175,7 +5791,7 @@
             </a:r>
             <a:r>
               <a:rPr lang="es-ES" dirty="0" err="1"/>
-              <a:t>of</a:t>
+              <a:t>the</a:t>
             </a:r>
             <a:r>
               <a:rPr lang="es-ES" dirty="0"/>
@@ -4183,7 +5799,7 @@
             </a:r>
             <a:r>
               <a:rPr lang="es-ES" dirty="0" err="1"/>
-              <a:t>the</a:t>
+              <a:t>vegetation</a:t>
             </a:r>
             <a:r>
               <a:rPr lang="es-ES" dirty="0"/>
@@ -4191,7 +5807,15 @@
             </a:r>
             <a:r>
               <a:rPr lang="es-ES" dirty="0" err="1"/>
-              <a:t>there’s</a:t>
+              <a:t>have</a:t>
+            </a:r>
+            <a:r>
+              <a:rPr lang="es-ES" dirty="0"/>
+              <a:t> non-</a:t>
+            </a:r>
+            <a:r>
+              <a:rPr lang="es-ES" dirty="0" err="1"/>
+              <a:t>parametric</a:t>
             </a:r>
             <a:r>
               <a:rPr lang="es-ES" dirty="0"/>
@@ -4199,7 +5823,7 @@
             </a:r>
             <a:r>
               <a:rPr lang="es-ES" dirty="0" err="1"/>
-              <a:t>either</a:t>
+              <a:t>distributions</a:t>
             </a:r>
             <a:r>
               <a:rPr lang="es-ES" dirty="0"/>
@@ -4207,7 +5831,7 @@
             </a:r>
             <a:r>
               <a:rPr lang="es-ES" dirty="0" err="1"/>
-              <a:t>heteroscedasticity</a:t>
+              <a:t>or</a:t>
             </a:r>
             <a:r>
               <a:rPr lang="es-ES" dirty="0"/>
@@ -4215,37 +5839,76 @@
             </a:r>
             <a:r>
               <a:rPr lang="es-ES" dirty="0" err="1"/>
-              <a:t>or</a:t>
+              <a:t>grups</a:t>
             </a:r>
             <a:r>
               <a:rPr lang="es-ES" dirty="0"/>
-              <a:t> non-</a:t>
+              <a:t> are </a:t>
             </a:r>
             <a:r>
               <a:rPr lang="es-ES" dirty="0" err="1"/>
-              <a:t>normality</a:t>
+              <a:t>heteroscedastic</a:t>
             </a:r>
             <a:r>
               <a:rPr lang="es-ES" dirty="0"/>
-              <a:t>, </a:t>
-            </a:r>
-            <a:r>
-              <a:rPr lang="es-ES" dirty="0" err="1"/>
-              <a:t>or</a:t>
-            </a:r>
-            <a:r>
-              <a:rPr lang="es-ES" dirty="0"/>
-              <a:t> </a:t>
-            </a:r>
-            <a:r>
-              <a:rPr lang="es-ES" dirty="0" err="1"/>
-              <a:t>both</a:t>
-            </a:r>
-            <a:r>
-              <a:rPr lang="es-ES" dirty="0"/>
-              <a:t>.</a:t>
-            </a:r>
-            <a:endParaRPr lang="en-US" dirty="0"/>
+              <a:t>. </a:t>
+            </a:r>
+          </a:p>
+          <a:p>
+            <a:pPr marL="0" indent="0">
+              <a:buNone/>
+            </a:pPr>
+            <a:endParaRPr lang="es-ES" dirty="0">
+              <a:sym typeface="Wingdings" panose="05000000000000000000" pitchFamily="2" charset="2"/>
+            </a:endParaRPr>
+          </a:p>
+          <a:p>
+            <a:pPr marL="0" indent="0">
+              <a:buNone/>
+            </a:pPr>
+            <a:r>
+              <a:rPr lang="es-ES" dirty="0">
+                <a:sym typeface="Wingdings" panose="05000000000000000000" pitchFamily="2" charset="2"/>
+              </a:rPr>
+              <a:t> </a:t>
+            </a:r>
+            <a:r>
+              <a:rPr lang="en-US" dirty="0">
+                <a:sym typeface="Wingdings" panose="05000000000000000000" pitchFamily="2" charset="2"/>
+              </a:rPr>
+              <a:t>Not possible to do ANOVA to assess dens, var and dens*var effects</a:t>
+            </a:r>
+          </a:p>
+          <a:p>
+            <a:pPr marL="0" indent="0">
+              <a:buNone/>
+            </a:pPr>
+            <a:endParaRPr lang="en-US" dirty="0">
+              <a:sym typeface="Wingdings" panose="05000000000000000000" pitchFamily="2" charset="2"/>
+            </a:endParaRPr>
+          </a:p>
+          <a:p>
+            <a:pPr marL="0" indent="0">
+              <a:buNone/>
+            </a:pPr>
+            <a:r>
+              <a:rPr lang="en-US" dirty="0">
+                <a:sym typeface="Wingdings" panose="05000000000000000000" pitchFamily="2" charset="2"/>
+              </a:rPr>
+              <a:t>Assessment of dens-</a:t>
+            </a:r>
+            <a:r>
+              <a:rPr lang="en-US" dirty="0" err="1">
+                <a:sym typeface="Wingdings" panose="05000000000000000000" pitchFamily="2" charset="2"/>
+              </a:rPr>
+              <a:t>VegIndex</a:t>
+            </a:r>
+            <a:r>
+              <a:rPr lang="en-US" dirty="0">
+                <a:sym typeface="Wingdings" panose="05000000000000000000" pitchFamily="2" charset="2"/>
+              </a:rPr>
+              <a:t> relationship:</a:t>
+            </a:r>
           </a:p>
           <a:p>
             <a:pPr>
@@ -4256,51 +5919,74 @@
               <a:rPr lang="en-US" dirty="0">
                 <a:sym typeface="Wingdings" panose="05000000000000000000" pitchFamily="2" charset="2"/>
               </a:rPr>
-              <a:t>Not possible to do ANOVA to assess dens, var and dens*var effects</a:t>
-            </a:r>
-          </a:p>
-          <a:p>
-            <a:pPr marL="0" indent="0">
-              <a:buNone/>
+              <a:t>Spearman’s Rank correlation (non-parametric)</a:t>
+            </a:r>
+          </a:p>
+          <a:p>
+            <a:pPr>
+              <a:buFont typeface="Wingdings" panose="05000000000000000000" pitchFamily="2" charset="2"/>
+              <a:buChar char="à"/>
+            </a:pPr>
+            <a:r>
+              <a:rPr lang="en-US" dirty="0">
+                <a:sym typeface="Wingdings" panose="05000000000000000000" pitchFamily="2" charset="2"/>
+              </a:rPr>
+              <a:t> PCA</a:t>
+            </a:r>
+          </a:p>
+          <a:p>
+            <a:pPr>
+              <a:buFont typeface="Wingdings" panose="05000000000000000000" pitchFamily="2" charset="2"/>
+              <a:buChar char="à"/>
+            </a:pPr>
+            <a:r>
+              <a:rPr lang="en-US" dirty="0">
+                <a:sym typeface="Wingdings" panose="05000000000000000000" pitchFamily="2" charset="2"/>
+              </a:rPr>
+              <a:t> Decision trees:</a:t>
+            </a:r>
+          </a:p>
+          <a:p>
+            <a:pPr lvl="1"/>
+            <a:r>
+              <a:rPr lang="en-US" dirty="0">
+                <a:sym typeface="Wingdings" panose="05000000000000000000" pitchFamily="2" charset="2"/>
+              </a:rPr>
+              <a:t>Classification CART trees</a:t>
+            </a:r>
+          </a:p>
+          <a:p>
+            <a:pPr lvl="1"/>
+            <a:r>
+              <a:rPr lang="en-US" dirty="0">
+                <a:sym typeface="Wingdings" panose="05000000000000000000" pitchFamily="2" charset="2"/>
+              </a:rPr>
+              <a:t>Conditional inference trees </a:t>
+            </a:r>
+          </a:p>
+          <a:p>
+            <a:pPr lvl="1"/>
+            <a:r>
+              <a:rPr lang="en-US" dirty="0">
+                <a:sym typeface="Wingdings" panose="05000000000000000000" pitchFamily="2" charset="2"/>
+              </a:rPr>
+              <a:t>Random forests</a:t>
+            </a:r>
+          </a:p>
+          <a:p>
+            <a:pPr lvl="1"/>
+            <a:endParaRPr lang="en-US" dirty="0">
+              <a:sym typeface="Wingdings" panose="05000000000000000000" pitchFamily="2" charset="2"/>
+            </a:endParaRPr>
+          </a:p>
+          <a:p>
+            <a:pPr>
+              <a:buFont typeface="Wingdings" panose="05000000000000000000" pitchFamily="2" charset="2"/>
+              <a:buChar char="à"/>
             </a:pPr>
             <a:endParaRPr lang="en-US" dirty="0">
               <a:sym typeface="Wingdings" panose="05000000000000000000" pitchFamily="2" charset="2"/>
             </a:endParaRPr>
-          </a:p>
-          <a:p>
-            <a:pPr marL="0" indent="0">
-              <a:buNone/>
-            </a:pPr>
-            <a:r>
-              <a:rPr lang="en-US" dirty="0">
-                <a:sym typeface="Wingdings" panose="05000000000000000000" pitchFamily="2" charset="2"/>
-              </a:rPr>
-              <a:t>Assessment of dens-</a:t>
-            </a:r>
-            <a:r>
-              <a:rPr lang="en-US" dirty="0" err="1">
-                <a:sym typeface="Wingdings" panose="05000000000000000000" pitchFamily="2" charset="2"/>
-              </a:rPr>
-              <a:t>VegIndex</a:t>
-            </a:r>
-            <a:r>
-              <a:rPr lang="en-US" dirty="0">
-                <a:sym typeface="Wingdings" panose="05000000000000000000" pitchFamily="2" charset="2"/>
-              </a:rPr>
-              <a:t> relationship:</a:t>
-            </a:r>
-          </a:p>
-          <a:p>
-            <a:pPr>
-              <a:buFont typeface="Wingdings" panose="05000000000000000000" pitchFamily="2" charset="2"/>
-              <a:buChar char="à"/>
-            </a:pPr>
-            <a:r>
-              <a:rPr lang="en-US" dirty="0">
-                <a:sym typeface="Wingdings" panose="05000000000000000000" pitchFamily="2" charset="2"/>
-              </a:rPr>
-              <a:t>Spearman’s Rank correlation (nonparametric)</a:t>
-            </a:r>
           </a:p>
         </p:txBody>
       </p:sp>
@@ -5074,7 +6760,7 @@
           <p:cNvPr id="2" name="Title 1">
             <a:extLst>
               <a:ext uri="{FF2B5EF4-FFF2-40B4-BE49-F238E27FC236}">
-                <a16:creationId xmlns:a16="http://schemas.microsoft.com/office/drawing/2014/main" id="{9436E8AB-C561-2FCA-0265-5CB6416C4D16}"/>
+                <a16:creationId xmlns:a16="http://schemas.microsoft.com/office/drawing/2014/main" id="{C40AFC7F-5EA5-87CD-EEF2-6BDE715C738D}"/>
               </a:ext>
             </a:extLst>
           </p:cNvPr>
@@ -5091,202 +6777,124 @@
           <a:lstStyle/>
           <a:p>
             <a:r>
-              <a:rPr lang="es-ES" b="1" dirty="0" err="1"/>
-              <a:t>Random</a:t>
-            </a:r>
-            <a:r>
-              <a:rPr lang="es-ES" b="1" dirty="0"/>
-              <a:t> </a:t>
-            </a:r>
-            <a:r>
-              <a:rPr lang="es-ES" b="1" dirty="0" err="1"/>
-              <a:t>Forests</a:t>
-            </a:r>
-            <a:endParaRPr lang="en-US" b="1" dirty="0"/>
-          </a:p>
-        </p:txBody>
-      </p:sp>
-      <p:pic>
-        <p:nvPicPr>
-          <p:cNvPr id="8" name="Picture 7">
-            <a:extLst>
-              <a:ext uri="{FF2B5EF4-FFF2-40B4-BE49-F238E27FC236}">
-                <a16:creationId xmlns:a16="http://schemas.microsoft.com/office/drawing/2014/main" id="{22DB82C1-AB4C-C75A-4F6A-4867AD100141}"/>
-              </a:ext>
-            </a:extLst>
-          </p:cNvPr>
-          <p:cNvPicPr>
-            <a:picLocks noChangeAspect="1"/>
-          </p:cNvPicPr>
-          <p:nvPr/>
-        </p:nvPicPr>
-        <p:blipFill rotWithShape="1">
-          <a:blip r:embed="rId2"/>
-          <a:srcRect b="70750"/>
-          <a:stretch/>
-        </p:blipFill>
+              <a:rPr lang="en-US" b="1" dirty="0"/>
+              <a:t>Classification</a:t>
+            </a:r>
+            <a:endParaRPr lang="en-US" dirty="0"/>
+          </a:p>
+        </p:txBody>
+      </p:sp>
+      <p:sp>
+        <p:nvSpPr>
+          <p:cNvPr id="4" name="Content Placeholder 2">
+            <a:extLst>
+              <a:ext uri="{FF2B5EF4-FFF2-40B4-BE49-F238E27FC236}">
+                <a16:creationId xmlns:a16="http://schemas.microsoft.com/office/drawing/2014/main" id="{169428E1-00B6-1985-2387-D774DAA298E8}"/>
+              </a:ext>
+            </a:extLst>
+          </p:cNvPr>
+          <p:cNvSpPr>
+            <a:spLocks noGrp="1"/>
+          </p:cNvSpPr>
+          <p:nvPr>
+            <p:ph idx="1"/>
+          </p:nvPr>
+        </p:nvSpPr>
         <p:spPr>
           <a:xfrm>
-            <a:off x="1144322" y="3554948"/>
-            <a:ext cx="4086225" cy="2261136"/>
+            <a:off x="838200" y="1528175"/>
+            <a:ext cx="10515600" cy="4831528"/>
           </a:xfrm>
-          <a:prstGeom prst="rect">
-            <a:avLst/>
-          </a:prstGeom>
         </p:spPr>
-      </p:pic>
-      <p:sp>
-        <p:nvSpPr>
-          <p:cNvPr id="11" name="TextBox 10">
-            <a:extLst>
-              <a:ext uri="{FF2B5EF4-FFF2-40B4-BE49-F238E27FC236}">
-                <a16:creationId xmlns:a16="http://schemas.microsoft.com/office/drawing/2014/main" id="{260FD1F0-D4F9-64B8-21EE-35A657542C55}"/>
-              </a:ext>
-            </a:extLst>
-          </p:cNvPr>
-          <p:cNvSpPr txBox="1"/>
-          <p:nvPr/>
-        </p:nvSpPr>
-        <p:spPr>
-          <a:xfrm>
-            <a:off x="9618661" y="86510"/>
-            <a:ext cx="2579159" cy="707886"/>
-          </a:xfrm>
-          <a:prstGeom prst="rect">
-            <a:avLst/>
-          </a:prstGeom>
-          <a:noFill/>
-        </p:spPr>
-        <p:txBody>
-          <a:bodyPr wrap="square" rtlCol="0">
-            <a:spAutoFit/>
+        <p:txBody>
+          <a:bodyPr>
+            <a:normAutofit fontScale="85000" lnSpcReduction="10000"/>
           </a:bodyPr>
           <a:lstStyle/>
           <a:p>
-            <a:r>
-              <a:rPr lang="es-ES" sz="4000" u="sng" dirty="0"/>
-              <a:t>15m</a:t>
-            </a:r>
-            <a:r>
-              <a:rPr lang="es-ES" sz="4000" dirty="0"/>
-              <a:t> 03-09</a:t>
-            </a:r>
-            <a:endParaRPr lang="en-US" sz="4000" dirty="0"/>
-          </a:p>
-        </p:txBody>
-      </p:sp>
-      <p:pic>
-        <p:nvPicPr>
-          <p:cNvPr id="14" name="Picture 13">
-            <a:extLst>
-              <a:ext uri="{FF2B5EF4-FFF2-40B4-BE49-F238E27FC236}">
-                <a16:creationId xmlns:a16="http://schemas.microsoft.com/office/drawing/2014/main" id="{C79C25F6-0623-2931-B39E-0CB52372A240}"/>
-              </a:ext>
-            </a:extLst>
-          </p:cNvPr>
-          <p:cNvPicPr>
-            <a:picLocks noChangeAspect="1"/>
-          </p:cNvPicPr>
-          <p:nvPr/>
-        </p:nvPicPr>
-        <p:blipFill rotWithShape="1">
-          <a:blip r:embed="rId3"/>
-          <a:srcRect t="29297"/>
-          <a:stretch/>
-        </p:blipFill>
-        <p:spPr>
-          <a:xfrm>
-            <a:off x="6573309" y="1191161"/>
-            <a:ext cx="5086350" cy="4727575"/>
-          </a:xfrm>
-          <a:prstGeom prst="rect">
-            <a:avLst/>
-          </a:prstGeom>
-        </p:spPr>
-      </p:pic>
-      <p:sp>
-        <p:nvSpPr>
-          <p:cNvPr id="15" name="TextBox 14">
-            <a:extLst>
-              <a:ext uri="{FF2B5EF4-FFF2-40B4-BE49-F238E27FC236}">
-                <a16:creationId xmlns:a16="http://schemas.microsoft.com/office/drawing/2014/main" id="{4AC1055D-C3A9-1E1F-3930-E7CF498C7519}"/>
-              </a:ext>
-            </a:extLst>
-          </p:cNvPr>
-          <p:cNvSpPr txBox="1"/>
-          <p:nvPr/>
-        </p:nvSpPr>
-        <p:spPr>
-          <a:xfrm>
-            <a:off x="838200" y="1507638"/>
-            <a:ext cx="3911600" cy="1477328"/>
-          </a:xfrm>
-          <a:prstGeom prst="rect">
-            <a:avLst/>
-          </a:prstGeom>
-          <a:noFill/>
-        </p:spPr>
-        <p:txBody>
-          <a:bodyPr wrap="square" rtlCol="0">
-            <a:spAutoFit/>
-          </a:bodyPr>
-          <a:lstStyle/>
-          <a:p>
-            <a:r>
-              <a:rPr lang="es-ES" dirty="0"/>
-              <a:t>PC1 &amp; PC2</a:t>
-            </a:r>
-          </a:p>
-          <a:p>
-            <a:endParaRPr lang="es-ES" dirty="0"/>
-          </a:p>
-          <a:p>
-            <a:r>
-              <a:rPr lang="es-ES" dirty="0"/>
-              <a:t>70% </a:t>
-            </a:r>
-            <a:r>
-              <a:rPr lang="es-ES" dirty="0" err="1"/>
-              <a:t>train</a:t>
-            </a:r>
-            <a:r>
-              <a:rPr lang="es-ES" dirty="0"/>
-              <a:t> 30% test </a:t>
-            </a:r>
-            <a:r>
-              <a:rPr lang="es-ES" dirty="0" err="1"/>
-              <a:t>random</a:t>
-            </a:r>
-            <a:r>
-              <a:rPr lang="es-ES" dirty="0"/>
-              <a:t> </a:t>
-            </a:r>
-            <a:r>
-              <a:rPr lang="es-ES" dirty="0" err="1"/>
-              <a:t>split</a:t>
-            </a:r>
-            <a:endParaRPr lang="es-ES" dirty="0"/>
-          </a:p>
-          <a:p>
-            <a:endParaRPr lang="es-ES" dirty="0"/>
-          </a:p>
-          <a:p>
-            <a:r>
-              <a:rPr lang="es-ES" dirty="0"/>
-              <a:t>10000 </a:t>
-            </a:r>
-            <a:r>
-              <a:rPr lang="es-ES" dirty="0" err="1"/>
-              <a:t>trees</a:t>
-            </a:r>
-            <a:endParaRPr lang="en-US" dirty="0"/>
+            <a:pPr>
+              <a:lnSpc>
+                <a:spcPct val="200000"/>
+              </a:lnSpc>
+            </a:pPr>
+            <a:r>
+              <a:rPr lang="en-US" dirty="0">
+                <a:sym typeface="Wingdings" panose="05000000000000000000" pitchFamily="2" charset="2"/>
+              </a:rPr>
+              <a:t>Data partition:</a:t>
+            </a:r>
+          </a:p>
+          <a:p>
+            <a:pPr lvl="1">
+              <a:lnSpc>
+                <a:spcPct val="200000"/>
+              </a:lnSpc>
+            </a:pPr>
+            <a:r>
+              <a:rPr lang="en-US" dirty="0">
+                <a:sym typeface="Wingdings" panose="05000000000000000000" pitchFamily="2" charset="2"/>
+              </a:rPr>
+              <a:t>Per date and altitude, separating data per flight</a:t>
+            </a:r>
+          </a:p>
+          <a:p>
+            <a:pPr lvl="1">
+              <a:lnSpc>
+                <a:spcPct val="200000"/>
+              </a:lnSpc>
+            </a:pPr>
+            <a:r>
+              <a:rPr lang="en-US" dirty="0">
+                <a:sym typeface="Wingdings" panose="05000000000000000000" pitchFamily="2" charset="2"/>
+              </a:rPr>
+              <a:t>Per date, combining data taken in different flights, including flight Altitude as predictor in the model</a:t>
+            </a:r>
+          </a:p>
+          <a:p>
+            <a:pPr>
+              <a:lnSpc>
+                <a:spcPct val="200000"/>
+              </a:lnSpc>
+            </a:pPr>
+            <a:r>
+              <a:rPr lang="en-US" dirty="0">
+                <a:sym typeface="Wingdings" panose="05000000000000000000" pitchFamily="2" charset="2"/>
+              </a:rPr>
+              <a:t>Model:</a:t>
+            </a:r>
+          </a:p>
+          <a:p>
+            <a:pPr lvl="1">
+              <a:lnSpc>
+                <a:spcPct val="200000"/>
+              </a:lnSpc>
+            </a:pPr>
+            <a:r>
+              <a:rPr lang="en-US" dirty="0">
+                <a:sym typeface="Wingdings" panose="05000000000000000000" pitchFamily="2" charset="2"/>
+              </a:rPr>
+              <a:t>Using raw variables</a:t>
+            </a:r>
+          </a:p>
+          <a:p>
+            <a:pPr lvl="1">
+              <a:lnSpc>
+                <a:spcPct val="200000"/>
+              </a:lnSpc>
+            </a:pPr>
+            <a:r>
+              <a:rPr lang="en-US" dirty="0">
+                <a:sym typeface="Wingdings" panose="05000000000000000000" pitchFamily="2" charset="2"/>
+              </a:rPr>
+              <a:t>Using Principal Components</a:t>
+            </a:r>
           </a:p>
         </p:txBody>
       </p:sp>
     </p:spTree>
     <p:extLst>
       <p:ext uri="{BB962C8B-B14F-4D97-AF65-F5344CB8AC3E}">
-        <p14:creationId xmlns:p14="http://schemas.microsoft.com/office/powerpoint/2010/main" val="1422733971"/>
+        <p14:creationId xmlns:p14="http://schemas.microsoft.com/office/powerpoint/2010/main" val="4097966587"/>
       </p:ext>
     </p:extLst>
   </p:cSld>

--- a/outputs/summary.pptx
+++ b/outputs/summary.pptx
@@ -131,7 +131,7 @@
 <file path=ppt/revisionInfo.xml><?xml version="1.0" encoding="utf-8"?>
 <p1510:revInfo xmlns:a="http://schemas.openxmlformats.org/drawingml/2006/main" xmlns:r="http://schemas.openxmlformats.org/officeDocument/2006/relationships" xmlns:p1510="http://schemas.microsoft.com/office/powerpoint/2015/10/main">
   <p1510:revLst>
-    <p1510:client id="{AD861AA3-1B13-4595-854C-9F6C151E35BA}" v="43" dt="2022-11-07T10:25:03.469"/>
+    <p1510:client id="{AD861AA3-1B13-4595-854C-9F6C151E35BA}" v="46" dt="2022-11-07T16:29:48.508"/>
   </p1510:revLst>
 </p1510:revInfo>
 </file>
@@ -141,7 +141,7 @@
   <pc:docChgLst>
     <pc:chgData name="Jauregui Beso, Jara" userId="545a1999-fc67-42e4-bc6e-07b57f946614" providerId="ADAL" clId="{AD861AA3-1B13-4595-854C-9F6C151E35BA}"/>
     <pc:docChg chg="undo custSel addSld delSld modSld sldOrd">
-      <pc:chgData name="Jauregui Beso, Jara" userId="545a1999-fc67-42e4-bc6e-07b57f946614" providerId="ADAL" clId="{AD861AA3-1B13-4595-854C-9F6C151E35BA}" dt="2022-11-07T10:26:05.400" v="1990"/>
+      <pc:chgData name="Jauregui Beso, Jara" userId="545a1999-fc67-42e4-bc6e-07b57f946614" providerId="ADAL" clId="{AD861AA3-1B13-4595-854C-9F6C151E35BA}" dt="2022-11-07T17:01:49.072" v="2666" actId="1076"/>
       <pc:docMkLst>
         <pc:docMk/>
       </pc:docMkLst>
@@ -353,7 +353,7 @@
         </pc:spChg>
       </pc:sldChg>
       <pc:sldChg chg="addSp delSp modSp add mod">
-        <pc:chgData name="Jauregui Beso, Jara" userId="545a1999-fc67-42e4-bc6e-07b57f946614" providerId="ADAL" clId="{AD861AA3-1B13-4595-854C-9F6C151E35BA}" dt="2022-11-07T10:19:20.491" v="1933" actId="20577"/>
+        <pc:chgData name="Jauregui Beso, Jara" userId="545a1999-fc67-42e4-bc6e-07b57f946614" providerId="ADAL" clId="{AD861AA3-1B13-4595-854C-9F6C151E35BA}" dt="2022-11-07T16:29:00.358" v="2379" actId="14100"/>
         <pc:sldMkLst>
           <pc:docMk/>
           <pc:sldMk cId="2327810541" sldId="268"/>
@@ -383,7 +383,7 @@
           </ac:spMkLst>
         </pc:spChg>
         <pc:spChg chg="add mod">
-          <ac:chgData name="Jauregui Beso, Jara" userId="545a1999-fc67-42e4-bc6e-07b57f946614" providerId="ADAL" clId="{AD861AA3-1B13-4595-854C-9F6C151E35BA}" dt="2022-11-07T10:19:20.491" v="1933" actId="20577"/>
+          <ac:chgData name="Jauregui Beso, Jara" userId="545a1999-fc67-42e4-bc6e-07b57f946614" providerId="ADAL" clId="{AD861AA3-1B13-4595-854C-9F6C151E35BA}" dt="2022-11-07T16:29:00.358" v="2379" actId="14100"/>
           <ac:spMkLst>
             <pc:docMk/>
             <pc:sldMk cId="2327810541" sldId="268"/>
@@ -697,14 +697,22 @@
           </ac:picMkLst>
         </pc:picChg>
       </pc:sldChg>
-      <pc:sldChg chg="modSp add mod">
-        <pc:chgData name="Jauregui Beso, Jara" userId="545a1999-fc67-42e4-bc6e-07b57f946614" providerId="ADAL" clId="{AD861AA3-1B13-4595-854C-9F6C151E35BA}" dt="2022-11-07T10:20:20.478" v="1942" actId="113"/>
+      <pc:sldChg chg="addSp modSp add mod">
+        <pc:chgData name="Jauregui Beso, Jara" userId="545a1999-fc67-42e4-bc6e-07b57f946614" providerId="ADAL" clId="{AD861AA3-1B13-4595-854C-9F6C151E35BA}" dt="2022-11-07T17:01:49.072" v="2666" actId="1076"/>
         <pc:sldMkLst>
           <pc:docMk/>
           <pc:sldMk cId="91587047" sldId="275"/>
         </pc:sldMkLst>
+        <pc:spChg chg="add mod">
+          <ac:chgData name="Jauregui Beso, Jara" userId="545a1999-fc67-42e4-bc6e-07b57f946614" providerId="ADAL" clId="{AD861AA3-1B13-4595-854C-9F6C151E35BA}" dt="2022-11-07T16:53:07.026" v="2575" actId="20577"/>
+          <ac:spMkLst>
+            <pc:docMk/>
+            <pc:sldMk cId="91587047" sldId="275"/>
+            <ac:spMk id="3" creationId="{896EB8CE-0ED8-F7D6-D4A0-E278E6C14B60}"/>
+          </ac:spMkLst>
+        </pc:spChg>
         <pc:spChg chg="mod">
-          <ac:chgData name="Jauregui Beso, Jara" userId="545a1999-fc67-42e4-bc6e-07b57f946614" providerId="ADAL" clId="{AD861AA3-1B13-4595-854C-9F6C151E35BA}" dt="2022-11-07T10:20:20.478" v="1942" actId="113"/>
+          <ac:chgData name="Jauregui Beso, Jara" userId="545a1999-fc67-42e4-bc6e-07b57f946614" providerId="ADAL" clId="{AD861AA3-1B13-4595-854C-9F6C151E35BA}" dt="2022-11-07T17:01:49.072" v="2666" actId="1076"/>
           <ac:spMkLst>
             <pc:docMk/>
             <pc:sldMk cId="91587047" sldId="275"/>
@@ -712,7 +720,7 @@
           </ac:spMkLst>
         </pc:spChg>
         <pc:picChg chg="mod modCrop">
-          <ac:chgData name="Jauregui Beso, Jara" userId="545a1999-fc67-42e4-bc6e-07b57f946614" providerId="ADAL" clId="{AD861AA3-1B13-4595-854C-9F6C151E35BA}" dt="2022-11-07T10:17:35.245" v="1883" actId="1076"/>
+          <ac:chgData name="Jauregui Beso, Jara" userId="545a1999-fc67-42e4-bc6e-07b57f946614" providerId="ADAL" clId="{AD861AA3-1B13-4595-854C-9F6C151E35BA}" dt="2022-11-07T16:29:13.399" v="2380" actId="14100"/>
           <ac:picMkLst>
             <pc:docMk/>
             <pc:sldMk cId="91587047" sldId="275"/>
@@ -720,20 +728,44 @@
           </ac:picMkLst>
         </pc:picChg>
       </pc:sldChg>
-      <pc:sldChg chg="modSp add mod">
-        <pc:chgData name="Jauregui Beso, Jara" userId="545a1999-fc67-42e4-bc6e-07b57f946614" providerId="ADAL" clId="{AD861AA3-1B13-4595-854C-9F6C151E35BA}" dt="2022-11-07T10:21:08.782" v="1948" actId="113"/>
+      <pc:sldChg chg="addSp delSp modSp add mod">
+        <pc:chgData name="Jauregui Beso, Jara" userId="545a1999-fc67-42e4-bc6e-07b57f946614" providerId="ADAL" clId="{AD861AA3-1B13-4595-854C-9F6C151E35BA}" dt="2022-11-07T17:01:34.154" v="2664" actId="1076"/>
         <pc:sldMkLst>
           <pc:docMk/>
           <pc:sldMk cId="3817661182" sldId="276"/>
         </pc:sldMkLst>
+        <pc:spChg chg="add mod">
+          <ac:chgData name="Jauregui Beso, Jara" userId="545a1999-fc67-42e4-bc6e-07b57f946614" providerId="ADAL" clId="{AD861AA3-1B13-4595-854C-9F6C151E35BA}" dt="2022-11-07T16:56:01.060" v="2645" actId="21"/>
+          <ac:spMkLst>
+            <pc:docMk/>
+            <pc:sldMk cId="3817661182" sldId="276"/>
+            <ac:spMk id="5" creationId="{FA3D43F3-FE7E-08F1-0F5D-0033A5710F09}"/>
+          </ac:spMkLst>
+        </pc:spChg>
         <pc:spChg chg="mod">
-          <ac:chgData name="Jauregui Beso, Jara" userId="545a1999-fc67-42e4-bc6e-07b57f946614" providerId="ADAL" clId="{AD861AA3-1B13-4595-854C-9F6C151E35BA}" dt="2022-11-07T10:21:08.782" v="1948" actId="113"/>
+          <ac:chgData name="Jauregui Beso, Jara" userId="545a1999-fc67-42e4-bc6e-07b57f946614" providerId="ADAL" clId="{AD861AA3-1B13-4595-854C-9F6C151E35BA}" dt="2022-11-07T17:01:27.165" v="2663" actId="1076"/>
           <ac:spMkLst>
             <pc:docMk/>
             <pc:sldMk cId="3817661182" sldId="276"/>
             <ac:spMk id="11" creationId="{99BAED0E-81C2-C67C-9F14-4EB2793F82AE}"/>
           </ac:spMkLst>
         </pc:spChg>
+        <pc:picChg chg="add mod ord modCrop">
+          <ac:chgData name="Jauregui Beso, Jara" userId="545a1999-fc67-42e4-bc6e-07b57f946614" providerId="ADAL" clId="{AD861AA3-1B13-4595-854C-9F6C151E35BA}" dt="2022-11-07T17:01:34.154" v="2664" actId="1076"/>
+          <ac:picMkLst>
+            <pc:docMk/>
+            <pc:sldMk cId="3817661182" sldId="276"/>
+            <ac:picMk id="4" creationId="{8E0F5223-B016-0819-3514-C38B361166D5}"/>
+          </ac:picMkLst>
+        </pc:picChg>
+        <pc:picChg chg="del">
+          <ac:chgData name="Jauregui Beso, Jara" userId="545a1999-fc67-42e4-bc6e-07b57f946614" providerId="ADAL" clId="{AD861AA3-1B13-4595-854C-9F6C151E35BA}" dt="2022-11-07T15:58:06.490" v="2100" actId="478"/>
+          <ac:picMkLst>
+            <pc:docMk/>
+            <pc:sldMk cId="3817661182" sldId="276"/>
+            <ac:picMk id="9" creationId="{1DD11078-4070-8F15-DFC7-A11CEB60B02A}"/>
+          </ac:picMkLst>
+        </pc:picChg>
       </pc:sldChg>
       <pc:sldChg chg="modSp add mod">
         <pc:chgData name="Jauregui Beso, Jara" userId="545a1999-fc67-42e4-bc6e-07b57f946614" providerId="ADAL" clId="{AD861AA3-1B13-4595-854C-9F6C151E35BA}" dt="2022-11-07T10:21:53.005" v="1952"/>
@@ -917,7 +949,7 @@
           <a:p>
             <a:fld id="{046D3877-9706-4A9A-A778-097DEF198E05}" type="datetimeFigureOut">
               <a:rPr lang="en-US" smtClean="0"/>
-              <a:t>11/3/2022</a:t>
+              <a:t>11/7/2022</a:t>
             </a:fld>
             <a:endParaRPr lang="en-US"/>
           </a:p>
@@ -1115,7 +1147,7 @@
           <a:p>
             <a:fld id="{046D3877-9706-4A9A-A778-097DEF198E05}" type="datetimeFigureOut">
               <a:rPr lang="en-US" smtClean="0"/>
-              <a:t>11/3/2022</a:t>
+              <a:t>11/7/2022</a:t>
             </a:fld>
             <a:endParaRPr lang="en-US"/>
           </a:p>
@@ -1323,7 +1355,7 @@
           <a:p>
             <a:fld id="{046D3877-9706-4A9A-A778-097DEF198E05}" type="datetimeFigureOut">
               <a:rPr lang="en-US" smtClean="0"/>
-              <a:t>11/3/2022</a:t>
+              <a:t>11/7/2022</a:t>
             </a:fld>
             <a:endParaRPr lang="en-US"/>
           </a:p>
@@ -1521,7 +1553,7 @@
           <a:p>
             <a:fld id="{046D3877-9706-4A9A-A778-097DEF198E05}" type="datetimeFigureOut">
               <a:rPr lang="en-US" smtClean="0"/>
-              <a:t>11/3/2022</a:t>
+              <a:t>11/7/2022</a:t>
             </a:fld>
             <a:endParaRPr lang="en-US"/>
           </a:p>
@@ -1796,7 +1828,7 @@
           <a:p>
             <a:fld id="{046D3877-9706-4A9A-A778-097DEF198E05}" type="datetimeFigureOut">
               <a:rPr lang="en-US" smtClean="0"/>
-              <a:t>11/3/2022</a:t>
+              <a:t>11/7/2022</a:t>
             </a:fld>
             <a:endParaRPr lang="en-US"/>
           </a:p>
@@ -2061,7 +2093,7 @@
           <a:p>
             <a:fld id="{046D3877-9706-4A9A-A778-097DEF198E05}" type="datetimeFigureOut">
               <a:rPr lang="en-US" smtClean="0"/>
-              <a:t>11/3/2022</a:t>
+              <a:t>11/7/2022</a:t>
             </a:fld>
             <a:endParaRPr lang="en-US"/>
           </a:p>
@@ -2473,7 +2505,7 @@
           <a:p>
             <a:fld id="{046D3877-9706-4A9A-A778-097DEF198E05}" type="datetimeFigureOut">
               <a:rPr lang="en-US" smtClean="0"/>
-              <a:t>11/3/2022</a:t>
+              <a:t>11/7/2022</a:t>
             </a:fld>
             <a:endParaRPr lang="en-US"/>
           </a:p>
@@ -2614,7 +2646,7 @@
           <a:p>
             <a:fld id="{046D3877-9706-4A9A-A778-097DEF198E05}" type="datetimeFigureOut">
               <a:rPr lang="en-US" smtClean="0"/>
-              <a:t>11/3/2022</a:t>
+              <a:t>11/7/2022</a:t>
             </a:fld>
             <a:endParaRPr lang="en-US"/>
           </a:p>
@@ -2727,7 +2759,7 @@
           <a:p>
             <a:fld id="{046D3877-9706-4A9A-A778-097DEF198E05}" type="datetimeFigureOut">
               <a:rPr lang="en-US" smtClean="0"/>
-              <a:t>11/3/2022</a:t>
+              <a:t>11/7/2022</a:t>
             </a:fld>
             <a:endParaRPr lang="en-US"/>
           </a:p>
@@ -3038,7 +3070,7 @@
           <a:p>
             <a:fld id="{046D3877-9706-4A9A-A778-097DEF198E05}" type="datetimeFigureOut">
               <a:rPr lang="en-US" smtClean="0"/>
-              <a:t>11/3/2022</a:t>
+              <a:t>11/7/2022</a:t>
             </a:fld>
             <a:endParaRPr lang="en-US"/>
           </a:p>
@@ -3326,7 +3358,7 @@
           <a:p>
             <a:fld id="{046D3877-9706-4A9A-A778-097DEF198E05}" type="datetimeFigureOut">
               <a:rPr lang="en-US" smtClean="0"/>
-              <a:t>11/3/2022</a:t>
+              <a:t>11/7/2022</a:t>
             </a:fld>
             <a:endParaRPr lang="en-US"/>
           </a:p>
@@ -3567,7 +3599,7 @@
           <a:p>
             <a:fld id="{046D3877-9706-4A9A-A778-097DEF198E05}" type="datetimeFigureOut">
               <a:rPr lang="en-US" smtClean="0"/>
-              <a:t>11/3/2022</a:t>
+              <a:t>11/7/2022</a:t>
             </a:fld>
             <a:endParaRPr lang="en-US"/>
           </a:p>
@@ -4124,7 +4156,7 @@
         <p:spPr>
           <a:xfrm>
             <a:off x="693604" y="1788013"/>
-            <a:ext cx="9066621" cy="1852815"/>
+            <a:ext cx="10251204" cy="1852815"/>
           </a:xfrm>
           <a:prstGeom prst="rect">
             <a:avLst/>
@@ -4144,7 +4176,7 @@
             </a:pPr>
             <a:r>
               <a:rPr lang="en-US" sz="2000" b="1" dirty="0"/>
-              <a:t>10-fold Cross-Validation with 10 repeats</a:t>
+              <a:t>10-fold Cross-Validation with 10 repeats, n = 10 (results averaged over 10 different models)</a:t>
             </a:r>
           </a:p>
           <a:p>
@@ -4232,8 +4264,8 @@
         </p:blipFill>
         <p:spPr>
           <a:xfrm>
-            <a:off x="4846983" y="136189"/>
-            <a:ext cx="7345017" cy="6030425"/>
+            <a:off x="5029200" y="136189"/>
+            <a:ext cx="7162800" cy="6030425"/>
           </a:xfrm>
           <a:prstGeom prst="rect">
             <a:avLst/>
@@ -4296,8 +4328,8 @@
         </p:nvSpPr>
         <p:spPr>
           <a:xfrm>
-            <a:off x="417443" y="1788013"/>
-            <a:ext cx="5257800" cy="2468368"/>
+            <a:off x="408113" y="2114274"/>
+            <a:ext cx="5059626" cy="2468368"/>
           </a:xfrm>
           <a:prstGeom prst="rect">
             <a:avLst/>
@@ -4321,14 +4353,9 @@
             </a:r>
           </a:p>
           <a:p>
-            <a:pPr>
-              <a:lnSpc>
-                <a:spcPct val="200000"/>
-              </a:lnSpc>
-            </a:pPr>
             <a:r>
               <a:rPr lang="en-US" sz="2000" dirty="0"/>
-              <a:t>Best performance : 03-22 at 50m w/o PC</a:t>
+              <a:t>Best performance : 03-22 at 50m with or w/o PC (p-value = 1)</a:t>
             </a:r>
           </a:p>
           <a:p>
@@ -4341,7 +4368,7 @@
             </a:pPr>
             <a:r>
               <a:rPr lang="en-US" sz="2000" dirty="0"/>
-              <a:t>Mean accuracy: 88 % (</a:t>
+              <a:t>Mean accuracy: 87 % (</a:t>
             </a:r>
             <a:r>
               <a:rPr lang="en-US" sz="2000" dirty="0" err="1"/>
@@ -4349,7 +4376,7 @@
             </a:r>
             <a:r>
               <a:rPr lang="en-US" sz="2000" dirty="0"/>
-              <a:t>:</a:t>
+              <a:t>: 0. 5%)</a:t>
             </a:r>
           </a:p>
           <a:p>
@@ -4362,7 +4389,7 @@
             </a:pPr>
             <a:r>
               <a:rPr lang="en-US" sz="2000" dirty="0"/>
-              <a:t>Mean Kappa:  84.5 % (</a:t>
+              <a:t>Mean Kappa:  83.1 % (</a:t>
             </a:r>
             <a:r>
               <a:rPr lang="en-US" sz="2000" dirty="0" err="1"/>
@@ -4370,7 +4397,55 @@
             </a:r>
             <a:r>
               <a:rPr lang="en-US" sz="2000" dirty="0"/>
-              <a:t>: 	</a:t>
+              <a:t>: 0. 65%)	</a:t>
+            </a:r>
+          </a:p>
+        </p:txBody>
+      </p:sp>
+      <p:sp>
+        <p:nvSpPr>
+          <p:cNvPr id="3" name="TextBox 2">
+            <a:extLst>
+              <a:ext uri="{FF2B5EF4-FFF2-40B4-BE49-F238E27FC236}">
+                <a16:creationId xmlns:a16="http://schemas.microsoft.com/office/drawing/2014/main" id="{896EB8CE-0ED8-F7D6-D4A0-E278E6C14B60}"/>
+              </a:ext>
+            </a:extLst>
+          </p:cNvPr>
+          <p:cNvSpPr txBox="1"/>
+          <p:nvPr/>
+        </p:nvSpPr>
+        <p:spPr>
+          <a:xfrm>
+            <a:off x="295807" y="6208502"/>
+            <a:ext cx="11600386" cy="568745"/>
+          </a:xfrm>
+          <a:prstGeom prst="rect">
+            <a:avLst/>
+          </a:prstGeom>
+          <a:noFill/>
+        </p:spPr>
+        <p:txBody>
+          <a:bodyPr wrap="square" rtlCol="0">
+            <a:spAutoFit/>
+          </a:bodyPr>
+          <a:lstStyle/>
+          <a:p>
+            <a:pPr>
+              <a:lnSpc>
+                <a:spcPct val="200000"/>
+              </a:lnSpc>
+            </a:pPr>
+            <a:r>
+              <a:rPr lang="en-US" dirty="0"/>
+              <a:t>Contrast second best model 05/04_50m_var_nosplit (accuracy: 78%, </a:t>
+            </a:r>
+            <a:r>
+              <a:rPr lang="en-US" dirty="0" err="1"/>
+              <a:t>sd</a:t>
+            </a:r>
+            <a:r>
+              <a:rPr lang="en-US" dirty="0"/>
+              <a:t>: 0.8%), p-value = 0.0006 (Bonferroni) </a:t>
             </a:r>
           </a:p>
         </p:txBody>
@@ -4407,10 +4482,10 @@
       </p:grpSpPr>
       <p:pic>
         <p:nvPicPr>
-          <p:cNvPr id="9" name="Picture 8" descr="Diagram&#10;&#10;Description automatically generated">
-            <a:extLst>
-              <a:ext uri="{FF2B5EF4-FFF2-40B4-BE49-F238E27FC236}">
-                <a16:creationId xmlns:a16="http://schemas.microsoft.com/office/drawing/2014/main" id="{1DD11078-4070-8F15-DFC7-A11CEB60B02A}"/>
+          <p:cNvPr id="4" name="Picture 3" descr="Diagram&#10;&#10;Description automatically generated">
+            <a:extLst>
+              <a:ext uri="{FF2B5EF4-FFF2-40B4-BE49-F238E27FC236}">
+                <a16:creationId xmlns:a16="http://schemas.microsoft.com/office/drawing/2014/main" id="{8E0F5223-B016-0819-3514-C38B361166D5}"/>
               </a:ext>
             </a:extLst>
           </p:cNvPr>
@@ -4427,13 +4502,13 @@
               </a:ext>
             </a:extLst>
           </a:blip>
-          <a:srcRect l="4323" r="2847" b="9926"/>
+          <a:srcRect r="2026" b="8385"/>
           <a:stretch/>
         </p:blipFill>
         <p:spPr>
           <a:xfrm>
-            <a:off x="4846983" y="136189"/>
-            <a:ext cx="7345017" cy="6030425"/>
+            <a:off x="4542621" y="407994"/>
+            <a:ext cx="7341468" cy="5987556"/>
           </a:xfrm>
           <a:prstGeom prst="rect">
             <a:avLst/>
@@ -4496,8 +4571,8 @@
         </p:nvSpPr>
         <p:spPr>
           <a:xfrm>
-            <a:off x="417443" y="1788013"/>
-            <a:ext cx="5257800" cy="3083921"/>
+            <a:off x="693605" y="1788013"/>
+            <a:ext cx="4826361" cy="4093428"/>
           </a:xfrm>
           <a:prstGeom prst="rect">
             <a:avLst/>
@@ -4510,59 +4585,41 @@
           </a:bodyPr>
           <a:lstStyle/>
           <a:p>
-            <a:pPr>
-              <a:lnSpc>
-                <a:spcPct val="200000"/>
-              </a:lnSpc>
-            </a:pPr>
             <a:r>
               <a:rPr lang="en-US" sz="2000" b="1" dirty="0"/>
               <a:t>2) Trained in 80% of the data, accuracy tested in 20% holdout </a:t>
             </a:r>
           </a:p>
           <a:p>
-            <a:pPr>
-              <a:lnSpc>
-                <a:spcPct val="200000"/>
-              </a:lnSpc>
-            </a:pPr>
+            <a:endParaRPr lang="en-US" sz="2000" b="1" dirty="0"/>
+          </a:p>
+          <a:p>
             <a:r>
               <a:rPr lang="en-US" sz="2000" dirty="0"/>
-              <a:t>Best performance : 03-22 at 50m w/o PC</a:t>
-            </a:r>
+              <a:t>Best performance in holdout set :                 03-09 15 + 30 m with or w/o PC</a:t>
+            </a:r>
+          </a:p>
+          <a:p>
+            <a:endParaRPr lang="en-US" sz="2000" dirty="0"/>
           </a:p>
           <a:p>
             <a:pPr marL="285750" indent="-285750">
-              <a:lnSpc>
-                <a:spcPct val="200000"/>
-              </a:lnSpc>
               <a:buFont typeface="Arial" panose="020B0604020202020204" pitchFamily="34" charset="0"/>
               <a:buChar char="•"/>
             </a:pPr>
             <a:r>
               <a:rPr lang="en-US" sz="2000" dirty="0"/>
-              <a:t>Mean accuracy: 88 % (</a:t>
-            </a:r>
-            <a:r>
-              <a:rPr lang="en-US" sz="2000" dirty="0" err="1"/>
-              <a:t>sd</a:t>
-            </a:r>
-            <a:r>
-              <a:rPr lang="en-US" sz="2000" dirty="0"/>
-              <a:t>:</a:t>
-            </a:r>
-          </a:p>
-          <a:p>
-            <a:pPr marL="285750" indent="-285750">
-              <a:lnSpc>
-                <a:spcPct val="200000"/>
-              </a:lnSpc>
+              <a:t>Mean accuracy: </a:t>
+            </a:r>
+          </a:p>
+          <a:p>
+            <a:pPr marL="742950" lvl="1" indent="-285750">
               <a:buFont typeface="Arial" panose="020B0604020202020204" pitchFamily="34" charset="0"/>
               <a:buChar char="•"/>
             </a:pPr>
             <a:r>
               <a:rPr lang="en-US" sz="2000" dirty="0"/>
-              <a:t>Mean Kappa:  84.5 % (</a:t>
+              <a:t>Trained: 66.29% (</a:t>
             </a:r>
             <a:r>
               <a:rPr lang="en-US" sz="2000" dirty="0" err="1"/>
@@ -4570,7 +4627,110 @@
             </a:r>
             <a:r>
               <a:rPr lang="en-US" sz="2000" dirty="0"/>
-              <a:t>: 	</a:t>
+              <a:t>: 2.9 %)</a:t>
+            </a:r>
+          </a:p>
+          <a:p>
+            <a:pPr marL="742950" lvl="1" indent="-285750">
+              <a:buFont typeface="Arial" panose="020B0604020202020204" pitchFamily="34" charset="0"/>
+              <a:buChar char="•"/>
+            </a:pPr>
+            <a:r>
+              <a:rPr lang="en-US" sz="2000" dirty="0"/>
+              <a:t>Tested: 70.83 % (sd:10.4%)</a:t>
+            </a:r>
+          </a:p>
+          <a:p>
+            <a:pPr lvl="1"/>
+            <a:endParaRPr lang="en-US" sz="2000" dirty="0"/>
+          </a:p>
+          <a:p>
+            <a:pPr marL="285750" indent="-285750">
+              <a:buFont typeface="Arial" panose="020B0604020202020204" pitchFamily="34" charset="0"/>
+              <a:buChar char="•"/>
+            </a:pPr>
+            <a:r>
+              <a:rPr lang="en-US" sz="2000" dirty="0"/>
+              <a:t>Mean Kappa:</a:t>
+            </a:r>
+          </a:p>
+          <a:p>
+            <a:pPr marL="742950" lvl="1" indent="-285750">
+              <a:buFont typeface="Arial" panose="020B0604020202020204" pitchFamily="34" charset="0"/>
+              <a:buChar char="•"/>
+            </a:pPr>
+            <a:r>
+              <a:rPr lang="en-US" sz="2000" dirty="0"/>
+              <a:t>Trained: 55.71% (</a:t>
+            </a:r>
+            <a:r>
+              <a:rPr lang="en-US" sz="2000" dirty="0" err="1"/>
+              <a:t>sd</a:t>
+            </a:r>
+            <a:r>
+              <a:rPr lang="en-US" sz="2000" dirty="0"/>
+              <a:t>: 6.82 %)</a:t>
+            </a:r>
+          </a:p>
+          <a:p>
+            <a:pPr marL="742950" lvl="1" indent="-285750">
+              <a:buFont typeface="Arial" panose="020B0604020202020204" pitchFamily="34" charset="0"/>
+              <a:buChar char="•"/>
+            </a:pPr>
+            <a:r>
+              <a:rPr lang="en-US" sz="2000" dirty="0"/>
+              <a:t>Tested: 62.84 % (</a:t>
+            </a:r>
+            <a:r>
+              <a:rPr lang="en-US" sz="2000" dirty="0" err="1"/>
+              <a:t>sd</a:t>
+            </a:r>
+            <a:r>
+              <a:rPr lang="en-US" sz="2000" dirty="0"/>
+              <a:t>: 13.29%) 	</a:t>
+            </a:r>
+          </a:p>
+        </p:txBody>
+      </p:sp>
+      <p:sp>
+        <p:nvSpPr>
+          <p:cNvPr id="5" name="TextBox 4">
+            <a:extLst>
+              <a:ext uri="{FF2B5EF4-FFF2-40B4-BE49-F238E27FC236}">
+                <a16:creationId xmlns:a16="http://schemas.microsoft.com/office/drawing/2014/main" id="{FA3D43F3-FE7E-08F1-0F5D-0033A5710F09}"/>
+              </a:ext>
+            </a:extLst>
+          </p:cNvPr>
+          <p:cNvSpPr txBox="1"/>
+          <p:nvPr/>
+        </p:nvSpPr>
+        <p:spPr>
+          <a:xfrm>
+            <a:off x="220993" y="6160161"/>
+            <a:ext cx="11971007" cy="646331"/>
+          </a:xfrm>
+          <a:prstGeom prst="rect">
+            <a:avLst/>
+          </a:prstGeom>
+          <a:noFill/>
+        </p:spPr>
+        <p:txBody>
+          <a:bodyPr wrap="square" rtlCol="0">
+            <a:spAutoFit/>
+          </a:bodyPr>
+          <a:lstStyle/>
+          <a:p>
+            <a:r>
+              <a:rPr lang="en-US" dirty="0"/>
+              <a:t>Contrast second best model 05/04_50m_var_nosplit (accuracy: 67.5%, </a:t>
+            </a:r>
+            <a:r>
+              <a:rPr lang="en-US" dirty="0" err="1"/>
+              <a:t>sd</a:t>
+            </a:r>
+            <a:r>
+              <a:rPr lang="en-US" dirty="0"/>
+              <a:t>: 13.86%), p-value = 1… no significant differences among algorithm validation accuracies in holdout set</a:t>
             </a:r>
           </a:p>
         </p:txBody>

--- a/outputs/summary.pptx
+++ b/outputs/summary.pptx
@@ -6,22 +6,24 @@
   </p:sldMasterIdLst>
   <p:sldIdLst>
     <p:sldId id="267" r:id="rId2"/>
-    <p:sldId id="256" r:id="rId3"/>
-    <p:sldId id="259" r:id="rId4"/>
-    <p:sldId id="258" r:id="rId5"/>
-    <p:sldId id="257" r:id="rId6"/>
-    <p:sldId id="260" r:id="rId7"/>
-    <p:sldId id="261" r:id="rId8"/>
-    <p:sldId id="262" r:id="rId9"/>
-    <p:sldId id="266" r:id="rId10"/>
-    <p:sldId id="268" r:id="rId11"/>
-    <p:sldId id="275" r:id="rId12"/>
-    <p:sldId id="276" r:id="rId13"/>
-    <p:sldId id="277" r:id="rId14"/>
-    <p:sldId id="271" r:id="rId15"/>
-    <p:sldId id="278" r:id="rId16"/>
-    <p:sldId id="263" r:id="rId17"/>
-    <p:sldId id="274" r:id="rId18"/>
+    <p:sldId id="280" r:id="rId3"/>
+    <p:sldId id="256" r:id="rId4"/>
+    <p:sldId id="259" r:id="rId5"/>
+    <p:sldId id="258" r:id="rId6"/>
+    <p:sldId id="257" r:id="rId7"/>
+    <p:sldId id="260" r:id="rId8"/>
+    <p:sldId id="261" r:id="rId9"/>
+    <p:sldId id="262" r:id="rId10"/>
+    <p:sldId id="266" r:id="rId11"/>
+    <p:sldId id="268" r:id="rId12"/>
+    <p:sldId id="275" r:id="rId13"/>
+    <p:sldId id="276" r:id="rId14"/>
+    <p:sldId id="277" r:id="rId15"/>
+    <p:sldId id="271" r:id="rId16"/>
+    <p:sldId id="278" r:id="rId17"/>
+    <p:sldId id="279" r:id="rId18"/>
+    <p:sldId id="263" r:id="rId19"/>
+    <p:sldId id="274" r:id="rId20"/>
   </p:sldIdLst>
   <p:sldSz cx="12192000" cy="6858000"/>
   <p:notesSz cx="6858000" cy="9144000"/>
@@ -131,7 +133,7 @@
 <file path=ppt/revisionInfo.xml><?xml version="1.0" encoding="utf-8"?>
 <p1510:revInfo xmlns:a="http://schemas.openxmlformats.org/drawingml/2006/main" xmlns:r="http://schemas.openxmlformats.org/officeDocument/2006/relationships" xmlns:p1510="http://schemas.microsoft.com/office/powerpoint/2015/10/main">
   <p1510:revLst>
-    <p1510:client id="{AD861AA3-1B13-4595-854C-9F6C151E35BA}" v="46" dt="2022-11-07T16:29:48.508"/>
+    <p1510:client id="{AD861AA3-1B13-4595-854C-9F6C151E35BA}" v="70" dt="2022-11-08T15:41:43.929"/>
   </p1510:revLst>
 </p1510:revInfo>
 </file>
@@ -140,19 +142,19 @@
 <pc:chgInfo xmlns:a="http://schemas.openxmlformats.org/drawingml/2006/main" xmlns:r="http://schemas.openxmlformats.org/officeDocument/2006/relationships" xmlns:ac="http://schemas.microsoft.com/office/drawing/2013/main/command" xmlns:pc="http://schemas.microsoft.com/office/powerpoint/2013/main/command">
   <pc:docChgLst>
     <pc:chgData name="Jauregui Beso, Jara" userId="545a1999-fc67-42e4-bc6e-07b57f946614" providerId="ADAL" clId="{AD861AA3-1B13-4595-854C-9F6C151E35BA}"/>
-    <pc:docChg chg="undo custSel addSld delSld modSld sldOrd">
-      <pc:chgData name="Jauregui Beso, Jara" userId="545a1999-fc67-42e4-bc6e-07b57f946614" providerId="ADAL" clId="{AD861AA3-1B13-4595-854C-9F6C151E35BA}" dt="2022-11-07T17:01:49.072" v="2666" actId="1076"/>
+    <pc:docChg chg="undo redo custSel addSld delSld modSld sldOrd">
+      <pc:chgData name="Jauregui Beso, Jara" userId="545a1999-fc67-42e4-bc6e-07b57f946614" providerId="ADAL" clId="{AD861AA3-1B13-4595-854C-9F6C151E35BA}" dt="2022-11-08T15:42:52.497" v="3643" actId="14100"/>
       <pc:docMkLst>
         <pc:docMk/>
       </pc:docMkLst>
       <pc:sldChg chg="addSp delSp modSp mod">
-        <pc:chgData name="Jauregui Beso, Jara" userId="545a1999-fc67-42e4-bc6e-07b57f946614" providerId="ADAL" clId="{AD861AA3-1B13-4595-854C-9F6C151E35BA}" dt="2022-11-03T09:06:42.857" v="17" actId="1076"/>
+        <pc:chgData name="Jauregui Beso, Jara" userId="545a1999-fc67-42e4-bc6e-07b57f946614" providerId="ADAL" clId="{AD861AA3-1B13-4595-854C-9F6C151E35BA}" dt="2022-11-08T15:04:31.952" v="3412" actId="164"/>
         <pc:sldMkLst>
           <pc:docMk/>
           <pc:sldMk cId="4221457052" sldId="256"/>
         </pc:sldMkLst>
         <pc:spChg chg="add mod">
-          <ac:chgData name="Jauregui Beso, Jara" userId="545a1999-fc67-42e4-bc6e-07b57f946614" providerId="ADAL" clId="{AD861AA3-1B13-4595-854C-9F6C151E35BA}" dt="2022-11-03T09:06:12.708" v="8" actId="1076"/>
+          <ac:chgData name="Jauregui Beso, Jara" userId="545a1999-fc67-42e4-bc6e-07b57f946614" providerId="ADAL" clId="{AD861AA3-1B13-4595-854C-9F6C151E35BA}" dt="2022-11-08T15:04:31.952" v="3412" actId="164"/>
           <ac:spMkLst>
             <pc:docMk/>
             <pc:sldMk cId="4221457052" sldId="256"/>
@@ -160,7 +162,7 @@
           </ac:spMkLst>
         </pc:spChg>
         <pc:spChg chg="add mod">
-          <ac:chgData name="Jauregui Beso, Jara" userId="545a1999-fc67-42e4-bc6e-07b57f946614" providerId="ADAL" clId="{AD861AA3-1B13-4595-854C-9F6C151E35BA}" dt="2022-11-03T09:06:20.687" v="10" actId="1076"/>
+          <ac:chgData name="Jauregui Beso, Jara" userId="545a1999-fc67-42e4-bc6e-07b57f946614" providerId="ADAL" clId="{AD861AA3-1B13-4595-854C-9F6C151E35BA}" dt="2022-11-08T15:04:31.952" v="3412" actId="164"/>
           <ac:spMkLst>
             <pc:docMk/>
             <pc:sldMk cId="4221457052" sldId="256"/>
@@ -168,15 +170,23 @@
           </ac:spMkLst>
         </pc:spChg>
         <pc:spChg chg="add mod">
-          <ac:chgData name="Jauregui Beso, Jara" userId="545a1999-fc67-42e4-bc6e-07b57f946614" providerId="ADAL" clId="{AD861AA3-1B13-4595-854C-9F6C151E35BA}" dt="2022-11-03T09:06:42.857" v="17" actId="1076"/>
+          <ac:chgData name="Jauregui Beso, Jara" userId="545a1999-fc67-42e4-bc6e-07b57f946614" providerId="ADAL" clId="{AD861AA3-1B13-4595-854C-9F6C151E35BA}" dt="2022-11-08T15:04:31.952" v="3412" actId="164"/>
           <ac:spMkLst>
             <pc:docMk/>
             <pc:sldMk cId="4221457052" sldId="256"/>
             <ac:spMk id="6" creationId="{23E78D1C-1316-2D4D-336C-12FE82AC251C}"/>
           </ac:spMkLst>
         </pc:spChg>
+        <pc:grpChg chg="add mod">
+          <ac:chgData name="Jauregui Beso, Jara" userId="545a1999-fc67-42e4-bc6e-07b57f946614" providerId="ADAL" clId="{AD861AA3-1B13-4595-854C-9F6C151E35BA}" dt="2022-11-08T15:04:31.952" v="3412" actId="164"/>
+          <ac:grpSpMkLst>
+            <pc:docMk/>
+            <pc:sldMk cId="4221457052" sldId="256"/>
+            <ac:grpSpMk id="2" creationId="{A0A3C73A-B1E1-A329-620F-C7CB75EA48CD}"/>
+          </ac:grpSpMkLst>
+        </pc:grpChg>
         <pc:picChg chg="add mod">
-          <ac:chgData name="Jauregui Beso, Jara" userId="545a1999-fc67-42e4-bc6e-07b57f946614" providerId="ADAL" clId="{AD861AA3-1B13-4595-854C-9F6C151E35BA}" dt="2022-11-03T09:06:35.903" v="16" actId="1076"/>
+          <ac:chgData name="Jauregui Beso, Jara" userId="545a1999-fc67-42e4-bc6e-07b57f946614" providerId="ADAL" clId="{AD861AA3-1B13-4595-854C-9F6C151E35BA}" dt="2022-11-08T15:04:31.952" v="3412" actId="164"/>
           <ac:picMkLst>
             <pc:docMk/>
             <pc:sldMk cId="4221457052" sldId="256"/>
@@ -223,17 +233,25 @@
         </pc:spChg>
       </pc:sldChg>
       <pc:sldChg chg="addSp delSp modSp mod">
-        <pc:chgData name="Jauregui Beso, Jara" userId="545a1999-fc67-42e4-bc6e-07b57f946614" providerId="ADAL" clId="{AD861AA3-1B13-4595-854C-9F6C151E35BA}" dt="2022-11-07T10:12:59.856" v="1518" actId="20577"/>
+        <pc:chgData name="Jauregui Beso, Jara" userId="545a1999-fc67-42e4-bc6e-07b57f946614" providerId="ADAL" clId="{AD861AA3-1B13-4595-854C-9F6C151E35BA}" dt="2022-11-08T15:14:46.247" v="3611" actId="1076"/>
         <pc:sldMkLst>
           <pc:docMk/>
           <pc:sldMk cId="1422733971" sldId="263"/>
         </pc:sldMkLst>
         <pc:spChg chg="add mod">
-          <ac:chgData name="Jauregui Beso, Jara" userId="545a1999-fc67-42e4-bc6e-07b57f946614" providerId="ADAL" clId="{AD861AA3-1B13-4595-854C-9F6C151E35BA}" dt="2022-11-07T10:12:59.856" v="1518" actId="20577"/>
+          <ac:chgData name="Jauregui Beso, Jara" userId="545a1999-fc67-42e4-bc6e-07b57f946614" providerId="ADAL" clId="{AD861AA3-1B13-4595-854C-9F6C151E35BA}" dt="2022-11-08T15:14:46.247" v="3611" actId="1076"/>
           <ac:spMkLst>
             <pc:docMk/>
             <pc:sldMk cId="1422733971" sldId="263"/>
             <ac:spMk id="6" creationId="{52A5B92E-70CA-DAC2-485F-85B149E59375}"/>
+          </ac:spMkLst>
+        </pc:spChg>
+        <pc:spChg chg="add mod">
+          <ac:chgData name="Jauregui Beso, Jara" userId="545a1999-fc67-42e4-bc6e-07b57f946614" providerId="ADAL" clId="{AD861AA3-1B13-4595-854C-9F6C151E35BA}" dt="2022-11-08T15:01:39.018" v="3389" actId="1076"/>
+          <ac:spMkLst>
+            <pc:docMk/>
+            <pc:sldMk cId="1422733971" sldId="263"/>
+            <ac:spMk id="7" creationId="{3D916831-891A-12D7-C5EA-0480F31EC669}"/>
           </ac:spMkLst>
         </pc:spChg>
         <pc:spChg chg="del">
@@ -252,12 +270,28 @@
             <ac:spMk id="15" creationId="{4AC1055D-C3A9-1E1F-3930-E7CF498C7519}"/>
           </ac:spMkLst>
         </pc:spChg>
-        <pc:picChg chg="add mod ord">
-          <ac:chgData name="Jauregui Beso, Jara" userId="545a1999-fc67-42e4-bc6e-07b57f946614" providerId="ADAL" clId="{AD861AA3-1B13-4595-854C-9F6C151E35BA}" dt="2022-11-03T11:46:34.463" v="1410" actId="1076"/>
+        <pc:grpChg chg="add mod">
+          <ac:chgData name="Jauregui Beso, Jara" userId="545a1999-fc67-42e4-bc6e-07b57f946614" providerId="ADAL" clId="{AD861AA3-1B13-4595-854C-9F6C151E35BA}" dt="2022-11-08T14:40:58.177" v="3185" actId="1076"/>
+          <ac:grpSpMkLst>
+            <pc:docMk/>
+            <pc:sldMk cId="1422733971" sldId="263"/>
+            <ac:grpSpMk id="5" creationId="{0319A174-D603-467D-B7D7-244D66E7BA88}"/>
+          </ac:grpSpMkLst>
+        </pc:grpChg>
+        <pc:picChg chg="add mod ord modCrop">
+          <ac:chgData name="Jauregui Beso, Jara" userId="545a1999-fc67-42e4-bc6e-07b57f946614" providerId="ADAL" clId="{AD861AA3-1B13-4595-854C-9F6C151E35BA}" dt="2022-11-08T14:33:25.769" v="3179" actId="164"/>
           <ac:picMkLst>
             <pc:docMk/>
             <pc:sldMk cId="1422733971" sldId="263"/>
             <ac:picMk id="3" creationId="{04988A35-2B1C-DA5E-D94A-F20B88D17605}"/>
+          </ac:picMkLst>
+        </pc:picChg>
+        <pc:picChg chg="add mod ord modCrop">
+          <ac:chgData name="Jauregui Beso, Jara" userId="545a1999-fc67-42e4-bc6e-07b57f946614" providerId="ADAL" clId="{AD861AA3-1B13-4595-854C-9F6C151E35BA}" dt="2022-11-08T14:33:25.769" v="3179" actId="164"/>
+          <ac:picMkLst>
+            <pc:docMk/>
+            <pc:sldMk cId="1422733971" sldId="263"/>
+            <ac:picMk id="4" creationId="{3652A3F9-B4AD-89D1-EDCF-FD0ED4C3CCF5}"/>
           </ac:picMkLst>
         </pc:picChg>
         <pc:picChg chg="add del mod">
@@ -518,7 +552,7 @@
         </pc:picChg>
       </pc:sldChg>
       <pc:sldChg chg="addSp delSp modSp add mod">
-        <pc:chgData name="Jauregui Beso, Jara" userId="545a1999-fc67-42e4-bc6e-07b57f946614" providerId="ADAL" clId="{AD861AA3-1B13-4595-854C-9F6C151E35BA}" dt="2022-11-07T10:23:13.288" v="1980" actId="478"/>
+        <pc:chgData name="Jauregui Beso, Jara" userId="545a1999-fc67-42e4-bc6e-07b57f946614" providerId="ADAL" clId="{AD861AA3-1B13-4595-854C-9F6C151E35BA}" dt="2022-11-08T15:02:34.309" v="3403" actId="1076"/>
         <pc:sldMkLst>
           <pc:docMk/>
           <pc:sldMk cId="1696135541" sldId="271"/>
@@ -531,16 +565,40 @@
             <ac:spMk id="3" creationId="{16B87924-C1A0-2F98-CD10-29730CE71F7F}"/>
           </ac:spMkLst>
         </pc:spChg>
-        <pc:spChg chg="mod">
-          <ac:chgData name="Jauregui Beso, Jara" userId="545a1999-fc67-42e4-bc6e-07b57f946614" providerId="ADAL" clId="{AD861AA3-1B13-4595-854C-9F6C151E35BA}" dt="2022-11-07T10:23:09.016" v="1979" actId="20577"/>
+        <pc:spChg chg="add del mod">
+          <ac:chgData name="Jauregui Beso, Jara" userId="545a1999-fc67-42e4-bc6e-07b57f946614" providerId="ADAL" clId="{AD861AA3-1B13-4595-854C-9F6C151E35BA}" dt="2022-11-08T10:58:16.568" v="3004" actId="1076"/>
+          <ac:spMkLst>
+            <pc:docMk/>
+            <pc:sldMk cId="1696135541" sldId="271"/>
+            <ac:spMk id="3" creationId="{DB5A2CEB-07B0-8FAD-175F-2C788251B373}"/>
+          </ac:spMkLst>
+        </pc:spChg>
+        <pc:spChg chg="add del mod">
+          <ac:chgData name="Jauregui Beso, Jara" userId="545a1999-fc67-42e4-bc6e-07b57f946614" providerId="ADAL" clId="{AD861AA3-1B13-4595-854C-9F6C151E35BA}" dt="2022-11-08T08:33:26.533" v="2691" actId="478"/>
           <ac:spMkLst>
             <pc:docMk/>
             <pc:sldMk cId="1696135541" sldId="271"/>
             <ac:spMk id="4" creationId="{20E6FDB1-60BC-85B0-3EA3-09433FA21E59}"/>
           </ac:spMkLst>
         </pc:spChg>
-        <pc:spChg chg="mod">
-          <ac:chgData name="Jauregui Beso, Jara" userId="545a1999-fc67-42e4-bc6e-07b57f946614" providerId="ADAL" clId="{AD861AA3-1B13-4595-854C-9F6C151E35BA}" dt="2022-11-03T11:26:27.757" v="1292" actId="20577"/>
+        <pc:spChg chg="add mod">
+          <ac:chgData name="Jauregui Beso, Jara" userId="545a1999-fc67-42e4-bc6e-07b57f946614" providerId="ADAL" clId="{AD861AA3-1B13-4595-854C-9F6C151E35BA}" dt="2022-11-08T15:02:34.309" v="3403" actId="1076"/>
+          <ac:spMkLst>
+            <pc:docMk/>
+            <pc:sldMk cId="1696135541" sldId="271"/>
+            <ac:spMk id="5" creationId="{792FAB62-8830-DA25-CBB3-714F043D0E22}"/>
+          </ac:spMkLst>
+        </pc:spChg>
+        <pc:spChg chg="add mod">
+          <ac:chgData name="Jauregui Beso, Jara" userId="545a1999-fc67-42e4-bc6e-07b57f946614" providerId="ADAL" clId="{AD861AA3-1B13-4595-854C-9F6C151E35BA}" dt="2022-11-08T10:58:10.798" v="3003"/>
+          <ac:spMkLst>
+            <pc:docMk/>
+            <pc:sldMk cId="1696135541" sldId="271"/>
+            <ac:spMk id="6" creationId="{C08AE928-0535-4FA1-74A2-05C43C638FF3}"/>
+          </ac:spMkLst>
+        </pc:spChg>
+        <pc:spChg chg="del mod">
+          <ac:chgData name="Jauregui Beso, Jara" userId="545a1999-fc67-42e4-bc6e-07b57f946614" providerId="ADAL" clId="{AD861AA3-1B13-4595-854C-9F6C151E35BA}" dt="2022-11-08T10:58:10.529" v="3002" actId="478"/>
           <ac:spMkLst>
             <pc:docMk/>
             <pc:sldMk cId="1696135541" sldId="271"/>
@@ -659,11 +717,35 @@
         </pc:picChg>
       </pc:sldChg>
       <pc:sldChg chg="addSp delSp modSp add mod">
-        <pc:chgData name="Jauregui Beso, Jara" userId="545a1999-fc67-42e4-bc6e-07b57f946614" providerId="ADAL" clId="{AD861AA3-1B13-4595-854C-9F6C151E35BA}" dt="2022-11-07T10:13:06.511" v="1520"/>
+        <pc:chgData name="Jauregui Beso, Jara" userId="545a1999-fc67-42e4-bc6e-07b57f946614" providerId="ADAL" clId="{AD861AA3-1B13-4595-854C-9F6C151E35BA}" dt="2022-11-08T15:14:50.266" v="3613"/>
         <pc:sldMkLst>
           <pc:docMk/>
           <pc:sldMk cId="3389449928" sldId="274"/>
         </pc:sldMkLst>
+        <pc:spChg chg="add del mod">
+          <ac:chgData name="Jauregui Beso, Jara" userId="545a1999-fc67-42e4-bc6e-07b57f946614" providerId="ADAL" clId="{AD861AA3-1B13-4595-854C-9F6C151E35BA}" dt="2022-11-08T14:31:51.215" v="3159"/>
+          <ac:spMkLst>
+            <pc:docMk/>
+            <pc:sldMk cId="3389449928" sldId="274"/>
+            <ac:spMk id="3" creationId="{E36F5DF1-523B-A686-9FD1-6A5AE0E2637F}"/>
+          </ac:spMkLst>
+        </pc:spChg>
+        <pc:spChg chg="add del mod">
+          <ac:chgData name="Jauregui Beso, Jara" userId="545a1999-fc67-42e4-bc6e-07b57f946614" providerId="ADAL" clId="{AD861AA3-1B13-4595-854C-9F6C151E35BA}" dt="2022-11-08T14:32:11.052" v="3163" actId="478"/>
+          <ac:spMkLst>
+            <pc:docMk/>
+            <pc:sldMk cId="3389449928" sldId="274"/>
+            <ac:spMk id="4" creationId="{BF9674B1-66C5-05EA-C464-620105893121}"/>
+          </ac:spMkLst>
+        </pc:spChg>
+        <pc:spChg chg="add del mod">
+          <ac:chgData name="Jauregui Beso, Jara" userId="545a1999-fc67-42e4-bc6e-07b57f946614" providerId="ADAL" clId="{AD861AA3-1B13-4595-854C-9F6C151E35BA}" dt="2022-11-08T14:33:40.276" v="3182" actId="478"/>
+          <ac:spMkLst>
+            <pc:docMk/>
+            <pc:sldMk cId="3389449928" sldId="274"/>
+            <ac:spMk id="6" creationId="{5117B19D-9F60-9D52-E897-A55F5984A3B4}"/>
+          </ac:spMkLst>
+        </pc:spChg>
         <pc:spChg chg="del">
           <ac:chgData name="Jauregui Beso, Jara" userId="545a1999-fc67-42e4-bc6e-07b57f946614" providerId="ADAL" clId="{AD861AA3-1B13-4595-854C-9F6C151E35BA}" dt="2022-11-07T10:13:06.272" v="1519" actId="478"/>
           <ac:spMkLst>
@@ -672,12 +754,44 @@
             <ac:spMk id="6" creationId="{52A5B92E-70CA-DAC2-485F-85B149E59375}"/>
           </ac:spMkLst>
         </pc:spChg>
-        <pc:spChg chg="add mod">
-          <ac:chgData name="Jauregui Beso, Jara" userId="545a1999-fc67-42e4-bc6e-07b57f946614" providerId="ADAL" clId="{AD861AA3-1B13-4595-854C-9F6C151E35BA}" dt="2022-11-07T10:13:06.511" v="1520"/>
+        <pc:spChg chg="add del mod">
+          <ac:chgData name="Jauregui Beso, Jara" userId="545a1999-fc67-42e4-bc6e-07b57f946614" providerId="ADAL" clId="{AD861AA3-1B13-4595-854C-9F6C151E35BA}" dt="2022-11-08T14:31:53.414" v="3160" actId="478"/>
           <ac:spMkLst>
             <pc:docMk/>
             <pc:sldMk cId="3389449928" sldId="274"/>
             <ac:spMk id="7" creationId="{048F93AD-7EFE-4873-9FEF-50E0F31AA337}"/>
+          </ac:spMkLst>
+        </pc:spChg>
+        <pc:spChg chg="add del mod">
+          <ac:chgData name="Jauregui Beso, Jara" userId="545a1999-fc67-42e4-bc6e-07b57f946614" providerId="ADAL" clId="{AD861AA3-1B13-4595-854C-9F6C151E35BA}" dt="2022-11-08T15:14:34.483" v="3609" actId="478"/>
+          <ac:spMkLst>
+            <pc:docMk/>
+            <pc:sldMk cId="3389449928" sldId="274"/>
+            <ac:spMk id="8" creationId="{7071F944-138F-83E4-658C-348C29FE6213}"/>
+          </ac:spMkLst>
+        </pc:spChg>
+        <pc:spChg chg="add mod">
+          <ac:chgData name="Jauregui Beso, Jara" userId="545a1999-fc67-42e4-bc6e-07b57f946614" providerId="ADAL" clId="{AD861AA3-1B13-4595-854C-9F6C151E35BA}" dt="2022-11-08T15:01:47.195" v="3391" actId="14100"/>
+          <ac:spMkLst>
+            <pc:docMk/>
+            <pc:sldMk cId="3389449928" sldId="274"/>
+            <ac:spMk id="9" creationId="{F44CDD1A-5C80-E8AD-B998-D234332165D5}"/>
+          </ac:spMkLst>
+        </pc:spChg>
+        <pc:spChg chg="add del mod">
+          <ac:chgData name="Jauregui Beso, Jara" userId="545a1999-fc67-42e4-bc6e-07b57f946614" providerId="ADAL" clId="{AD861AA3-1B13-4595-854C-9F6C151E35BA}" dt="2022-11-08T15:14:50.019" v="3612" actId="478"/>
+          <ac:spMkLst>
+            <pc:docMk/>
+            <pc:sldMk cId="3389449928" sldId="274"/>
+            <ac:spMk id="10" creationId="{D9C1C63C-79A1-4AD2-4CFF-EB5D9A4C42C1}"/>
+          </ac:spMkLst>
+        </pc:spChg>
+        <pc:spChg chg="add mod">
+          <ac:chgData name="Jauregui Beso, Jara" userId="545a1999-fc67-42e4-bc6e-07b57f946614" providerId="ADAL" clId="{AD861AA3-1B13-4595-854C-9F6C151E35BA}" dt="2022-11-08T15:14:50.266" v="3613"/>
+          <ac:spMkLst>
+            <pc:docMk/>
+            <pc:sldMk cId="3389449928" sldId="274"/>
+            <ac:spMk id="11" creationId="{A616EAD1-981E-C5FC-519D-1868AF4D207C}"/>
           </ac:spMkLst>
         </pc:spChg>
         <pc:picChg chg="del">
@@ -689,7 +803,7 @@
           </ac:picMkLst>
         </pc:picChg>
         <pc:picChg chg="add mod ord">
-          <ac:chgData name="Jauregui Beso, Jara" userId="545a1999-fc67-42e4-bc6e-07b57f946614" providerId="ADAL" clId="{AD861AA3-1B13-4595-854C-9F6C151E35BA}" dt="2022-11-07T10:12:36.970" v="1463" actId="1076"/>
+          <ac:chgData name="Jauregui Beso, Jara" userId="545a1999-fc67-42e4-bc6e-07b57f946614" providerId="ADAL" clId="{AD861AA3-1B13-4595-854C-9F6C151E35BA}" dt="2022-11-08T14:33:46.056" v="3184" actId="1076"/>
           <ac:picMkLst>
             <pc:docMk/>
             <pc:sldMk cId="3389449928" sldId="274"/>
@@ -698,13 +812,13 @@
         </pc:picChg>
       </pc:sldChg>
       <pc:sldChg chg="addSp modSp add mod">
-        <pc:chgData name="Jauregui Beso, Jara" userId="545a1999-fc67-42e4-bc6e-07b57f946614" providerId="ADAL" clId="{AD861AA3-1B13-4595-854C-9F6C151E35BA}" dt="2022-11-07T17:01:49.072" v="2666" actId="1076"/>
+        <pc:chgData name="Jauregui Beso, Jara" userId="545a1999-fc67-42e4-bc6e-07b57f946614" providerId="ADAL" clId="{AD861AA3-1B13-4595-854C-9F6C151E35BA}" dt="2022-11-08T15:03:26.113" v="3409" actId="1076"/>
         <pc:sldMkLst>
           <pc:docMk/>
           <pc:sldMk cId="91587047" sldId="275"/>
         </pc:sldMkLst>
         <pc:spChg chg="add mod">
-          <ac:chgData name="Jauregui Beso, Jara" userId="545a1999-fc67-42e4-bc6e-07b57f946614" providerId="ADAL" clId="{AD861AA3-1B13-4595-854C-9F6C151E35BA}" dt="2022-11-07T16:53:07.026" v="2575" actId="20577"/>
+          <ac:chgData name="Jauregui Beso, Jara" userId="545a1999-fc67-42e4-bc6e-07b57f946614" providerId="ADAL" clId="{AD861AA3-1B13-4595-854C-9F6C151E35BA}" dt="2022-11-08T15:03:26.113" v="3409" actId="1076"/>
           <ac:spMkLst>
             <pc:docMk/>
             <pc:sldMk cId="91587047" sldId="275"/>
@@ -712,7 +826,7 @@
           </ac:spMkLst>
         </pc:spChg>
         <pc:spChg chg="mod">
-          <ac:chgData name="Jauregui Beso, Jara" userId="545a1999-fc67-42e4-bc6e-07b57f946614" providerId="ADAL" clId="{AD861AA3-1B13-4595-854C-9F6C151E35BA}" dt="2022-11-07T17:01:49.072" v="2666" actId="1076"/>
+          <ac:chgData name="Jauregui Beso, Jara" userId="545a1999-fc67-42e4-bc6e-07b57f946614" providerId="ADAL" clId="{AD861AA3-1B13-4595-854C-9F6C151E35BA}" dt="2022-11-08T10:05:37.919" v="2889" actId="113"/>
           <ac:spMkLst>
             <pc:docMk/>
             <pc:sldMk cId="91587047" sldId="275"/>
@@ -729,13 +843,13 @@
         </pc:picChg>
       </pc:sldChg>
       <pc:sldChg chg="addSp delSp modSp add mod">
-        <pc:chgData name="Jauregui Beso, Jara" userId="545a1999-fc67-42e4-bc6e-07b57f946614" providerId="ADAL" clId="{AD861AA3-1B13-4595-854C-9F6C151E35BA}" dt="2022-11-07T17:01:34.154" v="2664" actId="1076"/>
+        <pc:chgData name="Jauregui Beso, Jara" userId="545a1999-fc67-42e4-bc6e-07b57f946614" providerId="ADAL" clId="{AD861AA3-1B13-4595-854C-9F6C151E35BA}" dt="2022-11-08T15:03:17.667" v="3408" actId="1076"/>
         <pc:sldMkLst>
           <pc:docMk/>
           <pc:sldMk cId="3817661182" sldId="276"/>
         </pc:sldMkLst>
         <pc:spChg chg="add mod">
-          <ac:chgData name="Jauregui Beso, Jara" userId="545a1999-fc67-42e4-bc6e-07b57f946614" providerId="ADAL" clId="{AD861AA3-1B13-4595-854C-9F6C151E35BA}" dt="2022-11-07T16:56:01.060" v="2645" actId="21"/>
+          <ac:chgData name="Jauregui Beso, Jara" userId="545a1999-fc67-42e4-bc6e-07b57f946614" providerId="ADAL" clId="{AD861AA3-1B13-4595-854C-9F6C151E35BA}" dt="2022-11-08T15:03:17.667" v="3408" actId="1076"/>
           <ac:spMkLst>
             <pc:docMk/>
             <pc:sldMk cId="3817661182" sldId="276"/>
@@ -743,7 +857,7 @@
           </ac:spMkLst>
         </pc:spChg>
         <pc:spChg chg="mod">
-          <ac:chgData name="Jauregui Beso, Jara" userId="545a1999-fc67-42e4-bc6e-07b57f946614" providerId="ADAL" clId="{AD861AA3-1B13-4595-854C-9F6C151E35BA}" dt="2022-11-07T17:01:27.165" v="2663" actId="1076"/>
+          <ac:chgData name="Jauregui Beso, Jara" userId="545a1999-fc67-42e4-bc6e-07b57f946614" providerId="ADAL" clId="{AD861AA3-1B13-4595-854C-9F6C151E35BA}" dt="2022-11-08T10:52:01.561" v="2963" actId="20577"/>
           <ac:spMkLst>
             <pc:docMk/>
             <pc:sldMk cId="3817661182" sldId="276"/>
@@ -751,7 +865,7 @@
           </ac:spMkLst>
         </pc:spChg>
         <pc:picChg chg="add mod ord modCrop">
-          <ac:chgData name="Jauregui Beso, Jara" userId="545a1999-fc67-42e4-bc6e-07b57f946614" providerId="ADAL" clId="{AD861AA3-1B13-4595-854C-9F6C151E35BA}" dt="2022-11-07T17:01:34.154" v="2664" actId="1076"/>
+          <ac:chgData name="Jauregui Beso, Jara" userId="545a1999-fc67-42e4-bc6e-07b57f946614" providerId="ADAL" clId="{AD861AA3-1B13-4595-854C-9F6C151E35BA}" dt="2022-11-08T08:31:54.170" v="2682" actId="1076"/>
           <ac:picMkLst>
             <pc:docMk/>
             <pc:sldMk cId="3817661182" sldId="276"/>
@@ -768,7 +882,7 @@
         </pc:picChg>
       </pc:sldChg>
       <pc:sldChg chg="modSp add mod">
-        <pc:chgData name="Jauregui Beso, Jara" userId="545a1999-fc67-42e4-bc6e-07b57f946614" providerId="ADAL" clId="{AD861AA3-1B13-4595-854C-9F6C151E35BA}" dt="2022-11-07T10:21:53.005" v="1952"/>
+        <pc:chgData name="Jauregui Beso, Jara" userId="545a1999-fc67-42e4-bc6e-07b57f946614" providerId="ADAL" clId="{AD861AA3-1B13-4595-854C-9F6C151E35BA}" dt="2022-11-08T08:32:10.216" v="2684" actId="14100"/>
         <pc:sldMkLst>
           <pc:docMk/>
           <pc:sldMk cId="2386819989" sldId="277"/>
@@ -781,19 +895,176 @@
             <ac:spMk id="2" creationId="{C40AFC7F-5EA5-87CD-EEF2-6BDE715C738D}"/>
           </ac:spMkLst>
         </pc:spChg>
+        <pc:spChg chg="mod">
+          <ac:chgData name="Jauregui Beso, Jara" userId="545a1999-fc67-42e4-bc6e-07b57f946614" providerId="ADAL" clId="{AD861AA3-1B13-4595-854C-9F6C151E35BA}" dt="2022-11-08T08:32:10.216" v="2684" actId="14100"/>
+          <ac:spMkLst>
+            <pc:docMk/>
+            <pc:sldMk cId="2386819989" sldId="277"/>
+            <ac:spMk id="11" creationId="{99BAED0E-81C2-C67C-9F14-4EB2793F82AE}"/>
+          </ac:spMkLst>
+        </pc:spChg>
       </pc:sldChg>
-      <pc:sldChg chg="modSp add mod">
-        <pc:chgData name="Jauregui Beso, Jara" userId="545a1999-fc67-42e4-bc6e-07b57f946614" providerId="ADAL" clId="{AD861AA3-1B13-4595-854C-9F6C151E35BA}" dt="2022-11-07T10:26:05.400" v="1990"/>
+      <pc:sldChg chg="addSp delSp modSp add mod">
+        <pc:chgData name="Jauregui Beso, Jara" userId="545a1999-fc67-42e4-bc6e-07b57f946614" providerId="ADAL" clId="{AD861AA3-1B13-4595-854C-9F6C151E35BA}" dt="2022-11-08T15:02:20.171" v="3402" actId="1076"/>
         <pc:sldMkLst>
           <pc:docMk/>
           <pc:sldMk cId="3356519008" sldId="278"/>
         </pc:sldMkLst>
-        <pc:spChg chg="mod">
-          <ac:chgData name="Jauregui Beso, Jara" userId="545a1999-fc67-42e4-bc6e-07b57f946614" providerId="ADAL" clId="{AD861AA3-1B13-4595-854C-9F6C151E35BA}" dt="2022-11-07T10:26:05.400" v="1990"/>
+        <pc:spChg chg="add mod">
+          <ac:chgData name="Jauregui Beso, Jara" userId="545a1999-fc67-42e4-bc6e-07b57f946614" providerId="ADAL" clId="{AD861AA3-1B13-4595-854C-9F6C151E35BA}" dt="2022-11-08T10:56:42.074" v="2993" actId="20577"/>
+          <ac:spMkLst>
+            <pc:docMk/>
+            <pc:sldMk cId="3356519008" sldId="278"/>
+            <ac:spMk id="3" creationId="{6B98F95A-EAB5-A3D1-A08B-3312394F338C}"/>
+          </ac:spMkLst>
+        </pc:spChg>
+        <pc:spChg chg="del mod">
+          <ac:chgData name="Jauregui Beso, Jara" userId="545a1999-fc67-42e4-bc6e-07b57f946614" providerId="ADAL" clId="{AD861AA3-1B13-4595-854C-9F6C151E35BA}" dt="2022-11-08T10:50:04.482" v="2956" actId="478"/>
           <ac:spMkLst>
             <pc:docMk/>
             <pc:sldMk cId="3356519008" sldId="278"/>
             <ac:spMk id="4" creationId="{20E6FDB1-60BC-85B0-3EA3-09433FA21E59}"/>
+          </ac:spMkLst>
+        </pc:spChg>
+        <pc:spChg chg="add mod">
+          <ac:chgData name="Jauregui Beso, Jara" userId="545a1999-fc67-42e4-bc6e-07b57f946614" providerId="ADAL" clId="{AD861AA3-1B13-4595-854C-9F6C151E35BA}" dt="2022-11-08T15:02:20.171" v="3402" actId="1076"/>
+          <ac:spMkLst>
+            <pc:docMk/>
+            <pc:sldMk cId="3356519008" sldId="278"/>
+            <ac:spMk id="6" creationId="{EEEEE084-DE53-2B2E-F5C6-330C9A616A1F}"/>
+          </ac:spMkLst>
+        </pc:spChg>
+        <pc:spChg chg="mod">
+          <ac:chgData name="Jauregui Beso, Jara" userId="545a1999-fc67-42e4-bc6e-07b57f946614" providerId="ADAL" clId="{AD861AA3-1B13-4595-854C-9F6C151E35BA}" dt="2022-11-08T10:58:06.472" v="3001" actId="1076"/>
+          <ac:spMkLst>
+            <pc:docMk/>
+            <pc:sldMk cId="3356519008" sldId="278"/>
+            <ac:spMk id="8" creationId="{1A2E2F0C-CB54-5BFD-916D-FC7EB09EA889}"/>
+          </ac:spMkLst>
+        </pc:spChg>
+        <pc:picChg chg="del mod">
+          <ac:chgData name="Jauregui Beso, Jara" userId="545a1999-fc67-42e4-bc6e-07b57f946614" providerId="ADAL" clId="{AD861AA3-1B13-4595-854C-9F6C151E35BA}" dt="2022-11-08T10:52:56.498" v="2968" actId="478"/>
+          <ac:picMkLst>
+            <pc:docMk/>
+            <pc:sldMk cId="3356519008" sldId="278"/>
+            <ac:picMk id="2" creationId="{C4473714-3127-14A0-B9C8-6C63849C423C}"/>
+          </ac:picMkLst>
+        </pc:picChg>
+        <pc:picChg chg="add mod ord">
+          <ac:chgData name="Jauregui Beso, Jara" userId="545a1999-fc67-42e4-bc6e-07b57f946614" providerId="ADAL" clId="{AD861AA3-1B13-4595-854C-9F6C151E35BA}" dt="2022-11-08T10:58:01.770" v="3000" actId="1076"/>
+          <ac:picMkLst>
+            <pc:docMk/>
+            <pc:sldMk cId="3356519008" sldId="278"/>
+            <ac:picMk id="5" creationId="{AE69DFCE-D69D-CC1C-5F83-0538D18CD39F}"/>
+          </ac:picMkLst>
+        </pc:picChg>
+      </pc:sldChg>
+      <pc:sldChg chg="modSp add mod">
+        <pc:chgData name="Jauregui Beso, Jara" userId="545a1999-fc67-42e4-bc6e-07b57f946614" providerId="ADAL" clId="{AD861AA3-1B13-4595-854C-9F6C151E35BA}" dt="2022-11-08T11:13:48.746" v="3100" actId="20577"/>
+        <pc:sldMkLst>
+          <pc:docMk/>
+          <pc:sldMk cId="2356553904" sldId="279"/>
+        </pc:sldMkLst>
+        <pc:spChg chg="mod">
+          <ac:chgData name="Jauregui Beso, Jara" userId="545a1999-fc67-42e4-bc6e-07b57f946614" providerId="ADAL" clId="{AD861AA3-1B13-4595-854C-9F6C151E35BA}" dt="2022-11-08T11:10:56.106" v="3079" actId="20577"/>
+          <ac:spMkLst>
+            <pc:docMk/>
+            <pc:sldMk cId="2356553904" sldId="279"/>
+            <ac:spMk id="2" creationId="{C40AFC7F-5EA5-87CD-EEF2-6BDE715C738D}"/>
+          </ac:spMkLst>
+        </pc:spChg>
+        <pc:spChg chg="mod">
+          <ac:chgData name="Jauregui Beso, Jara" userId="545a1999-fc67-42e4-bc6e-07b57f946614" providerId="ADAL" clId="{AD861AA3-1B13-4595-854C-9F6C151E35BA}" dt="2022-11-08T11:13:48.746" v="3100" actId="20577"/>
+          <ac:spMkLst>
+            <pc:docMk/>
+            <pc:sldMk cId="2356553904" sldId="279"/>
+            <ac:spMk id="11" creationId="{99BAED0E-81C2-C67C-9F14-4EB2793F82AE}"/>
+          </ac:spMkLst>
+        </pc:spChg>
+      </pc:sldChg>
+      <pc:sldChg chg="addSp delSp modSp add mod ord">
+        <pc:chgData name="Jauregui Beso, Jara" userId="545a1999-fc67-42e4-bc6e-07b57f946614" providerId="ADAL" clId="{AD861AA3-1B13-4595-854C-9F6C151E35BA}" dt="2022-11-08T15:42:52.497" v="3643" actId="14100"/>
+        <pc:sldMkLst>
+          <pc:docMk/>
+          <pc:sldMk cId="1885040899" sldId="280"/>
+        </pc:sldMkLst>
+        <pc:spChg chg="mod">
+          <ac:chgData name="Jauregui Beso, Jara" userId="545a1999-fc67-42e4-bc6e-07b57f946614" providerId="ADAL" clId="{AD861AA3-1B13-4595-854C-9F6C151E35BA}" dt="2022-11-08T15:42:48.012" v="3642" actId="14100"/>
+          <ac:spMkLst>
+            <pc:docMk/>
+            <pc:sldMk cId="1885040899" sldId="280"/>
+            <ac:spMk id="4" creationId="{97D056CA-03C2-0D6C-64E1-9D18DD871326}"/>
+          </ac:spMkLst>
+        </pc:spChg>
+        <pc:spChg chg="mod">
+          <ac:chgData name="Jauregui Beso, Jara" userId="545a1999-fc67-42e4-bc6e-07b57f946614" providerId="ADAL" clId="{AD861AA3-1B13-4595-854C-9F6C151E35BA}" dt="2022-11-08T15:42:38.914" v="3640" actId="14100"/>
+          <ac:spMkLst>
+            <pc:docMk/>
+            <pc:sldMk cId="1885040899" sldId="280"/>
+            <ac:spMk id="5" creationId="{9D55DCB2-0A03-0B6D-5AC8-03FCB27CC864}"/>
+          </ac:spMkLst>
+        </pc:spChg>
+        <pc:spChg chg="mod">
+          <ac:chgData name="Jauregui Beso, Jara" userId="545a1999-fc67-42e4-bc6e-07b57f946614" providerId="ADAL" clId="{AD861AA3-1B13-4595-854C-9F6C151E35BA}" dt="2022-11-08T15:42:52.497" v="3643" actId="14100"/>
+          <ac:spMkLst>
+            <pc:docMk/>
+            <pc:sldMk cId="1885040899" sldId="280"/>
+            <ac:spMk id="6" creationId="{23E78D1C-1316-2D4D-336C-12FE82AC251C}"/>
+          </ac:spMkLst>
+        </pc:spChg>
+        <pc:grpChg chg="mod">
+          <ac:chgData name="Jauregui Beso, Jara" userId="545a1999-fc67-42e4-bc6e-07b57f946614" providerId="ADAL" clId="{AD861AA3-1B13-4595-854C-9F6C151E35BA}" dt="2022-11-08T15:42:23.306" v="3636" actId="1076"/>
+          <ac:grpSpMkLst>
+            <pc:docMk/>
+            <pc:sldMk cId="1885040899" sldId="280"/>
+            <ac:grpSpMk id="2" creationId="{A0A3C73A-B1E1-A329-620F-C7CB75EA48CD}"/>
+          </ac:grpSpMkLst>
+        </pc:grpChg>
+        <pc:picChg chg="del">
+          <ac:chgData name="Jauregui Beso, Jara" userId="545a1999-fc67-42e4-bc6e-07b57f946614" providerId="ADAL" clId="{AD861AA3-1B13-4595-854C-9F6C151E35BA}" dt="2022-11-08T15:41:43.489" v="3627" actId="478"/>
+          <ac:picMkLst>
+            <pc:docMk/>
+            <pc:sldMk cId="1885040899" sldId="280"/>
+            <ac:picMk id="3" creationId="{FB2D6238-2909-7820-887C-E8F96409B54B}"/>
+          </ac:picMkLst>
+        </pc:picChg>
+        <pc:picChg chg="add del mod">
+          <ac:chgData name="Jauregui Beso, Jara" userId="545a1999-fc67-42e4-bc6e-07b57f946614" providerId="ADAL" clId="{AD861AA3-1B13-4595-854C-9F6C151E35BA}" dt="2022-11-08T15:41:40.958" v="3626" actId="21"/>
+          <ac:picMkLst>
+            <pc:docMk/>
+            <pc:sldMk cId="1885040899" sldId="280"/>
+            <ac:picMk id="8" creationId="{E59C94AC-C1F9-49F8-B078-895C84AE0B51}"/>
+          </ac:picMkLst>
+        </pc:picChg>
+        <pc:picChg chg="add mod ord">
+          <ac:chgData name="Jauregui Beso, Jara" userId="545a1999-fc67-42e4-bc6e-07b57f946614" providerId="ADAL" clId="{AD861AA3-1B13-4595-854C-9F6C151E35BA}" dt="2022-11-08T15:42:18.357" v="3635" actId="1076"/>
+          <ac:picMkLst>
+            <pc:docMk/>
+            <pc:sldMk cId="1885040899" sldId="280"/>
+            <ac:picMk id="9" creationId="{39AC142F-6D4F-1A3C-5321-1AB3523770B4}"/>
+          </ac:picMkLst>
+        </pc:picChg>
+      </pc:sldChg>
+      <pc:sldChg chg="delSp new del mod">
+        <pc:chgData name="Jauregui Beso, Jara" userId="545a1999-fc67-42e4-bc6e-07b57f946614" providerId="ADAL" clId="{AD861AA3-1B13-4595-854C-9F6C151E35BA}" dt="2022-11-08T15:41:14.398" v="3617" actId="47"/>
+        <pc:sldMkLst>
+          <pc:docMk/>
+          <pc:sldMk cId="2118737871" sldId="280"/>
+        </pc:sldMkLst>
+        <pc:spChg chg="del">
+          <ac:chgData name="Jauregui Beso, Jara" userId="545a1999-fc67-42e4-bc6e-07b57f946614" providerId="ADAL" clId="{AD861AA3-1B13-4595-854C-9F6C151E35BA}" dt="2022-11-08T15:41:11.930" v="3616" actId="478"/>
+          <ac:spMkLst>
+            <pc:docMk/>
+            <pc:sldMk cId="2118737871" sldId="280"/>
+            <ac:spMk id="2" creationId="{FF2E4CC2-2AAF-E995-CD5B-4133C29C1F5F}"/>
+          </ac:spMkLst>
+        </pc:spChg>
+        <pc:spChg chg="del">
+          <ac:chgData name="Jauregui Beso, Jara" userId="545a1999-fc67-42e4-bc6e-07b57f946614" providerId="ADAL" clId="{AD861AA3-1B13-4595-854C-9F6C151E35BA}" dt="2022-11-08T15:41:11.170" v="3615" actId="478"/>
+          <ac:spMkLst>
+            <pc:docMk/>
+            <pc:sldMk cId="2118737871" sldId="280"/>
+            <ac:spMk id="3" creationId="{04E2F46F-D5F0-D472-8496-5429264CAD73}"/>
           </ac:spMkLst>
         </pc:spChg>
       </pc:sldChg>
@@ -949,7 +1220,7 @@
           <a:p>
             <a:fld id="{046D3877-9706-4A9A-A778-097DEF198E05}" type="datetimeFigureOut">
               <a:rPr lang="en-US" smtClean="0"/>
-              <a:t>11/7/2022</a:t>
+              <a:t>11/8/2022</a:t>
             </a:fld>
             <a:endParaRPr lang="en-US"/>
           </a:p>
@@ -1147,7 +1418,7 @@
           <a:p>
             <a:fld id="{046D3877-9706-4A9A-A778-097DEF198E05}" type="datetimeFigureOut">
               <a:rPr lang="en-US" smtClean="0"/>
-              <a:t>11/7/2022</a:t>
+              <a:t>11/8/2022</a:t>
             </a:fld>
             <a:endParaRPr lang="en-US"/>
           </a:p>
@@ -1355,7 +1626,7 @@
           <a:p>
             <a:fld id="{046D3877-9706-4A9A-A778-097DEF198E05}" type="datetimeFigureOut">
               <a:rPr lang="en-US" smtClean="0"/>
-              <a:t>11/7/2022</a:t>
+              <a:t>11/8/2022</a:t>
             </a:fld>
             <a:endParaRPr lang="en-US"/>
           </a:p>
@@ -1553,7 +1824,7 @@
           <a:p>
             <a:fld id="{046D3877-9706-4A9A-A778-097DEF198E05}" type="datetimeFigureOut">
               <a:rPr lang="en-US" smtClean="0"/>
-              <a:t>11/7/2022</a:t>
+              <a:t>11/8/2022</a:t>
             </a:fld>
             <a:endParaRPr lang="en-US"/>
           </a:p>
@@ -1828,7 +2099,7 @@
           <a:p>
             <a:fld id="{046D3877-9706-4A9A-A778-097DEF198E05}" type="datetimeFigureOut">
               <a:rPr lang="en-US" smtClean="0"/>
-              <a:t>11/7/2022</a:t>
+              <a:t>11/8/2022</a:t>
             </a:fld>
             <a:endParaRPr lang="en-US"/>
           </a:p>
@@ -2093,7 +2364,7 @@
           <a:p>
             <a:fld id="{046D3877-9706-4A9A-A778-097DEF198E05}" type="datetimeFigureOut">
               <a:rPr lang="en-US" smtClean="0"/>
-              <a:t>11/7/2022</a:t>
+              <a:t>11/8/2022</a:t>
             </a:fld>
             <a:endParaRPr lang="en-US"/>
           </a:p>
@@ -2505,7 +2776,7 @@
           <a:p>
             <a:fld id="{046D3877-9706-4A9A-A778-097DEF198E05}" type="datetimeFigureOut">
               <a:rPr lang="en-US" smtClean="0"/>
-              <a:t>11/7/2022</a:t>
+              <a:t>11/8/2022</a:t>
             </a:fld>
             <a:endParaRPr lang="en-US"/>
           </a:p>
@@ -2646,7 +2917,7 @@
           <a:p>
             <a:fld id="{046D3877-9706-4A9A-A778-097DEF198E05}" type="datetimeFigureOut">
               <a:rPr lang="en-US" smtClean="0"/>
-              <a:t>11/7/2022</a:t>
+              <a:t>11/8/2022</a:t>
             </a:fld>
             <a:endParaRPr lang="en-US"/>
           </a:p>
@@ -2759,7 +3030,7 @@
           <a:p>
             <a:fld id="{046D3877-9706-4A9A-A778-097DEF198E05}" type="datetimeFigureOut">
               <a:rPr lang="en-US" smtClean="0"/>
-              <a:t>11/7/2022</a:t>
+              <a:t>11/8/2022</a:t>
             </a:fld>
             <a:endParaRPr lang="en-US"/>
           </a:p>
@@ -3070,7 +3341,7 @@
           <a:p>
             <a:fld id="{046D3877-9706-4A9A-A778-097DEF198E05}" type="datetimeFigureOut">
               <a:rPr lang="en-US" smtClean="0"/>
-              <a:t>11/7/2022</a:t>
+              <a:t>11/8/2022</a:t>
             </a:fld>
             <a:endParaRPr lang="en-US"/>
           </a:p>
@@ -3358,7 +3629,7 @@
           <a:p>
             <a:fld id="{046D3877-9706-4A9A-A778-097DEF198E05}" type="datetimeFigureOut">
               <a:rPr lang="en-US" smtClean="0"/>
-              <a:t>11/7/2022</a:t>
+              <a:t>11/8/2022</a:t>
             </a:fld>
             <a:endParaRPr lang="en-US"/>
           </a:p>
@@ -3599,7 +3870,7 @@
           <a:p>
             <a:fld id="{046D3877-9706-4A9A-A778-097DEF198E05}" type="datetimeFigureOut">
               <a:rPr lang="en-US" smtClean="0"/>
-              <a:t>11/7/2022</a:t>
+              <a:t>11/8/2022</a:t>
             </a:fld>
             <a:endParaRPr lang="en-US"/>
           </a:p>
@@ -4115,57 +4386,44 @@
             <p:ph type="title"/>
           </p:nvPr>
         </p:nvSpPr>
+        <p:spPr/>
+        <p:txBody>
+          <a:bodyPr/>
+          <a:lstStyle/>
+          <a:p>
+            <a:r>
+              <a:rPr lang="en-US" b="1" dirty="0"/>
+              <a:t>Classification</a:t>
+            </a:r>
+            <a:endParaRPr lang="en-US" dirty="0"/>
+          </a:p>
+        </p:txBody>
+      </p:sp>
+      <p:sp>
+        <p:nvSpPr>
+          <p:cNvPr id="4" name="Content Placeholder 2">
+            <a:extLst>
+              <a:ext uri="{FF2B5EF4-FFF2-40B4-BE49-F238E27FC236}">
+                <a16:creationId xmlns:a16="http://schemas.microsoft.com/office/drawing/2014/main" id="{169428E1-00B6-1985-2387-D774DAA298E8}"/>
+              </a:ext>
+            </a:extLst>
+          </p:cNvPr>
+          <p:cNvSpPr>
+            <a:spLocks noGrp="1"/>
+          </p:cNvSpPr>
+          <p:nvPr>
+            <p:ph idx="1"/>
+          </p:nvPr>
+        </p:nvSpPr>
         <p:spPr>
           <a:xfrm>
-            <a:off x="693605" y="462450"/>
-            <a:ext cx="10515600" cy="1325563"/>
+            <a:off x="838200" y="1528175"/>
+            <a:ext cx="10515600" cy="4831528"/>
           </a:xfrm>
         </p:spPr>
         <p:txBody>
-          <a:bodyPr/>
-          <a:lstStyle/>
-          <a:p>
-            <a:r>
-              <a:rPr lang="en-US" b="1" dirty="0"/>
-              <a:t>CART trees (</a:t>
-            </a:r>
-            <a:r>
-              <a:rPr lang="en-US" b="1" dirty="0" err="1"/>
-              <a:t>rpart</a:t>
-            </a:r>
-            <a:r>
-              <a:rPr lang="en-US" b="1" dirty="0"/>
-              <a:t>)</a:t>
-            </a:r>
-            <a:endParaRPr lang="en-US" dirty="0"/>
-          </a:p>
-        </p:txBody>
-      </p:sp>
-      <p:sp>
-        <p:nvSpPr>
-          <p:cNvPr id="11" name="TextBox 10">
-            <a:extLst>
-              <a:ext uri="{FF2B5EF4-FFF2-40B4-BE49-F238E27FC236}">
-                <a16:creationId xmlns:a16="http://schemas.microsoft.com/office/drawing/2014/main" id="{99BAED0E-81C2-C67C-9F14-4EB2793F82AE}"/>
-              </a:ext>
-            </a:extLst>
-          </p:cNvPr>
-          <p:cNvSpPr txBox="1"/>
-          <p:nvPr/>
-        </p:nvSpPr>
-        <p:spPr>
-          <a:xfrm>
-            <a:off x="693604" y="1788013"/>
-            <a:ext cx="10251204" cy="1852815"/>
-          </a:xfrm>
-          <a:prstGeom prst="rect">
-            <a:avLst/>
-          </a:prstGeom>
-          <a:noFill/>
-        </p:spPr>
-        <p:txBody>
-          <a:bodyPr wrap="square" rtlCol="0">
-            <a:spAutoFit/>
+          <a:bodyPr>
+            <a:normAutofit fontScale="85000" lnSpcReduction="10000"/>
           </a:bodyPr>
           <a:lstStyle/>
           <a:p>
@@ -4175,34 +4433,75 @@
               </a:lnSpc>
             </a:pPr>
             <a:r>
-              <a:rPr lang="en-US" sz="2000" b="1" dirty="0"/>
-              <a:t>10-fold Cross-Validation with 10 repeats, n = 10 (results averaged over 10 different models)</a:t>
-            </a:r>
-          </a:p>
-          <a:p>
-            <a:pPr marL="457200" indent="-457200">
+              <a:rPr lang="en-US" dirty="0">
+                <a:sym typeface="Wingdings" panose="05000000000000000000" pitchFamily="2" charset="2"/>
+              </a:rPr>
+              <a:t>Data partition:</a:t>
+            </a:r>
+          </a:p>
+          <a:p>
+            <a:pPr lvl="1">
               <a:lnSpc>
                 <a:spcPct val="200000"/>
               </a:lnSpc>
-              <a:buFont typeface="+mj-lt"/>
-              <a:buAutoNum type="arabicParenR"/>
             </a:pPr>
             <a:r>
-              <a:rPr lang="en-US" sz="2000" dirty="0"/>
-              <a:t>Model trained with entire dataset</a:t>
-            </a:r>
-          </a:p>
-          <a:p>
-            <a:pPr marL="457200" indent="-457200">
+              <a:rPr lang="en-US" dirty="0">
+                <a:sym typeface="Wingdings" panose="05000000000000000000" pitchFamily="2" charset="2"/>
+              </a:rPr>
+              <a:t>Per date and altitude, separating data per flight</a:t>
+            </a:r>
+          </a:p>
+          <a:p>
+            <a:pPr lvl="1">
               <a:lnSpc>
                 <a:spcPct val="200000"/>
               </a:lnSpc>
-              <a:buFont typeface="+mj-lt"/>
-              <a:buAutoNum type="arabicParenR"/>
             </a:pPr>
             <a:r>
-              <a:rPr lang="en-US" sz="2000" dirty="0"/>
-              <a:t>Model trained in 80% of the data, accuracy tested in 20% holdout </a:t>
+              <a:rPr lang="en-US" dirty="0">
+                <a:sym typeface="Wingdings" panose="05000000000000000000" pitchFamily="2" charset="2"/>
+              </a:rPr>
+              <a:t>Per date, combining data taken in different flights, including flight Altitude as predictor in the model</a:t>
+            </a:r>
+          </a:p>
+          <a:p>
+            <a:pPr>
+              <a:lnSpc>
+                <a:spcPct val="200000"/>
+              </a:lnSpc>
+            </a:pPr>
+            <a:r>
+              <a:rPr lang="en-US" dirty="0">
+                <a:sym typeface="Wingdings" panose="05000000000000000000" pitchFamily="2" charset="2"/>
+              </a:rPr>
+              <a:t>Model:</a:t>
+            </a:r>
+          </a:p>
+          <a:p>
+            <a:pPr lvl="1">
+              <a:lnSpc>
+                <a:spcPct val="200000"/>
+              </a:lnSpc>
+            </a:pPr>
+            <a:r>
+              <a:rPr lang="en-US" dirty="0">
+                <a:sym typeface="Wingdings" panose="05000000000000000000" pitchFamily="2" charset="2"/>
+              </a:rPr>
+              <a:t>Using raw variables</a:t>
+            </a:r>
+          </a:p>
+          <a:p>
+            <a:pPr lvl="1">
+              <a:lnSpc>
+                <a:spcPct val="200000"/>
+              </a:lnSpc>
+            </a:pPr>
+            <a:r>
+              <a:rPr lang="en-US" dirty="0">
+                <a:sym typeface="Wingdings" panose="05000000000000000000" pitchFamily="2" charset="2"/>
+              </a:rPr>
+              <a:t>Using Principal Components</a:t>
             </a:r>
           </a:p>
         </p:txBody>
@@ -4210,7 +4509,7 @@
     </p:spTree>
     <p:extLst>
       <p:ext uri="{BB962C8B-B14F-4D97-AF65-F5344CB8AC3E}">
-        <p14:creationId xmlns:p14="http://schemas.microsoft.com/office/powerpoint/2010/main" val="2327810541"/>
+        <p14:creationId xmlns:p14="http://schemas.microsoft.com/office/powerpoint/2010/main" val="4097966587"/>
       </p:ext>
     </p:extLst>
   </p:cSld>
@@ -4237,41 +4536,6 @@
           <a:chExt cx="0" cy="0"/>
         </a:xfrm>
       </p:grpSpPr>
-      <p:pic>
-        <p:nvPicPr>
-          <p:cNvPr id="9" name="Picture 8" descr="Diagram&#10;&#10;Description automatically generated">
-            <a:extLst>
-              <a:ext uri="{FF2B5EF4-FFF2-40B4-BE49-F238E27FC236}">
-                <a16:creationId xmlns:a16="http://schemas.microsoft.com/office/drawing/2014/main" id="{1DD11078-4070-8F15-DFC7-A11CEB60B02A}"/>
-              </a:ext>
-            </a:extLst>
-          </p:cNvPr>
-          <p:cNvPicPr>
-            <a:picLocks noChangeAspect="1"/>
-          </p:cNvPicPr>
-          <p:nvPr/>
-        </p:nvPicPr>
-        <p:blipFill rotWithShape="1">
-          <a:blip r:embed="rId2">
-            <a:extLst>
-              <a:ext uri="{28A0092B-C50C-407E-A947-70E740481C1C}">
-                <a14:useLocalDpi xmlns:a14="http://schemas.microsoft.com/office/drawing/2010/main" val="0"/>
-              </a:ext>
-            </a:extLst>
-          </a:blip>
-          <a:srcRect l="4323" r="2847" b="9926"/>
-          <a:stretch/>
-        </p:blipFill>
-        <p:spPr>
-          <a:xfrm>
-            <a:off x="5029200" y="136189"/>
-            <a:ext cx="7162800" cy="6030425"/>
-          </a:xfrm>
-          <a:prstGeom prst="rect">
-            <a:avLst/>
-          </a:prstGeom>
-        </p:spPr>
-      </p:pic>
       <p:sp>
         <p:nvSpPr>
           <p:cNvPr id="2" name="Title 1">
@@ -4328,8 +4592,8 @@
         </p:nvSpPr>
         <p:spPr>
           <a:xfrm>
-            <a:off x="408113" y="2114274"/>
-            <a:ext cx="5059626" cy="2468368"/>
+            <a:off x="693604" y="1788013"/>
+            <a:ext cx="10251204" cy="1852815"/>
           </a:xfrm>
           <a:prstGeom prst="rect">
             <a:avLst/>
@@ -4349,103 +4613,33 @@
             </a:pPr>
             <a:r>
               <a:rPr lang="en-US" sz="2000" b="1" dirty="0"/>
-              <a:t>1) Trained with entire dataset (not validated)</a:t>
-            </a:r>
-          </a:p>
-          <a:p>
-            <a:r>
-              <a:rPr lang="en-US" sz="2000" dirty="0"/>
-              <a:t>Best performance : 03-22 at 50m with or w/o PC (p-value = 1)</a:t>
-            </a:r>
-          </a:p>
-          <a:p>
-            <a:pPr marL="285750" indent="-285750">
+              <a:t>10-fold Cross-Validation with 10 repeats, n = 10 (results averaged over 10 different models)</a:t>
+            </a:r>
+          </a:p>
+          <a:p>
+            <a:pPr marL="457200" indent="-457200">
               <a:lnSpc>
                 <a:spcPct val="200000"/>
               </a:lnSpc>
-              <a:buFont typeface="Arial" panose="020B0604020202020204" pitchFamily="34" charset="0"/>
-              <a:buChar char="•"/>
+              <a:buFont typeface="+mj-lt"/>
+              <a:buAutoNum type="arabicParenR"/>
             </a:pPr>
             <a:r>
               <a:rPr lang="en-US" sz="2000" dirty="0"/>
-              <a:t>Mean accuracy: 87 % (</a:t>
-            </a:r>
-            <a:r>
-              <a:rPr lang="en-US" sz="2000" dirty="0" err="1"/>
-              <a:t>sd</a:t>
-            </a:r>
-            <a:r>
-              <a:rPr lang="en-US" sz="2000" dirty="0"/>
-              <a:t>: 0. 5%)</a:t>
-            </a:r>
-          </a:p>
-          <a:p>
-            <a:pPr marL="285750" indent="-285750">
+              <a:t>Model trained with entire dataset</a:t>
+            </a:r>
+          </a:p>
+          <a:p>
+            <a:pPr marL="457200" indent="-457200">
               <a:lnSpc>
                 <a:spcPct val="200000"/>
               </a:lnSpc>
-              <a:buFont typeface="Arial" panose="020B0604020202020204" pitchFamily="34" charset="0"/>
-              <a:buChar char="•"/>
+              <a:buFont typeface="+mj-lt"/>
+              <a:buAutoNum type="arabicParenR"/>
             </a:pPr>
             <a:r>
               <a:rPr lang="en-US" sz="2000" dirty="0"/>
-              <a:t>Mean Kappa:  83.1 % (</a:t>
-            </a:r>
-            <a:r>
-              <a:rPr lang="en-US" sz="2000" dirty="0" err="1"/>
-              <a:t>sd</a:t>
-            </a:r>
-            <a:r>
-              <a:rPr lang="en-US" sz="2000" dirty="0"/>
-              <a:t>: 0. 65%)	</a:t>
-            </a:r>
-          </a:p>
-        </p:txBody>
-      </p:sp>
-      <p:sp>
-        <p:nvSpPr>
-          <p:cNvPr id="3" name="TextBox 2">
-            <a:extLst>
-              <a:ext uri="{FF2B5EF4-FFF2-40B4-BE49-F238E27FC236}">
-                <a16:creationId xmlns:a16="http://schemas.microsoft.com/office/drawing/2014/main" id="{896EB8CE-0ED8-F7D6-D4A0-E278E6C14B60}"/>
-              </a:ext>
-            </a:extLst>
-          </p:cNvPr>
-          <p:cNvSpPr txBox="1"/>
-          <p:nvPr/>
-        </p:nvSpPr>
-        <p:spPr>
-          <a:xfrm>
-            <a:off x="295807" y="6208502"/>
-            <a:ext cx="11600386" cy="568745"/>
-          </a:xfrm>
-          <a:prstGeom prst="rect">
-            <a:avLst/>
-          </a:prstGeom>
-          <a:noFill/>
-        </p:spPr>
-        <p:txBody>
-          <a:bodyPr wrap="square" rtlCol="0">
-            <a:spAutoFit/>
-          </a:bodyPr>
-          <a:lstStyle/>
-          <a:p>
-            <a:pPr>
-              <a:lnSpc>
-                <a:spcPct val="200000"/>
-              </a:lnSpc>
-            </a:pPr>
-            <a:r>
-              <a:rPr lang="en-US" dirty="0"/>
-              <a:t>Contrast second best model 05/04_50m_var_nosplit (accuracy: 78%, </a:t>
-            </a:r>
-            <a:r>
-              <a:rPr lang="en-US" dirty="0" err="1"/>
-              <a:t>sd</a:t>
-            </a:r>
-            <a:r>
-              <a:rPr lang="en-US" dirty="0"/>
-              <a:t>: 0.8%), p-value = 0.0006 (Bonferroni) </a:t>
+              <a:t>Model trained in 80% of the data, accuracy tested in 20% holdout </a:t>
             </a:r>
           </a:p>
         </p:txBody>
@@ -4453,7 +4647,7 @@
     </p:spTree>
     <p:extLst>
       <p:ext uri="{BB962C8B-B14F-4D97-AF65-F5344CB8AC3E}">
-        <p14:creationId xmlns:p14="http://schemas.microsoft.com/office/powerpoint/2010/main" val="91587047"/>
+        <p14:creationId xmlns:p14="http://schemas.microsoft.com/office/powerpoint/2010/main" val="2327810541"/>
       </p:ext>
     </p:extLst>
   </p:cSld>
@@ -4482,10 +4676,10 @@
       </p:grpSpPr>
       <p:pic>
         <p:nvPicPr>
-          <p:cNvPr id="4" name="Picture 3" descr="Diagram&#10;&#10;Description automatically generated">
-            <a:extLst>
-              <a:ext uri="{FF2B5EF4-FFF2-40B4-BE49-F238E27FC236}">
-                <a16:creationId xmlns:a16="http://schemas.microsoft.com/office/drawing/2014/main" id="{8E0F5223-B016-0819-3514-C38B361166D5}"/>
+          <p:cNvPr id="9" name="Picture 8" descr="Diagram&#10;&#10;Description automatically generated">
+            <a:extLst>
+              <a:ext uri="{FF2B5EF4-FFF2-40B4-BE49-F238E27FC236}">
+                <a16:creationId xmlns:a16="http://schemas.microsoft.com/office/drawing/2014/main" id="{1DD11078-4070-8F15-DFC7-A11CEB60B02A}"/>
               </a:ext>
             </a:extLst>
           </p:cNvPr>
@@ -4502,13 +4696,13 @@
               </a:ext>
             </a:extLst>
           </a:blip>
-          <a:srcRect r="2026" b="8385"/>
+          <a:srcRect l="4323" r="2847" b="9926"/>
           <a:stretch/>
         </p:blipFill>
         <p:spPr>
           <a:xfrm>
-            <a:off x="4542621" y="407994"/>
-            <a:ext cx="7341468" cy="5987556"/>
+            <a:off x="5029200" y="136189"/>
+            <a:ext cx="7162800" cy="6030425"/>
           </a:xfrm>
           <a:prstGeom prst="rect">
             <a:avLst/>
@@ -4571,8 +4765,8 @@
         </p:nvSpPr>
         <p:spPr>
           <a:xfrm>
-            <a:off x="693605" y="1788013"/>
-            <a:ext cx="4826361" cy="4093428"/>
+            <a:off x="408113" y="2114274"/>
+            <a:ext cx="5059626" cy="2468368"/>
           </a:xfrm>
           <a:prstGeom prst="rect">
             <a:avLst/>
@@ -4585,41 +4779,58 @@
           </a:bodyPr>
           <a:lstStyle/>
           <a:p>
+            <a:pPr>
+              <a:lnSpc>
+                <a:spcPct val="200000"/>
+              </a:lnSpc>
+            </a:pPr>
             <a:r>
               <a:rPr lang="en-US" sz="2000" b="1" dirty="0"/>
-              <a:t>2) Trained in 80% of the data, accuracy tested in 20% holdout </a:t>
-            </a:r>
-          </a:p>
-          <a:p>
-            <a:endParaRPr lang="en-US" sz="2000" b="1" dirty="0"/>
+              <a:t>1) Trained with entire dataset (not validated)</a:t>
+            </a:r>
           </a:p>
           <a:p>
             <a:r>
               <a:rPr lang="en-US" sz="2000" dirty="0"/>
-              <a:t>Best performance in holdout set :                 03-09 15 + 30 m with or w/o PC</a:t>
-            </a:r>
-          </a:p>
-          <a:p>
-            <a:endParaRPr lang="en-US" sz="2000" dirty="0"/>
+              <a:t>Best performance : 03-22 at 50m with or w/o PC (p-value = 1)</a:t>
+            </a:r>
           </a:p>
           <a:p>
             <a:pPr marL="285750" indent="-285750">
+              <a:lnSpc>
+                <a:spcPct val="200000"/>
+              </a:lnSpc>
               <a:buFont typeface="Arial" panose="020B0604020202020204" pitchFamily="34" charset="0"/>
               <a:buChar char="•"/>
             </a:pPr>
             <a:r>
+              <a:rPr lang="en-US" sz="2000" b="1" dirty="0"/>
+              <a:t>Mean accuracy: 87 % </a:t>
+            </a:r>
+            <a:r>
               <a:rPr lang="en-US" sz="2000" dirty="0"/>
-              <a:t>Mean accuracy: </a:t>
-            </a:r>
-          </a:p>
-          <a:p>
-            <a:pPr marL="742950" lvl="1" indent="-285750">
+              <a:t>(</a:t>
+            </a:r>
+            <a:r>
+              <a:rPr lang="en-US" sz="2000" dirty="0" err="1"/>
+              <a:t>sd</a:t>
+            </a:r>
+            <a:r>
+              <a:rPr lang="en-US" sz="2000" dirty="0"/>
+              <a:t>: 0. 5%)</a:t>
+            </a:r>
+          </a:p>
+          <a:p>
+            <a:pPr marL="285750" indent="-285750">
+              <a:lnSpc>
+                <a:spcPct val="200000"/>
+              </a:lnSpc>
               <a:buFont typeface="Arial" panose="020B0604020202020204" pitchFamily="34" charset="0"/>
               <a:buChar char="•"/>
             </a:pPr>
             <a:r>
               <a:rPr lang="en-US" sz="2000" dirty="0"/>
-              <a:t>Trained: 66.29% (</a:t>
+              <a:t>Mean Kappa:  83.1 % (</a:t>
             </a:r>
             <a:r>
               <a:rPr lang="en-US" sz="2000" dirty="0" err="1"/>
@@ -4627,77 +4838,17 @@
             </a:r>
             <a:r>
               <a:rPr lang="en-US" sz="2000" dirty="0"/>
-              <a:t>: 2.9 %)</a:t>
-            </a:r>
-          </a:p>
-          <a:p>
-            <a:pPr marL="742950" lvl="1" indent="-285750">
-              <a:buFont typeface="Arial" panose="020B0604020202020204" pitchFamily="34" charset="0"/>
-              <a:buChar char="•"/>
-            </a:pPr>
-            <a:r>
-              <a:rPr lang="en-US" sz="2000" dirty="0"/>
-              <a:t>Tested: 70.83 % (sd:10.4%)</a:t>
-            </a:r>
-          </a:p>
-          <a:p>
-            <a:pPr lvl="1"/>
-            <a:endParaRPr lang="en-US" sz="2000" dirty="0"/>
-          </a:p>
-          <a:p>
-            <a:pPr marL="285750" indent="-285750">
-              <a:buFont typeface="Arial" panose="020B0604020202020204" pitchFamily="34" charset="0"/>
-              <a:buChar char="•"/>
-            </a:pPr>
-            <a:r>
-              <a:rPr lang="en-US" sz="2000" dirty="0"/>
-              <a:t>Mean Kappa:</a:t>
-            </a:r>
-          </a:p>
-          <a:p>
-            <a:pPr marL="742950" lvl="1" indent="-285750">
-              <a:buFont typeface="Arial" panose="020B0604020202020204" pitchFamily="34" charset="0"/>
-              <a:buChar char="•"/>
-            </a:pPr>
-            <a:r>
-              <a:rPr lang="en-US" sz="2000" dirty="0"/>
-              <a:t>Trained: 55.71% (</a:t>
-            </a:r>
-            <a:r>
-              <a:rPr lang="en-US" sz="2000" dirty="0" err="1"/>
-              <a:t>sd</a:t>
-            </a:r>
-            <a:r>
-              <a:rPr lang="en-US" sz="2000" dirty="0"/>
-              <a:t>: 6.82 %)</a:t>
-            </a:r>
-          </a:p>
-          <a:p>
-            <a:pPr marL="742950" lvl="1" indent="-285750">
-              <a:buFont typeface="Arial" panose="020B0604020202020204" pitchFamily="34" charset="0"/>
-              <a:buChar char="•"/>
-            </a:pPr>
-            <a:r>
-              <a:rPr lang="en-US" sz="2000" dirty="0"/>
-              <a:t>Tested: 62.84 % (</a:t>
-            </a:r>
-            <a:r>
-              <a:rPr lang="en-US" sz="2000" dirty="0" err="1"/>
-              <a:t>sd</a:t>
-            </a:r>
-            <a:r>
-              <a:rPr lang="en-US" sz="2000" dirty="0"/>
-              <a:t>: 13.29%) 	</a:t>
-            </a:r>
-          </a:p>
-        </p:txBody>
-      </p:sp>
-      <p:sp>
-        <p:nvSpPr>
-          <p:cNvPr id="5" name="TextBox 4">
-            <a:extLst>
-              <a:ext uri="{FF2B5EF4-FFF2-40B4-BE49-F238E27FC236}">
-                <a16:creationId xmlns:a16="http://schemas.microsoft.com/office/drawing/2014/main" id="{FA3D43F3-FE7E-08F1-0F5D-0033A5710F09}"/>
+              <a:t>: 0. 65%)	</a:t>
+            </a:r>
+          </a:p>
+        </p:txBody>
+      </p:sp>
+      <p:sp>
+        <p:nvSpPr>
+          <p:cNvPr id="3" name="TextBox 2">
+            <a:extLst>
+              <a:ext uri="{FF2B5EF4-FFF2-40B4-BE49-F238E27FC236}">
+                <a16:creationId xmlns:a16="http://schemas.microsoft.com/office/drawing/2014/main" id="{896EB8CE-0ED8-F7D6-D4A0-E278E6C14B60}"/>
               </a:ext>
             </a:extLst>
           </p:cNvPr>
@@ -4706,8 +4857,8 @@
         </p:nvSpPr>
         <p:spPr>
           <a:xfrm>
-            <a:off x="220993" y="6160161"/>
-            <a:ext cx="11971007" cy="646331"/>
+            <a:off x="4180287" y="6395116"/>
+            <a:ext cx="11600386" cy="462884"/>
           </a:xfrm>
           <a:prstGeom prst="rect">
             <a:avLst/>
@@ -4720,17 +4871,22 @@
           </a:bodyPr>
           <a:lstStyle/>
           <a:p>
-            <a:r>
-              <a:rPr lang="en-US" dirty="0"/>
-              <a:t>Contrast second best model 05/04_50m_var_nosplit (accuracy: 67.5%, </a:t>
-            </a:r>
-            <a:r>
-              <a:rPr lang="en-US" dirty="0" err="1"/>
+            <a:pPr>
+              <a:lnSpc>
+                <a:spcPct val="200000"/>
+              </a:lnSpc>
+            </a:pPr>
+            <a:r>
+              <a:rPr lang="en-US" sz="1400" dirty="0"/>
+              <a:t>Contrast second best model 05/04_50m_var_nosplit (accuracy: 78%, </a:t>
+            </a:r>
+            <a:r>
+              <a:rPr lang="en-US" sz="1400" dirty="0" err="1"/>
               <a:t>sd</a:t>
             </a:r>
             <a:r>
-              <a:rPr lang="en-US" dirty="0"/>
-              <a:t>: 13.86%), p-value = 1… no significant differences among algorithm validation accuracies in holdout set</a:t>
+              <a:rPr lang="en-US" sz="1400" dirty="0"/>
+              <a:t>: 0.8%), p-value = 0.0006 (Bonferroni) </a:t>
             </a:r>
           </a:p>
         </p:txBody>
@@ -4738,7 +4894,7 @@
     </p:spTree>
     <p:extLst>
       <p:ext uri="{BB962C8B-B14F-4D97-AF65-F5344CB8AC3E}">
-        <p14:creationId xmlns:p14="http://schemas.microsoft.com/office/powerpoint/2010/main" val="3817661182"/>
+        <p14:creationId xmlns:p14="http://schemas.microsoft.com/office/powerpoint/2010/main" val="91587047"/>
       </p:ext>
     </p:extLst>
   </p:cSld>
@@ -4765,6 +4921,41 @@
           <a:chExt cx="0" cy="0"/>
         </a:xfrm>
       </p:grpSpPr>
+      <p:pic>
+        <p:nvPicPr>
+          <p:cNvPr id="4" name="Picture 3" descr="Diagram&#10;&#10;Description automatically generated">
+            <a:extLst>
+              <a:ext uri="{FF2B5EF4-FFF2-40B4-BE49-F238E27FC236}">
+                <a16:creationId xmlns:a16="http://schemas.microsoft.com/office/drawing/2014/main" id="{8E0F5223-B016-0819-3514-C38B361166D5}"/>
+              </a:ext>
+            </a:extLst>
+          </p:cNvPr>
+          <p:cNvPicPr>
+            <a:picLocks noChangeAspect="1"/>
+          </p:cNvPicPr>
+          <p:nvPr/>
+        </p:nvPicPr>
+        <p:blipFill rotWithShape="1">
+          <a:blip r:embed="rId2">
+            <a:extLst>
+              <a:ext uri="{28A0092B-C50C-407E-A947-70E740481C1C}">
+                <a14:useLocalDpi xmlns:a14="http://schemas.microsoft.com/office/drawing/2010/main" val="0"/>
+              </a:ext>
+            </a:extLst>
+          </a:blip>
+          <a:srcRect r="2026" b="8385"/>
+          <a:stretch/>
+        </p:blipFill>
+        <p:spPr>
+          <a:xfrm>
+            <a:off x="4542621" y="407994"/>
+            <a:ext cx="7341468" cy="5987556"/>
+          </a:xfrm>
+          <a:prstGeom prst="rect">
+            <a:avLst/>
+          </a:prstGeom>
+        </p:spPr>
+      </p:pic>
       <p:sp>
         <p:nvSpPr>
           <p:cNvPr id="2" name="Title 1">
@@ -4793,11 +4984,11 @@
           <a:p>
             <a:r>
               <a:rPr lang="en-US" b="1" dirty="0"/>
-              <a:t>Conditional Inference (</a:t>
+              <a:t>CART trees (</a:t>
             </a:r>
             <a:r>
               <a:rPr lang="en-US" b="1" dirty="0" err="1"/>
-              <a:t>ctree</a:t>
+              <a:t>rpart</a:t>
             </a:r>
             <a:r>
               <a:rPr lang="en-US" b="1" dirty="0"/>
@@ -4821,8 +5012,8 @@
         </p:nvSpPr>
         <p:spPr>
           <a:xfrm>
-            <a:off x="693604" y="1788013"/>
-            <a:ext cx="9066621" cy="1852815"/>
+            <a:off x="693605" y="1788013"/>
+            <a:ext cx="4826361" cy="4093428"/>
           </a:xfrm>
           <a:prstGeom prst="rect">
             <a:avLst/>
@@ -4835,40 +5026,157 @@
           </a:bodyPr>
           <a:lstStyle/>
           <a:p>
-            <a:pPr>
-              <a:lnSpc>
-                <a:spcPct val="200000"/>
-              </a:lnSpc>
+            <a:r>
+              <a:rPr lang="en-US" sz="2000" b="1" dirty="0"/>
+              <a:t>2) Trained in 80% of the data, accuracy tested in 20% holdout </a:t>
+            </a:r>
+          </a:p>
+          <a:p>
+            <a:endParaRPr lang="en-US" sz="2000" b="1" dirty="0"/>
+          </a:p>
+          <a:p>
+            <a:r>
+              <a:rPr lang="en-US" sz="2000" dirty="0"/>
+              <a:t>Best performance in holdout set :                 03-09 15 + 30 m w/o PC</a:t>
+            </a:r>
+          </a:p>
+          <a:p>
+            <a:endParaRPr lang="en-US" sz="2000" dirty="0"/>
+          </a:p>
+          <a:p>
+            <a:pPr marL="285750" indent="-285750">
+              <a:buFont typeface="Arial" panose="020B0604020202020204" pitchFamily="34" charset="0"/>
+              <a:buChar char="•"/>
             </a:pPr>
             <a:r>
-              <a:rPr lang="en-US" sz="2000" b="1" dirty="0"/>
-              <a:t>10-fold Cross-Validation with 10 repeats</a:t>
-            </a:r>
-          </a:p>
-          <a:p>
-            <a:pPr marL="457200" indent="-457200">
-              <a:lnSpc>
-                <a:spcPct val="200000"/>
-              </a:lnSpc>
-              <a:buFont typeface="+mj-lt"/>
-              <a:buAutoNum type="arabicParenR"/>
+              <a:rPr lang="en-US" sz="2000" dirty="0"/>
+              <a:t>Mean accuracy: </a:t>
+            </a:r>
+          </a:p>
+          <a:p>
+            <a:pPr marL="742950" lvl="1" indent="-285750">
+              <a:buFont typeface="Arial" panose="020B0604020202020204" pitchFamily="34" charset="0"/>
+              <a:buChar char="•"/>
             </a:pPr>
             <a:r>
+              <a:rPr lang="en-US" sz="2000" b="1" dirty="0">
+                <a:solidFill>
+                  <a:srgbClr val="FF0000"/>
+                </a:solidFill>
+              </a:rPr>
+              <a:t>Trained: 66.29% </a:t>
+            </a:r>
+            <a:r>
               <a:rPr lang="en-US" sz="2000" dirty="0"/>
-              <a:t>Model trained with entire dataset</a:t>
-            </a:r>
-          </a:p>
-          <a:p>
-            <a:pPr marL="457200" indent="-457200">
-              <a:lnSpc>
-                <a:spcPct val="200000"/>
-              </a:lnSpc>
-              <a:buFont typeface="+mj-lt"/>
-              <a:buAutoNum type="arabicParenR"/>
+              <a:t>(</a:t>
+            </a:r>
+            <a:r>
+              <a:rPr lang="en-US" sz="2000" dirty="0" err="1"/>
+              <a:t>sd</a:t>
+            </a:r>
+            <a:r>
+              <a:rPr lang="en-US" sz="2000" dirty="0"/>
+              <a:t>: 2.9 %)</a:t>
+            </a:r>
+          </a:p>
+          <a:p>
+            <a:pPr marL="742950" lvl="1" indent="-285750">
+              <a:buFont typeface="Arial" panose="020B0604020202020204" pitchFamily="34" charset="0"/>
+              <a:buChar char="•"/>
             </a:pPr>
             <a:r>
+              <a:rPr lang="en-US" sz="2000" b="1" u="sng" dirty="0"/>
+              <a:t>Tested: 70.83 % </a:t>
+            </a:r>
+            <a:r>
               <a:rPr lang="en-US" sz="2000" dirty="0"/>
-              <a:t>Model trained in 80% of the data, accuracy tested in 20% holdout </a:t>
+              <a:t>(sd:10.4%)</a:t>
+            </a:r>
+          </a:p>
+          <a:p>
+            <a:pPr lvl="1"/>
+            <a:endParaRPr lang="en-US" sz="2000" dirty="0"/>
+          </a:p>
+          <a:p>
+            <a:pPr marL="285750" indent="-285750">
+              <a:buFont typeface="Arial" panose="020B0604020202020204" pitchFamily="34" charset="0"/>
+              <a:buChar char="•"/>
+            </a:pPr>
+            <a:r>
+              <a:rPr lang="en-US" sz="2000" dirty="0"/>
+              <a:t>Mean Kappa:</a:t>
+            </a:r>
+          </a:p>
+          <a:p>
+            <a:pPr marL="742950" lvl="1" indent="-285750">
+              <a:buFont typeface="Arial" panose="020B0604020202020204" pitchFamily="34" charset="0"/>
+              <a:buChar char="•"/>
+            </a:pPr>
+            <a:r>
+              <a:rPr lang="en-US" sz="2000" dirty="0"/>
+              <a:t>Trained: 55.71% (</a:t>
+            </a:r>
+            <a:r>
+              <a:rPr lang="en-US" sz="2000" dirty="0" err="1"/>
+              <a:t>sd</a:t>
+            </a:r>
+            <a:r>
+              <a:rPr lang="en-US" sz="2000" dirty="0"/>
+              <a:t>: 6.82 %)</a:t>
+            </a:r>
+          </a:p>
+          <a:p>
+            <a:pPr marL="742950" lvl="1" indent="-285750">
+              <a:buFont typeface="Arial" panose="020B0604020202020204" pitchFamily="34" charset="0"/>
+              <a:buChar char="•"/>
+            </a:pPr>
+            <a:r>
+              <a:rPr lang="en-US" sz="2000" dirty="0"/>
+              <a:t>Tested: 62.84 % (</a:t>
+            </a:r>
+            <a:r>
+              <a:rPr lang="en-US" sz="2000" dirty="0" err="1"/>
+              <a:t>sd</a:t>
+            </a:r>
+            <a:r>
+              <a:rPr lang="en-US" sz="2000" dirty="0"/>
+              <a:t>: 13.29%) 	</a:t>
+            </a:r>
+          </a:p>
+        </p:txBody>
+      </p:sp>
+      <p:sp>
+        <p:nvSpPr>
+          <p:cNvPr id="5" name="TextBox 4">
+            <a:extLst>
+              <a:ext uri="{FF2B5EF4-FFF2-40B4-BE49-F238E27FC236}">
+                <a16:creationId xmlns:a16="http://schemas.microsoft.com/office/drawing/2014/main" id="{FA3D43F3-FE7E-08F1-0F5D-0033A5710F09}"/>
+              </a:ext>
+            </a:extLst>
+          </p:cNvPr>
+          <p:cNvSpPr txBox="1"/>
+          <p:nvPr/>
+        </p:nvSpPr>
+        <p:spPr>
+          <a:xfrm>
+            <a:off x="84482" y="6395550"/>
+            <a:ext cx="12023035" cy="461665"/>
+          </a:xfrm>
+          <a:prstGeom prst="rect">
+            <a:avLst/>
+          </a:prstGeom>
+          <a:noFill/>
+        </p:spPr>
+        <p:txBody>
+          <a:bodyPr wrap="square" rtlCol="0">
+            <a:spAutoFit/>
+          </a:bodyPr>
+          <a:lstStyle/>
+          <a:p>
+            <a:pPr algn="r"/>
+            <a:r>
+              <a:rPr lang="en-US" sz="1200" dirty="0"/>
+              <a:t>(one-way ANOVA p-value = 0.00063) All pairwise contrasts  among models with accuracies above 50% result in non-significant, p-value = 1 (Bonferroni) no differences among algorithm validation accuracies in holdout set</a:t>
             </a:r>
           </a:p>
         </p:txBody>
@@ -4876,7 +5184,7 @@
     </p:spTree>
     <p:extLst>
       <p:ext uri="{BB962C8B-B14F-4D97-AF65-F5344CB8AC3E}">
-        <p14:creationId xmlns:p14="http://schemas.microsoft.com/office/powerpoint/2010/main" val="2386819989"/>
+        <p14:creationId xmlns:p14="http://schemas.microsoft.com/office/powerpoint/2010/main" val="3817661182"/>
       </p:ext>
     </p:extLst>
   </p:cSld>
@@ -4903,42 +5211,54 @@
           <a:chExt cx="0" cy="0"/>
         </a:xfrm>
       </p:grpSpPr>
-      <p:pic>
-        <p:nvPicPr>
-          <p:cNvPr id="2" name="Picture 1">
-            <a:extLst>
-              <a:ext uri="{FF2B5EF4-FFF2-40B4-BE49-F238E27FC236}">
-                <a16:creationId xmlns:a16="http://schemas.microsoft.com/office/drawing/2014/main" id="{C4473714-3127-14A0-B9C8-6C63849C423C}"/>
-              </a:ext>
-            </a:extLst>
-          </p:cNvPr>
-          <p:cNvPicPr>
-            <a:picLocks noChangeAspect="1"/>
-          </p:cNvPicPr>
-          <p:nvPr/>
-        </p:nvPicPr>
-        <p:blipFill>
-          <a:blip r:embed="rId2"/>
-          <a:stretch>
-            <a:fillRect/>
-          </a:stretch>
-        </p:blipFill>
+      <p:sp>
+        <p:nvSpPr>
+          <p:cNvPr id="2" name="Title 1">
+            <a:extLst>
+              <a:ext uri="{FF2B5EF4-FFF2-40B4-BE49-F238E27FC236}">
+                <a16:creationId xmlns:a16="http://schemas.microsoft.com/office/drawing/2014/main" id="{C40AFC7F-5EA5-87CD-EEF2-6BDE715C738D}"/>
+              </a:ext>
+            </a:extLst>
+          </p:cNvPr>
+          <p:cNvSpPr>
+            <a:spLocks noGrp="1"/>
+          </p:cNvSpPr>
+          <p:nvPr>
+            <p:ph type="title"/>
+          </p:nvPr>
+        </p:nvSpPr>
         <p:spPr>
           <a:xfrm>
-            <a:off x="3659995" y="1177159"/>
-            <a:ext cx="8532005" cy="5247295"/>
+            <a:off x="693605" y="462450"/>
+            <a:ext cx="10515600" cy="1325563"/>
           </a:xfrm>
-          <a:prstGeom prst="rect">
-            <a:avLst/>
-          </a:prstGeom>
         </p:spPr>
-      </p:pic>
-      <p:sp>
-        <p:nvSpPr>
-          <p:cNvPr id="4" name="TextBox 3">
-            <a:extLst>
-              <a:ext uri="{FF2B5EF4-FFF2-40B4-BE49-F238E27FC236}">
-                <a16:creationId xmlns:a16="http://schemas.microsoft.com/office/drawing/2014/main" id="{20E6FDB1-60BC-85B0-3EA3-09433FA21E59}"/>
+        <p:txBody>
+          <a:bodyPr/>
+          <a:lstStyle/>
+          <a:p>
+            <a:r>
+              <a:rPr lang="en-US" b="1" dirty="0"/>
+              <a:t>Conditional Inference (</a:t>
+            </a:r>
+            <a:r>
+              <a:rPr lang="en-US" b="1" dirty="0" err="1"/>
+              <a:t>ctree</a:t>
+            </a:r>
+            <a:r>
+              <a:rPr lang="en-US" b="1" dirty="0"/>
+              <a:t>)</a:t>
+            </a:r>
+            <a:endParaRPr lang="en-US" dirty="0"/>
+          </a:p>
+        </p:txBody>
+      </p:sp>
+      <p:sp>
+        <p:nvSpPr>
+          <p:cNvPr id="11" name="TextBox 10">
+            <a:extLst>
+              <a:ext uri="{FF2B5EF4-FFF2-40B4-BE49-F238E27FC236}">
+                <a16:creationId xmlns:a16="http://schemas.microsoft.com/office/drawing/2014/main" id="{99BAED0E-81C2-C67C-9F14-4EB2793F82AE}"/>
               </a:ext>
             </a:extLst>
           </p:cNvPr>
@@ -4947,8 +5267,8 @@
         </p:nvSpPr>
         <p:spPr>
           <a:xfrm>
-            <a:off x="526775" y="1637865"/>
-            <a:ext cx="4955134" cy="2468368"/>
+            <a:off x="693604" y="1788013"/>
+            <a:ext cx="9971083" cy="1852815"/>
           </a:xfrm>
           <a:prstGeom prst="rect">
             <a:avLst/>
@@ -4968,131 +5288,41 @@
             </a:pPr>
             <a:r>
               <a:rPr lang="en-US" sz="2000" b="1" dirty="0"/>
-              <a:t>1) Trained with entire dataset (not validated)</a:t>
-            </a:r>
-          </a:p>
-          <a:p>
-            <a:pPr>
+              <a:t>10-fold Cross-Validation with 10 repeats, n = 10 (results averaged over 10 different models)</a:t>
+            </a:r>
+          </a:p>
+          <a:p>
+            <a:pPr marL="457200" indent="-457200">
               <a:lnSpc>
                 <a:spcPct val="200000"/>
               </a:lnSpc>
+              <a:buFont typeface="+mj-lt"/>
+              <a:buAutoNum type="arabicParenR"/>
             </a:pPr>
             <a:r>
               <a:rPr lang="en-US" sz="2000" dirty="0"/>
-              <a:t>Best performance : 03-22 at 50m with PC</a:t>
-            </a:r>
-          </a:p>
-          <a:p>
-            <a:pPr marL="285750" indent="-285750">
+              <a:t>Model trained with entire dataset</a:t>
+            </a:r>
+          </a:p>
+          <a:p>
+            <a:pPr marL="457200" indent="-457200">
               <a:lnSpc>
                 <a:spcPct val="200000"/>
               </a:lnSpc>
-              <a:buFont typeface="Arial" panose="020B0604020202020204" pitchFamily="34" charset="0"/>
-              <a:buChar char="•"/>
+              <a:buFont typeface="+mj-lt"/>
+              <a:buAutoNum type="arabicParenR"/>
             </a:pPr>
             <a:r>
               <a:rPr lang="en-US" sz="2000" dirty="0"/>
-              <a:t>Mean accuracy : 85% (</a:t>
-            </a:r>
-            <a:r>
-              <a:rPr lang="en-US" sz="2000" dirty="0" err="1"/>
-              <a:t>sd</a:t>
-            </a:r>
-            <a:r>
-              <a:rPr lang="en-US" sz="2000" dirty="0"/>
-              <a:t>:</a:t>
-            </a:r>
-          </a:p>
-          <a:p>
-            <a:pPr marL="285750" indent="-285750">
-              <a:lnSpc>
-                <a:spcPct val="200000"/>
-              </a:lnSpc>
-              <a:buFont typeface="Arial" panose="020B0604020202020204" pitchFamily="34" charset="0"/>
-              <a:buChar char="•"/>
-            </a:pPr>
-            <a:r>
-              <a:rPr lang="en-US" sz="2000" dirty="0"/>
-              <a:t>Mean Kappa :  80 %  (</a:t>
-            </a:r>
-            <a:r>
-              <a:rPr lang="en-US" sz="2000" dirty="0" err="1"/>
-              <a:t>sd</a:t>
-            </a:r>
-            <a:r>
-              <a:rPr lang="en-US" sz="2000" dirty="0"/>
-              <a:t>: 	</a:t>
-            </a:r>
-          </a:p>
-        </p:txBody>
-      </p:sp>
-      <p:sp>
-        <p:nvSpPr>
-          <p:cNvPr id="8" name="Title 1">
-            <a:extLst>
-              <a:ext uri="{FF2B5EF4-FFF2-40B4-BE49-F238E27FC236}">
-                <a16:creationId xmlns:a16="http://schemas.microsoft.com/office/drawing/2014/main" id="{1A2E2F0C-CB54-5BFD-916D-FC7EB09EA889}"/>
-              </a:ext>
-            </a:extLst>
-          </p:cNvPr>
-          <p:cNvSpPr txBox="1">
-            <a:spLocks/>
-          </p:cNvSpPr>
-          <p:nvPr/>
-        </p:nvSpPr>
-        <p:spPr>
-          <a:xfrm>
-            <a:off x="693605" y="462450"/>
-            <a:ext cx="10515600" cy="1325563"/>
-          </a:xfrm>
-          <a:prstGeom prst="rect">
-            <a:avLst/>
-          </a:prstGeom>
-        </p:spPr>
-        <p:txBody>
-          <a:bodyPr vert="horz" lIns="91440" tIns="45720" rIns="91440" bIns="45720" rtlCol="0" anchor="ctr">
-            <a:normAutofit/>
-          </a:bodyPr>
-          <a:lstStyle>
-            <a:lvl1pPr algn="l" defTabSz="914400" rtl="0" eaLnBrk="1" latinLnBrk="0" hangingPunct="1">
-              <a:lnSpc>
-                <a:spcPct val="90000"/>
-              </a:lnSpc>
-              <a:spcBef>
-                <a:spcPct val="0"/>
-              </a:spcBef>
-              <a:buNone/>
-              <a:defRPr sz="4400" kern="1200">
-                <a:solidFill>
-                  <a:schemeClr val="tx1"/>
-                </a:solidFill>
-                <a:latin typeface="+mj-lt"/>
-                <a:ea typeface="+mj-ea"/>
-                <a:cs typeface="+mj-cs"/>
-              </a:defRPr>
-            </a:lvl1pPr>
-          </a:lstStyle>
-          <a:p>
-            <a:r>
-              <a:rPr lang="en-US" b="1" dirty="0"/>
-              <a:t>Conditional Inference (</a:t>
-            </a:r>
-            <a:r>
-              <a:rPr lang="en-US" b="1" dirty="0" err="1"/>
-              <a:t>ctree</a:t>
-            </a:r>
-            <a:r>
-              <a:rPr lang="en-US" b="1" dirty="0"/>
-              <a:t>)</a:t>
-            </a:r>
-            <a:endParaRPr lang="en-US" dirty="0"/>
+              <a:t>Model trained in 80% of the data, accuracy tested in 20% holdout </a:t>
+            </a:r>
           </a:p>
         </p:txBody>
       </p:sp>
     </p:spTree>
     <p:extLst>
       <p:ext uri="{BB962C8B-B14F-4D97-AF65-F5344CB8AC3E}">
-        <p14:creationId xmlns:p14="http://schemas.microsoft.com/office/powerpoint/2010/main" val="1696135541"/>
+        <p14:creationId xmlns:p14="http://schemas.microsoft.com/office/powerpoint/2010/main" val="2386819989"/>
       </p:ext>
     </p:extLst>
   </p:cSld>
@@ -5151,10 +5381,10 @@
       </p:pic>
       <p:sp>
         <p:nvSpPr>
-          <p:cNvPr id="4" name="TextBox 3">
-            <a:extLst>
-              <a:ext uri="{FF2B5EF4-FFF2-40B4-BE49-F238E27FC236}">
-                <a16:creationId xmlns:a16="http://schemas.microsoft.com/office/drawing/2014/main" id="{20E6FDB1-60BC-85B0-3EA3-09433FA21E59}"/>
+          <p:cNvPr id="3" name="TextBox 2">
+            <a:extLst>
+              <a:ext uri="{FF2B5EF4-FFF2-40B4-BE49-F238E27FC236}">
+                <a16:creationId xmlns:a16="http://schemas.microsoft.com/office/drawing/2014/main" id="{DB5A2CEB-07B0-8FAD-175F-2C788251B373}"/>
               </a:ext>
             </a:extLst>
           </p:cNvPr>
@@ -5163,8 +5393,8 @@
         </p:nvSpPr>
         <p:spPr>
           <a:xfrm>
-            <a:off x="526775" y="1637865"/>
-            <a:ext cx="4955134" cy="3083921"/>
+            <a:off x="524330" y="1775608"/>
+            <a:ext cx="5059626" cy="2160591"/>
           </a:xfrm>
           <a:prstGeom prst="rect">
             <a:avLst/>
@@ -5184,15 +5414,10 @@
             </a:pPr>
             <a:r>
               <a:rPr lang="en-US" sz="2000" b="1" dirty="0"/>
-              <a:t>2) Trained in 80% of the data, accuracy tested in 20% holdout </a:t>
-            </a:r>
-          </a:p>
-          <a:p>
-            <a:pPr>
-              <a:lnSpc>
-                <a:spcPct val="200000"/>
-              </a:lnSpc>
-            </a:pPr>
+              <a:t>1) Trained with entire dataset (not validated)</a:t>
+            </a:r>
+          </a:p>
+          <a:p>
             <a:r>
               <a:rPr lang="en-US" sz="2000" dirty="0"/>
               <a:t>Best performance : 03-22 at 50m with PC</a:t>
@@ -5208,7 +5433,7 @@
             </a:pPr>
             <a:r>
               <a:rPr lang="en-US" sz="2000" dirty="0"/>
-              <a:t>Mean accuracy : 85% (</a:t>
+              <a:t>Mean accuracy: 84.58 % (</a:t>
             </a:r>
             <a:r>
               <a:rPr lang="en-US" sz="2000" dirty="0" err="1"/>
@@ -5216,7 +5441,7 @@
             </a:r>
             <a:r>
               <a:rPr lang="en-US" sz="2000" dirty="0"/>
-              <a:t>:</a:t>
+              <a:t>: 0. 32%)</a:t>
             </a:r>
           </a:p>
           <a:p>
@@ -5229,7 +5454,7 @@
             </a:pPr>
             <a:r>
               <a:rPr lang="en-US" sz="2000" dirty="0"/>
-              <a:t>Mean Kappa :  80 %  (</a:t>
+              <a:t>Mean Kappa:  80.47 % (</a:t>
             </a:r>
             <a:r>
               <a:rPr lang="en-US" sz="2000" dirty="0" err="1"/>
@@ -5237,17 +5462,65 @@
             </a:r>
             <a:r>
               <a:rPr lang="en-US" sz="2000" dirty="0"/>
-              <a:t>: 	</a:t>
-            </a:r>
-          </a:p>
-        </p:txBody>
-      </p:sp>
-      <p:sp>
-        <p:nvSpPr>
-          <p:cNvPr id="8" name="Title 1">
-            <a:extLst>
-              <a:ext uri="{FF2B5EF4-FFF2-40B4-BE49-F238E27FC236}">
-                <a16:creationId xmlns:a16="http://schemas.microsoft.com/office/drawing/2014/main" id="{1A2E2F0C-CB54-5BFD-916D-FC7EB09EA889}"/>
+              <a:t>: 0. 38%)	</a:t>
+            </a:r>
+          </a:p>
+        </p:txBody>
+      </p:sp>
+      <p:sp>
+        <p:nvSpPr>
+          <p:cNvPr id="5" name="TextBox 4">
+            <a:extLst>
+              <a:ext uri="{FF2B5EF4-FFF2-40B4-BE49-F238E27FC236}">
+                <a16:creationId xmlns:a16="http://schemas.microsoft.com/office/drawing/2014/main" id="{792FAB62-8830-DA25-CBB3-714F043D0E22}"/>
+              </a:ext>
+            </a:extLst>
+          </p:cNvPr>
+          <p:cNvSpPr txBox="1"/>
+          <p:nvPr/>
+        </p:nvSpPr>
+        <p:spPr>
+          <a:xfrm>
+            <a:off x="4229100" y="6424454"/>
+            <a:ext cx="11600386" cy="462884"/>
+          </a:xfrm>
+          <a:prstGeom prst="rect">
+            <a:avLst/>
+          </a:prstGeom>
+          <a:noFill/>
+        </p:spPr>
+        <p:txBody>
+          <a:bodyPr wrap="square" rtlCol="0">
+            <a:spAutoFit/>
+          </a:bodyPr>
+          <a:lstStyle/>
+          <a:p>
+            <a:pPr>
+              <a:lnSpc>
+                <a:spcPct val="200000"/>
+              </a:lnSpc>
+            </a:pPr>
+            <a:r>
+              <a:rPr lang="en-US" sz="1400" dirty="0"/>
+              <a:t>Contrast second best model 03/22_50m_var_nosplit (accuracy: 77%, </a:t>
+            </a:r>
+            <a:r>
+              <a:rPr lang="en-US" sz="1400" dirty="0" err="1"/>
+              <a:t>sd</a:t>
+            </a:r>
+            <a:r>
+              <a:rPr lang="en-US" sz="1400" dirty="0"/>
+              <a:t>: 1%), p-value = 0.00027 (Bonferroni) </a:t>
+            </a:r>
+          </a:p>
+        </p:txBody>
+      </p:sp>
+      <p:sp>
+        <p:nvSpPr>
+          <p:cNvPr id="6" name="Title 1">
+            <a:extLst>
+              <a:ext uri="{FF2B5EF4-FFF2-40B4-BE49-F238E27FC236}">
+                <a16:creationId xmlns:a16="http://schemas.microsoft.com/office/drawing/2014/main" id="{C08AE928-0535-4FA1-74A2-05C43C638FF3}"/>
               </a:ext>
             </a:extLst>
           </p:cNvPr>
@@ -5258,7 +5531,7 @@
         </p:nvSpPr>
         <p:spPr>
           <a:xfrm>
-            <a:off x="693605" y="462450"/>
+            <a:off x="326156" y="295708"/>
             <a:ext cx="10515600" cy="1325563"/>
           </a:xfrm>
           <a:prstGeom prst="rect">
@@ -5308,7 +5581,7 @@
     </p:spTree>
     <p:extLst>
       <p:ext uri="{BB962C8B-B14F-4D97-AF65-F5344CB8AC3E}">
-        <p14:creationId xmlns:p14="http://schemas.microsoft.com/office/powerpoint/2010/main" val="3356519008"/>
+        <p14:creationId xmlns:p14="http://schemas.microsoft.com/office/powerpoint/2010/main" val="1696135541"/>
       </p:ext>
     </p:extLst>
   </p:cSld>
@@ -5337,10 +5610,10 @@
       </p:grpSpPr>
       <p:pic>
         <p:nvPicPr>
-          <p:cNvPr id="3" name="Picture 2">
-            <a:extLst>
-              <a:ext uri="{FF2B5EF4-FFF2-40B4-BE49-F238E27FC236}">
-                <a16:creationId xmlns:a16="http://schemas.microsoft.com/office/drawing/2014/main" id="{04988A35-2B1C-DA5E-D94A-F20B88D17605}"/>
+          <p:cNvPr id="5" name="Picture 4">
+            <a:extLst>
+              <a:ext uri="{FF2B5EF4-FFF2-40B4-BE49-F238E27FC236}">
+                <a16:creationId xmlns:a16="http://schemas.microsoft.com/office/drawing/2014/main" id="{AE69DFCE-D69D-CC1C-5F83-0538D18CD39F}"/>
               </a:ext>
             </a:extLst>
           </p:cNvPr>
@@ -5357,8 +5630,8 @@
         </p:blipFill>
         <p:spPr>
           <a:xfrm>
-            <a:off x="4262977" y="814213"/>
-            <a:ext cx="7929023" cy="5946767"/>
+            <a:off x="4128810" y="1447588"/>
+            <a:ext cx="8063190" cy="4607537"/>
           </a:xfrm>
           <a:prstGeom prst="rect">
             <a:avLst/>
@@ -5367,47 +5640,73 @@
       </p:pic>
       <p:sp>
         <p:nvSpPr>
-          <p:cNvPr id="2" name="Title 1">
-            <a:extLst>
-              <a:ext uri="{FF2B5EF4-FFF2-40B4-BE49-F238E27FC236}">
-                <a16:creationId xmlns:a16="http://schemas.microsoft.com/office/drawing/2014/main" id="{9436E8AB-C561-2FCA-0265-5CB6416C4D16}"/>
-              </a:ext>
-            </a:extLst>
-          </p:cNvPr>
-          <p:cNvSpPr>
-            <a:spLocks noGrp="1"/>
+          <p:cNvPr id="8" name="Title 1">
+            <a:extLst>
+              <a:ext uri="{FF2B5EF4-FFF2-40B4-BE49-F238E27FC236}">
+                <a16:creationId xmlns:a16="http://schemas.microsoft.com/office/drawing/2014/main" id="{1A2E2F0C-CB54-5BFD-916D-FC7EB09EA889}"/>
+              </a:ext>
+            </a:extLst>
+          </p:cNvPr>
+          <p:cNvSpPr txBox="1">
+            <a:spLocks/>
           </p:cNvSpPr>
-          <p:nvPr>
-            <p:ph type="title"/>
-          </p:nvPr>
-        </p:nvSpPr>
-        <p:spPr/>
-        <p:txBody>
-          <a:bodyPr/>
-          <a:lstStyle/>
-          <a:p>
-            <a:r>
-              <a:rPr lang="es-ES" b="1" dirty="0" err="1"/>
-              <a:t>Random</a:t>
-            </a:r>
-            <a:r>
-              <a:rPr lang="es-ES" b="1" dirty="0"/>
-              <a:t> </a:t>
-            </a:r>
-            <a:r>
-              <a:rPr lang="es-ES" b="1" dirty="0" err="1"/>
-              <a:t>Forests</a:t>
-            </a:r>
-            <a:endParaRPr lang="en-US" b="1" dirty="0"/>
-          </a:p>
-        </p:txBody>
-      </p:sp>
-      <p:sp>
-        <p:nvSpPr>
-          <p:cNvPr id="6" name="TextBox 5">
-            <a:extLst>
-              <a:ext uri="{FF2B5EF4-FFF2-40B4-BE49-F238E27FC236}">
-                <a16:creationId xmlns:a16="http://schemas.microsoft.com/office/drawing/2014/main" id="{52A5B92E-70CA-DAC2-485F-85B149E59375}"/>
+          <p:nvPr/>
+        </p:nvSpPr>
+        <p:spPr>
+          <a:xfrm>
+            <a:off x="326156" y="295708"/>
+            <a:ext cx="10515600" cy="1325563"/>
+          </a:xfrm>
+          <a:prstGeom prst="rect">
+            <a:avLst/>
+          </a:prstGeom>
+        </p:spPr>
+        <p:txBody>
+          <a:bodyPr vert="horz" lIns="91440" tIns="45720" rIns="91440" bIns="45720" rtlCol="0" anchor="ctr">
+            <a:normAutofit/>
+          </a:bodyPr>
+          <a:lstStyle>
+            <a:lvl1pPr algn="l" defTabSz="914400" rtl="0" eaLnBrk="1" latinLnBrk="0" hangingPunct="1">
+              <a:lnSpc>
+                <a:spcPct val="90000"/>
+              </a:lnSpc>
+              <a:spcBef>
+                <a:spcPct val="0"/>
+              </a:spcBef>
+              <a:buNone/>
+              <a:defRPr sz="4400" kern="1200">
+                <a:solidFill>
+                  <a:schemeClr val="tx1"/>
+                </a:solidFill>
+                <a:latin typeface="+mj-lt"/>
+                <a:ea typeface="+mj-ea"/>
+                <a:cs typeface="+mj-cs"/>
+              </a:defRPr>
+            </a:lvl1pPr>
+          </a:lstStyle>
+          <a:p>
+            <a:r>
+              <a:rPr lang="en-US" b="1" dirty="0"/>
+              <a:t>Conditional Inference (</a:t>
+            </a:r>
+            <a:r>
+              <a:rPr lang="en-US" b="1" dirty="0" err="1"/>
+              <a:t>ctree</a:t>
+            </a:r>
+            <a:r>
+              <a:rPr lang="en-US" b="1" dirty="0"/>
+              <a:t>)</a:t>
+            </a:r>
+            <a:endParaRPr lang="en-US" dirty="0"/>
+          </a:p>
+        </p:txBody>
+      </p:sp>
+      <p:sp>
+        <p:nvSpPr>
+          <p:cNvPr id="3" name="TextBox 2">
+            <a:extLst>
+              <a:ext uri="{FF2B5EF4-FFF2-40B4-BE49-F238E27FC236}">
+                <a16:creationId xmlns:a16="http://schemas.microsoft.com/office/drawing/2014/main" id="{6B98F95A-EAB5-A3D1-A08B-3312394F338C}"/>
               </a:ext>
             </a:extLst>
           </p:cNvPr>
@@ -5416,8 +5715,8 @@
         </p:nvSpPr>
         <p:spPr>
           <a:xfrm>
-            <a:off x="572891" y="1757466"/>
-            <a:ext cx="5228819" cy="2468368"/>
+            <a:off x="326156" y="1621271"/>
+            <a:ext cx="4826361" cy="4093428"/>
           </a:xfrm>
           <a:prstGeom prst="rect">
             <a:avLst/>
@@ -5430,48 +5729,156 @@
           </a:bodyPr>
           <a:lstStyle/>
           <a:p>
-            <a:pPr>
-              <a:lnSpc>
-                <a:spcPct val="200000"/>
-              </a:lnSpc>
+            <a:r>
+              <a:rPr lang="en-US" sz="2000" b="1" dirty="0"/>
+              <a:t>2) Trained in 80% of the data, accuracy tested in 20% holdout </a:t>
+            </a:r>
+          </a:p>
+          <a:p>
+            <a:endParaRPr lang="en-US" sz="2000" b="1" dirty="0"/>
+          </a:p>
+          <a:p>
+            <a:r>
+              <a:rPr lang="en-US" sz="2000" dirty="0"/>
+              <a:t>Best performance in holdout set :                 03-09 15 + 30 m w/o PC</a:t>
+            </a:r>
+          </a:p>
+          <a:p>
+            <a:endParaRPr lang="en-US" sz="2000" dirty="0"/>
+          </a:p>
+          <a:p>
+            <a:pPr marL="285750" indent="-285750">
+              <a:buFont typeface="Arial" panose="020B0604020202020204" pitchFamily="34" charset="0"/>
+              <a:buChar char="•"/>
             </a:pPr>
             <a:r>
-              <a:rPr lang="en-US" sz="2000" b="1" dirty="0"/>
-              <a:t>70 - 30 % train - test split</a:t>
-            </a:r>
+              <a:rPr lang="en-US" sz="2000" dirty="0"/>
+              <a:t>Mean accuracy: </a:t>
+            </a:r>
+          </a:p>
+          <a:p>
+            <a:pPr marL="742950" lvl="1" indent="-285750">
+              <a:buFont typeface="Arial" panose="020B0604020202020204" pitchFamily="34" charset="0"/>
+              <a:buChar char="•"/>
+            </a:pPr>
+            <a:r>
+              <a:rPr lang="en-US" sz="2000" b="1" dirty="0">
+                <a:solidFill>
+                  <a:srgbClr val="FF0000"/>
+                </a:solidFill>
+              </a:rPr>
+              <a:t>Trained: 69.4% </a:t>
+            </a:r>
+            <a:r>
+              <a:rPr lang="en-US" sz="2000" dirty="0"/>
+              <a:t>(</a:t>
+            </a:r>
+            <a:r>
+              <a:rPr lang="en-US" sz="2000" dirty="0" err="1"/>
+              <a:t>sd</a:t>
+            </a:r>
+            <a:r>
+              <a:rPr lang="en-US" sz="2000" dirty="0"/>
+              <a:t>: 0.8 %)</a:t>
+            </a:r>
+          </a:p>
+          <a:p>
+            <a:pPr marL="742950" lvl="1" indent="-285750">
+              <a:buFont typeface="Arial" panose="020B0604020202020204" pitchFamily="34" charset="0"/>
+              <a:buChar char="•"/>
+            </a:pPr>
+            <a:r>
+              <a:rPr lang="en-US" sz="2000" b="1" u="sng" dirty="0"/>
+              <a:t>Tested: 70.41% </a:t>
+            </a:r>
+            <a:r>
+              <a:rPr lang="en-US" sz="2000" dirty="0"/>
+              <a:t>(sd:10.4%)</a:t>
+            </a:r>
+          </a:p>
+          <a:p>
+            <a:pPr lvl="1"/>
             <a:endParaRPr lang="en-US" sz="2000" dirty="0"/>
           </a:p>
           <a:p>
-            <a:pPr>
-              <a:lnSpc>
-                <a:spcPct val="200000"/>
-              </a:lnSpc>
+            <a:pPr marL="285750" indent="-285750">
+              <a:buFont typeface="Arial" panose="020B0604020202020204" pitchFamily="34" charset="0"/>
+              <a:buChar char="•"/>
             </a:pPr>
             <a:r>
               <a:rPr lang="en-US" sz="2000" dirty="0"/>
-              <a:t>5000 trees</a:t>
-            </a:r>
-          </a:p>
-          <a:p>
-            <a:pPr>
-              <a:lnSpc>
-                <a:spcPct val="200000"/>
-              </a:lnSpc>
+              <a:t>Mean Kappa:</a:t>
+            </a:r>
+          </a:p>
+          <a:p>
+            <a:pPr marL="742950" lvl="1" indent="-285750">
+              <a:buFont typeface="Arial" panose="020B0604020202020204" pitchFamily="34" charset="0"/>
+              <a:buChar char="•"/>
             </a:pPr>
             <a:r>
               <a:rPr lang="en-US" sz="2000" dirty="0"/>
-              <a:t>Best performance :</a:t>
-            </a:r>
-          </a:p>
-          <a:p>
-            <a:pPr>
-              <a:lnSpc>
-                <a:spcPct val="200000"/>
-              </a:lnSpc>
+              <a:t>Trained: 61.65% (</a:t>
+            </a:r>
+            <a:r>
+              <a:rPr lang="en-US" sz="2000" dirty="0" err="1"/>
+              <a:t>sd</a:t>
+            </a:r>
+            <a:r>
+              <a:rPr lang="en-US" sz="2000" dirty="0"/>
+              <a:t>: 1.1 %)</a:t>
+            </a:r>
+          </a:p>
+          <a:p>
+            <a:pPr marL="742950" lvl="1" indent="-285750">
+              <a:buFont typeface="Arial" panose="020B0604020202020204" pitchFamily="34" charset="0"/>
+              <a:buChar char="•"/>
             </a:pPr>
             <a:r>
               <a:rPr lang="en-US" sz="2000" dirty="0"/>
-              <a:t>03-22 at 50m without PC</a:t>
+              <a:t>Tested: 62.77 % (</a:t>
+            </a:r>
+            <a:r>
+              <a:rPr lang="en-US" sz="2000" dirty="0" err="1"/>
+              <a:t>sd</a:t>
+            </a:r>
+            <a:r>
+              <a:rPr lang="en-US" sz="2000" dirty="0"/>
+              <a:t>: 12.90%) 	</a:t>
+            </a:r>
+          </a:p>
+        </p:txBody>
+      </p:sp>
+      <p:sp>
+        <p:nvSpPr>
+          <p:cNvPr id="6" name="TextBox 5">
+            <a:extLst>
+              <a:ext uri="{FF2B5EF4-FFF2-40B4-BE49-F238E27FC236}">
+                <a16:creationId xmlns:a16="http://schemas.microsoft.com/office/drawing/2014/main" id="{EEEEE084-DE53-2B2E-F5C6-330C9A616A1F}"/>
+              </a:ext>
+            </a:extLst>
+          </p:cNvPr>
+          <p:cNvSpPr txBox="1"/>
+          <p:nvPr/>
+        </p:nvSpPr>
+        <p:spPr>
+          <a:xfrm>
+            <a:off x="326156" y="6550223"/>
+            <a:ext cx="12023035" cy="307777"/>
+          </a:xfrm>
+          <a:prstGeom prst="rect">
+            <a:avLst/>
+          </a:prstGeom>
+          <a:noFill/>
+        </p:spPr>
+        <p:txBody>
+          <a:bodyPr wrap="square" rtlCol="0">
+            <a:spAutoFit/>
+          </a:bodyPr>
+          <a:lstStyle/>
+          <a:p>
+            <a:r>
+              <a:rPr lang="en-US" sz="1400" dirty="0"/>
+              <a:t>All contrasts  among models with accuracies above 50% result in non-significant, p-value = 0.1735 no differences among algorithm validation accuracies in test set</a:t>
             </a:r>
           </a:p>
         </p:txBody>
@@ -5479,7 +5886,7 @@
     </p:spTree>
     <p:extLst>
       <p:ext uri="{BB962C8B-B14F-4D97-AF65-F5344CB8AC3E}">
-        <p14:creationId xmlns:p14="http://schemas.microsoft.com/office/powerpoint/2010/main" val="1422733971"/>
+        <p14:creationId xmlns:p14="http://schemas.microsoft.com/office/powerpoint/2010/main" val="3356519008"/>
       </p:ext>
     </p:extLst>
   </p:cSld>
@@ -5506,6 +5913,451 @@
           <a:chExt cx="0" cy="0"/>
         </a:xfrm>
       </p:grpSpPr>
+      <p:sp>
+        <p:nvSpPr>
+          <p:cNvPr id="2" name="Title 1">
+            <a:extLst>
+              <a:ext uri="{FF2B5EF4-FFF2-40B4-BE49-F238E27FC236}">
+                <a16:creationId xmlns:a16="http://schemas.microsoft.com/office/drawing/2014/main" id="{C40AFC7F-5EA5-87CD-EEF2-6BDE715C738D}"/>
+              </a:ext>
+            </a:extLst>
+          </p:cNvPr>
+          <p:cNvSpPr>
+            <a:spLocks noGrp="1"/>
+          </p:cNvSpPr>
+          <p:nvPr>
+            <p:ph type="title"/>
+          </p:nvPr>
+        </p:nvSpPr>
+        <p:spPr>
+          <a:xfrm>
+            <a:off x="693605" y="462450"/>
+            <a:ext cx="10515600" cy="1325563"/>
+          </a:xfrm>
+        </p:spPr>
+        <p:txBody>
+          <a:bodyPr/>
+          <a:lstStyle/>
+          <a:p>
+            <a:r>
+              <a:rPr lang="en-US" b="1" dirty="0"/>
+              <a:t>Random forests (rf)</a:t>
+            </a:r>
+            <a:endParaRPr lang="en-US" dirty="0"/>
+          </a:p>
+        </p:txBody>
+      </p:sp>
+      <p:sp>
+        <p:nvSpPr>
+          <p:cNvPr id="11" name="TextBox 10">
+            <a:extLst>
+              <a:ext uri="{FF2B5EF4-FFF2-40B4-BE49-F238E27FC236}">
+                <a16:creationId xmlns:a16="http://schemas.microsoft.com/office/drawing/2014/main" id="{99BAED0E-81C2-C67C-9F14-4EB2793F82AE}"/>
+              </a:ext>
+            </a:extLst>
+          </p:cNvPr>
+          <p:cNvSpPr txBox="1"/>
+          <p:nvPr/>
+        </p:nvSpPr>
+        <p:spPr>
+          <a:xfrm>
+            <a:off x="693604" y="1788013"/>
+            <a:ext cx="9971083" cy="1852815"/>
+          </a:xfrm>
+          <a:prstGeom prst="rect">
+            <a:avLst/>
+          </a:prstGeom>
+          <a:noFill/>
+        </p:spPr>
+        <p:txBody>
+          <a:bodyPr wrap="square" rtlCol="0">
+            <a:spAutoFit/>
+          </a:bodyPr>
+          <a:lstStyle/>
+          <a:p>
+            <a:pPr>
+              <a:lnSpc>
+                <a:spcPct val="200000"/>
+              </a:lnSpc>
+            </a:pPr>
+            <a:r>
+              <a:rPr lang="en-US" sz="2000" b="1" dirty="0"/>
+              <a:t>5000 trees, n = 10 (results averaged over 10 different models)</a:t>
+            </a:r>
+          </a:p>
+          <a:p>
+            <a:pPr marL="457200" indent="-457200">
+              <a:lnSpc>
+                <a:spcPct val="200000"/>
+              </a:lnSpc>
+              <a:buFont typeface="+mj-lt"/>
+              <a:buAutoNum type="arabicParenR"/>
+            </a:pPr>
+            <a:r>
+              <a:rPr lang="en-US" sz="2000" dirty="0"/>
+              <a:t>Model trained in 70% of the data, accuracy tested in 30% holdout </a:t>
+            </a:r>
+          </a:p>
+          <a:p>
+            <a:pPr marL="457200" indent="-457200">
+              <a:lnSpc>
+                <a:spcPct val="200000"/>
+              </a:lnSpc>
+              <a:buFont typeface="+mj-lt"/>
+              <a:buAutoNum type="arabicParenR"/>
+            </a:pPr>
+            <a:r>
+              <a:rPr lang="en-US" sz="2000" dirty="0"/>
+              <a:t>Model trained in 80% of the data, accuracy tested in 20% holdout </a:t>
+            </a:r>
+          </a:p>
+        </p:txBody>
+      </p:sp>
+    </p:spTree>
+    <p:extLst>
+      <p:ext uri="{BB962C8B-B14F-4D97-AF65-F5344CB8AC3E}">
+        <p14:creationId xmlns:p14="http://schemas.microsoft.com/office/powerpoint/2010/main" val="2356553904"/>
+      </p:ext>
+    </p:extLst>
+  </p:cSld>
+  <p:clrMapOvr>
+    <a:masterClrMapping/>
+  </p:clrMapOvr>
+</p:sld>
+</file>
+
+<file path=ppt/slides/slide18.xml><?xml version="1.0" encoding="utf-8"?>
+<p:sld xmlns:a="http://schemas.openxmlformats.org/drawingml/2006/main" xmlns:r="http://schemas.openxmlformats.org/officeDocument/2006/relationships" xmlns:p="http://schemas.openxmlformats.org/presentationml/2006/main">
+  <p:cSld>
+    <p:spTree>
+      <p:nvGrpSpPr>
+        <p:cNvPr id="1" name=""/>
+        <p:cNvGrpSpPr/>
+        <p:nvPr/>
+      </p:nvGrpSpPr>
+      <p:grpSpPr>
+        <a:xfrm>
+          <a:off x="0" y="0"/>
+          <a:ext cx="0" cy="0"/>
+          <a:chOff x="0" y="0"/>
+          <a:chExt cx="0" cy="0"/>
+        </a:xfrm>
+      </p:grpSpPr>
+      <p:grpSp>
+        <p:nvGrpSpPr>
+          <p:cNvPr id="5" name="Group 4">
+            <a:extLst>
+              <a:ext uri="{FF2B5EF4-FFF2-40B4-BE49-F238E27FC236}">
+                <a16:creationId xmlns:a16="http://schemas.microsoft.com/office/drawing/2014/main" id="{0319A174-D603-467D-B7D7-244D66E7BA88}"/>
+              </a:ext>
+            </a:extLst>
+          </p:cNvPr>
+          <p:cNvGrpSpPr/>
+          <p:nvPr/>
+        </p:nvGrpSpPr>
+        <p:grpSpPr>
+          <a:xfrm>
+            <a:off x="4685048" y="546108"/>
+            <a:ext cx="7295991" cy="5946767"/>
+            <a:chOff x="4724707" y="911233"/>
+            <a:chExt cx="7295991" cy="5946767"/>
+          </a:xfrm>
+        </p:grpSpPr>
+        <p:pic>
+          <p:nvPicPr>
+            <p:cNvPr id="4" name="Picture 3">
+              <a:extLst>
+                <a:ext uri="{FF2B5EF4-FFF2-40B4-BE49-F238E27FC236}">
+                  <a16:creationId xmlns:a16="http://schemas.microsoft.com/office/drawing/2014/main" id="{3652A3F9-B4AD-89D1-EDCF-FD0ED4C3CCF5}"/>
+                </a:ext>
+              </a:extLst>
+            </p:cNvPr>
+            <p:cNvPicPr>
+              <a:picLocks noChangeAspect="1"/>
+            </p:cNvPicPr>
+            <p:nvPr/>
+          </p:nvPicPr>
+          <p:blipFill rotWithShape="1">
+            <a:blip r:embed="rId2"/>
+            <a:srcRect l="85024" t="9735" r="3728" b="65587"/>
+            <a:stretch/>
+          </p:blipFill>
+          <p:spPr>
+            <a:xfrm>
+              <a:off x="11128876" y="1503018"/>
+              <a:ext cx="891822" cy="1467556"/>
+            </a:xfrm>
+            <a:prstGeom prst="rect">
+              <a:avLst/>
+            </a:prstGeom>
+          </p:spPr>
+        </p:pic>
+        <p:pic>
+          <p:nvPicPr>
+            <p:cNvPr id="3" name="Picture 2">
+              <a:extLst>
+                <a:ext uri="{FF2B5EF4-FFF2-40B4-BE49-F238E27FC236}">
+                  <a16:creationId xmlns:a16="http://schemas.microsoft.com/office/drawing/2014/main" id="{04988A35-2B1C-DA5E-D94A-F20B88D17605}"/>
+                </a:ext>
+              </a:extLst>
+            </p:cNvPr>
+            <p:cNvPicPr>
+              <a:picLocks noChangeAspect="1"/>
+            </p:cNvPicPr>
+            <p:nvPr/>
+          </p:nvPicPr>
+          <p:blipFill rotWithShape="1">
+            <a:blip r:embed="rId2"/>
+            <a:srcRect r="17939"/>
+            <a:stretch/>
+          </p:blipFill>
+          <p:spPr>
+            <a:xfrm>
+              <a:off x="4724707" y="911233"/>
+              <a:ext cx="6506623" cy="5946767"/>
+            </a:xfrm>
+            <a:prstGeom prst="rect">
+              <a:avLst/>
+            </a:prstGeom>
+          </p:spPr>
+        </p:pic>
+      </p:grpSp>
+      <p:sp>
+        <p:nvSpPr>
+          <p:cNvPr id="2" name="Title 1">
+            <a:extLst>
+              <a:ext uri="{FF2B5EF4-FFF2-40B4-BE49-F238E27FC236}">
+                <a16:creationId xmlns:a16="http://schemas.microsoft.com/office/drawing/2014/main" id="{9436E8AB-C561-2FCA-0265-5CB6416C4D16}"/>
+              </a:ext>
+            </a:extLst>
+          </p:cNvPr>
+          <p:cNvSpPr>
+            <a:spLocks noGrp="1"/>
+          </p:cNvSpPr>
+          <p:nvPr>
+            <p:ph type="title"/>
+          </p:nvPr>
+        </p:nvSpPr>
+        <p:spPr/>
+        <p:txBody>
+          <a:bodyPr/>
+          <a:lstStyle/>
+          <a:p>
+            <a:r>
+              <a:rPr lang="es-ES" b="1" dirty="0" err="1"/>
+              <a:t>Random</a:t>
+            </a:r>
+            <a:r>
+              <a:rPr lang="es-ES" b="1" dirty="0"/>
+              <a:t> </a:t>
+            </a:r>
+            <a:r>
+              <a:rPr lang="es-ES" b="1" dirty="0" err="1"/>
+              <a:t>Forests</a:t>
+            </a:r>
+            <a:endParaRPr lang="en-US" b="1" dirty="0"/>
+          </a:p>
+        </p:txBody>
+      </p:sp>
+      <p:sp>
+        <p:nvSpPr>
+          <p:cNvPr id="6" name="TextBox 5">
+            <a:extLst>
+              <a:ext uri="{FF2B5EF4-FFF2-40B4-BE49-F238E27FC236}">
+                <a16:creationId xmlns:a16="http://schemas.microsoft.com/office/drawing/2014/main" id="{52A5B92E-70CA-DAC2-485F-85B149E59375}"/>
+              </a:ext>
+            </a:extLst>
+          </p:cNvPr>
+          <p:cNvSpPr txBox="1"/>
+          <p:nvPr/>
+        </p:nvSpPr>
+        <p:spPr>
+          <a:xfrm>
+            <a:off x="340789" y="1885959"/>
+            <a:ext cx="4841670" cy="4093428"/>
+          </a:xfrm>
+          <a:prstGeom prst="rect">
+            <a:avLst/>
+          </a:prstGeom>
+          <a:noFill/>
+        </p:spPr>
+        <p:txBody>
+          <a:bodyPr wrap="square" rtlCol="0">
+            <a:spAutoFit/>
+          </a:bodyPr>
+          <a:lstStyle/>
+          <a:p>
+            <a:pPr>
+              <a:lnSpc>
+                <a:spcPct val="200000"/>
+              </a:lnSpc>
+            </a:pPr>
+            <a:r>
+              <a:rPr lang="en-US" sz="2000" dirty="0"/>
+              <a:t>Best performance :</a:t>
+            </a:r>
+          </a:p>
+          <a:p>
+            <a:r>
+              <a:rPr lang="en-US" sz="2000" b="1" dirty="0"/>
+              <a:t>80 - 20 % train - test split </a:t>
+            </a:r>
+          </a:p>
+          <a:p>
+            <a:r>
+              <a:rPr lang="en-US" sz="2000" dirty="0"/>
+              <a:t>03-22 at 50m without PC </a:t>
+            </a:r>
+          </a:p>
+          <a:p>
+            <a:pPr marL="285750" indent="-285750">
+              <a:lnSpc>
+                <a:spcPct val="200000"/>
+              </a:lnSpc>
+              <a:buFont typeface="Arial" panose="020B0604020202020204" pitchFamily="34" charset="0"/>
+              <a:buChar char="•"/>
+            </a:pPr>
+            <a:r>
+              <a:rPr lang="en-US" sz="2000" b="1" dirty="0"/>
+              <a:t>Mean accuracy: 89.17 % </a:t>
+            </a:r>
+            <a:r>
+              <a:rPr lang="en-US" sz="2000" dirty="0"/>
+              <a:t>(</a:t>
+            </a:r>
+            <a:r>
+              <a:rPr lang="en-US" sz="2000" dirty="0" err="1"/>
+              <a:t>sd</a:t>
+            </a:r>
+            <a:r>
+              <a:rPr lang="en-US" sz="2000" dirty="0"/>
+              <a:t>: 6.86%)</a:t>
+            </a:r>
+          </a:p>
+          <a:p>
+            <a:pPr marL="285750" indent="-285750">
+              <a:lnSpc>
+                <a:spcPct val="200000"/>
+              </a:lnSpc>
+              <a:buFont typeface="Arial" panose="020B0604020202020204" pitchFamily="34" charset="0"/>
+              <a:buChar char="•"/>
+            </a:pPr>
+            <a:r>
+              <a:rPr lang="en-US" sz="2000" dirty="0"/>
+              <a:t>Mean Kappa:  85.81 % (</a:t>
+            </a:r>
+            <a:r>
+              <a:rPr lang="en-US" sz="2000" dirty="0" err="1"/>
+              <a:t>sd</a:t>
+            </a:r>
+            <a:r>
+              <a:rPr lang="en-US" sz="2000" dirty="0"/>
+              <a:t>: 8.7%)</a:t>
+            </a:r>
+          </a:p>
+          <a:p>
+            <a:pPr marL="285750" indent="-285750">
+              <a:lnSpc>
+                <a:spcPct val="200000"/>
+              </a:lnSpc>
+              <a:buFont typeface="Arial" panose="020B0604020202020204" pitchFamily="34" charset="0"/>
+              <a:buChar char="•"/>
+            </a:pPr>
+            <a:r>
+              <a:rPr lang="en-US" sz="2000" dirty="0"/>
+              <a:t>Mean OOB: 13.75 % (</a:t>
+            </a:r>
+            <a:r>
+              <a:rPr lang="en-US" sz="2000" dirty="0" err="1"/>
+              <a:t>sd</a:t>
+            </a:r>
+            <a:r>
+              <a:rPr lang="en-US" sz="2000" dirty="0"/>
+              <a:t>: 2%)</a:t>
+            </a:r>
+            <a:endParaRPr lang="en-US" sz="2000" b="1" dirty="0"/>
+          </a:p>
+          <a:p>
+            <a:pPr>
+              <a:lnSpc>
+                <a:spcPct val="200000"/>
+              </a:lnSpc>
+            </a:pPr>
+            <a:endParaRPr lang="en-US" sz="2000" dirty="0"/>
+          </a:p>
+          <a:p>
+            <a:r>
+              <a:rPr lang="en-US" sz="2000" dirty="0"/>
+              <a:t>Not significantly different from 70-30% split</a:t>
+            </a:r>
+          </a:p>
+        </p:txBody>
+      </p:sp>
+      <p:sp>
+        <p:nvSpPr>
+          <p:cNvPr id="7" name="TextBox 6">
+            <a:extLst>
+              <a:ext uri="{FF2B5EF4-FFF2-40B4-BE49-F238E27FC236}">
+                <a16:creationId xmlns:a16="http://schemas.microsoft.com/office/drawing/2014/main" id="{3D916831-891A-12D7-C5EA-0480F31EC669}"/>
+              </a:ext>
+            </a:extLst>
+          </p:cNvPr>
+          <p:cNvSpPr txBox="1"/>
+          <p:nvPr/>
+        </p:nvSpPr>
+        <p:spPr>
+          <a:xfrm>
+            <a:off x="3303932" y="6492875"/>
+            <a:ext cx="12023035" cy="307777"/>
+          </a:xfrm>
+          <a:prstGeom prst="rect">
+            <a:avLst/>
+          </a:prstGeom>
+          <a:noFill/>
+        </p:spPr>
+        <p:txBody>
+          <a:bodyPr wrap="square" rtlCol="0">
+            <a:spAutoFit/>
+          </a:bodyPr>
+          <a:lstStyle/>
+          <a:p>
+            <a:r>
+              <a:rPr lang="en-US" sz="1400" dirty="0"/>
+              <a:t>Contrasts  among first 9 models result in non-significant differences p-value &gt; 0.05 (Tukey), Accuracy = (77.5 %, 89.17%)</a:t>
+            </a:r>
+          </a:p>
+        </p:txBody>
+      </p:sp>
+    </p:spTree>
+    <p:extLst>
+      <p:ext uri="{BB962C8B-B14F-4D97-AF65-F5344CB8AC3E}">
+        <p14:creationId xmlns:p14="http://schemas.microsoft.com/office/powerpoint/2010/main" val="1422733971"/>
+      </p:ext>
+    </p:extLst>
+  </p:cSld>
+  <p:clrMapOvr>
+    <a:masterClrMapping/>
+  </p:clrMapOvr>
+</p:sld>
+</file>
+
+<file path=ppt/slides/slide19.xml><?xml version="1.0" encoding="utf-8"?>
+<p:sld xmlns:a="http://schemas.openxmlformats.org/drawingml/2006/main" xmlns:r="http://schemas.openxmlformats.org/officeDocument/2006/relationships" xmlns:p="http://schemas.openxmlformats.org/presentationml/2006/main">
+  <p:cSld>
+    <p:spTree>
+      <p:nvGrpSpPr>
+        <p:cNvPr id="1" name=""/>
+        <p:cNvGrpSpPr/>
+        <p:nvPr/>
+      </p:nvGrpSpPr>
+      <p:grpSpPr>
+        <a:xfrm>
+          <a:off x="0" y="0"/>
+          <a:ext cx="0" cy="0"/>
+          <a:chOff x="0" y="0"/>
+          <a:chExt cx="0" cy="0"/>
+        </a:xfrm>
+      </p:grpSpPr>
       <p:pic>
         <p:nvPicPr>
           <p:cNvPr id="5" name="Picture 4" descr="Chart, scatter chart&#10;&#10;Description automatically generated">
@@ -5534,7 +6386,7 @@
         </p:blipFill>
         <p:spPr>
           <a:xfrm>
-            <a:off x="4414338" y="870251"/>
+            <a:off x="4614363" y="852285"/>
             <a:ext cx="7315215" cy="5486411"/>
           </a:xfrm>
           <a:prstGeom prst="rect">
@@ -5581,10 +6433,10 @@
       </p:sp>
       <p:sp>
         <p:nvSpPr>
-          <p:cNvPr id="7" name="TextBox 6">
-            <a:extLst>
-              <a:ext uri="{FF2B5EF4-FFF2-40B4-BE49-F238E27FC236}">
-                <a16:creationId xmlns:a16="http://schemas.microsoft.com/office/drawing/2014/main" id="{048F93AD-7EFE-4873-9FEF-50E0F31AA337}"/>
+          <p:cNvPr id="9" name="TextBox 8">
+            <a:extLst>
+              <a:ext uri="{FF2B5EF4-FFF2-40B4-BE49-F238E27FC236}">
+                <a16:creationId xmlns:a16="http://schemas.microsoft.com/office/drawing/2014/main" id="{F44CDD1A-5C80-E8AD-B998-D234332165D5}"/>
               </a:ext>
             </a:extLst>
           </p:cNvPr>
@@ -5593,8 +6445,8 @@
         </p:nvSpPr>
         <p:spPr>
           <a:xfrm>
-            <a:off x="572891" y="1757466"/>
-            <a:ext cx="5228819" cy="2468368"/>
+            <a:off x="3303933" y="6492875"/>
+            <a:ext cx="8888068" cy="307777"/>
           </a:xfrm>
           <a:prstGeom prst="rect">
             <a:avLst/>
@@ -5607,16 +6459,130 @@
           </a:bodyPr>
           <a:lstStyle/>
           <a:p>
+            <a:r>
+              <a:rPr lang="en-US" sz="1400" dirty="0"/>
+              <a:t>Contrasts  among first 9 models result in non-significant differences p-value &gt; 0.05 (Tukey), Accuracy = (77.5 %, 89.17%)</a:t>
+            </a:r>
+          </a:p>
+        </p:txBody>
+      </p:sp>
+      <p:sp>
+        <p:nvSpPr>
+          <p:cNvPr id="11" name="TextBox 10">
+            <a:extLst>
+              <a:ext uri="{FF2B5EF4-FFF2-40B4-BE49-F238E27FC236}">
+                <a16:creationId xmlns:a16="http://schemas.microsoft.com/office/drawing/2014/main" id="{A616EAD1-981E-C5FC-519D-1868AF4D207C}"/>
+              </a:ext>
+            </a:extLst>
+          </p:cNvPr>
+          <p:cNvSpPr txBox="1"/>
+          <p:nvPr/>
+        </p:nvSpPr>
+        <p:spPr>
+          <a:xfrm>
+            <a:off x="340789" y="1885959"/>
+            <a:ext cx="4841670" cy="4093428"/>
+          </a:xfrm>
+          <a:prstGeom prst="rect">
+            <a:avLst/>
+          </a:prstGeom>
+          <a:noFill/>
+        </p:spPr>
+        <p:txBody>
+          <a:bodyPr wrap="square" rtlCol="0">
+            <a:spAutoFit/>
+          </a:bodyPr>
+          <a:lstStyle/>
+          <a:p>
             <a:pPr>
               <a:lnSpc>
                 <a:spcPct val="200000"/>
               </a:lnSpc>
             </a:pPr>
             <a:r>
+              <a:rPr lang="en-US" sz="2000" dirty="0"/>
+              <a:t>Best performance :</a:t>
+            </a:r>
+          </a:p>
+          <a:p>
+            <a:r>
               <a:rPr lang="en-US" sz="2000" b="1" dirty="0"/>
-              <a:t>70 - 30 % train - test split</a:t>
-            </a:r>
-            <a:endParaRPr lang="en-US" sz="2000" dirty="0"/>
+              <a:t>80 - 20 % train - test split </a:t>
+            </a:r>
+          </a:p>
+          <a:p>
+            <a:r>
+              <a:rPr lang="en-US" sz="2000" dirty="0"/>
+              <a:t>03-22 at 50m without PC </a:t>
+            </a:r>
+          </a:p>
+          <a:p>
+            <a:pPr marL="285750" indent="-285750">
+              <a:lnSpc>
+                <a:spcPct val="200000"/>
+              </a:lnSpc>
+              <a:buFont typeface="Arial" panose="020B0604020202020204" pitchFamily="34" charset="0"/>
+              <a:buChar char="•"/>
+            </a:pPr>
+            <a:r>
+              <a:rPr lang="en-US" sz="2000" b="1" dirty="0"/>
+              <a:t>Mean accuracy: 89.17 % </a:t>
+            </a:r>
+            <a:r>
+              <a:rPr lang="en-US" sz="2000" dirty="0"/>
+              <a:t>(</a:t>
+            </a:r>
+            <a:r>
+              <a:rPr lang="en-US" sz="2000" dirty="0" err="1"/>
+              <a:t>sd</a:t>
+            </a:r>
+            <a:r>
+              <a:rPr lang="en-US" sz="2000" dirty="0"/>
+              <a:t>: 6.86%)</a:t>
+            </a:r>
+          </a:p>
+          <a:p>
+            <a:pPr marL="285750" indent="-285750">
+              <a:lnSpc>
+                <a:spcPct val="200000"/>
+              </a:lnSpc>
+              <a:buFont typeface="Arial" panose="020B0604020202020204" pitchFamily="34" charset="0"/>
+              <a:buChar char="•"/>
+            </a:pPr>
+            <a:r>
+              <a:rPr lang="en-US" sz="2000" dirty="0"/>
+              <a:t>Mean Kappa:  85.81 % (</a:t>
+            </a:r>
+            <a:r>
+              <a:rPr lang="en-US" sz="2000" dirty="0" err="1"/>
+              <a:t>sd</a:t>
+            </a:r>
+            <a:r>
+              <a:rPr lang="en-US" sz="2000" dirty="0"/>
+              <a:t>: 8.7%)</a:t>
+            </a:r>
+          </a:p>
+          <a:p>
+            <a:pPr marL="285750" indent="-285750">
+              <a:lnSpc>
+                <a:spcPct val="200000"/>
+              </a:lnSpc>
+              <a:buFont typeface="Arial" panose="020B0604020202020204" pitchFamily="34" charset="0"/>
+              <a:buChar char="•"/>
+            </a:pPr>
+            <a:r>
+              <a:rPr lang="en-US" sz="2000" dirty="0"/>
+              <a:t>Mean OOB: 13.75 % (</a:t>
+            </a:r>
+            <a:r>
+              <a:rPr lang="en-US" sz="2000" dirty="0" err="1"/>
+              <a:t>sd</a:t>
+            </a:r>
+            <a:r>
+              <a:rPr lang="en-US" sz="2000" dirty="0"/>
+              <a:t>: 2%)</a:t>
+            </a:r>
+            <a:endParaRPr lang="en-US" sz="2000" b="1" dirty="0"/>
           </a:p>
           <a:p>
             <a:pPr>
@@ -5624,31 +6590,12 @@
                 <a:spcPct val="200000"/>
               </a:lnSpc>
             </a:pPr>
+            <a:endParaRPr lang="en-US" sz="2000" dirty="0"/>
+          </a:p>
+          <a:p>
             <a:r>
               <a:rPr lang="en-US" sz="2000" dirty="0"/>
-              <a:t>5000 trees</a:t>
-            </a:r>
-          </a:p>
-          <a:p>
-            <a:pPr>
-              <a:lnSpc>
-                <a:spcPct val="200000"/>
-              </a:lnSpc>
-            </a:pPr>
-            <a:r>
-              <a:rPr lang="en-US" sz="2000" dirty="0"/>
-              <a:t>Best performance :</a:t>
-            </a:r>
-          </a:p>
-          <a:p>
-            <a:pPr>
-              <a:lnSpc>
-                <a:spcPct val="200000"/>
-              </a:lnSpc>
-            </a:pPr>
-            <a:r>
-              <a:rPr lang="en-US" sz="2000" dirty="0"/>
-              <a:t>03-22 at 50m without PC</a:t>
+              <a:t>Not significantly different from 70-30% split</a:t>
             </a:r>
           </a:p>
         </p:txBody>
@@ -5685,10 +6632,10 @@
       </p:grpSpPr>
       <p:pic>
         <p:nvPicPr>
-          <p:cNvPr id="3" name="Picture 2" descr="Chart, box and whisker chart&#10;&#10;Description automatically generated">
-            <a:extLst>
-              <a:ext uri="{FF2B5EF4-FFF2-40B4-BE49-F238E27FC236}">
-                <a16:creationId xmlns:a16="http://schemas.microsoft.com/office/drawing/2014/main" id="{FB2D6238-2909-7820-887C-E8F96409B54B}"/>
+          <p:cNvPr id="9" name="Picture 8" descr="Chart, box and whisker chart&#10;&#10;Description automatically generated">
+            <a:extLst>
+              <a:ext uri="{FF2B5EF4-FFF2-40B4-BE49-F238E27FC236}">
+                <a16:creationId xmlns:a16="http://schemas.microsoft.com/office/drawing/2014/main" id="{39AC142F-6D4F-1A3C-5321-1AB3523770B4}"/>
               </a:ext>
             </a:extLst>
           </p:cNvPr>
@@ -5711,174 +6658,195 @@
         </p:blipFill>
         <p:spPr>
           <a:xfrm>
-            <a:off x="1746603" y="166952"/>
-            <a:ext cx="8698794" cy="6524095"/>
+            <a:off x="1828796" y="154529"/>
+            <a:ext cx="8534408" cy="6400806"/>
           </a:xfrm>
           <a:prstGeom prst="rect">
             <a:avLst/>
           </a:prstGeom>
         </p:spPr>
       </p:pic>
-      <p:sp>
-        <p:nvSpPr>
-          <p:cNvPr id="4" name="Rectangle 3">
-            <a:extLst>
-              <a:ext uri="{FF2B5EF4-FFF2-40B4-BE49-F238E27FC236}">
-                <a16:creationId xmlns:a16="http://schemas.microsoft.com/office/drawing/2014/main" id="{97D056CA-03C2-0D6C-64E1-9D18DD871326}"/>
-              </a:ext>
-            </a:extLst>
-          </p:cNvPr>
-          <p:cNvSpPr/>
+      <p:grpSp>
+        <p:nvGrpSpPr>
+          <p:cNvPr id="2" name="Group 1">
+            <a:extLst>
+              <a:ext uri="{FF2B5EF4-FFF2-40B4-BE49-F238E27FC236}">
+                <a16:creationId xmlns:a16="http://schemas.microsoft.com/office/drawing/2014/main" id="{A0A3C73A-B1E1-A329-620F-C7CB75EA48CD}"/>
+              </a:ext>
+            </a:extLst>
+          </p:cNvPr>
+          <p:cNvGrpSpPr/>
           <p:nvPr/>
-        </p:nvSpPr>
-        <p:spPr>
+        </p:nvGrpSpPr>
+        <p:grpSpPr>
           <a:xfrm>
-            <a:off x="2295703" y="1217060"/>
-            <a:ext cx="406400" cy="4152900"/>
+            <a:off x="3076753" y="1299458"/>
+            <a:ext cx="5168151" cy="3786891"/>
+            <a:chOff x="2295703" y="1217060"/>
+            <a:chExt cx="5168151" cy="3786891"/>
           </a:xfrm>
-          <a:prstGeom prst="rect">
-            <a:avLst/>
-          </a:prstGeom>
-          <a:noFill/>
-          <a:ln>
-            <a:solidFill>
-              <a:srgbClr val="FF0000"/>
-            </a:solidFill>
-          </a:ln>
-        </p:spPr>
-        <p:style>
-          <a:lnRef idx="2">
-            <a:schemeClr val="accent1">
-              <a:shade val="50000"/>
-            </a:schemeClr>
-          </a:lnRef>
-          <a:fillRef idx="1">
-            <a:schemeClr val="accent1"/>
-          </a:fillRef>
-          <a:effectRef idx="0">
-            <a:schemeClr val="accent1"/>
-          </a:effectRef>
-          <a:fontRef idx="minor">
-            <a:schemeClr val="lt1"/>
-          </a:fontRef>
-        </p:style>
-        <p:txBody>
-          <a:bodyPr rtlCol="0" anchor="ctr"/>
-          <a:lstStyle/>
-          <a:p>
-            <a:pPr algn="ctr"/>
-            <a:endParaRPr lang="en-US"/>
-          </a:p>
-        </p:txBody>
-      </p:sp>
-      <p:sp>
-        <p:nvSpPr>
-          <p:cNvPr id="5" name="Rectangle 4">
-            <a:extLst>
-              <a:ext uri="{FF2B5EF4-FFF2-40B4-BE49-F238E27FC236}">
-                <a16:creationId xmlns:a16="http://schemas.microsoft.com/office/drawing/2014/main" id="{9D55DCB2-0A03-0B6D-5AC8-03FCB27CC864}"/>
-              </a:ext>
-            </a:extLst>
-          </p:cNvPr>
-          <p:cNvSpPr/>
-          <p:nvPr/>
-        </p:nvSpPr>
-        <p:spPr>
-          <a:xfrm>
-            <a:off x="4728966" y="1133154"/>
-            <a:ext cx="406400" cy="4152900"/>
-          </a:xfrm>
-          <a:prstGeom prst="rect">
-            <a:avLst/>
-          </a:prstGeom>
-          <a:noFill/>
-          <a:ln>
-            <a:solidFill>
-              <a:srgbClr val="FF0000"/>
-            </a:solidFill>
-          </a:ln>
-        </p:spPr>
-        <p:style>
-          <a:lnRef idx="2">
-            <a:schemeClr val="accent1">
-              <a:shade val="50000"/>
-            </a:schemeClr>
-          </a:lnRef>
-          <a:fillRef idx="1">
-            <a:schemeClr val="accent1"/>
-          </a:fillRef>
-          <a:effectRef idx="0">
-            <a:schemeClr val="accent1"/>
-          </a:effectRef>
-          <a:fontRef idx="minor">
-            <a:schemeClr val="lt1"/>
-          </a:fontRef>
-        </p:style>
-        <p:txBody>
-          <a:bodyPr rtlCol="0" anchor="ctr"/>
-          <a:lstStyle/>
-          <a:p>
-            <a:pPr algn="ctr"/>
-            <a:endParaRPr lang="en-US"/>
-          </a:p>
-        </p:txBody>
-      </p:sp>
-      <p:sp>
-        <p:nvSpPr>
-          <p:cNvPr id="6" name="Rectangle 5">
-            <a:extLst>
-              <a:ext uri="{FF2B5EF4-FFF2-40B4-BE49-F238E27FC236}">
-                <a16:creationId xmlns:a16="http://schemas.microsoft.com/office/drawing/2014/main" id="{23E78D1C-1316-2D4D-336C-12FE82AC251C}"/>
-              </a:ext>
-            </a:extLst>
-          </p:cNvPr>
-          <p:cNvSpPr/>
-          <p:nvPr/>
-        </p:nvSpPr>
-        <p:spPr>
-          <a:xfrm>
-            <a:off x="7162229" y="1217060"/>
-            <a:ext cx="406400" cy="4152900"/>
-          </a:xfrm>
-          <a:prstGeom prst="rect">
-            <a:avLst/>
-          </a:prstGeom>
-          <a:noFill/>
-          <a:ln>
-            <a:solidFill>
-              <a:srgbClr val="FF0000"/>
-            </a:solidFill>
-          </a:ln>
-        </p:spPr>
-        <p:style>
-          <a:lnRef idx="2">
-            <a:schemeClr val="accent1">
-              <a:shade val="50000"/>
-            </a:schemeClr>
-          </a:lnRef>
-          <a:fillRef idx="1">
-            <a:schemeClr val="accent1"/>
-          </a:fillRef>
-          <a:effectRef idx="0">
-            <a:schemeClr val="accent1"/>
-          </a:effectRef>
-          <a:fontRef idx="minor">
-            <a:schemeClr val="lt1"/>
-          </a:fontRef>
-        </p:style>
-        <p:txBody>
-          <a:bodyPr rtlCol="0" anchor="ctr"/>
-          <a:lstStyle/>
-          <a:p>
-            <a:pPr algn="ctr"/>
-            <a:endParaRPr lang="en-US"/>
-          </a:p>
-        </p:txBody>
-      </p:sp>
+        </p:grpSpPr>
+        <p:sp>
+          <p:nvSpPr>
+            <p:cNvPr id="4" name="Rectangle 3">
+              <a:extLst>
+                <a:ext uri="{FF2B5EF4-FFF2-40B4-BE49-F238E27FC236}">
+                  <a16:creationId xmlns:a16="http://schemas.microsoft.com/office/drawing/2014/main" id="{97D056CA-03C2-0D6C-64E1-9D18DD871326}"/>
+                </a:ext>
+              </a:extLst>
+            </p:cNvPr>
+            <p:cNvSpPr/>
+            <p:nvPr/>
+          </p:nvSpPr>
+          <p:spPr>
+            <a:xfrm>
+              <a:off x="2295703" y="1298726"/>
+              <a:ext cx="406400" cy="3705225"/>
+            </a:xfrm>
+            <a:prstGeom prst="rect">
+              <a:avLst/>
+            </a:prstGeom>
+            <a:noFill/>
+            <a:ln>
+              <a:solidFill>
+                <a:srgbClr val="FF0000"/>
+              </a:solidFill>
+            </a:ln>
+          </p:spPr>
+          <p:style>
+            <a:lnRef idx="2">
+              <a:schemeClr val="accent1">
+                <a:shade val="50000"/>
+              </a:schemeClr>
+            </a:lnRef>
+            <a:fillRef idx="1">
+              <a:schemeClr val="accent1"/>
+            </a:fillRef>
+            <a:effectRef idx="0">
+              <a:schemeClr val="accent1"/>
+            </a:effectRef>
+            <a:fontRef idx="minor">
+              <a:schemeClr val="lt1"/>
+            </a:fontRef>
+          </p:style>
+          <p:txBody>
+            <a:bodyPr rtlCol="0" anchor="ctr"/>
+            <a:lstStyle/>
+            <a:p>
+              <a:pPr algn="ctr"/>
+              <a:endParaRPr lang="en-US" dirty="0"/>
+            </a:p>
+          </p:txBody>
+        </p:sp>
+        <p:sp>
+          <p:nvSpPr>
+            <p:cNvPr id="5" name="Rectangle 4">
+              <a:extLst>
+                <a:ext uri="{FF2B5EF4-FFF2-40B4-BE49-F238E27FC236}">
+                  <a16:creationId xmlns:a16="http://schemas.microsoft.com/office/drawing/2014/main" id="{9D55DCB2-0A03-0B6D-5AC8-03FCB27CC864}"/>
+                </a:ext>
+              </a:extLst>
+            </p:cNvPr>
+            <p:cNvSpPr/>
+            <p:nvPr/>
+          </p:nvSpPr>
+          <p:spPr>
+            <a:xfrm>
+              <a:off x="4676578" y="1298726"/>
+              <a:ext cx="406400" cy="3705225"/>
+            </a:xfrm>
+            <a:prstGeom prst="rect">
+              <a:avLst/>
+            </a:prstGeom>
+            <a:noFill/>
+            <a:ln>
+              <a:solidFill>
+                <a:srgbClr val="FF0000"/>
+              </a:solidFill>
+            </a:ln>
+          </p:spPr>
+          <p:style>
+            <a:lnRef idx="2">
+              <a:schemeClr val="accent1">
+                <a:shade val="50000"/>
+              </a:schemeClr>
+            </a:lnRef>
+            <a:fillRef idx="1">
+              <a:schemeClr val="accent1"/>
+            </a:fillRef>
+            <a:effectRef idx="0">
+              <a:schemeClr val="accent1"/>
+            </a:effectRef>
+            <a:fontRef idx="minor">
+              <a:schemeClr val="lt1"/>
+            </a:fontRef>
+          </p:style>
+          <p:txBody>
+            <a:bodyPr rtlCol="0" anchor="ctr"/>
+            <a:lstStyle/>
+            <a:p>
+              <a:pPr algn="ctr"/>
+              <a:endParaRPr lang="en-US" dirty="0"/>
+            </a:p>
+          </p:txBody>
+        </p:sp>
+        <p:sp>
+          <p:nvSpPr>
+            <p:cNvPr id="6" name="Rectangle 5">
+              <a:extLst>
+                <a:ext uri="{FF2B5EF4-FFF2-40B4-BE49-F238E27FC236}">
+                  <a16:creationId xmlns:a16="http://schemas.microsoft.com/office/drawing/2014/main" id="{23E78D1C-1316-2D4D-336C-12FE82AC251C}"/>
+                </a:ext>
+              </a:extLst>
+            </p:cNvPr>
+            <p:cNvSpPr/>
+            <p:nvPr/>
+          </p:nvSpPr>
+          <p:spPr>
+            <a:xfrm>
+              <a:off x="7057454" y="1217060"/>
+              <a:ext cx="406400" cy="3415417"/>
+            </a:xfrm>
+            <a:prstGeom prst="rect">
+              <a:avLst/>
+            </a:prstGeom>
+            <a:noFill/>
+            <a:ln>
+              <a:solidFill>
+                <a:srgbClr val="FF0000"/>
+              </a:solidFill>
+            </a:ln>
+          </p:spPr>
+          <p:style>
+            <a:lnRef idx="2">
+              <a:schemeClr val="accent1">
+                <a:shade val="50000"/>
+              </a:schemeClr>
+            </a:lnRef>
+            <a:fillRef idx="1">
+              <a:schemeClr val="accent1"/>
+            </a:fillRef>
+            <a:effectRef idx="0">
+              <a:schemeClr val="accent1"/>
+            </a:effectRef>
+            <a:fontRef idx="minor">
+              <a:schemeClr val="lt1"/>
+            </a:fontRef>
+          </p:style>
+          <p:txBody>
+            <a:bodyPr rtlCol="0" anchor="ctr"/>
+            <a:lstStyle/>
+            <a:p>
+              <a:pPr algn="ctr"/>
+              <a:endParaRPr lang="en-US"/>
+            </a:p>
+          </p:txBody>
+        </p:sp>
+      </p:grpSp>
     </p:spTree>
     <p:extLst>
       <p:ext uri="{BB962C8B-B14F-4D97-AF65-F5344CB8AC3E}">
-        <p14:creationId xmlns:p14="http://schemas.microsoft.com/office/powerpoint/2010/main" val="4221457052"/>
+        <p14:creationId xmlns:p14="http://schemas.microsoft.com/office/powerpoint/2010/main" val="1885040899"/>
       </p:ext>
     </p:extLst>
   </p:cSld>
@@ -5905,6 +6873,249 @@
           <a:chExt cx="0" cy="0"/>
         </a:xfrm>
       </p:grpSpPr>
+      <p:grpSp>
+        <p:nvGrpSpPr>
+          <p:cNvPr id="2" name="Group 1">
+            <a:extLst>
+              <a:ext uri="{FF2B5EF4-FFF2-40B4-BE49-F238E27FC236}">
+                <a16:creationId xmlns:a16="http://schemas.microsoft.com/office/drawing/2014/main" id="{A0A3C73A-B1E1-A329-620F-C7CB75EA48CD}"/>
+              </a:ext>
+            </a:extLst>
+          </p:cNvPr>
+          <p:cNvGrpSpPr/>
+          <p:nvPr/>
+        </p:nvGrpSpPr>
+        <p:grpSpPr>
+          <a:xfrm>
+            <a:off x="1746603" y="166952"/>
+            <a:ext cx="8698794" cy="6524095"/>
+            <a:chOff x="1746603" y="166952"/>
+            <a:chExt cx="8698794" cy="6524095"/>
+          </a:xfrm>
+        </p:grpSpPr>
+        <p:pic>
+          <p:nvPicPr>
+            <p:cNvPr id="3" name="Picture 2" descr="Chart, box and whisker chart&#10;&#10;Description automatically generated">
+              <a:extLst>
+                <a:ext uri="{FF2B5EF4-FFF2-40B4-BE49-F238E27FC236}">
+                  <a16:creationId xmlns:a16="http://schemas.microsoft.com/office/drawing/2014/main" id="{FB2D6238-2909-7820-887C-E8F96409B54B}"/>
+                </a:ext>
+              </a:extLst>
+            </p:cNvPr>
+            <p:cNvPicPr>
+              <a:picLocks noChangeAspect="1"/>
+            </p:cNvPicPr>
+            <p:nvPr/>
+          </p:nvPicPr>
+          <p:blipFill>
+            <a:blip r:embed="rId2">
+              <a:extLst>
+                <a:ext uri="{28A0092B-C50C-407E-A947-70E740481C1C}">
+                  <a14:useLocalDpi xmlns:a14="http://schemas.microsoft.com/office/drawing/2010/main" val="0"/>
+                </a:ext>
+              </a:extLst>
+            </a:blip>
+            <a:stretch>
+              <a:fillRect/>
+            </a:stretch>
+          </p:blipFill>
+          <p:spPr>
+            <a:xfrm>
+              <a:off x="1746603" y="166952"/>
+              <a:ext cx="8698794" cy="6524095"/>
+            </a:xfrm>
+            <a:prstGeom prst="rect">
+              <a:avLst/>
+            </a:prstGeom>
+          </p:spPr>
+        </p:pic>
+        <p:sp>
+          <p:nvSpPr>
+            <p:cNvPr id="4" name="Rectangle 3">
+              <a:extLst>
+                <a:ext uri="{FF2B5EF4-FFF2-40B4-BE49-F238E27FC236}">
+                  <a16:creationId xmlns:a16="http://schemas.microsoft.com/office/drawing/2014/main" id="{97D056CA-03C2-0D6C-64E1-9D18DD871326}"/>
+                </a:ext>
+              </a:extLst>
+            </p:cNvPr>
+            <p:cNvSpPr/>
+            <p:nvPr/>
+          </p:nvSpPr>
+          <p:spPr>
+            <a:xfrm>
+              <a:off x="2295703" y="1217060"/>
+              <a:ext cx="406400" cy="4152900"/>
+            </a:xfrm>
+            <a:prstGeom prst="rect">
+              <a:avLst/>
+            </a:prstGeom>
+            <a:noFill/>
+            <a:ln>
+              <a:solidFill>
+                <a:srgbClr val="FF0000"/>
+              </a:solidFill>
+            </a:ln>
+          </p:spPr>
+          <p:style>
+            <a:lnRef idx="2">
+              <a:schemeClr val="accent1">
+                <a:shade val="50000"/>
+              </a:schemeClr>
+            </a:lnRef>
+            <a:fillRef idx="1">
+              <a:schemeClr val="accent1"/>
+            </a:fillRef>
+            <a:effectRef idx="0">
+              <a:schemeClr val="accent1"/>
+            </a:effectRef>
+            <a:fontRef idx="minor">
+              <a:schemeClr val="lt1"/>
+            </a:fontRef>
+          </p:style>
+          <p:txBody>
+            <a:bodyPr rtlCol="0" anchor="ctr"/>
+            <a:lstStyle/>
+            <a:p>
+              <a:pPr algn="ctr"/>
+              <a:endParaRPr lang="en-US"/>
+            </a:p>
+          </p:txBody>
+        </p:sp>
+        <p:sp>
+          <p:nvSpPr>
+            <p:cNvPr id="5" name="Rectangle 4">
+              <a:extLst>
+                <a:ext uri="{FF2B5EF4-FFF2-40B4-BE49-F238E27FC236}">
+                  <a16:creationId xmlns:a16="http://schemas.microsoft.com/office/drawing/2014/main" id="{9D55DCB2-0A03-0B6D-5AC8-03FCB27CC864}"/>
+                </a:ext>
+              </a:extLst>
+            </p:cNvPr>
+            <p:cNvSpPr/>
+            <p:nvPr/>
+          </p:nvSpPr>
+          <p:spPr>
+            <a:xfrm>
+              <a:off x="4728966" y="1133154"/>
+              <a:ext cx="406400" cy="4152900"/>
+            </a:xfrm>
+            <a:prstGeom prst="rect">
+              <a:avLst/>
+            </a:prstGeom>
+            <a:noFill/>
+            <a:ln>
+              <a:solidFill>
+                <a:srgbClr val="FF0000"/>
+              </a:solidFill>
+            </a:ln>
+          </p:spPr>
+          <p:style>
+            <a:lnRef idx="2">
+              <a:schemeClr val="accent1">
+                <a:shade val="50000"/>
+              </a:schemeClr>
+            </a:lnRef>
+            <a:fillRef idx="1">
+              <a:schemeClr val="accent1"/>
+            </a:fillRef>
+            <a:effectRef idx="0">
+              <a:schemeClr val="accent1"/>
+            </a:effectRef>
+            <a:fontRef idx="minor">
+              <a:schemeClr val="lt1"/>
+            </a:fontRef>
+          </p:style>
+          <p:txBody>
+            <a:bodyPr rtlCol="0" anchor="ctr"/>
+            <a:lstStyle/>
+            <a:p>
+              <a:pPr algn="ctr"/>
+              <a:endParaRPr lang="en-US"/>
+            </a:p>
+          </p:txBody>
+        </p:sp>
+        <p:sp>
+          <p:nvSpPr>
+            <p:cNvPr id="6" name="Rectangle 5">
+              <a:extLst>
+                <a:ext uri="{FF2B5EF4-FFF2-40B4-BE49-F238E27FC236}">
+                  <a16:creationId xmlns:a16="http://schemas.microsoft.com/office/drawing/2014/main" id="{23E78D1C-1316-2D4D-336C-12FE82AC251C}"/>
+                </a:ext>
+              </a:extLst>
+            </p:cNvPr>
+            <p:cNvSpPr/>
+            <p:nvPr/>
+          </p:nvSpPr>
+          <p:spPr>
+            <a:xfrm>
+              <a:off x="7162229" y="1217060"/>
+              <a:ext cx="406400" cy="4152900"/>
+            </a:xfrm>
+            <a:prstGeom prst="rect">
+              <a:avLst/>
+            </a:prstGeom>
+            <a:noFill/>
+            <a:ln>
+              <a:solidFill>
+                <a:srgbClr val="FF0000"/>
+              </a:solidFill>
+            </a:ln>
+          </p:spPr>
+          <p:style>
+            <a:lnRef idx="2">
+              <a:schemeClr val="accent1">
+                <a:shade val="50000"/>
+              </a:schemeClr>
+            </a:lnRef>
+            <a:fillRef idx="1">
+              <a:schemeClr val="accent1"/>
+            </a:fillRef>
+            <a:effectRef idx="0">
+              <a:schemeClr val="accent1"/>
+            </a:effectRef>
+            <a:fontRef idx="minor">
+              <a:schemeClr val="lt1"/>
+            </a:fontRef>
+          </p:style>
+          <p:txBody>
+            <a:bodyPr rtlCol="0" anchor="ctr"/>
+            <a:lstStyle/>
+            <a:p>
+              <a:pPr algn="ctr"/>
+              <a:endParaRPr lang="en-US"/>
+            </a:p>
+          </p:txBody>
+        </p:sp>
+      </p:grpSp>
+    </p:spTree>
+    <p:extLst>
+      <p:ext uri="{BB962C8B-B14F-4D97-AF65-F5344CB8AC3E}">
+        <p14:creationId xmlns:p14="http://schemas.microsoft.com/office/powerpoint/2010/main" val="4221457052"/>
+      </p:ext>
+    </p:extLst>
+  </p:cSld>
+  <p:clrMapOvr>
+    <a:masterClrMapping/>
+  </p:clrMapOvr>
+</p:sld>
+</file>
+
+<file path=ppt/slides/slide4.xml><?xml version="1.0" encoding="utf-8"?>
+<p:sld xmlns:a="http://schemas.openxmlformats.org/drawingml/2006/main" xmlns:r="http://schemas.openxmlformats.org/officeDocument/2006/relationships" xmlns:p="http://schemas.openxmlformats.org/presentationml/2006/main">
+  <p:cSld>
+    <p:spTree>
+      <p:nvGrpSpPr>
+        <p:cNvPr id="1" name=""/>
+        <p:cNvGrpSpPr/>
+        <p:nvPr/>
+      </p:nvGrpSpPr>
+      <p:grpSpPr>
+        <a:xfrm>
+          <a:off x="0" y="0"/>
+          <a:ext cx="0" cy="0"/>
+          <a:chOff x="0" y="0"/>
+          <a:chExt cx="0" cy="0"/>
+        </a:xfrm>
+      </p:grpSpPr>
       <p:sp>
         <p:nvSpPr>
           <p:cNvPr id="3" name="Content Placeholder 2">
@@ -6163,7 +7374,7 @@
 </p:sld>
 </file>
 
-<file path=ppt/slides/slide4.xml><?xml version="1.0" encoding="utf-8"?>
+<file path=ppt/slides/slide5.xml><?xml version="1.0" encoding="utf-8"?>
 <p:sld xmlns:a="http://schemas.openxmlformats.org/drawingml/2006/main" xmlns:r="http://schemas.openxmlformats.org/officeDocument/2006/relationships" xmlns:p="http://schemas.openxmlformats.org/presentationml/2006/main">
   <p:cSld>
     <p:spTree>
@@ -6229,7 +7440,7 @@
 </p:sld>
 </file>
 
-<file path=ppt/slides/slide5.xml><?xml version="1.0" encoding="utf-8"?>
+<file path=ppt/slides/slide6.xml><?xml version="1.0" encoding="utf-8"?>
 <p:sld xmlns:a="http://schemas.openxmlformats.org/drawingml/2006/main" xmlns:r="http://schemas.openxmlformats.org/officeDocument/2006/relationships" xmlns:p="http://schemas.openxmlformats.org/presentationml/2006/main">
   <p:cSld>
     <p:spTree>
@@ -6574,7 +7785,7 @@
 </p:sld>
 </file>
 
-<file path=ppt/slides/slide6.xml><?xml version="1.0" encoding="utf-8"?>
+<file path=ppt/slides/slide7.xml><?xml version="1.0" encoding="utf-8"?>
 <p:sld xmlns:a="http://schemas.openxmlformats.org/drawingml/2006/main" xmlns:r="http://schemas.openxmlformats.org/officeDocument/2006/relationships" xmlns:p="http://schemas.openxmlformats.org/presentationml/2006/main">
   <p:cSld>
     <p:spTree>
@@ -6682,7 +7893,7 @@
 </p:sld>
 </file>
 
-<file path=ppt/slides/slide7.xml><?xml version="1.0" encoding="utf-8"?>
+<file path=ppt/slides/slide8.xml><?xml version="1.0" encoding="utf-8"?>
 <p:sld xmlns:a="http://schemas.openxmlformats.org/drawingml/2006/main" xmlns:r="http://schemas.openxmlformats.org/officeDocument/2006/relationships" xmlns:p="http://schemas.openxmlformats.org/presentationml/2006/main">
   <p:cSld>
     <p:spTree>
@@ -6790,7 +8001,7 @@
 </p:sld>
 </file>
 
-<file path=ppt/slides/slide8.xml><?xml version="1.0" encoding="utf-8"?>
+<file path=ppt/slides/slide9.xml><?xml version="1.0" encoding="utf-8"?>
 <p:sld xmlns:a="http://schemas.openxmlformats.org/drawingml/2006/main" xmlns:r="http://schemas.openxmlformats.org/officeDocument/2006/relationships" xmlns:p="http://schemas.openxmlformats.org/presentationml/2006/main">
   <p:cSld>
     <p:spTree>
@@ -6889,172 +8100,6 @@
     <p:extLst>
       <p:ext uri="{BB962C8B-B14F-4D97-AF65-F5344CB8AC3E}">
         <p14:creationId xmlns:p14="http://schemas.microsoft.com/office/powerpoint/2010/main" val="1548625031"/>
-      </p:ext>
-    </p:extLst>
-  </p:cSld>
-  <p:clrMapOvr>
-    <a:masterClrMapping/>
-  </p:clrMapOvr>
-</p:sld>
-</file>
-
-<file path=ppt/slides/slide9.xml><?xml version="1.0" encoding="utf-8"?>
-<p:sld xmlns:a="http://schemas.openxmlformats.org/drawingml/2006/main" xmlns:r="http://schemas.openxmlformats.org/officeDocument/2006/relationships" xmlns:p="http://schemas.openxmlformats.org/presentationml/2006/main">
-  <p:cSld>
-    <p:spTree>
-      <p:nvGrpSpPr>
-        <p:cNvPr id="1" name=""/>
-        <p:cNvGrpSpPr/>
-        <p:nvPr/>
-      </p:nvGrpSpPr>
-      <p:grpSpPr>
-        <a:xfrm>
-          <a:off x="0" y="0"/>
-          <a:ext cx="0" cy="0"/>
-          <a:chOff x="0" y="0"/>
-          <a:chExt cx="0" cy="0"/>
-        </a:xfrm>
-      </p:grpSpPr>
-      <p:sp>
-        <p:nvSpPr>
-          <p:cNvPr id="2" name="Title 1">
-            <a:extLst>
-              <a:ext uri="{FF2B5EF4-FFF2-40B4-BE49-F238E27FC236}">
-                <a16:creationId xmlns:a16="http://schemas.microsoft.com/office/drawing/2014/main" id="{C40AFC7F-5EA5-87CD-EEF2-6BDE715C738D}"/>
-              </a:ext>
-            </a:extLst>
-          </p:cNvPr>
-          <p:cNvSpPr>
-            <a:spLocks noGrp="1"/>
-          </p:cNvSpPr>
-          <p:nvPr>
-            <p:ph type="title"/>
-          </p:nvPr>
-        </p:nvSpPr>
-        <p:spPr/>
-        <p:txBody>
-          <a:bodyPr/>
-          <a:lstStyle/>
-          <a:p>
-            <a:r>
-              <a:rPr lang="en-US" b="1" dirty="0"/>
-              <a:t>Classification</a:t>
-            </a:r>
-            <a:endParaRPr lang="en-US" dirty="0"/>
-          </a:p>
-        </p:txBody>
-      </p:sp>
-      <p:sp>
-        <p:nvSpPr>
-          <p:cNvPr id="4" name="Content Placeholder 2">
-            <a:extLst>
-              <a:ext uri="{FF2B5EF4-FFF2-40B4-BE49-F238E27FC236}">
-                <a16:creationId xmlns:a16="http://schemas.microsoft.com/office/drawing/2014/main" id="{169428E1-00B6-1985-2387-D774DAA298E8}"/>
-              </a:ext>
-            </a:extLst>
-          </p:cNvPr>
-          <p:cNvSpPr>
-            <a:spLocks noGrp="1"/>
-          </p:cNvSpPr>
-          <p:nvPr>
-            <p:ph idx="1"/>
-          </p:nvPr>
-        </p:nvSpPr>
-        <p:spPr>
-          <a:xfrm>
-            <a:off x="838200" y="1528175"/>
-            <a:ext cx="10515600" cy="4831528"/>
-          </a:xfrm>
-        </p:spPr>
-        <p:txBody>
-          <a:bodyPr>
-            <a:normAutofit fontScale="85000" lnSpcReduction="10000"/>
-          </a:bodyPr>
-          <a:lstStyle/>
-          <a:p>
-            <a:pPr>
-              <a:lnSpc>
-                <a:spcPct val="200000"/>
-              </a:lnSpc>
-            </a:pPr>
-            <a:r>
-              <a:rPr lang="en-US" dirty="0">
-                <a:sym typeface="Wingdings" panose="05000000000000000000" pitchFamily="2" charset="2"/>
-              </a:rPr>
-              <a:t>Data partition:</a:t>
-            </a:r>
-          </a:p>
-          <a:p>
-            <a:pPr lvl="1">
-              <a:lnSpc>
-                <a:spcPct val="200000"/>
-              </a:lnSpc>
-            </a:pPr>
-            <a:r>
-              <a:rPr lang="en-US" dirty="0">
-                <a:sym typeface="Wingdings" panose="05000000000000000000" pitchFamily="2" charset="2"/>
-              </a:rPr>
-              <a:t>Per date and altitude, separating data per flight</a:t>
-            </a:r>
-          </a:p>
-          <a:p>
-            <a:pPr lvl="1">
-              <a:lnSpc>
-                <a:spcPct val="200000"/>
-              </a:lnSpc>
-            </a:pPr>
-            <a:r>
-              <a:rPr lang="en-US" dirty="0">
-                <a:sym typeface="Wingdings" panose="05000000000000000000" pitchFamily="2" charset="2"/>
-              </a:rPr>
-              <a:t>Per date, combining data taken in different flights, including flight Altitude as predictor in the model</a:t>
-            </a:r>
-          </a:p>
-          <a:p>
-            <a:pPr>
-              <a:lnSpc>
-                <a:spcPct val="200000"/>
-              </a:lnSpc>
-            </a:pPr>
-            <a:r>
-              <a:rPr lang="en-US" dirty="0">
-                <a:sym typeface="Wingdings" panose="05000000000000000000" pitchFamily="2" charset="2"/>
-              </a:rPr>
-              <a:t>Model:</a:t>
-            </a:r>
-          </a:p>
-          <a:p>
-            <a:pPr lvl="1">
-              <a:lnSpc>
-                <a:spcPct val="200000"/>
-              </a:lnSpc>
-            </a:pPr>
-            <a:r>
-              <a:rPr lang="en-US" dirty="0">
-                <a:sym typeface="Wingdings" panose="05000000000000000000" pitchFamily="2" charset="2"/>
-              </a:rPr>
-              <a:t>Using raw variables</a:t>
-            </a:r>
-          </a:p>
-          <a:p>
-            <a:pPr lvl="1">
-              <a:lnSpc>
-                <a:spcPct val="200000"/>
-              </a:lnSpc>
-            </a:pPr>
-            <a:r>
-              <a:rPr lang="en-US" dirty="0">
-                <a:sym typeface="Wingdings" panose="05000000000000000000" pitchFamily="2" charset="2"/>
-              </a:rPr>
-              <a:t>Using Principal Components</a:t>
-            </a:r>
-          </a:p>
-        </p:txBody>
-      </p:sp>
-    </p:spTree>
-    <p:extLst>
-      <p:ext uri="{BB962C8B-B14F-4D97-AF65-F5344CB8AC3E}">
-        <p14:creationId xmlns:p14="http://schemas.microsoft.com/office/powerpoint/2010/main" val="4097966587"/>
       </p:ext>
     </p:extLst>
   </p:cSld>

--- a/outputs/summary.pptx
+++ b/outputs/summary.pptx
@@ -6,24 +6,26 @@
   </p:sldMasterIdLst>
   <p:sldIdLst>
     <p:sldId id="267" r:id="rId2"/>
-    <p:sldId id="280" r:id="rId3"/>
-    <p:sldId id="256" r:id="rId4"/>
-    <p:sldId id="259" r:id="rId5"/>
-    <p:sldId id="258" r:id="rId6"/>
-    <p:sldId id="257" r:id="rId7"/>
-    <p:sldId id="260" r:id="rId8"/>
-    <p:sldId id="261" r:id="rId9"/>
-    <p:sldId id="262" r:id="rId10"/>
-    <p:sldId id="266" r:id="rId11"/>
-    <p:sldId id="268" r:id="rId12"/>
-    <p:sldId id="275" r:id="rId13"/>
-    <p:sldId id="276" r:id="rId14"/>
-    <p:sldId id="277" r:id="rId15"/>
-    <p:sldId id="271" r:id="rId16"/>
-    <p:sldId id="278" r:id="rId17"/>
-    <p:sldId id="279" r:id="rId18"/>
-    <p:sldId id="263" r:id="rId19"/>
-    <p:sldId id="274" r:id="rId20"/>
+    <p:sldId id="281" r:id="rId3"/>
+    <p:sldId id="282" r:id="rId4"/>
+    <p:sldId id="280" r:id="rId5"/>
+    <p:sldId id="256" r:id="rId6"/>
+    <p:sldId id="259" r:id="rId7"/>
+    <p:sldId id="258" r:id="rId8"/>
+    <p:sldId id="257" r:id="rId9"/>
+    <p:sldId id="260" r:id="rId10"/>
+    <p:sldId id="261" r:id="rId11"/>
+    <p:sldId id="262" r:id="rId12"/>
+    <p:sldId id="266" r:id="rId13"/>
+    <p:sldId id="268" r:id="rId14"/>
+    <p:sldId id="275" r:id="rId15"/>
+    <p:sldId id="276" r:id="rId16"/>
+    <p:sldId id="277" r:id="rId17"/>
+    <p:sldId id="271" r:id="rId18"/>
+    <p:sldId id="278" r:id="rId19"/>
+    <p:sldId id="279" r:id="rId20"/>
+    <p:sldId id="263" r:id="rId21"/>
+    <p:sldId id="274" r:id="rId22"/>
   </p:sldIdLst>
   <p:sldSz cx="12192000" cy="6858000"/>
   <p:notesSz cx="6858000" cy="9144000"/>
@@ -133,7 +135,7 @@
 <file path=ppt/revisionInfo.xml><?xml version="1.0" encoding="utf-8"?>
 <p1510:revInfo xmlns:a="http://schemas.openxmlformats.org/drawingml/2006/main" xmlns:r="http://schemas.openxmlformats.org/officeDocument/2006/relationships" xmlns:p1510="http://schemas.microsoft.com/office/powerpoint/2015/10/main">
   <p1510:revLst>
-    <p1510:client id="{AD861AA3-1B13-4595-854C-9F6C151E35BA}" v="70" dt="2022-11-08T15:41:43.929"/>
+    <p1510:client id="{AD861AA3-1B13-4595-854C-9F6C151E35BA}" v="90" dt="2022-11-08T16:41:36.474"/>
   </p1510:revLst>
 </p1510:revInfo>
 </file>
@@ -143,7 +145,7 @@
   <pc:docChgLst>
     <pc:chgData name="Jauregui Beso, Jara" userId="545a1999-fc67-42e4-bc6e-07b57f946614" providerId="ADAL" clId="{AD861AA3-1B13-4595-854C-9F6C151E35BA}"/>
     <pc:docChg chg="undo redo custSel addSld delSld modSld sldOrd">
-      <pc:chgData name="Jauregui Beso, Jara" userId="545a1999-fc67-42e4-bc6e-07b57f946614" providerId="ADAL" clId="{AD861AA3-1B13-4595-854C-9F6C151E35BA}" dt="2022-11-08T15:42:52.497" v="3643" actId="14100"/>
+      <pc:chgData name="Jauregui Beso, Jara" userId="545a1999-fc67-42e4-bc6e-07b57f946614" providerId="ADAL" clId="{AD861AA3-1B13-4595-854C-9F6C151E35BA}" dt="2022-11-10T09:36:08.948" v="4726" actId="20577"/>
       <pc:docMkLst>
         <pc:docMk/>
       </pc:docMkLst>
@@ -372,7 +374,7 @@
         </pc:spChg>
       </pc:sldChg>
       <pc:sldChg chg="modSp new mod ord">
-        <pc:chgData name="Jauregui Beso, Jara" userId="545a1999-fc67-42e4-bc6e-07b57f946614" providerId="ADAL" clId="{AD861AA3-1B13-4595-854C-9F6C151E35BA}" dt="2022-11-03T10:15:10.802" v="427" actId="20577"/>
+        <pc:chgData name="Jauregui Beso, Jara" userId="545a1999-fc67-42e4-bc6e-07b57f946614" providerId="ADAL" clId="{AD861AA3-1B13-4595-854C-9F6C151E35BA}" dt="2022-11-10T09:36:08.948" v="4726" actId="20577"/>
         <pc:sldMkLst>
           <pc:docMk/>
           <pc:sldMk cId="941861617" sldId="267"/>
@@ -383,6 +385,14 @@
             <pc:docMk/>
             <pc:sldMk cId="941861617" sldId="267"/>
             <ac:spMk id="2" creationId="{BA5E6F36-563B-3818-761F-EAF303C2D618}"/>
+          </ac:spMkLst>
+        </pc:spChg>
+        <pc:spChg chg="mod">
+          <ac:chgData name="Jauregui Beso, Jara" userId="545a1999-fc67-42e4-bc6e-07b57f946614" providerId="ADAL" clId="{AD861AA3-1B13-4595-854C-9F6C151E35BA}" dt="2022-11-10T09:36:08.948" v="4726" actId="20577"/>
+          <ac:spMkLst>
+            <pc:docMk/>
+            <pc:sldMk cId="941861617" sldId="267"/>
+            <ac:spMk id="3" creationId="{1432A79D-AE7E-F3E3-0135-2F0EE1114BBE}"/>
           </ac:spMkLst>
         </pc:spChg>
       </pc:sldChg>
@@ -1068,6 +1078,132 @@
           </ac:spMkLst>
         </pc:spChg>
       </pc:sldChg>
+      <pc:sldChg chg="addSp delSp modSp new mod">
+        <pc:chgData name="Jauregui Beso, Jara" userId="545a1999-fc67-42e4-bc6e-07b57f946614" providerId="ADAL" clId="{AD861AA3-1B13-4595-854C-9F6C151E35BA}" dt="2022-11-10T09:16:57.933" v="4721" actId="207"/>
+        <pc:sldMkLst>
+          <pc:docMk/>
+          <pc:sldMk cId="3693632938" sldId="281"/>
+        </pc:sldMkLst>
+        <pc:spChg chg="del">
+          <ac:chgData name="Jauregui Beso, Jara" userId="545a1999-fc67-42e4-bc6e-07b57f946614" providerId="ADAL" clId="{AD861AA3-1B13-4595-854C-9F6C151E35BA}" dt="2022-11-08T16:01:33.732" v="3646"/>
+          <ac:spMkLst>
+            <pc:docMk/>
+            <pc:sldMk cId="3693632938" sldId="281"/>
+            <ac:spMk id="2" creationId="{576D987C-9F91-A049-0F55-E9E8932A38D7}"/>
+          </ac:spMkLst>
+        </pc:spChg>
+        <pc:spChg chg="del">
+          <ac:chgData name="Jauregui Beso, Jara" userId="545a1999-fc67-42e4-bc6e-07b57f946614" providerId="ADAL" clId="{AD861AA3-1B13-4595-854C-9F6C151E35BA}" dt="2022-11-08T16:00:27.024" v="3645" actId="478"/>
+          <ac:spMkLst>
+            <pc:docMk/>
+            <pc:sldMk cId="3693632938" sldId="281"/>
+            <ac:spMk id="3" creationId="{89D3D20F-A565-D454-67B4-AABAD18FF465}"/>
+          </ac:spMkLst>
+        </pc:spChg>
+        <pc:spChg chg="add mod">
+          <ac:chgData name="Jauregui Beso, Jara" userId="545a1999-fc67-42e4-bc6e-07b57f946614" providerId="ADAL" clId="{AD861AA3-1B13-4595-854C-9F6C151E35BA}" dt="2022-11-08T16:01:37.880" v="3653" actId="20577"/>
+          <ac:spMkLst>
+            <pc:docMk/>
+            <pc:sldMk cId="3693632938" sldId="281"/>
+            <ac:spMk id="4" creationId="{8E775538-F477-9474-DC18-ADBB160B8AB4}"/>
+          </ac:spMkLst>
+        </pc:spChg>
+        <pc:spChg chg="add del mod">
+          <ac:chgData name="Jauregui Beso, Jara" userId="545a1999-fc67-42e4-bc6e-07b57f946614" providerId="ADAL" clId="{AD861AA3-1B13-4595-854C-9F6C151E35BA}" dt="2022-11-08T16:01:48.694" v="3655"/>
+          <ac:spMkLst>
+            <pc:docMk/>
+            <pc:sldMk cId="3693632938" sldId="281"/>
+            <ac:spMk id="5" creationId="{413F8BEE-C642-FBF7-F2F3-E945825C1A2C}"/>
+          </ac:spMkLst>
+        </pc:spChg>
+        <pc:spChg chg="add del mod">
+          <ac:chgData name="Jauregui Beso, Jara" userId="545a1999-fc67-42e4-bc6e-07b57f946614" providerId="ADAL" clId="{AD861AA3-1B13-4595-854C-9F6C151E35BA}" dt="2022-11-08T16:05:52.200" v="3685" actId="11529"/>
+          <ac:spMkLst>
+            <pc:docMk/>
+            <pc:sldMk cId="3693632938" sldId="281"/>
+            <ac:spMk id="10" creationId="{52A903BD-DFEB-D55E-48BF-A7E25C79F810}"/>
+          </ac:spMkLst>
+        </pc:spChg>
+        <pc:spChg chg="add mod">
+          <ac:chgData name="Jauregui Beso, Jara" userId="545a1999-fc67-42e4-bc6e-07b57f946614" providerId="ADAL" clId="{AD861AA3-1B13-4595-854C-9F6C151E35BA}" dt="2022-11-08T16:42:17.261" v="4718" actId="1076"/>
+          <ac:spMkLst>
+            <pc:docMk/>
+            <pc:sldMk cId="3693632938" sldId="281"/>
+            <ac:spMk id="13" creationId="{4CCBD583-26C6-6B70-9C08-3558023908F1}"/>
+          </ac:spMkLst>
+        </pc:spChg>
+        <pc:spChg chg="add mod">
+          <ac:chgData name="Jauregui Beso, Jara" userId="545a1999-fc67-42e4-bc6e-07b57f946614" providerId="ADAL" clId="{AD861AA3-1B13-4595-854C-9F6C151E35BA}" dt="2022-11-08T16:41:54.646" v="4717" actId="20577"/>
+          <ac:spMkLst>
+            <pc:docMk/>
+            <pc:sldMk cId="3693632938" sldId="281"/>
+            <ac:spMk id="14" creationId="{C6A793DF-33BC-DC08-7178-E106F39DFBC7}"/>
+          </ac:spMkLst>
+        </pc:spChg>
+        <pc:graphicFrameChg chg="add del mod">
+          <ac:chgData name="Jauregui Beso, Jara" userId="545a1999-fc67-42e4-bc6e-07b57f946614" providerId="ADAL" clId="{AD861AA3-1B13-4595-854C-9F6C151E35BA}" dt="2022-11-08T16:03:25.849" v="3669"/>
+          <ac:graphicFrameMkLst>
+            <pc:docMk/>
+            <pc:sldMk cId="3693632938" sldId="281"/>
+            <ac:graphicFrameMk id="8" creationId="{15E3AC02-4A6C-B800-59A7-05BDA676F9D6}"/>
+          </ac:graphicFrameMkLst>
+        </pc:graphicFrameChg>
+        <pc:graphicFrameChg chg="add del mod modGraphic">
+          <ac:chgData name="Jauregui Beso, Jara" userId="545a1999-fc67-42e4-bc6e-07b57f946614" providerId="ADAL" clId="{AD861AA3-1B13-4595-854C-9F6C151E35BA}" dt="2022-11-08T16:04:32.872" v="3681" actId="478"/>
+          <ac:graphicFrameMkLst>
+            <pc:docMk/>
+            <pc:sldMk cId="3693632938" sldId="281"/>
+            <ac:graphicFrameMk id="9" creationId="{53E62BC7-DC6D-87C2-2E51-1BE9643B49B2}"/>
+          </ac:graphicFrameMkLst>
+        </pc:graphicFrameChg>
+        <pc:graphicFrameChg chg="add del mod modGraphic">
+          <ac:chgData name="Jauregui Beso, Jara" userId="545a1999-fc67-42e4-bc6e-07b57f946614" providerId="ADAL" clId="{AD861AA3-1B13-4595-854C-9F6C151E35BA}" dt="2022-11-08T16:41:15.121" v="4697" actId="478"/>
+          <ac:graphicFrameMkLst>
+            <pc:docMk/>
+            <pc:sldMk cId="3693632938" sldId="281"/>
+            <ac:graphicFrameMk id="11" creationId="{A376D503-1CC2-4B3D-E922-D3D8CB6A48D9}"/>
+          </ac:graphicFrameMkLst>
+        </pc:graphicFrameChg>
+        <pc:graphicFrameChg chg="add mod modGraphic">
+          <ac:chgData name="Jauregui Beso, Jara" userId="545a1999-fc67-42e4-bc6e-07b57f946614" providerId="ADAL" clId="{AD861AA3-1B13-4595-854C-9F6C151E35BA}" dt="2022-11-10T09:16:57.933" v="4721" actId="207"/>
+          <ac:graphicFrameMkLst>
+            <pc:docMk/>
+            <pc:sldMk cId="3693632938" sldId="281"/>
+            <ac:graphicFrameMk id="12" creationId="{2AFC7B0A-5219-D61F-DE2C-1858344D4905}"/>
+          </ac:graphicFrameMkLst>
+        </pc:graphicFrameChg>
+        <pc:picChg chg="add del mod ord modCrop">
+          <ac:chgData name="Jauregui Beso, Jara" userId="545a1999-fc67-42e4-bc6e-07b57f946614" providerId="ADAL" clId="{AD861AA3-1B13-4595-854C-9F6C151E35BA}" dt="2022-11-08T16:41:11.990" v="4696" actId="478"/>
+          <ac:picMkLst>
+            <pc:docMk/>
+            <pc:sldMk cId="3693632938" sldId="281"/>
+            <ac:picMk id="7" creationId="{97C35F6D-F80D-FE0A-9F5B-82D12566CA17}"/>
+          </ac:picMkLst>
+        </pc:picChg>
+      </pc:sldChg>
+      <pc:sldChg chg="delSp new mod">
+        <pc:chgData name="Jauregui Beso, Jara" userId="545a1999-fc67-42e4-bc6e-07b57f946614" providerId="ADAL" clId="{AD861AA3-1B13-4595-854C-9F6C151E35BA}" dt="2022-11-10T09:18:05.353" v="4724" actId="478"/>
+        <pc:sldMkLst>
+          <pc:docMk/>
+          <pc:sldMk cId="2148833783" sldId="282"/>
+        </pc:sldMkLst>
+        <pc:spChg chg="del">
+          <ac:chgData name="Jauregui Beso, Jara" userId="545a1999-fc67-42e4-bc6e-07b57f946614" providerId="ADAL" clId="{AD861AA3-1B13-4595-854C-9F6C151E35BA}" dt="2022-11-10T09:18:05.353" v="4724" actId="478"/>
+          <ac:spMkLst>
+            <pc:docMk/>
+            <pc:sldMk cId="2148833783" sldId="282"/>
+            <ac:spMk id="2" creationId="{0F9AA2C6-05ED-5C31-32D2-D65C99E8BBDB}"/>
+          </ac:spMkLst>
+        </pc:spChg>
+        <pc:spChg chg="del">
+          <ac:chgData name="Jauregui Beso, Jara" userId="545a1999-fc67-42e4-bc6e-07b57f946614" providerId="ADAL" clId="{AD861AA3-1B13-4595-854C-9F6C151E35BA}" dt="2022-11-10T09:18:04.714" v="4723" actId="478"/>
+          <ac:spMkLst>
+            <pc:docMk/>
+            <pc:sldMk cId="2148833783" sldId="282"/>
+            <ac:spMk id="3" creationId="{1105E8F4-E141-F1E8-12B8-D1D7993A9CD1}"/>
+          </ac:spMkLst>
+        </pc:spChg>
+      </pc:sldChg>
     </pc:docChg>
   </pc:docChgLst>
 </pc:chgInfo>
@@ -1220,7 +1356,7 @@
           <a:p>
             <a:fld id="{046D3877-9706-4A9A-A778-097DEF198E05}" type="datetimeFigureOut">
               <a:rPr lang="en-US" smtClean="0"/>
-              <a:t>11/8/2022</a:t>
+              <a:t>11/10/2022</a:t>
             </a:fld>
             <a:endParaRPr lang="en-US"/>
           </a:p>
@@ -1418,7 +1554,7 @@
           <a:p>
             <a:fld id="{046D3877-9706-4A9A-A778-097DEF198E05}" type="datetimeFigureOut">
               <a:rPr lang="en-US" smtClean="0"/>
-              <a:t>11/8/2022</a:t>
+              <a:t>11/10/2022</a:t>
             </a:fld>
             <a:endParaRPr lang="en-US"/>
           </a:p>
@@ -1626,7 +1762,7 @@
           <a:p>
             <a:fld id="{046D3877-9706-4A9A-A778-097DEF198E05}" type="datetimeFigureOut">
               <a:rPr lang="en-US" smtClean="0"/>
-              <a:t>11/8/2022</a:t>
+              <a:t>11/10/2022</a:t>
             </a:fld>
             <a:endParaRPr lang="en-US"/>
           </a:p>
@@ -1824,7 +1960,7 @@
           <a:p>
             <a:fld id="{046D3877-9706-4A9A-A778-097DEF198E05}" type="datetimeFigureOut">
               <a:rPr lang="en-US" smtClean="0"/>
-              <a:t>11/8/2022</a:t>
+              <a:t>11/10/2022</a:t>
             </a:fld>
             <a:endParaRPr lang="en-US"/>
           </a:p>
@@ -2099,7 +2235,7 @@
           <a:p>
             <a:fld id="{046D3877-9706-4A9A-A778-097DEF198E05}" type="datetimeFigureOut">
               <a:rPr lang="en-US" smtClean="0"/>
-              <a:t>11/8/2022</a:t>
+              <a:t>11/10/2022</a:t>
             </a:fld>
             <a:endParaRPr lang="en-US"/>
           </a:p>
@@ -2364,7 +2500,7 @@
           <a:p>
             <a:fld id="{046D3877-9706-4A9A-A778-097DEF198E05}" type="datetimeFigureOut">
               <a:rPr lang="en-US" smtClean="0"/>
-              <a:t>11/8/2022</a:t>
+              <a:t>11/10/2022</a:t>
             </a:fld>
             <a:endParaRPr lang="en-US"/>
           </a:p>
@@ -2776,7 +2912,7 @@
           <a:p>
             <a:fld id="{046D3877-9706-4A9A-A778-097DEF198E05}" type="datetimeFigureOut">
               <a:rPr lang="en-US" smtClean="0"/>
-              <a:t>11/8/2022</a:t>
+              <a:t>11/10/2022</a:t>
             </a:fld>
             <a:endParaRPr lang="en-US"/>
           </a:p>
@@ -2917,7 +3053,7 @@
           <a:p>
             <a:fld id="{046D3877-9706-4A9A-A778-097DEF198E05}" type="datetimeFigureOut">
               <a:rPr lang="en-US" smtClean="0"/>
-              <a:t>11/8/2022</a:t>
+              <a:t>11/10/2022</a:t>
             </a:fld>
             <a:endParaRPr lang="en-US"/>
           </a:p>
@@ -3030,7 +3166,7 @@
           <a:p>
             <a:fld id="{046D3877-9706-4A9A-A778-097DEF198E05}" type="datetimeFigureOut">
               <a:rPr lang="en-US" smtClean="0"/>
-              <a:t>11/8/2022</a:t>
+              <a:t>11/10/2022</a:t>
             </a:fld>
             <a:endParaRPr lang="en-US"/>
           </a:p>
@@ -3341,7 +3477,7 @@
           <a:p>
             <a:fld id="{046D3877-9706-4A9A-A778-097DEF198E05}" type="datetimeFigureOut">
               <a:rPr lang="en-US" smtClean="0"/>
-              <a:t>11/8/2022</a:t>
+              <a:t>11/10/2022</a:t>
             </a:fld>
             <a:endParaRPr lang="en-US"/>
           </a:p>
@@ -3629,7 +3765,7 @@
           <a:p>
             <a:fld id="{046D3877-9706-4A9A-A778-097DEF198E05}" type="datetimeFigureOut">
               <a:rPr lang="en-US" smtClean="0"/>
-              <a:t>11/8/2022</a:t>
+              <a:t>11/10/2022</a:t>
             </a:fld>
             <a:endParaRPr lang="en-US"/>
           </a:p>
@@ -3870,7 +4006,7 @@
           <a:p>
             <a:fld id="{046D3877-9706-4A9A-A778-097DEF198E05}" type="datetimeFigureOut">
               <a:rPr lang="en-US" smtClean="0"/>
-              <a:t>11/8/2022</a:t>
+              <a:t>11/10/2022</a:t>
             </a:fld>
             <a:endParaRPr lang="en-US"/>
           </a:p>
@@ -4336,7 +4472,10 @@
           <a:bodyPr/>
           <a:lstStyle/>
           <a:p>
-            <a:endParaRPr lang="en-GB"/>
+            <a:r>
+              <a:rPr lang="en-GB"/>
+              <a:t>..</a:t>
+            </a:r>
           </a:p>
         </p:txBody>
       </p:sp>
@@ -4354,6 +4493,222 @@
 </file>
 
 <file path=ppt/slides/slide10.xml><?xml version="1.0" encoding="utf-8"?>
+<p:sld xmlns:a="http://schemas.openxmlformats.org/drawingml/2006/main" xmlns:r="http://schemas.openxmlformats.org/officeDocument/2006/relationships" xmlns:p="http://schemas.openxmlformats.org/presentationml/2006/main">
+  <p:cSld>
+    <p:spTree>
+      <p:nvGrpSpPr>
+        <p:cNvPr id="1" name=""/>
+        <p:cNvGrpSpPr/>
+        <p:nvPr/>
+      </p:nvGrpSpPr>
+      <p:grpSpPr>
+        <a:xfrm>
+          <a:off x="0" y="0"/>
+          <a:ext cx="0" cy="0"/>
+          <a:chOff x="0" y="0"/>
+          <a:chExt cx="0" cy="0"/>
+        </a:xfrm>
+      </p:grpSpPr>
+      <p:sp>
+        <p:nvSpPr>
+          <p:cNvPr id="5" name="TextBox 4">
+            <a:extLst>
+              <a:ext uri="{FF2B5EF4-FFF2-40B4-BE49-F238E27FC236}">
+                <a16:creationId xmlns:a16="http://schemas.microsoft.com/office/drawing/2014/main" id="{CF9368EB-896A-995D-AE0A-CC7CF683BBF7}"/>
+              </a:ext>
+            </a:extLst>
+          </p:cNvPr>
+          <p:cNvSpPr txBox="1"/>
+          <p:nvPr/>
+        </p:nvSpPr>
+        <p:spPr>
+          <a:xfrm>
+            <a:off x="266700" y="431800"/>
+            <a:ext cx="1701800" cy="1323439"/>
+          </a:xfrm>
+          <a:prstGeom prst="rect">
+            <a:avLst/>
+          </a:prstGeom>
+          <a:noFill/>
+        </p:spPr>
+        <p:txBody>
+          <a:bodyPr wrap="square" rtlCol="0">
+            <a:spAutoFit/>
+          </a:bodyPr>
+          <a:lstStyle/>
+          <a:p>
+            <a:r>
+              <a:rPr lang="es-ES" sz="4000" dirty="0"/>
+              <a:t>30m</a:t>
+            </a:r>
+          </a:p>
+          <a:p>
+            <a:r>
+              <a:rPr lang="es-ES" sz="4000" dirty="0"/>
+              <a:t>03-09</a:t>
+            </a:r>
+            <a:endParaRPr lang="en-US" sz="4000" dirty="0"/>
+          </a:p>
+        </p:txBody>
+      </p:sp>
+      <p:pic>
+        <p:nvPicPr>
+          <p:cNvPr id="7" name="Picture 6" descr="Chart, scatter chart&#10;&#10;Description automatically generated">
+            <a:extLst>
+              <a:ext uri="{FF2B5EF4-FFF2-40B4-BE49-F238E27FC236}">
+                <a16:creationId xmlns:a16="http://schemas.microsoft.com/office/drawing/2014/main" id="{6B717CC0-2DBC-4430-8A05-51836720698F}"/>
+              </a:ext>
+            </a:extLst>
+          </p:cNvPr>
+          <p:cNvPicPr>
+            <a:picLocks noChangeAspect="1"/>
+          </p:cNvPicPr>
+          <p:nvPr/>
+        </p:nvPicPr>
+        <p:blipFill>
+          <a:blip r:embed="rId2">
+            <a:extLst>
+              <a:ext uri="{28A0092B-C50C-407E-A947-70E740481C1C}">
+                <a14:useLocalDpi xmlns:a14="http://schemas.microsoft.com/office/drawing/2010/main" val="0"/>
+              </a:ext>
+            </a:extLst>
+          </a:blip>
+          <a:stretch>
+            <a:fillRect/>
+          </a:stretch>
+        </p:blipFill>
+        <p:spPr>
+          <a:xfrm>
+            <a:off x="2209792" y="387347"/>
+            <a:ext cx="8111075" cy="6083306"/>
+          </a:xfrm>
+          <a:prstGeom prst="rect">
+            <a:avLst/>
+          </a:prstGeom>
+        </p:spPr>
+      </p:pic>
+    </p:spTree>
+    <p:extLst>
+      <p:ext uri="{BB962C8B-B14F-4D97-AF65-F5344CB8AC3E}">
+        <p14:creationId xmlns:p14="http://schemas.microsoft.com/office/powerpoint/2010/main" val="2219820270"/>
+      </p:ext>
+    </p:extLst>
+  </p:cSld>
+  <p:clrMapOvr>
+    <a:masterClrMapping/>
+  </p:clrMapOvr>
+</p:sld>
+</file>
+
+<file path=ppt/slides/slide11.xml><?xml version="1.0" encoding="utf-8"?>
+<p:sld xmlns:a="http://schemas.openxmlformats.org/drawingml/2006/main" xmlns:r="http://schemas.openxmlformats.org/officeDocument/2006/relationships" xmlns:p="http://schemas.openxmlformats.org/presentationml/2006/main">
+  <p:cSld>
+    <p:spTree>
+      <p:nvGrpSpPr>
+        <p:cNvPr id="1" name=""/>
+        <p:cNvGrpSpPr/>
+        <p:nvPr/>
+      </p:nvGrpSpPr>
+      <p:grpSpPr>
+        <a:xfrm>
+          <a:off x="0" y="0"/>
+          <a:ext cx="0" cy="0"/>
+          <a:chOff x="0" y="0"/>
+          <a:chExt cx="0" cy="0"/>
+        </a:xfrm>
+      </p:grpSpPr>
+      <p:sp>
+        <p:nvSpPr>
+          <p:cNvPr id="6" name="TextBox 5">
+            <a:extLst>
+              <a:ext uri="{FF2B5EF4-FFF2-40B4-BE49-F238E27FC236}">
+                <a16:creationId xmlns:a16="http://schemas.microsoft.com/office/drawing/2014/main" id="{3D624DE4-1442-FD9A-39D0-E3D43E919456}"/>
+              </a:ext>
+            </a:extLst>
+          </p:cNvPr>
+          <p:cNvSpPr txBox="1"/>
+          <p:nvPr/>
+        </p:nvSpPr>
+        <p:spPr>
+          <a:xfrm>
+            <a:off x="266700" y="431800"/>
+            <a:ext cx="2002366" cy="1323439"/>
+          </a:xfrm>
+          <a:prstGeom prst="rect">
+            <a:avLst/>
+          </a:prstGeom>
+          <a:noFill/>
+        </p:spPr>
+        <p:txBody>
+          <a:bodyPr wrap="square" rtlCol="0">
+            <a:spAutoFit/>
+          </a:bodyPr>
+          <a:lstStyle/>
+          <a:p>
+            <a:r>
+              <a:rPr lang="es-ES" sz="4000" dirty="0"/>
+              <a:t>50m</a:t>
+            </a:r>
+          </a:p>
+          <a:p>
+            <a:r>
+              <a:rPr lang="es-ES" sz="4000" dirty="0"/>
+              <a:t>03-22</a:t>
+            </a:r>
+            <a:endParaRPr lang="en-US" sz="4000" dirty="0"/>
+          </a:p>
+        </p:txBody>
+      </p:sp>
+      <p:pic>
+        <p:nvPicPr>
+          <p:cNvPr id="8" name="Picture 7" descr="Chart, scatter chart&#10;&#10;Description automatically generated">
+            <a:extLst>
+              <a:ext uri="{FF2B5EF4-FFF2-40B4-BE49-F238E27FC236}">
+                <a16:creationId xmlns:a16="http://schemas.microsoft.com/office/drawing/2014/main" id="{AAFDA79A-9C4F-37DF-50CB-723620D51538}"/>
+              </a:ext>
+            </a:extLst>
+          </p:cNvPr>
+          <p:cNvPicPr>
+            <a:picLocks noChangeAspect="1"/>
+          </p:cNvPicPr>
+          <p:nvPr/>
+        </p:nvPicPr>
+        <p:blipFill>
+          <a:blip r:embed="rId2">
+            <a:extLst>
+              <a:ext uri="{28A0092B-C50C-407E-A947-70E740481C1C}">
+                <a14:useLocalDpi xmlns:a14="http://schemas.microsoft.com/office/drawing/2010/main" val="0"/>
+              </a:ext>
+            </a:extLst>
+          </a:blip>
+          <a:stretch>
+            <a:fillRect/>
+          </a:stretch>
+        </p:blipFill>
+        <p:spPr>
+          <a:xfrm>
+            <a:off x="2269066" y="352955"/>
+            <a:ext cx="8009475" cy="6007106"/>
+          </a:xfrm>
+          <a:prstGeom prst="rect">
+            <a:avLst/>
+          </a:prstGeom>
+        </p:spPr>
+      </p:pic>
+    </p:spTree>
+    <p:extLst>
+      <p:ext uri="{BB962C8B-B14F-4D97-AF65-F5344CB8AC3E}">
+        <p14:creationId xmlns:p14="http://schemas.microsoft.com/office/powerpoint/2010/main" val="1548625031"/>
+      </p:ext>
+    </p:extLst>
+  </p:cSld>
+  <p:clrMapOvr>
+    <a:masterClrMapping/>
+  </p:clrMapOvr>
+</p:sld>
+</file>
+
+<file path=ppt/slides/slide12.xml><?xml version="1.0" encoding="utf-8"?>
 <p:sld xmlns:a="http://schemas.openxmlformats.org/drawingml/2006/main" xmlns:r="http://schemas.openxmlformats.org/officeDocument/2006/relationships" xmlns:p="http://schemas.openxmlformats.org/presentationml/2006/main">
   <p:cSld>
     <p:spTree>
@@ -4519,7 +4874,7 @@
 </p:sld>
 </file>
 
-<file path=ppt/slides/slide11.xml><?xml version="1.0" encoding="utf-8"?>
+<file path=ppt/slides/slide13.xml><?xml version="1.0" encoding="utf-8"?>
 <p:sld xmlns:a="http://schemas.openxmlformats.org/drawingml/2006/main" xmlns:r="http://schemas.openxmlformats.org/officeDocument/2006/relationships" xmlns:p="http://schemas.openxmlformats.org/presentationml/2006/main">
   <p:cSld>
     <p:spTree>
@@ -4657,7 +5012,7 @@
 </p:sld>
 </file>
 
-<file path=ppt/slides/slide12.xml><?xml version="1.0" encoding="utf-8"?>
+<file path=ppt/slides/slide14.xml><?xml version="1.0" encoding="utf-8"?>
 <p:sld xmlns:a="http://schemas.openxmlformats.org/drawingml/2006/main" xmlns:r="http://schemas.openxmlformats.org/officeDocument/2006/relationships" xmlns:p="http://schemas.openxmlformats.org/presentationml/2006/main">
   <p:cSld>
     <p:spTree>
@@ -4904,7 +5259,7 @@
 </p:sld>
 </file>
 
-<file path=ppt/slides/slide13.xml><?xml version="1.0" encoding="utf-8"?>
+<file path=ppt/slides/slide15.xml><?xml version="1.0" encoding="utf-8"?>
 <p:sld xmlns:a="http://schemas.openxmlformats.org/drawingml/2006/main" xmlns:r="http://schemas.openxmlformats.org/officeDocument/2006/relationships" xmlns:p="http://schemas.openxmlformats.org/presentationml/2006/main">
   <p:cSld>
     <p:spTree>
@@ -5194,7 +5549,7 @@
 </p:sld>
 </file>
 
-<file path=ppt/slides/slide14.xml><?xml version="1.0" encoding="utf-8"?>
+<file path=ppt/slides/slide16.xml><?xml version="1.0" encoding="utf-8"?>
 <p:sld xmlns:a="http://schemas.openxmlformats.org/drawingml/2006/main" xmlns:r="http://schemas.openxmlformats.org/officeDocument/2006/relationships" xmlns:p="http://schemas.openxmlformats.org/presentationml/2006/main">
   <p:cSld>
     <p:spTree>
@@ -5332,7 +5687,7 @@
 </p:sld>
 </file>
 
-<file path=ppt/slides/slide15.xml><?xml version="1.0" encoding="utf-8"?>
+<file path=ppt/slides/slide17.xml><?xml version="1.0" encoding="utf-8"?>
 <p:sld xmlns:a="http://schemas.openxmlformats.org/drawingml/2006/main" xmlns:r="http://schemas.openxmlformats.org/officeDocument/2006/relationships" xmlns:p="http://schemas.openxmlformats.org/presentationml/2006/main">
   <p:cSld>
     <p:spTree>
@@ -5591,7 +5946,7 @@
 </p:sld>
 </file>
 
-<file path=ppt/slides/slide16.xml><?xml version="1.0" encoding="utf-8"?>
+<file path=ppt/slides/slide18.xml><?xml version="1.0" encoding="utf-8"?>
 <p:sld xmlns:a="http://schemas.openxmlformats.org/drawingml/2006/main" xmlns:r="http://schemas.openxmlformats.org/officeDocument/2006/relationships" xmlns:p="http://schemas.openxmlformats.org/presentationml/2006/main">
   <p:cSld>
     <p:spTree>
@@ -5896,7 +6251,7 @@
 </p:sld>
 </file>
 
-<file path=ppt/slides/slide17.xml><?xml version="1.0" encoding="utf-8"?>
+<file path=ppt/slides/slide19.xml><?xml version="1.0" encoding="utf-8"?>
 <p:sld xmlns:a="http://schemas.openxmlformats.org/drawingml/2006/main" xmlns:r="http://schemas.openxmlformats.org/officeDocument/2006/relationships" xmlns:p="http://schemas.openxmlformats.org/presentationml/2006/main">
   <p:cSld>
     <p:spTree>
@@ -6026,7 +6381,4391 @@
 </p:sld>
 </file>
 
-<file path=ppt/slides/slide18.xml><?xml version="1.0" encoding="utf-8"?>
+<file path=ppt/slides/slide2.xml><?xml version="1.0" encoding="utf-8"?>
+<p:sld xmlns:a="http://schemas.openxmlformats.org/drawingml/2006/main" xmlns:r="http://schemas.openxmlformats.org/officeDocument/2006/relationships" xmlns:p="http://schemas.openxmlformats.org/presentationml/2006/main">
+  <p:cSld>
+    <p:spTree>
+      <p:nvGrpSpPr>
+        <p:cNvPr id="1" name=""/>
+        <p:cNvGrpSpPr/>
+        <p:nvPr/>
+      </p:nvGrpSpPr>
+      <p:grpSpPr>
+        <a:xfrm>
+          <a:off x="0" y="0"/>
+          <a:ext cx="0" cy="0"/>
+          <a:chOff x="0" y="0"/>
+          <a:chExt cx="0" cy="0"/>
+        </a:xfrm>
+      </p:grpSpPr>
+      <p:sp>
+        <p:nvSpPr>
+          <p:cNvPr id="4" name="Title 1">
+            <a:extLst>
+              <a:ext uri="{FF2B5EF4-FFF2-40B4-BE49-F238E27FC236}">
+                <a16:creationId xmlns:a16="http://schemas.microsoft.com/office/drawing/2014/main" id="{8E775538-F477-9474-DC18-ADBB160B8AB4}"/>
+              </a:ext>
+            </a:extLst>
+          </p:cNvPr>
+          <p:cNvSpPr>
+            <a:spLocks noGrp="1"/>
+          </p:cNvSpPr>
+          <p:nvPr>
+            <p:ph type="title"/>
+          </p:nvPr>
+        </p:nvSpPr>
+        <p:spPr>
+          <a:xfrm>
+            <a:off x="838200" y="365125"/>
+            <a:ext cx="10515600" cy="1325563"/>
+          </a:xfrm>
+        </p:spPr>
+        <p:txBody>
+          <a:bodyPr/>
+          <a:lstStyle/>
+          <a:p>
+            <a:r>
+              <a:rPr lang="en-US" b="1" dirty="0"/>
+              <a:t>Design </a:t>
+            </a:r>
+            <a:endParaRPr lang="en-US" dirty="0"/>
+          </a:p>
+        </p:txBody>
+      </p:sp>
+      <p:graphicFrame>
+        <p:nvGraphicFramePr>
+          <p:cNvPr id="12" name="Table 11">
+            <a:extLst>
+              <a:ext uri="{FF2B5EF4-FFF2-40B4-BE49-F238E27FC236}">
+                <a16:creationId xmlns:a16="http://schemas.microsoft.com/office/drawing/2014/main" id="{2AFC7B0A-5219-D61F-DE2C-1858344D4905}"/>
+              </a:ext>
+            </a:extLst>
+          </p:cNvPr>
+          <p:cNvGraphicFramePr>
+            <a:graphicFrameLocks noGrp="1"/>
+          </p:cNvGraphicFramePr>
+          <p:nvPr>
+            <p:extLst>
+              <p:ext uri="{D42A27DB-BD31-4B8C-83A1-F6EECF244321}">
+                <p14:modId xmlns:p14="http://schemas.microsoft.com/office/powerpoint/2010/main" val="252152802"/>
+              </p:ext>
+            </p:extLst>
+          </p:nvPr>
+        </p:nvGraphicFramePr>
+        <p:xfrm>
+          <a:off x="3860800" y="777135"/>
+          <a:ext cx="6592711" cy="5715740"/>
+        </p:xfrm>
+        <a:graphic>
+          <a:graphicData uri="http://schemas.openxmlformats.org/drawingml/2006/table">
+            <a:tbl>
+              <a:tblPr firstRow="1" bandRow="1">
+                <a:tableStyleId>{5C22544A-7EE6-4342-B048-85BDC9FD1C3A}</a:tableStyleId>
+              </a:tblPr>
+              <a:tblGrid>
+                <a:gridCol w="1467063">
+                  <a:extLst>
+                    <a:ext uri="{9D8B030D-6E8A-4147-A177-3AD203B41FA5}">
+                      <a16:colId xmlns:a16="http://schemas.microsoft.com/office/drawing/2014/main" val="578120603"/>
+                    </a:ext>
+                  </a:extLst>
+                </a:gridCol>
+                <a:gridCol w="1754182">
+                  <a:extLst>
+                    <a:ext uri="{9D8B030D-6E8A-4147-A177-3AD203B41FA5}">
+                      <a16:colId xmlns:a16="http://schemas.microsoft.com/office/drawing/2014/main" val="10753271"/>
+                    </a:ext>
+                  </a:extLst>
+                </a:gridCol>
+                <a:gridCol w="1754182">
+                  <a:extLst>
+                    <a:ext uri="{9D8B030D-6E8A-4147-A177-3AD203B41FA5}">
+                      <a16:colId xmlns:a16="http://schemas.microsoft.com/office/drawing/2014/main" val="4025849604"/>
+                    </a:ext>
+                  </a:extLst>
+                </a:gridCol>
+                <a:gridCol w="1617284">
+                  <a:extLst>
+                    <a:ext uri="{9D8B030D-6E8A-4147-A177-3AD203B41FA5}">
+                      <a16:colId xmlns:a16="http://schemas.microsoft.com/office/drawing/2014/main" val="4208156501"/>
+                    </a:ext>
+                  </a:extLst>
+                </a:gridCol>
+              </a:tblGrid>
+              <a:tr h="336220">
+                <a:tc>
+                  <a:txBody>
+                    <a:bodyPr/>
+                    <a:lstStyle/>
+                    <a:p>
+                      <a:pPr algn="ctr"/>
+                      <a:r>
+                        <a:rPr lang="en-GB" sz="1600" b="1" dirty="0"/>
+                        <a:t>Artur Nick</a:t>
+                      </a:r>
+                    </a:p>
+                  </a:txBody>
+                  <a:tcPr>
+                    <a:lnL w="12700" cap="flat" cmpd="sng" algn="ctr">
+                      <a:solidFill>
+                        <a:schemeClr val="tx1"/>
+                      </a:solidFill>
+                      <a:prstDash val="solid"/>
+                      <a:round/>
+                      <a:headEnd type="none" w="med" len="med"/>
+                      <a:tailEnd type="none" w="med" len="med"/>
+                    </a:lnL>
+                    <a:lnR w="12700" cap="flat" cmpd="sng" algn="ctr">
+                      <a:solidFill>
+                        <a:schemeClr val="tx1"/>
+                      </a:solidFill>
+                      <a:prstDash val="solid"/>
+                      <a:round/>
+                      <a:headEnd type="none" w="med" len="med"/>
+                      <a:tailEnd type="none" w="med" len="med"/>
+                    </a:lnR>
+                    <a:lnT w="12700" cap="flat" cmpd="sng" algn="ctr">
+                      <a:solidFill>
+                        <a:schemeClr val="tx1"/>
+                      </a:solidFill>
+                      <a:prstDash val="solid"/>
+                      <a:round/>
+                      <a:headEnd type="none" w="med" len="med"/>
+                      <a:tailEnd type="none" w="med" len="med"/>
+                    </a:lnT>
+                    <a:lnB w="12700" cap="flat" cmpd="sng" algn="ctr">
+                      <a:solidFill>
+                        <a:schemeClr val="tx1"/>
+                      </a:solidFill>
+                      <a:prstDash val="solid"/>
+                      <a:round/>
+                      <a:headEnd type="none" w="med" len="med"/>
+                      <a:tailEnd type="none" w="med" len="med"/>
+                    </a:lnB>
+                    <a:solidFill>
+                      <a:schemeClr val="bg1">
+                        <a:lumMod val="50000"/>
+                      </a:schemeClr>
+                    </a:solidFill>
+                  </a:tcPr>
+                </a:tc>
+                <a:tc>
+                  <a:txBody>
+                    <a:bodyPr/>
+                    <a:lstStyle/>
+                    <a:p>
+                      <a:pPr marL="0" marR="0" lvl="0" indent="0" algn="ctr" defTabSz="914400" rtl="0" eaLnBrk="1" fontAlgn="auto" latinLnBrk="0" hangingPunct="1">
+                        <a:lnSpc>
+                          <a:spcPct val="100000"/>
+                        </a:lnSpc>
+                        <a:spcBef>
+                          <a:spcPts val="0"/>
+                        </a:spcBef>
+                        <a:spcAft>
+                          <a:spcPts val="0"/>
+                        </a:spcAft>
+                        <a:buClrTx/>
+                        <a:buSzTx/>
+                        <a:buFontTx/>
+                        <a:buNone/>
+                        <a:tabLst/>
+                        <a:defRPr/>
+                      </a:pPr>
+                      <a:r>
+                        <a:rPr lang="en-GB" sz="1600" b="1" dirty="0"/>
+                        <a:t>Artur Nick</a:t>
+                      </a:r>
+                    </a:p>
+                  </a:txBody>
+                  <a:tcPr>
+                    <a:lnL w="12700" cap="flat" cmpd="sng" algn="ctr">
+                      <a:solidFill>
+                        <a:schemeClr val="tx1"/>
+                      </a:solidFill>
+                      <a:prstDash val="solid"/>
+                      <a:round/>
+                      <a:headEnd type="none" w="med" len="med"/>
+                      <a:tailEnd type="none" w="med" len="med"/>
+                    </a:lnL>
+                    <a:lnR w="12700" cap="flat" cmpd="sng" algn="ctr">
+                      <a:solidFill>
+                        <a:schemeClr val="tx1"/>
+                      </a:solidFill>
+                      <a:prstDash val="solid"/>
+                      <a:round/>
+                      <a:headEnd type="none" w="med" len="med"/>
+                      <a:tailEnd type="none" w="med" len="med"/>
+                    </a:lnR>
+                    <a:lnT w="12700" cap="flat" cmpd="sng" algn="ctr">
+                      <a:solidFill>
+                        <a:schemeClr val="tx1"/>
+                      </a:solidFill>
+                      <a:prstDash val="solid"/>
+                      <a:round/>
+                      <a:headEnd type="none" w="med" len="med"/>
+                      <a:tailEnd type="none" w="med" len="med"/>
+                    </a:lnT>
+                    <a:lnB w="12700" cap="flat" cmpd="sng" algn="ctr">
+                      <a:solidFill>
+                        <a:schemeClr val="tx1"/>
+                      </a:solidFill>
+                      <a:prstDash val="solid"/>
+                      <a:round/>
+                      <a:headEnd type="none" w="med" len="med"/>
+                      <a:tailEnd type="none" w="med" len="med"/>
+                    </a:lnB>
+                    <a:solidFill>
+                      <a:schemeClr val="bg1">
+                        <a:lumMod val="50000"/>
+                      </a:schemeClr>
+                    </a:solidFill>
+                  </a:tcPr>
+                </a:tc>
+                <a:tc>
+                  <a:txBody>
+                    <a:bodyPr/>
+                    <a:lstStyle/>
+                    <a:p>
+                      <a:pPr marL="0" marR="0" lvl="0" indent="0" algn="ctr" defTabSz="914400" rtl="0" eaLnBrk="1" fontAlgn="auto" latinLnBrk="0" hangingPunct="1">
+                        <a:lnSpc>
+                          <a:spcPct val="100000"/>
+                        </a:lnSpc>
+                        <a:spcBef>
+                          <a:spcPts val="0"/>
+                        </a:spcBef>
+                        <a:spcAft>
+                          <a:spcPts val="0"/>
+                        </a:spcAft>
+                        <a:buClrTx/>
+                        <a:buSzTx/>
+                        <a:buFontTx/>
+                        <a:buNone/>
+                        <a:tabLst/>
+                        <a:defRPr/>
+                      </a:pPr>
+                      <a:r>
+                        <a:rPr lang="en-GB" sz="1600" b="1" dirty="0"/>
+                        <a:t>Artur Nick</a:t>
+                      </a:r>
+                    </a:p>
+                  </a:txBody>
+                  <a:tcPr>
+                    <a:lnL w="12700" cap="flat" cmpd="sng" algn="ctr">
+                      <a:solidFill>
+                        <a:schemeClr val="tx1"/>
+                      </a:solidFill>
+                      <a:prstDash val="solid"/>
+                      <a:round/>
+                      <a:headEnd type="none" w="med" len="med"/>
+                      <a:tailEnd type="none" w="med" len="med"/>
+                    </a:lnL>
+                    <a:lnR w="12700" cap="flat" cmpd="sng" algn="ctr">
+                      <a:solidFill>
+                        <a:schemeClr val="tx1"/>
+                      </a:solidFill>
+                      <a:prstDash val="solid"/>
+                      <a:round/>
+                      <a:headEnd type="none" w="med" len="med"/>
+                      <a:tailEnd type="none" w="med" len="med"/>
+                    </a:lnR>
+                    <a:lnT w="12700" cap="flat" cmpd="sng" algn="ctr">
+                      <a:solidFill>
+                        <a:schemeClr val="tx1"/>
+                      </a:solidFill>
+                      <a:prstDash val="solid"/>
+                      <a:round/>
+                      <a:headEnd type="none" w="med" len="med"/>
+                      <a:tailEnd type="none" w="med" len="med"/>
+                    </a:lnT>
+                    <a:lnB w="12700" cap="flat" cmpd="sng" algn="ctr">
+                      <a:solidFill>
+                        <a:schemeClr val="tx1"/>
+                      </a:solidFill>
+                      <a:prstDash val="solid"/>
+                      <a:round/>
+                      <a:headEnd type="none" w="med" len="med"/>
+                      <a:tailEnd type="none" w="med" len="med"/>
+                    </a:lnB>
+                    <a:solidFill>
+                      <a:schemeClr val="bg1">
+                        <a:lumMod val="50000"/>
+                      </a:schemeClr>
+                    </a:solidFill>
+                  </a:tcPr>
+                </a:tc>
+                <a:tc>
+                  <a:txBody>
+                    <a:bodyPr/>
+                    <a:lstStyle/>
+                    <a:p>
+                      <a:pPr marL="0" marR="0" lvl="0" indent="0" algn="ctr" defTabSz="914400" rtl="0" eaLnBrk="1" fontAlgn="auto" latinLnBrk="0" hangingPunct="1">
+                        <a:lnSpc>
+                          <a:spcPct val="100000"/>
+                        </a:lnSpc>
+                        <a:spcBef>
+                          <a:spcPts val="0"/>
+                        </a:spcBef>
+                        <a:spcAft>
+                          <a:spcPts val="0"/>
+                        </a:spcAft>
+                        <a:buClrTx/>
+                        <a:buSzTx/>
+                        <a:buFontTx/>
+                        <a:buNone/>
+                        <a:tabLst/>
+                        <a:defRPr/>
+                      </a:pPr>
+                      <a:r>
+                        <a:rPr lang="en-GB" sz="1600" b="1" dirty="0"/>
+                        <a:t>Artur Nick</a:t>
+                      </a:r>
+                    </a:p>
+                  </a:txBody>
+                  <a:tcPr>
+                    <a:lnL w="12700" cap="flat" cmpd="sng" algn="ctr">
+                      <a:solidFill>
+                        <a:schemeClr val="tx1"/>
+                      </a:solidFill>
+                      <a:prstDash val="solid"/>
+                      <a:round/>
+                      <a:headEnd type="none" w="med" len="med"/>
+                      <a:tailEnd type="none" w="med" len="med"/>
+                    </a:lnL>
+                    <a:lnR w="12700" cap="flat" cmpd="sng" algn="ctr">
+                      <a:solidFill>
+                        <a:schemeClr val="tx1"/>
+                      </a:solidFill>
+                      <a:prstDash val="solid"/>
+                      <a:round/>
+                      <a:headEnd type="none" w="med" len="med"/>
+                      <a:tailEnd type="none" w="med" len="med"/>
+                    </a:lnR>
+                    <a:lnT w="12700" cap="flat" cmpd="sng" algn="ctr">
+                      <a:solidFill>
+                        <a:schemeClr val="tx1"/>
+                      </a:solidFill>
+                      <a:prstDash val="solid"/>
+                      <a:round/>
+                      <a:headEnd type="none" w="med" len="med"/>
+                      <a:tailEnd type="none" w="med" len="med"/>
+                    </a:lnT>
+                    <a:lnB w="12700" cap="flat" cmpd="sng" algn="ctr">
+                      <a:solidFill>
+                        <a:schemeClr val="tx1"/>
+                      </a:solidFill>
+                      <a:prstDash val="solid"/>
+                      <a:round/>
+                      <a:headEnd type="none" w="med" len="med"/>
+                      <a:tailEnd type="none" w="med" len="med"/>
+                    </a:lnB>
+                    <a:solidFill>
+                      <a:schemeClr val="bg1">
+                        <a:lumMod val="50000"/>
+                      </a:schemeClr>
+                    </a:solidFill>
+                  </a:tcPr>
+                </a:tc>
+                <a:extLst>
+                  <a:ext uri="{0D108BD9-81ED-4DB2-BD59-A6C34878D82A}">
+                    <a16:rowId xmlns:a16="http://schemas.microsoft.com/office/drawing/2014/main" val="2786936706"/>
+                  </a:ext>
+                </a:extLst>
+              </a:tr>
+              <a:tr h="336220">
+                <a:tc>
+                  <a:txBody>
+                    <a:bodyPr/>
+                    <a:lstStyle/>
+                    <a:p>
+                      <a:pPr algn="ctr"/>
+                      <a:r>
+                        <a:rPr lang="en-GB" sz="1600" b="0" dirty="0" err="1"/>
+                        <a:t>Hondia</a:t>
+                      </a:r>
+                      <a:r>
+                        <a:rPr lang="en-GB" sz="1600" b="0" dirty="0"/>
+                        <a:t> 70</a:t>
+                      </a:r>
+                    </a:p>
+                  </a:txBody>
+                  <a:tcPr>
+                    <a:lnL w="12700" cap="flat" cmpd="sng" algn="ctr">
+                      <a:solidFill>
+                        <a:schemeClr val="tx1"/>
+                      </a:solidFill>
+                      <a:prstDash val="solid"/>
+                      <a:round/>
+                      <a:headEnd type="none" w="med" len="med"/>
+                      <a:tailEnd type="none" w="med" len="med"/>
+                    </a:lnL>
+                    <a:lnR w="12700" cap="flat" cmpd="sng" algn="ctr">
+                      <a:solidFill>
+                        <a:schemeClr val="tx1"/>
+                      </a:solidFill>
+                      <a:prstDash val="solid"/>
+                      <a:round/>
+                      <a:headEnd type="none" w="med" len="med"/>
+                      <a:tailEnd type="none" w="med" len="med"/>
+                    </a:lnR>
+                    <a:lnT w="12700" cap="flat" cmpd="sng" algn="ctr">
+                      <a:solidFill>
+                        <a:schemeClr val="tx1"/>
+                      </a:solidFill>
+                      <a:prstDash val="solid"/>
+                      <a:round/>
+                      <a:headEnd type="none" w="med" len="med"/>
+                      <a:tailEnd type="none" w="med" len="med"/>
+                    </a:lnT>
+                    <a:lnB w="12700" cap="flat" cmpd="sng" algn="ctr">
+                      <a:solidFill>
+                        <a:schemeClr val="tx1"/>
+                      </a:solidFill>
+                      <a:prstDash val="solid"/>
+                      <a:round/>
+                      <a:headEnd type="none" w="med" len="med"/>
+                      <a:tailEnd type="none" w="med" len="med"/>
+                    </a:lnB>
+                    <a:solidFill>
+                      <a:srgbClr val="D9A3FB"/>
+                    </a:solidFill>
+                  </a:tcPr>
+                </a:tc>
+                <a:tc>
+                  <a:txBody>
+                    <a:bodyPr/>
+                    <a:lstStyle/>
+                    <a:p>
+                      <a:pPr algn="ctr"/>
+                      <a:r>
+                        <a:rPr lang="en-GB" sz="1600" b="0" dirty="0" err="1"/>
+                        <a:t>Marcopolo</a:t>
+                      </a:r>
+                      <a:r>
+                        <a:rPr lang="en-GB" sz="1600" b="0" dirty="0"/>
+                        <a:t> 70</a:t>
+                      </a:r>
+                    </a:p>
+                  </a:txBody>
+                  <a:tcPr>
+                    <a:lnL w="12700" cap="flat" cmpd="sng" algn="ctr">
+                      <a:solidFill>
+                        <a:schemeClr val="tx1"/>
+                      </a:solidFill>
+                      <a:prstDash val="solid"/>
+                      <a:round/>
+                      <a:headEnd type="none" w="med" len="med"/>
+                      <a:tailEnd type="none" w="med" len="med"/>
+                    </a:lnL>
+                    <a:lnR w="12700" cap="flat" cmpd="sng" algn="ctr">
+                      <a:solidFill>
+                        <a:schemeClr val="tx1"/>
+                      </a:solidFill>
+                      <a:prstDash val="solid"/>
+                      <a:round/>
+                      <a:headEnd type="none" w="med" len="med"/>
+                      <a:tailEnd type="none" w="med" len="med"/>
+                    </a:lnR>
+                    <a:lnT w="12700" cap="flat" cmpd="sng" algn="ctr">
+                      <a:solidFill>
+                        <a:schemeClr val="tx1"/>
+                      </a:solidFill>
+                      <a:prstDash val="solid"/>
+                      <a:round/>
+                      <a:headEnd type="none" w="med" len="med"/>
+                      <a:tailEnd type="none" w="med" len="med"/>
+                    </a:lnT>
+                    <a:lnB w="12700" cap="flat" cmpd="sng" algn="ctr">
+                      <a:solidFill>
+                        <a:schemeClr val="tx1"/>
+                      </a:solidFill>
+                      <a:prstDash val="solid"/>
+                      <a:round/>
+                      <a:headEnd type="none" w="med" len="med"/>
+                      <a:tailEnd type="none" w="med" len="med"/>
+                    </a:lnB>
+                    <a:solidFill>
+                      <a:schemeClr val="accent6">
+                        <a:lumMod val="40000"/>
+                        <a:lumOff val="60000"/>
+                      </a:schemeClr>
+                    </a:solidFill>
+                  </a:tcPr>
+                </a:tc>
+                <a:tc>
+                  <a:txBody>
+                    <a:bodyPr/>
+                    <a:lstStyle/>
+                    <a:p>
+                      <a:pPr algn="ctr"/>
+                      <a:r>
+                        <a:rPr lang="en-GB" sz="1600" b="0" dirty="0" err="1"/>
+                        <a:t>Marcopolo</a:t>
+                      </a:r>
+                      <a:r>
+                        <a:rPr lang="en-GB" sz="1600" b="0" dirty="0"/>
+                        <a:t> 560</a:t>
+                      </a:r>
+                    </a:p>
+                  </a:txBody>
+                  <a:tcPr>
+                    <a:lnL w="12700" cap="flat" cmpd="sng" algn="ctr">
+                      <a:solidFill>
+                        <a:schemeClr val="tx1"/>
+                      </a:solidFill>
+                      <a:prstDash val="solid"/>
+                      <a:round/>
+                      <a:headEnd type="none" w="med" len="med"/>
+                      <a:tailEnd type="none" w="med" len="med"/>
+                    </a:lnL>
+                    <a:lnR w="12700" cap="flat" cmpd="sng" algn="ctr">
+                      <a:solidFill>
+                        <a:schemeClr val="tx1"/>
+                      </a:solidFill>
+                      <a:prstDash val="solid"/>
+                      <a:round/>
+                      <a:headEnd type="none" w="med" len="med"/>
+                      <a:tailEnd type="none" w="med" len="med"/>
+                    </a:lnR>
+                    <a:lnT w="12700" cap="flat" cmpd="sng" algn="ctr">
+                      <a:solidFill>
+                        <a:schemeClr val="tx1"/>
+                      </a:solidFill>
+                      <a:prstDash val="solid"/>
+                      <a:round/>
+                      <a:headEnd type="none" w="med" len="med"/>
+                      <a:tailEnd type="none" w="med" len="med"/>
+                    </a:lnT>
+                    <a:lnB w="12700" cap="flat" cmpd="sng" algn="ctr">
+                      <a:solidFill>
+                        <a:schemeClr val="tx1"/>
+                      </a:solidFill>
+                      <a:prstDash val="solid"/>
+                      <a:round/>
+                      <a:headEnd type="none" w="med" len="med"/>
+                      <a:tailEnd type="none" w="med" len="med"/>
+                    </a:lnB>
+                    <a:solidFill>
+                      <a:schemeClr val="accent6">
+                        <a:lumMod val="50000"/>
+                      </a:schemeClr>
+                    </a:solidFill>
+                  </a:tcPr>
+                </a:tc>
+                <a:tc>
+                  <a:txBody>
+                    <a:bodyPr/>
+                    <a:lstStyle/>
+                    <a:p>
+                      <a:pPr algn="ctr"/>
+                      <a:r>
+                        <a:rPr lang="en-GB" sz="1600" b="0" dirty="0" err="1"/>
+                        <a:t>Hondia</a:t>
+                      </a:r>
+                      <a:r>
+                        <a:rPr lang="en-GB" sz="1600" b="0" dirty="0"/>
+                        <a:t> 560</a:t>
+                      </a:r>
+                    </a:p>
+                  </a:txBody>
+                  <a:tcPr>
+                    <a:lnL w="12700" cap="flat" cmpd="sng" algn="ctr">
+                      <a:solidFill>
+                        <a:schemeClr val="tx1"/>
+                      </a:solidFill>
+                      <a:prstDash val="solid"/>
+                      <a:round/>
+                      <a:headEnd type="none" w="med" len="med"/>
+                      <a:tailEnd type="none" w="med" len="med"/>
+                    </a:lnL>
+                    <a:lnR w="12700" cap="flat" cmpd="sng" algn="ctr">
+                      <a:solidFill>
+                        <a:schemeClr val="tx1"/>
+                      </a:solidFill>
+                      <a:prstDash val="solid"/>
+                      <a:round/>
+                      <a:headEnd type="none" w="med" len="med"/>
+                      <a:tailEnd type="none" w="med" len="med"/>
+                    </a:lnR>
+                    <a:lnT w="12700" cap="flat" cmpd="sng" algn="ctr">
+                      <a:solidFill>
+                        <a:schemeClr val="tx1"/>
+                      </a:solidFill>
+                      <a:prstDash val="solid"/>
+                      <a:round/>
+                      <a:headEnd type="none" w="med" len="med"/>
+                      <a:tailEnd type="none" w="med" len="med"/>
+                    </a:lnT>
+                    <a:lnB w="12700" cap="flat" cmpd="sng" algn="ctr">
+                      <a:solidFill>
+                        <a:schemeClr val="tx1"/>
+                      </a:solidFill>
+                      <a:prstDash val="solid"/>
+                      <a:round/>
+                      <a:headEnd type="none" w="med" len="med"/>
+                      <a:tailEnd type="none" w="med" len="med"/>
+                    </a:lnB>
+                    <a:solidFill>
+                      <a:srgbClr val="62089A"/>
+                    </a:solidFill>
+                  </a:tcPr>
+                </a:tc>
+                <a:extLst>
+                  <a:ext uri="{0D108BD9-81ED-4DB2-BD59-A6C34878D82A}">
+                    <a16:rowId xmlns:a16="http://schemas.microsoft.com/office/drawing/2014/main" val="880807393"/>
+                  </a:ext>
+                </a:extLst>
+              </a:tr>
+              <a:tr h="336220">
+                <a:tc>
+                  <a:txBody>
+                    <a:bodyPr/>
+                    <a:lstStyle/>
+                    <a:p>
+                      <a:pPr algn="ctr"/>
+                      <a:r>
+                        <a:rPr lang="en-GB" sz="1600" b="0" dirty="0" err="1"/>
+                        <a:t>Marcopolo</a:t>
+                      </a:r>
+                      <a:r>
+                        <a:rPr lang="en-GB" sz="1600" b="0" dirty="0"/>
+                        <a:t> 140</a:t>
+                      </a:r>
+                    </a:p>
+                  </a:txBody>
+                  <a:tcPr>
+                    <a:lnL w="12700" cap="flat" cmpd="sng" algn="ctr">
+                      <a:solidFill>
+                        <a:schemeClr val="tx1"/>
+                      </a:solidFill>
+                      <a:prstDash val="solid"/>
+                      <a:round/>
+                      <a:headEnd type="none" w="med" len="med"/>
+                      <a:tailEnd type="none" w="med" len="med"/>
+                    </a:lnL>
+                    <a:lnR w="12700" cap="flat" cmpd="sng" algn="ctr">
+                      <a:solidFill>
+                        <a:schemeClr val="tx1"/>
+                      </a:solidFill>
+                      <a:prstDash val="solid"/>
+                      <a:round/>
+                      <a:headEnd type="none" w="med" len="med"/>
+                      <a:tailEnd type="none" w="med" len="med"/>
+                    </a:lnR>
+                    <a:lnT w="12700" cap="flat" cmpd="sng" algn="ctr">
+                      <a:solidFill>
+                        <a:schemeClr val="tx1"/>
+                      </a:solidFill>
+                      <a:prstDash val="solid"/>
+                      <a:round/>
+                      <a:headEnd type="none" w="med" len="med"/>
+                      <a:tailEnd type="none" w="med" len="med"/>
+                    </a:lnT>
+                    <a:lnB w="12700" cap="flat" cmpd="sng" algn="ctr">
+                      <a:solidFill>
+                        <a:schemeClr val="tx1"/>
+                      </a:solidFill>
+                      <a:prstDash val="solid"/>
+                      <a:round/>
+                      <a:headEnd type="none" w="med" len="med"/>
+                      <a:tailEnd type="none" w="med" len="med"/>
+                    </a:lnB>
+                    <a:solidFill>
+                      <a:schemeClr val="accent6">
+                        <a:lumMod val="60000"/>
+                        <a:lumOff val="40000"/>
+                      </a:schemeClr>
+                    </a:solidFill>
+                  </a:tcPr>
+                </a:tc>
+                <a:tc>
+                  <a:txBody>
+                    <a:bodyPr/>
+                    <a:lstStyle/>
+                    <a:p>
+                      <a:pPr algn="ctr"/>
+                      <a:r>
+                        <a:rPr lang="en-GB" sz="1600" b="0" dirty="0" err="1"/>
+                        <a:t>Hondia</a:t>
+                      </a:r>
+                      <a:r>
+                        <a:rPr lang="en-GB" sz="1600" b="0" dirty="0"/>
+                        <a:t> 140 </a:t>
+                      </a:r>
+                    </a:p>
+                  </a:txBody>
+                  <a:tcPr>
+                    <a:lnL w="12700" cap="flat" cmpd="sng" algn="ctr">
+                      <a:solidFill>
+                        <a:schemeClr val="tx1"/>
+                      </a:solidFill>
+                      <a:prstDash val="solid"/>
+                      <a:round/>
+                      <a:headEnd type="none" w="med" len="med"/>
+                      <a:tailEnd type="none" w="med" len="med"/>
+                    </a:lnL>
+                    <a:lnR w="12700" cap="flat" cmpd="sng" algn="ctr">
+                      <a:solidFill>
+                        <a:schemeClr val="tx1"/>
+                      </a:solidFill>
+                      <a:prstDash val="solid"/>
+                      <a:round/>
+                      <a:headEnd type="none" w="med" len="med"/>
+                      <a:tailEnd type="none" w="med" len="med"/>
+                    </a:lnR>
+                    <a:lnT w="12700" cap="flat" cmpd="sng" algn="ctr">
+                      <a:solidFill>
+                        <a:schemeClr val="tx1"/>
+                      </a:solidFill>
+                      <a:prstDash val="solid"/>
+                      <a:round/>
+                      <a:headEnd type="none" w="med" len="med"/>
+                      <a:tailEnd type="none" w="med" len="med"/>
+                    </a:lnT>
+                    <a:lnB w="12700" cap="flat" cmpd="sng" algn="ctr">
+                      <a:solidFill>
+                        <a:schemeClr val="tx1"/>
+                      </a:solidFill>
+                      <a:prstDash val="solid"/>
+                      <a:round/>
+                      <a:headEnd type="none" w="med" len="med"/>
+                      <a:tailEnd type="none" w="med" len="med"/>
+                    </a:lnB>
+                    <a:solidFill>
+                      <a:srgbClr val="BA57F7"/>
+                    </a:solidFill>
+                  </a:tcPr>
+                </a:tc>
+                <a:tc>
+                  <a:txBody>
+                    <a:bodyPr/>
+                    <a:lstStyle/>
+                    <a:p>
+                      <a:pPr algn="ctr"/>
+                      <a:r>
+                        <a:rPr lang="en-GB" sz="1600" b="0" dirty="0"/>
+                        <a:t>Bologna 70</a:t>
+                      </a:r>
+                    </a:p>
+                  </a:txBody>
+                  <a:tcPr>
+                    <a:lnL w="12700" cap="flat" cmpd="sng" algn="ctr">
+                      <a:solidFill>
+                        <a:schemeClr val="tx1"/>
+                      </a:solidFill>
+                      <a:prstDash val="solid"/>
+                      <a:round/>
+                      <a:headEnd type="none" w="med" len="med"/>
+                      <a:tailEnd type="none" w="med" len="med"/>
+                    </a:lnL>
+                    <a:lnR w="12700" cap="flat" cmpd="sng" algn="ctr">
+                      <a:solidFill>
+                        <a:schemeClr val="tx1"/>
+                      </a:solidFill>
+                      <a:prstDash val="solid"/>
+                      <a:round/>
+                      <a:headEnd type="none" w="med" len="med"/>
+                      <a:tailEnd type="none" w="med" len="med"/>
+                    </a:lnR>
+                    <a:lnT w="12700" cap="flat" cmpd="sng" algn="ctr">
+                      <a:solidFill>
+                        <a:schemeClr val="tx1"/>
+                      </a:solidFill>
+                      <a:prstDash val="solid"/>
+                      <a:round/>
+                      <a:headEnd type="none" w="med" len="med"/>
+                      <a:tailEnd type="none" w="med" len="med"/>
+                    </a:lnT>
+                    <a:lnB w="12700" cap="flat" cmpd="sng" algn="ctr">
+                      <a:solidFill>
+                        <a:schemeClr val="tx1"/>
+                      </a:solidFill>
+                      <a:prstDash val="solid"/>
+                      <a:round/>
+                      <a:headEnd type="none" w="med" len="med"/>
+                      <a:tailEnd type="none" w="med" len="med"/>
+                    </a:lnB>
+                    <a:solidFill>
+                      <a:schemeClr val="accent4">
+                        <a:lumMod val="40000"/>
+                        <a:lumOff val="60000"/>
+                      </a:schemeClr>
+                    </a:solidFill>
+                  </a:tcPr>
+                </a:tc>
+                <a:tc>
+                  <a:txBody>
+                    <a:bodyPr/>
+                    <a:lstStyle/>
+                    <a:p>
+                      <a:pPr algn="ctr"/>
+                      <a:r>
+                        <a:rPr lang="en-GB" sz="1600" b="0" dirty="0"/>
+                        <a:t>Bologna 35</a:t>
+                      </a:r>
+                    </a:p>
+                  </a:txBody>
+                  <a:tcPr>
+                    <a:lnL w="12700" cap="flat" cmpd="sng" algn="ctr">
+                      <a:solidFill>
+                        <a:schemeClr val="tx1"/>
+                      </a:solidFill>
+                      <a:prstDash val="solid"/>
+                      <a:round/>
+                      <a:headEnd type="none" w="med" len="med"/>
+                      <a:tailEnd type="none" w="med" len="med"/>
+                    </a:lnL>
+                    <a:lnR w="12700" cap="flat" cmpd="sng" algn="ctr">
+                      <a:solidFill>
+                        <a:schemeClr val="tx1"/>
+                      </a:solidFill>
+                      <a:prstDash val="solid"/>
+                      <a:round/>
+                      <a:headEnd type="none" w="med" len="med"/>
+                      <a:tailEnd type="none" w="med" len="med"/>
+                    </a:lnR>
+                    <a:lnT w="12700" cap="flat" cmpd="sng" algn="ctr">
+                      <a:solidFill>
+                        <a:schemeClr val="tx1"/>
+                      </a:solidFill>
+                      <a:prstDash val="solid"/>
+                      <a:round/>
+                      <a:headEnd type="none" w="med" len="med"/>
+                      <a:tailEnd type="none" w="med" len="med"/>
+                    </a:lnT>
+                    <a:lnB w="12700" cap="flat" cmpd="sng" algn="ctr">
+                      <a:solidFill>
+                        <a:schemeClr val="tx1"/>
+                      </a:solidFill>
+                      <a:prstDash val="solid"/>
+                      <a:round/>
+                      <a:headEnd type="none" w="med" len="med"/>
+                      <a:tailEnd type="none" w="med" len="med"/>
+                    </a:lnB>
+                    <a:solidFill>
+                      <a:schemeClr val="accent5">
+                        <a:lumMod val="20000"/>
+                        <a:lumOff val="80000"/>
+                      </a:schemeClr>
+                    </a:solidFill>
+                  </a:tcPr>
+                </a:tc>
+                <a:extLst>
+                  <a:ext uri="{0D108BD9-81ED-4DB2-BD59-A6C34878D82A}">
+                    <a16:rowId xmlns:a16="http://schemas.microsoft.com/office/drawing/2014/main" val="1655094707"/>
+                  </a:ext>
+                </a:extLst>
+              </a:tr>
+              <a:tr h="336220">
+                <a:tc>
+                  <a:txBody>
+                    <a:bodyPr/>
+                    <a:lstStyle/>
+                    <a:p>
+                      <a:pPr algn="ctr"/>
+                      <a:r>
+                        <a:rPr lang="en-GB" sz="1600" b="0" dirty="0"/>
+                        <a:t>Bologna 560</a:t>
+                      </a:r>
+                    </a:p>
+                  </a:txBody>
+                  <a:tcPr>
+                    <a:lnL w="12700" cap="flat" cmpd="sng" algn="ctr">
+                      <a:solidFill>
+                        <a:schemeClr val="tx1"/>
+                      </a:solidFill>
+                      <a:prstDash val="solid"/>
+                      <a:round/>
+                      <a:headEnd type="none" w="med" len="med"/>
+                      <a:tailEnd type="none" w="med" len="med"/>
+                    </a:lnL>
+                    <a:lnR w="12700" cap="flat" cmpd="sng" algn="ctr">
+                      <a:solidFill>
+                        <a:schemeClr val="tx1"/>
+                      </a:solidFill>
+                      <a:prstDash val="solid"/>
+                      <a:round/>
+                      <a:headEnd type="none" w="med" len="med"/>
+                      <a:tailEnd type="none" w="med" len="med"/>
+                    </a:lnR>
+                    <a:lnT w="12700" cap="flat" cmpd="sng" algn="ctr">
+                      <a:solidFill>
+                        <a:schemeClr val="tx1"/>
+                      </a:solidFill>
+                      <a:prstDash val="solid"/>
+                      <a:round/>
+                      <a:headEnd type="none" w="med" len="med"/>
+                      <a:tailEnd type="none" w="med" len="med"/>
+                    </a:lnT>
+                    <a:lnB w="12700" cap="flat" cmpd="sng" algn="ctr">
+                      <a:solidFill>
+                        <a:schemeClr val="tx1"/>
+                      </a:solidFill>
+                      <a:prstDash val="solid"/>
+                      <a:round/>
+                      <a:headEnd type="none" w="med" len="med"/>
+                      <a:tailEnd type="none" w="med" len="med"/>
+                    </a:lnB>
+                    <a:solidFill>
+                      <a:schemeClr val="accent4">
+                        <a:lumMod val="50000"/>
+                      </a:schemeClr>
+                    </a:solidFill>
+                  </a:tcPr>
+                </a:tc>
+                <a:tc>
+                  <a:txBody>
+                    <a:bodyPr/>
+                    <a:lstStyle/>
+                    <a:p>
+                      <a:pPr algn="ctr"/>
+                      <a:r>
+                        <a:rPr lang="en-GB" sz="1600" b="0" dirty="0"/>
+                        <a:t>Bologna 280</a:t>
+                      </a:r>
+                    </a:p>
+                  </a:txBody>
+                  <a:tcPr>
+                    <a:lnL w="12700" cap="flat" cmpd="sng" algn="ctr">
+                      <a:solidFill>
+                        <a:schemeClr val="tx1"/>
+                      </a:solidFill>
+                      <a:prstDash val="solid"/>
+                      <a:round/>
+                      <a:headEnd type="none" w="med" len="med"/>
+                      <a:tailEnd type="none" w="med" len="med"/>
+                    </a:lnL>
+                    <a:lnR w="12700" cap="flat" cmpd="sng" algn="ctr">
+                      <a:solidFill>
+                        <a:schemeClr val="tx1"/>
+                      </a:solidFill>
+                      <a:prstDash val="solid"/>
+                      <a:round/>
+                      <a:headEnd type="none" w="med" len="med"/>
+                      <a:tailEnd type="none" w="med" len="med"/>
+                    </a:lnR>
+                    <a:lnT w="12700" cap="flat" cmpd="sng" algn="ctr">
+                      <a:solidFill>
+                        <a:schemeClr val="tx1"/>
+                      </a:solidFill>
+                      <a:prstDash val="solid"/>
+                      <a:round/>
+                      <a:headEnd type="none" w="med" len="med"/>
+                      <a:tailEnd type="none" w="med" len="med"/>
+                    </a:lnT>
+                    <a:lnB w="12700" cap="flat" cmpd="sng" algn="ctr">
+                      <a:solidFill>
+                        <a:schemeClr val="tx1"/>
+                      </a:solidFill>
+                      <a:prstDash val="solid"/>
+                      <a:round/>
+                      <a:headEnd type="none" w="med" len="med"/>
+                      <a:tailEnd type="none" w="med" len="med"/>
+                    </a:lnB>
+                    <a:solidFill>
+                      <a:schemeClr val="accent4">
+                        <a:lumMod val="75000"/>
+                      </a:schemeClr>
+                    </a:solidFill>
+                  </a:tcPr>
+                </a:tc>
+                <a:tc>
+                  <a:txBody>
+                    <a:bodyPr/>
+                    <a:lstStyle/>
+                    <a:p>
+                      <a:pPr algn="ctr"/>
+                      <a:r>
+                        <a:rPr lang="en-GB" sz="1600" b="0" dirty="0" err="1"/>
+                        <a:t>Hondia</a:t>
+                      </a:r>
+                      <a:r>
+                        <a:rPr lang="en-GB" sz="1600" b="0" dirty="0"/>
+                        <a:t> 35</a:t>
+                      </a:r>
+                    </a:p>
+                  </a:txBody>
+                  <a:tcPr>
+                    <a:lnL w="12700" cap="flat" cmpd="sng" algn="ctr">
+                      <a:solidFill>
+                        <a:schemeClr val="tx1"/>
+                      </a:solidFill>
+                      <a:prstDash val="solid"/>
+                      <a:round/>
+                      <a:headEnd type="none" w="med" len="med"/>
+                      <a:tailEnd type="none" w="med" len="med"/>
+                    </a:lnL>
+                    <a:lnR w="12700" cap="flat" cmpd="sng" algn="ctr">
+                      <a:solidFill>
+                        <a:schemeClr val="tx1"/>
+                      </a:solidFill>
+                      <a:prstDash val="solid"/>
+                      <a:round/>
+                      <a:headEnd type="none" w="med" len="med"/>
+                      <a:tailEnd type="none" w="med" len="med"/>
+                    </a:lnR>
+                    <a:lnT w="12700" cap="flat" cmpd="sng" algn="ctr">
+                      <a:solidFill>
+                        <a:schemeClr val="tx1"/>
+                      </a:solidFill>
+                      <a:prstDash val="solid"/>
+                      <a:round/>
+                      <a:headEnd type="none" w="med" len="med"/>
+                      <a:tailEnd type="none" w="med" len="med"/>
+                    </a:lnT>
+                    <a:lnB w="12700" cap="flat" cmpd="sng" algn="ctr">
+                      <a:solidFill>
+                        <a:schemeClr val="tx1"/>
+                      </a:solidFill>
+                      <a:prstDash val="solid"/>
+                      <a:round/>
+                      <a:headEnd type="none" w="med" len="med"/>
+                      <a:tailEnd type="none" w="med" len="med"/>
+                    </a:lnB>
+                    <a:solidFill>
+                      <a:srgbClr val="E1B6FC"/>
+                    </a:solidFill>
+                  </a:tcPr>
+                </a:tc>
+                <a:tc>
+                  <a:txBody>
+                    <a:bodyPr/>
+                    <a:lstStyle/>
+                    <a:p>
+                      <a:pPr algn="ctr"/>
+                      <a:r>
+                        <a:rPr lang="en-GB" sz="1600" b="0" dirty="0" err="1"/>
+                        <a:t>Marcopolo</a:t>
+                      </a:r>
+                      <a:r>
+                        <a:rPr lang="en-GB" sz="1600" b="0" dirty="0"/>
+                        <a:t> 280</a:t>
+                      </a:r>
+                    </a:p>
+                  </a:txBody>
+                  <a:tcPr>
+                    <a:lnL w="12700" cap="flat" cmpd="sng" algn="ctr">
+                      <a:solidFill>
+                        <a:schemeClr val="tx1"/>
+                      </a:solidFill>
+                      <a:prstDash val="solid"/>
+                      <a:round/>
+                      <a:headEnd type="none" w="med" len="med"/>
+                      <a:tailEnd type="none" w="med" len="med"/>
+                    </a:lnL>
+                    <a:lnR w="12700" cap="flat" cmpd="sng" algn="ctr">
+                      <a:solidFill>
+                        <a:schemeClr val="tx1"/>
+                      </a:solidFill>
+                      <a:prstDash val="solid"/>
+                      <a:round/>
+                      <a:headEnd type="none" w="med" len="med"/>
+                      <a:tailEnd type="none" w="med" len="med"/>
+                    </a:lnR>
+                    <a:lnT w="12700" cap="flat" cmpd="sng" algn="ctr">
+                      <a:solidFill>
+                        <a:schemeClr val="tx1"/>
+                      </a:solidFill>
+                      <a:prstDash val="solid"/>
+                      <a:round/>
+                      <a:headEnd type="none" w="med" len="med"/>
+                      <a:tailEnd type="none" w="med" len="med"/>
+                    </a:lnT>
+                    <a:lnB w="12700" cap="flat" cmpd="sng" algn="ctr">
+                      <a:solidFill>
+                        <a:schemeClr val="tx1"/>
+                      </a:solidFill>
+                      <a:prstDash val="solid"/>
+                      <a:round/>
+                      <a:headEnd type="none" w="med" len="med"/>
+                      <a:tailEnd type="none" w="med" len="med"/>
+                    </a:lnB>
+                    <a:solidFill>
+                      <a:schemeClr val="accent6">
+                        <a:lumMod val="75000"/>
+                      </a:schemeClr>
+                    </a:solidFill>
+                  </a:tcPr>
+                </a:tc>
+                <a:extLst>
+                  <a:ext uri="{0D108BD9-81ED-4DB2-BD59-A6C34878D82A}">
+                    <a16:rowId xmlns:a16="http://schemas.microsoft.com/office/drawing/2014/main" val="2812347396"/>
+                  </a:ext>
+                </a:extLst>
+              </a:tr>
+              <a:tr h="336220">
+                <a:tc>
+                  <a:txBody>
+                    <a:bodyPr/>
+                    <a:lstStyle/>
+                    <a:p>
+                      <a:pPr algn="ctr"/>
+                      <a:r>
+                        <a:rPr lang="en-GB" sz="1600" b="0" dirty="0"/>
+                        <a:t>Bologna 70</a:t>
+                      </a:r>
+                    </a:p>
+                  </a:txBody>
+                  <a:tcPr>
+                    <a:lnL w="12700" cap="flat" cmpd="sng" algn="ctr">
+                      <a:solidFill>
+                        <a:schemeClr val="tx1"/>
+                      </a:solidFill>
+                      <a:prstDash val="solid"/>
+                      <a:round/>
+                      <a:headEnd type="none" w="med" len="med"/>
+                      <a:tailEnd type="none" w="med" len="med"/>
+                    </a:lnL>
+                    <a:lnR w="12700" cap="flat" cmpd="sng" algn="ctr">
+                      <a:solidFill>
+                        <a:schemeClr val="tx1"/>
+                      </a:solidFill>
+                      <a:prstDash val="solid"/>
+                      <a:round/>
+                      <a:headEnd type="none" w="med" len="med"/>
+                      <a:tailEnd type="none" w="med" len="med"/>
+                    </a:lnR>
+                    <a:lnT w="12700" cap="flat" cmpd="sng" algn="ctr">
+                      <a:solidFill>
+                        <a:schemeClr val="tx1"/>
+                      </a:solidFill>
+                      <a:prstDash val="solid"/>
+                      <a:round/>
+                      <a:headEnd type="none" w="med" len="med"/>
+                      <a:tailEnd type="none" w="med" len="med"/>
+                    </a:lnT>
+                    <a:lnB w="12700" cap="flat" cmpd="sng" algn="ctr">
+                      <a:solidFill>
+                        <a:schemeClr val="tx1"/>
+                      </a:solidFill>
+                      <a:prstDash val="solid"/>
+                      <a:round/>
+                      <a:headEnd type="none" w="med" len="med"/>
+                      <a:tailEnd type="none" w="med" len="med"/>
+                    </a:lnB>
+                    <a:solidFill>
+                      <a:schemeClr val="accent4">
+                        <a:lumMod val="40000"/>
+                        <a:lumOff val="60000"/>
+                      </a:schemeClr>
+                    </a:solidFill>
+                  </a:tcPr>
+                </a:tc>
+                <a:tc>
+                  <a:txBody>
+                    <a:bodyPr/>
+                    <a:lstStyle/>
+                    <a:p>
+                      <a:pPr algn="ctr"/>
+                      <a:r>
+                        <a:rPr lang="en-GB" sz="1600" b="0" dirty="0" err="1"/>
+                        <a:t>Marcopolo</a:t>
+                      </a:r>
+                      <a:r>
+                        <a:rPr lang="en-GB" sz="1600" b="0" dirty="0"/>
+                        <a:t> 280</a:t>
+                      </a:r>
+                    </a:p>
+                  </a:txBody>
+                  <a:tcPr>
+                    <a:lnL w="12700" cap="flat" cmpd="sng" algn="ctr">
+                      <a:solidFill>
+                        <a:schemeClr val="tx1"/>
+                      </a:solidFill>
+                      <a:prstDash val="solid"/>
+                      <a:round/>
+                      <a:headEnd type="none" w="med" len="med"/>
+                      <a:tailEnd type="none" w="med" len="med"/>
+                    </a:lnL>
+                    <a:lnR w="12700" cap="flat" cmpd="sng" algn="ctr">
+                      <a:solidFill>
+                        <a:schemeClr val="tx1"/>
+                      </a:solidFill>
+                      <a:prstDash val="solid"/>
+                      <a:round/>
+                      <a:headEnd type="none" w="med" len="med"/>
+                      <a:tailEnd type="none" w="med" len="med"/>
+                    </a:lnR>
+                    <a:lnT w="12700" cap="flat" cmpd="sng" algn="ctr">
+                      <a:solidFill>
+                        <a:schemeClr val="tx1"/>
+                      </a:solidFill>
+                      <a:prstDash val="solid"/>
+                      <a:round/>
+                      <a:headEnd type="none" w="med" len="med"/>
+                      <a:tailEnd type="none" w="med" len="med"/>
+                    </a:lnT>
+                    <a:lnB w="12700" cap="flat" cmpd="sng" algn="ctr">
+                      <a:solidFill>
+                        <a:schemeClr val="tx1"/>
+                      </a:solidFill>
+                      <a:prstDash val="solid"/>
+                      <a:round/>
+                      <a:headEnd type="none" w="med" len="med"/>
+                      <a:tailEnd type="none" w="med" len="med"/>
+                    </a:lnB>
+                    <a:solidFill>
+                      <a:schemeClr val="accent6">
+                        <a:lumMod val="75000"/>
+                      </a:schemeClr>
+                    </a:solidFill>
+                  </a:tcPr>
+                </a:tc>
+                <a:tc>
+                  <a:txBody>
+                    <a:bodyPr/>
+                    <a:lstStyle/>
+                    <a:p>
+                      <a:pPr algn="ctr"/>
+                      <a:r>
+                        <a:rPr lang="en-GB" sz="1600" b="0" dirty="0" err="1"/>
+                        <a:t>Hondia</a:t>
+                      </a:r>
+                      <a:r>
+                        <a:rPr lang="en-GB" sz="1600" b="0" dirty="0"/>
+                        <a:t> 140 </a:t>
+                      </a:r>
+                    </a:p>
+                  </a:txBody>
+                  <a:tcPr>
+                    <a:lnL w="12700" cap="flat" cmpd="sng" algn="ctr">
+                      <a:solidFill>
+                        <a:schemeClr val="tx1"/>
+                      </a:solidFill>
+                      <a:prstDash val="solid"/>
+                      <a:round/>
+                      <a:headEnd type="none" w="med" len="med"/>
+                      <a:tailEnd type="none" w="med" len="med"/>
+                    </a:lnL>
+                    <a:lnR w="12700" cap="flat" cmpd="sng" algn="ctr">
+                      <a:solidFill>
+                        <a:schemeClr val="tx1"/>
+                      </a:solidFill>
+                      <a:prstDash val="solid"/>
+                      <a:round/>
+                      <a:headEnd type="none" w="med" len="med"/>
+                      <a:tailEnd type="none" w="med" len="med"/>
+                    </a:lnR>
+                    <a:lnT w="12700" cap="flat" cmpd="sng" algn="ctr">
+                      <a:solidFill>
+                        <a:schemeClr val="tx1"/>
+                      </a:solidFill>
+                      <a:prstDash val="solid"/>
+                      <a:round/>
+                      <a:headEnd type="none" w="med" len="med"/>
+                      <a:tailEnd type="none" w="med" len="med"/>
+                    </a:lnT>
+                    <a:lnB w="12700" cap="flat" cmpd="sng" algn="ctr">
+                      <a:solidFill>
+                        <a:schemeClr val="tx1"/>
+                      </a:solidFill>
+                      <a:prstDash val="solid"/>
+                      <a:round/>
+                      <a:headEnd type="none" w="med" len="med"/>
+                      <a:tailEnd type="none" w="med" len="med"/>
+                    </a:lnB>
+                    <a:solidFill>
+                      <a:srgbClr val="BA57F7"/>
+                    </a:solidFill>
+                  </a:tcPr>
+                </a:tc>
+                <a:tc>
+                  <a:txBody>
+                    <a:bodyPr/>
+                    <a:lstStyle/>
+                    <a:p>
+                      <a:pPr algn="ctr"/>
+                      <a:r>
+                        <a:rPr lang="en-GB" sz="1600" b="0" dirty="0" err="1"/>
+                        <a:t>Hondia</a:t>
+                      </a:r>
+                      <a:r>
+                        <a:rPr lang="en-GB" sz="1600" b="0" dirty="0"/>
+                        <a:t> 70 </a:t>
+                      </a:r>
+                    </a:p>
+                  </a:txBody>
+                  <a:tcPr>
+                    <a:lnL w="12700" cap="flat" cmpd="sng" algn="ctr">
+                      <a:solidFill>
+                        <a:schemeClr val="tx1"/>
+                      </a:solidFill>
+                      <a:prstDash val="solid"/>
+                      <a:round/>
+                      <a:headEnd type="none" w="med" len="med"/>
+                      <a:tailEnd type="none" w="med" len="med"/>
+                    </a:lnL>
+                    <a:lnR w="12700" cap="flat" cmpd="sng" algn="ctr">
+                      <a:solidFill>
+                        <a:schemeClr val="tx1"/>
+                      </a:solidFill>
+                      <a:prstDash val="solid"/>
+                      <a:round/>
+                      <a:headEnd type="none" w="med" len="med"/>
+                      <a:tailEnd type="none" w="med" len="med"/>
+                    </a:lnR>
+                    <a:lnT w="12700" cap="flat" cmpd="sng" algn="ctr">
+                      <a:solidFill>
+                        <a:schemeClr val="tx1"/>
+                      </a:solidFill>
+                      <a:prstDash val="solid"/>
+                      <a:round/>
+                      <a:headEnd type="none" w="med" len="med"/>
+                      <a:tailEnd type="none" w="med" len="med"/>
+                    </a:lnT>
+                    <a:lnB w="12700" cap="flat" cmpd="sng" algn="ctr">
+                      <a:solidFill>
+                        <a:schemeClr val="tx1"/>
+                      </a:solidFill>
+                      <a:prstDash val="solid"/>
+                      <a:round/>
+                      <a:headEnd type="none" w="med" len="med"/>
+                      <a:tailEnd type="none" w="med" len="med"/>
+                    </a:lnB>
+                    <a:solidFill>
+                      <a:srgbClr val="D69BFB"/>
+                    </a:solidFill>
+                  </a:tcPr>
+                </a:tc>
+                <a:extLst>
+                  <a:ext uri="{0D108BD9-81ED-4DB2-BD59-A6C34878D82A}">
+                    <a16:rowId xmlns:a16="http://schemas.microsoft.com/office/drawing/2014/main" val="4009762288"/>
+                  </a:ext>
+                </a:extLst>
+              </a:tr>
+              <a:tr h="336220">
+                <a:tc>
+                  <a:txBody>
+                    <a:bodyPr/>
+                    <a:lstStyle/>
+                    <a:p>
+                      <a:pPr algn="ctr"/>
+                      <a:r>
+                        <a:rPr lang="en-GB" sz="1600" b="0" dirty="0" err="1"/>
+                        <a:t>Marcopolo</a:t>
+                      </a:r>
+                      <a:r>
+                        <a:rPr lang="en-GB" sz="1600" b="0" dirty="0"/>
+                        <a:t> 560</a:t>
+                      </a:r>
+                    </a:p>
+                  </a:txBody>
+                  <a:tcPr>
+                    <a:lnL w="12700" cap="flat" cmpd="sng" algn="ctr">
+                      <a:solidFill>
+                        <a:schemeClr val="tx1"/>
+                      </a:solidFill>
+                      <a:prstDash val="solid"/>
+                      <a:round/>
+                      <a:headEnd type="none" w="med" len="med"/>
+                      <a:tailEnd type="none" w="med" len="med"/>
+                    </a:lnL>
+                    <a:lnR w="12700" cap="flat" cmpd="sng" algn="ctr">
+                      <a:solidFill>
+                        <a:schemeClr val="tx1"/>
+                      </a:solidFill>
+                      <a:prstDash val="solid"/>
+                      <a:round/>
+                      <a:headEnd type="none" w="med" len="med"/>
+                      <a:tailEnd type="none" w="med" len="med"/>
+                    </a:lnR>
+                    <a:lnT w="12700" cap="flat" cmpd="sng" algn="ctr">
+                      <a:solidFill>
+                        <a:schemeClr val="tx1"/>
+                      </a:solidFill>
+                      <a:prstDash val="solid"/>
+                      <a:round/>
+                      <a:headEnd type="none" w="med" len="med"/>
+                      <a:tailEnd type="none" w="med" len="med"/>
+                    </a:lnT>
+                    <a:lnB w="12700" cap="flat" cmpd="sng" algn="ctr">
+                      <a:solidFill>
+                        <a:schemeClr val="tx1"/>
+                      </a:solidFill>
+                      <a:prstDash val="solid"/>
+                      <a:round/>
+                      <a:headEnd type="none" w="med" len="med"/>
+                      <a:tailEnd type="none" w="med" len="med"/>
+                    </a:lnB>
+                    <a:solidFill>
+                      <a:schemeClr val="accent6">
+                        <a:lumMod val="50000"/>
+                      </a:schemeClr>
+                    </a:solidFill>
+                  </a:tcPr>
+                </a:tc>
+                <a:tc>
+                  <a:txBody>
+                    <a:bodyPr/>
+                    <a:lstStyle/>
+                    <a:p>
+                      <a:pPr algn="ctr"/>
+                      <a:r>
+                        <a:rPr lang="en-GB" sz="1600" b="0" dirty="0" err="1"/>
+                        <a:t>Hondia</a:t>
+                      </a:r>
+                      <a:r>
+                        <a:rPr lang="en-GB" sz="1600" b="0" dirty="0"/>
+                        <a:t> 560</a:t>
+                      </a:r>
+                    </a:p>
+                  </a:txBody>
+                  <a:tcPr>
+                    <a:lnL w="12700" cap="flat" cmpd="sng" algn="ctr">
+                      <a:solidFill>
+                        <a:schemeClr val="tx1"/>
+                      </a:solidFill>
+                      <a:prstDash val="solid"/>
+                      <a:round/>
+                      <a:headEnd type="none" w="med" len="med"/>
+                      <a:tailEnd type="none" w="med" len="med"/>
+                    </a:lnL>
+                    <a:lnR w="12700" cap="flat" cmpd="sng" algn="ctr">
+                      <a:solidFill>
+                        <a:schemeClr val="tx1"/>
+                      </a:solidFill>
+                      <a:prstDash val="solid"/>
+                      <a:round/>
+                      <a:headEnd type="none" w="med" len="med"/>
+                      <a:tailEnd type="none" w="med" len="med"/>
+                    </a:lnR>
+                    <a:lnT w="12700" cap="flat" cmpd="sng" algn="ctr">
+                      <a:solidFill>
+                        <a:schemeClr val="tx1"/>
+                      </a:solidFill>
+                      <a:prstDash val="solid"/>
+                      <a:round/>
+                      <a:headEnd type="none" w="med" len="med"/>
+                      <a:tailEnd type="none" w="med" len="med"/>
+                    </a:lnT>
+                    <a:lnB w="12700" cap="flat" cmpd="sng" algn="ctr">
+                      <a:solidFill>
+                        <a:schemeClr val="tx1"/>
+                      </a:solidFill>
+                      <a:prstDash val="solid"/>
+                      <a:round/>
+                      <a:headEnd type="none" w="med" len="med"/>
+                      <a:tailEnd type="none" w="med" len="med"/>
+                    </a:lnB>
+                    <a:solidFill>
+                      <a:srgbClr val="62089A"/>
+                    </a:solidFill>
+                  </a:tcPr>
+                </a:tc>
+                <a:tc>
+                  <a:txBody>
+                    <a:bodyPr/>
+                    <a:lstStyle/>
+                    <a:p>
+                      <a:pPr algn="ctr"/>
+                      <a:r>
+                        <a:rPr lang="en-GB" sz="1600" b="0" dirty="0" err="1"/>
+                        <a:t>Marcopolo</a:t>
+                      </a:r>
+                      <a:r>
+                        <a:rPr lang="en-GB" sz="1600" b="0" dirty="0"/>
+                        <a:t> 70</a:t>
+                      </a:r>
+                    </a:p>
+                  </a:txBody>
+                  <a:tcPr>
+                    <a:lnL w="12700" cap="flat" cmpd="sng" algn="ctr">
+                      <a:solidFill>
+                        <a:schemeClr val="tx1"/>
+                      </a:solidFill>
+                      <a:prstDash val="solid"/>
+                      <a:round/>
+                      <a:headEnd type="none" w="med" len="med"/>
+                      <a:tailEnd type="none" w="med" len="med"/>
+                    </a:lnL>
+                    <a:lnR w="12700" cap="flat" cmpd="sng" algn="ctr">
+                      <a:solidFill>
+                        <a:schemeClr val="tx1"/>
+                      </a:solidFill>
+                      <a:prstDash val="solid"/>
+                      <a:round/>
+                      <a:headEnd type="none" w="med" len="med"/>
+                      <a:tailEnd type="none" w="med" len="med"/>
+                    </a:lnR>
+                    <a:lnT w="12700" cap="flat" cmpd="sng" algn="ctr">
+                      <a:solidFill>
+                        <a:schemeClr val="tx1"/>
+                      </a:solidFill>
+                      <a:prstDash val="solid"/>
+                      <a:round/>
+                      <a:headEnd type="none" w="med" len="med"/>
+                      <a:tailEnd type="none" w="med" len="med"/>
+                    </a:lnT>
+                    <a:lnB w="12700" cap="flat" cmpd="sng" algn="ctr">
+                      <a:solidFill>
+                        <a:schemeClr val="tx1"/>
+                      </a:solidFill>
+                      <a:prstDash val="solid"/>
+                      <a:round/>
+                      <a:headEnd type="none" w="med" len="med"/>
+                      <a:tailEnd type="none" w="med" len="med"/>
+                    </a:lnB>
+                    <a:solidFill>
+                      <a:schemeClr val="accent6">
+                        <a:lumMod val="40000"/>
+                        <a:lumOff val="60000"/>
+                      </a:schemeClr>
+                    </a:solidFill>
+                  </a:tcPr>
+                </a:tc>
+                <a:tc>
+                  <a:txBody>
+                    <a:bodyPr/>
+                    <a:lstStyle/>
+                    <a:p>
+                      <a:pPr algn="ctr"/>
+                      <a:r>
+                        <a:rPr lang="en-GB" sz="1600" b="0" dirty="0" err="1"/>
+                        <a:t>Marcopolo</a:t>
+                      </a:r>
+                      <a:r>
+                        <a:rPr lang="en-GB" sz="1600" b="0" dirty="0"/>
+                        <a:t> 35</a:t>
+                      </a:r>
+                    </a:p>
+                  </a:txBody>
+                  <a:tcPr>
+                    <a:lnL w="12700" cap="flat" cmpd="sng" algn="ctr">
+                      <a:solidFill>
+                        <a:schemeClr val="tx1"/>
+                      </a:solidFill>
+                      <a:prstDash val="solid"/>
+                      <a:round/>
+                      <a:headEnd type="none" w="med" len="med"/>
+                      <a:tailEnd type="none" w="med" len="med"/>
+                    </a:lnL>
+                    <a:lnR w="12700" cap="flat" cmpd="sng" algn="ctr">
+                      <a:solidFill>
+                        <a:schemeClr val="tx1"/>
+                      </a:solidFill>
+                      <a:prstDash val="solid"/>
+                      <a:round/>
+                      <a:headEnd type="none" w="med" len="med"/>
+                      <a:tailEnd type="none" w="med" len="med"/>
+                    </a:lnR>
+                    <a:lnT w="12700" cap="flat" cmpd="sng" algn="ctr">
+                      <a:solidFill>
+                        <a:schemeClr val="tx1"/>
+                      </a:solidFill>
+                      <a:prstDash val="solid"/>
+                      <a:round/>
+                      <a:headEnd type="none" w="med" len="med"/>
+                      <a:tailEnd type="none" w="med" len="med"/>
+                    </a:lnT>
+                    <a:lnB w="12700" cap="flat" cmpd="sng" algn="ctr">
+                      <a:solidFill>
+                        <a:schemeClr val="tx1"/>
+                      </a:solidFill>
+                      <a:prstDash val="solid"/>
+                      <a:round/>
+                      <a:headEnd type="none" w="med" len="med"/>
+                      <a:tailEnd type="none" w="med" len="med"/>
+                    </a:lnB>
+                    <a:solidFill>
+                      <a:schemeClr val="accent6">
+                        <a:lumMod val="20000"/>
+                        <a:lumOff val="80000"/>
+                      </a:schemeClr>
+                    </a:solidFill>
+                  </a:tcPr>
+                </a:tc>
+                <a:extLst>
+                  <a:ext uri="{0D108BD9-81ED-4DB2-BD59-A6C34878D82A}">
+                    <a16:rowId xmlns:a16="http://schemas.microsoft.com/office/drawing/2014/main" val="1704586361"/>
+                  </a:ext>
+                </a:extLst>
+              </a:tr>
+              <a:tr h="336220">
+                <a:tc>
+                  <a:txBody>
+                    <a:bodyPr/>
+                    <a:lstStyle/>
+                    <a:p>
+                      <a:pPr algn="ctr"/>
+                      <a:r>
+                        <a:rPr lang="en-GB" sz="1600" b="0" dirty="0" err="1"/>
+                        <a:t>Hondia</a:t>
+                      </a:r>
+                      <a:r>
+                        <a:rPr lang="en-GB" sz="1600" b="0" dirty="0"/>
+                        <a:t> 280</a:t>
+                      </a:r>
+                    </a:p>
+                  </a:txBody>
+                  <a:tcPr>
+                    <a:lnL w="12700" cap="flat" cmpd="sng" algn="ctr">
+                      <a:solidFill>
+                        <a:schemeClr val="tx1"/>
+                      </a:solidFill>
+                      <a:prstDash val="solid"/>
+                      <a:round/>
+                      <a:headEnd type="none" w="med" len="med"/>
+                      <a:tailEnd type="none" w="med" len="med"/>
+                    </a:lnL>
+                    <a:lnR w="12700" cap="flat" cmpd="sng" algn="ctr">
+                      <a:solidFill>
+                        <a:schemeClr val="tx1"/>
+                      </a:solidFill>
+                      <a:prstDash val="solid"/>
+                      <a:round/>
+                      <a:headEnd type="none" w="med" len="med"/>
+                      <a:tailEnd type="none" w="med" len="med"/>
+                    </a:lnR>
+                    <a:lnT w="12700" cap="flat" cmpd="sng" algn="ctr">
+                      <a:solidFill>
+                        <a:schemeClr val="tx1"/>
+                      </a:solidFill>
+                      <a:prstDash val="solid"/>
+                      <a:round/>
+                      <a:headEnd type="none" w="med" len="med"/>
+                      <a:tailEnd type="none" w="med" len="med"/>
+                    </a:lnT>
+                    <a:lnB w="12700" cap="flat" cmpd="sng" algn="ctr">
+                      <a:solidFill>
+                        <a:schemeClr val="tx1"/>
+                      </a:solidFill>
+                      <a:prstDash val="solid"/>
+                      <a:round/>
+                      <a:headEnd type="none" w="med" len="med"/>
+                      <a:tailEnd type="none" w="med" len="med"/>
+                    </a:lnB>
+                    <a:solidFill>
+                      <a:srgbClr val="62089A"/>
+                    </a:solidFill>
+                  </a:tcPr>
+                </a:tc>
+                <a:tc>
+                  <a:txBody>
+                    <a:bodyPr/>
+                    <a:lstStyle/>
+                    <a:p>
+                      <a:pPr algn="ctr"/>
+                      <a:r>
+                        <a:rPr lang="en-GB" sz="1600" b="0" dirty="0"/>
+                        <a:t>Bologna 35 </a:t>
+                      </a:r>
+                    </a:p>
+                  </a:txBody>
+                  <a:tcPr>
+                    <a:lnL w="12700" cap="flat" cmpd="sng" algn="ctr">
+                      <a:solidFill>
+                        <a:schemeClr val="tx1"/>
+                      </a:solidFill>
+                      <a:prstDash val="solid"/>
+                      <a:round/>
+                      <a:headEnd type="none" w="med" len="med"/>
+                      <a:tailEnd type="none" w="med" len="med"/>
+                    </a:lnL>
+                    <a:lnR w="12700" cap="flat" cmpd="sng" algn="ctr">
+                      <a:solidFill>
+                        <a:schemeClr val="tx1"/>
+                      </a:solidFill>
+                      <a:prstDash val="solid"/>
+                      <a:round/>
+                      <a:headEnd type="none" w="med" len="med"/>
+                      <a:tailEnd type="none" w="med" len="med"/>
+                    </a:lnR>
+                    <a:lnT w="12700" cap="flat" cmpd="sng" algn="ctr">
+                      <a:solidFill>
+                        <a:schemeClr val="tx1"/>
+                      </a:solidFill>
+                      <a:prstDash val="solid"/>
+                      <a:round/>
+                      <a:headEnd type="none" w="med" len="med"/>
+                      <a:tailEnd type="none" w="med" len="med"/>
+                    </a:lnT>
+                    <a:lnB w="12700" cap="flat" cmpd="sng" algn="ctr">
+                      <a:solidFill>
+                        <a:schemeClr val="tx1"/>
+                      </a:solidFill>
+                      <a:prstDash val="solid"/>
+                      <a:round/>
+                      <a:headEnd type="none" w="med" len="med"/>
+                      <a:tailEnd type="none" w="med" len="med"/>
+                    </a:lnB>
+                    <a:solidFill>
+                      <a:schemeClr val="accent4">
+                        <a:lumMod val="20000"/>
+                        <a:lumOff val="80000"/>
+                      </a:schemeClr>
+                    </a:solidFill>
+                  </a:tcPr>
+                </a:tc>
+                <a:tc>
+                  <a:txBody>
+                    <a:bodyPr/>
+                    <a:lstStyle/>
+                    <a:p>
+                      <a:pPr algn="ctr"/>
+                      <a:r>
+                        <a:rPr lang="en-GB" sz="1600" b="0" dirty="0"/>
+                        <a:t>Bologna 280</a:t>
+                      </a:r>
+                    </a:p>
+                  </a:txBody>
+                  <a:tcPr>
+                    <a:lnL w="12700" cap="flat" cmpd="sng" algn="ctr">
+                      <a:solidFill>
+                        <a:schemeClr val="tx1"/>
+                      </a:solidFill>
+                      <a:prstDash val="solid"/>
+                      <a:round/>
+                      <a:headEnd type="none" w="med" len="med"/>
+                      <a:tailEnd type="none" w="med" len="med"/>
+                    </a:lnL>
+                    <a:lnR w="12700" cap="flat" cmpd="sng" algn="ctr">
+                      <a:solidFill>
+                        <a:schemeClr val="tx1"/>
+                      </a:solidFill>
+                      <a:prstDash val="solid"/>
+                      <a:round/>
+                      <a:headEnd type="none" w="med" len="med"/>
+                      <a:tailEnd type="none" w="med" len="med"/>
+                    </a:lnR>
+                    <a:lnT w="12700" cap="flat" cmpd="sng" algn="ctr">
+                      <a:solidFill>
+                        <a:schemeClr val="tx1"/>
+                      </a:solidFill>
+                      <a:prstDash val="solid"/>
+                      <a:round/>
+                      <a:headEnd type="none" w="med" len="med"/>
+                      <a:tailEnd type="none" w="med" len="med"/>
+                    </a:lnT>
+                    <a:lnB w="12700" cap="flat" cmpd="sng" algn="ctr">
+                      <a:solidFill>
+                        <a:schemeClr val="tx1"/>
+                      </a:solidFill>
+                      <a:prstDash val="solid"/>
+                      <a:round/>
+                      <a:headEnd type="none" w="med" len="med"/>
+                      <a:tailEnd type="none" w="med" len="med"/>
+                    </a:lnB>
+                    <a:solidFill>
+                      <a:schemeClr val="accent4">
+                        <a:lumMod val="75000"/>
+                      </a:schemeClr>
+                    </a:solidFill>
+                  </a:tcPr>
+                </a:tc>
+                <a:tc>
+                  <a:txBody>
+                    <a:bodyPr/>
+                    <a:lstStyle/>
+                    <a:p>
+                      <a:pPr algn="ctr"/>
+                      <a:r>
+                        <a:rPr lang="en-GB" sz="1600" b="0" dirty="0"/>
+                        <a:t>Bologna 140</a:t>
+                      </a:r>
+                    </a:p>
+                  </a:txBody>
+                  <a:tcPr>
+                    <a:lnL w="12700" cap="flat" cmpd="sng" algn="ctr">
+                      <a:solidFill>
+                        <a:schemeClr val="tx1"/>
+                      </a:solidFill>
+                      <a:prstDash val="solid"/>
+                      <a:round/>
+                      <a:headEnd type="none" w="med" len="med"/>
+                      <a:tailEnd type="none" w="med" len="med"/>
+                    </a:lnL>
+                    <a:lnR w="12700" cap="flat" cmpd="sng" algn="ctr">
+                      <a:solidFill>
+                        <a:schemeClr val="tx1"/>
+                      </a:solidFill>
+                      <a:prstDash val="solid"/>
+                      <a:round/>
+                      <a:headEnd type="none" w="med" len="med"/>
+                      <a:tailEnd type="none" w="med" len="med"/>
+                    </a:lnR>
+                    <a:lnT w="12700" cap="flat" cmpd="sng" algn="ctr">
+                      <a:solidFill>
+                        <a:schemeClr val="tx1"/>
+                      </a:solidFill>
+                      <a:prstDash val="solid"/>
+                      <a:round/>
+                      <a:headEnd type="none" w="med" len="med"/>
+                      <a:tailEnd type="none" w="med" len="med"/>
+                    </a:lnT>
+                    <a:lnB w="12700" cap="flat" cmpd="sng" algn="ctr">
+                      <a:solidFill>
+                        <a:schemeClr val="tx1"/>
+                      </a:solidFill>
+                      <a:prstDash val="solid"/>
+                      <a:round/>
+                      <a:headEnd type="none" w="med" len="med"/>
+                      <a:tailEnd type="none" w="med" len="med"/>
+                    </a:lnB>
+                    <a:solidFill>
+                      <a:schemeClr val="accent4">
+                        <a:lumMod val="60000"/>
+                        <a:lumOff val="40000"/>
+                      </a:schemeClr>
+                    </a:solidFill>
+                  </a:tcPr>
+                </a:tc>
+                <a:extLst>
+                  <a:ext uri="{0D108BD9-81ED-4DB2-BD59-A6C34878D82A}">
+                    <a16:rowId xmlns:a16="http://schemas.microsoft.com/office/drawing/2014/main" val="1562481030"/>
+                  </a:ext>
+                </a:extLst>
+              </a:tr>
+              <a:tr h="336220">
+                <a:tc>
+                  <a:txBody>
+                    <a:bodyPr/>
+                    <a:lstStyle/>
+                    <a:p>
+                      <a:pPr algn="ctr"/>
+                      <a:r>
+                        <a:rPr lang="en-GB" sz="1600" b="0" dirty="0" err="1"/>
+                        <a:t>Hondia</a:t>
+                      </a:r>
+                      <a:r>
+                        <a:rPr lang="en-GB" sz="1600" b="0" dirty="0"/>
+                        <a:t> 560</a:t>
+                      </a:r>
+                    </a:p>
+                  </a:txBody>
+                  <a:tcPr>
+                    <a:lnL w="12700" cap="flat" cmpd="sng" algn="ctr">
+                      <a:solidFill>
+                        <a:schemeClr val="tx1"/>
+                      </a:solidFill>
+                      <a:prstDash val="solid"/>
+                      <a:round/>
+                      <a:headEnd type="none" w="med" len="med"/>
+                      <a:tailEnd type="none" w="med" len="med"/>
+                    </a:lnL>
+                    <a:lnR w="12700" cap="flat" cmpd="sng" algn="ctr">
+                      <a:solidFill>
+                        <a:schemeClr val="tx1"/>
+                      </a:solidFill>
+                      <a:prstDash val="solid"/>
+                      <a:round/>
+                      <a:headEnd type="none" w="med" len="med"/>
+                      <a:tailEnd type="none" w="med" len="med"/>
+                    </a:lnR>
+                    <a:lnT w="12700" cap="flat" cmpd="sng" algn="ctr">
+                      <a:solidFill>
+                        <a:schemeClr val="tx1"/>
+                      </a:solidFill>
+                      <a:prstDash val="solid"/>
+                      <a:round/>
+                      <a:headEnd type="none" w="med" len="med"/>
+                      <a:tailEnd type="none" w="med" len="med"/>
+                    </a:lnT>
+                    <a:lnB w="12700" cap="flat" cmpd="sng" algn="ctr">
+                      <a:solidFill>
+                        <a:schemeClr val="tx1"/>
+                      </a:solidFill>
+                      <a:prstDash val="solid"/>
+                      <a:round/>
+                      <a:headEnd type="none" w="med" len="med"/>
+                      <a:tailEnd type="none" w="med" len="med"/>
+                    </a:lnB>
+                    <a:solidFill>
+                      <a:srgbClr val="62089A"/>
+                    </a:solidFill>
+                  </a:tcPr>
+                </a:tc>
+                <a:tc>
+                  <a:txBody>
+                    <a:bodyPr/>
+                    <a:lstStyle/>
+                    <a:p>
+                      <a:pPr algn="ctr"/>
+                      <a:r>
+                        <a:rPr lang="en-GB" sz="1600" b="0" dirty="0"/>
+                        <a:t>Bologna 70</a:t>
+                      </a:r>
+                    </a:p>
+                  </a:txBody>
+                  <a:tcPr>
+                    <a:lnL w="12700" cap="flat" cmpd="sng" algn="ctr">
+                      <a:solidFill>
+                        <a:schemeClr val="tx1"/>
+                      </a:solidFill>
+                      <a:prstDash val="solid"/>
+                      <a:round/>
+                      <a:headEnd type="none" w="med" len="med"/>
+                      <a:tailEnd type="none" w="med" len="med"/>
+                    </a:lnL>
+                    <a:lnR w="12700" cap="flat" cmpd="sng" algn="ctr">
+                      <a:solidFill>
+                        <a:schemeClr val="tx1"/>
+                      </a:solidFill>
+                      <a:prstDash val="solid"/>
+                      <a:round/>
+                      <a:headEnd type="none" w="med" len="med"/>
+                      <a:tailEnd type="none" w="med" len="med"/>
+                    </a:lnR>
+                    <a:lnT w="12700" cap="flat" cmpd="sng" algn="ctr">
+                      <a:solidFill>
+                        <a:schemeClr val="tx1"/>
+                      </a:solidFill>
+                      <a:prstDash val="solid"/>
+                      <a:round/>
+                      <a:headEnd type="none" w="med" len="med"/>
+                      <a:tailEnd type="none" w="med" len="med"/>
+                    </a:lnT>
+                    <a:lnB w="12700" cap="flat" cmpd="sng" algn="ctr">
+                      <a:solidFill>
+                        <a:schemeClr val="tx1"/>
+                      </a:solidFill>
+                      <a:prstDash val="solid"/>
+                      <a:round/>
+                      <a:headEnd type="none" w="med" len="med"/>
+                      <a:tailEnd type="none" w="med" len="med"/>
+                    </a:lnB>
+                    <a:solidFill>
+                      <a:schemeClr val="accent4">
+                        <a:lumMod val="40000"/>
+                        <a:lumOff val="60000"/>
+                      </a:schemeClr>
+                    </a:solidFill>
+                  </a:tcPr>
+                </a:tc>
+                <a:tc>
+                  <a:txBody>
+                    <a:bodyPr/>
+                    <a:lstStyle/>
+                    <a:p>
+                      <a:pPr algn="ctr"/>
+                      <a:r>
+                        <a:rPr lang="en-GB" sz="1600" b="0" dirty="0" err="1"/>
+                        <a:t>Hondia</a:t>
+                      </a:r>
+                      <a:r>
+                        <a:rPr lang="en-GB" sz="1600" b="0" dirty="0"/>
+                        <a:t> 280</a:t>
+                      </a:r>
+                    </a:p>
+                  </a:txBody>
+                  <a:tcPr>
+                    <a:lnL w="12700" cap="flat" cmpd="sng" algn="ctr">
+                      <a:solidFill>
+                        <a:schemeClr val="tx1"/>
+                      </a:solidFill>
+                      <a:prstDash val="solid"/>
+                      <a:round/>
+                      <a:headEnd type="none" w="med" len="med"/>
+                      <a:tailEnd type="none" w="med" len="med"/>
+                    </a:lnL>
+                    <a:lnR w="12700" cap="flat" cmpd="sng" algn="ctr">
+                      <a:solidFill>
+                        <a:schemeClr val="tx1"/>
+                      </a:solidFill>
+                      <a:prstDash val="solid"/>
+                      <a:round/>
+                      <a:headEnd type="none" w="med" len="med"/>
+                      <a:tailEnd type="none" w="med" len="med"/>
+                    </a:lnR>
+                    <a:lnT w="12700" cap="flat" cmpd="sng" algn="ctr">
+                      <a:solidFill>
+                        <a:schemeClr val="tx1"/>
+                      </a:solidFill>
+                      <a:prstDash val="solid"/>
+                      <a:round/>
+                      <a:headEnd type="none" w="med" len="med"/>
+                      <a:tailEnd type="none" w="med" len="med"/>
+                    </a:lnT>
+                    <a:lnB w="12700" cap="flat" cmpd="sng" algn="ctr">
+                      <a:solidFill>
+                        <a:schemeClr val="tx1"/>
+                      </a:solidFill>
+                      <a:prstDash val="solid"/>
+                      <a:round/>
+                      <a:headEnd type="none" w="med" len="med"/>
+                      <a:tailEnd type="none" w="med" len="med"/>
+                    </a:lnB>
+                    <a:solidFill>
+                      <a:srgbClr val="9E15F3"/>
+                    </a:solidFill>
+                  </a:tcPr>
+                </a:tc>
+                <a:tc>
+                  <a:txBody>
+                    <a:bodyPr/>
+                    <a:lstStyle/>
+                    <a:p>
+                      <a:pPr algn="ctr"/>
+                      <a:r>
+                        <a:rPr lang="en-GB" sz="1600" b="0" dirty="0"/>
+                        <a:t>Bologna 280</a:t>
+                      </a:r>
+                    </a:p>
+                  </a:txBody>
+                  <a:tcPr>
+                    <a:lnL w="12700" cap="flat" cmpd="sng" algn="ctr">
+                      <a:solidFill>
+                        <a:schemeClr val="tx1"/>
+                      </a:solidFill>
+                      <a:prstDash val="solid"/>
+                      <a:round/>
+                      <a:headEnd type="none" w="med" len="med"/>
+                      <a:tailEnd type="none" w="med" len="med"/>
+                    </a:lnL>
+                    <a:lnR w="12700" cap="flat" cmpd="sng" algn="ctr">
+                      <a:solidFill>
+                        <a:schemeClr val="tx1"/>
+                      </a:solidFill>
+                      <a:prstDash val="solid"/>
+                      <a:round/>
+                      <a:headEnd type="none" w="med" len="med"/>
+                      <a:tailEnd type="none" w="med" len="med"/>
+                    </a:lnR>
+                    <a:lnT w="12700" cap="flat" cmpd="sng" algn="ctr">
+                      <a:solidFill>
+                        <a:schemeClr val="tx1"/>
+                      </a:solidFill>
+                      <a:prstDash val="solid"/>
+                      <a:round/>
+                      <a:headEnd type="none" w="med" len="med"/>
+                      <a:tailEnd type="none" w="med" len="med"/>
+                    </a:lnT>
+                    <a:lnB w="12700" cap="flat" cmpd="sng" algn="ctr">
+                      <a:solidFill>
+                        <a:schemeClr val="tx1"/>
+                      </a:solidFill>
+                      <a:prstDash val="solid"/>
+                      <a:round/>
+                      <a:headEnd type="none" w="med" len="med"/>
+                      <a:tailEnd type="none" w="med" len="med"/>
+                    </a:lnB>
+                    <a:solidFill>
+                      <a:schemeClr val="accent4">
+                        <a:lumMod val="75000"/>
+                      </a:schemeClr>
+                    </a:solidFill>
+                  </a:tcPr>
+                </a:tc>
+                <a:extLst>
+                  <a:ext uri="{0D108BD9-81ED-4DB2-BD59-A6C34878D82A}">
+                    <a16:rowId xmlns:a16="http://schemas.microsoft.com/office/drawing/2014/main" val="721235821"/>
+                  </a:ext>
+                </a:extLst>
+              </a:tr>
+              <a:tr h="336220">
+                <a:tc>
+                  <a:txBody>
+                    <a:bodyPr/>
+                    <a:lstStyle/>
+                    <a:p>
+                      <a:pPr algn="ctr"/>
+                      <a:r>
+                        <a:rPr lang="en-GB" sz="1600" b="0" dirty="0"/>
+                        <a:t>Bologna 140</a:t>
+                      </a:r>
+                    </a:p>
+                  </a:txBody>
+                  <a:tcPr>
+                    <a:lnL w="12700" cap="flat" cmpd="sng" algn="ctr">
+                      <a:solidFill>
+                        <a:schemeClr val="tx1"/>
+                      </a:solidFill>
+                      <a:prstDash val="solid"/>
+                      <a:round/>
+                      <a:headEnd type="none" w="med" len="med"/>
+                      <a:tailEnd type="none" w="med" len="med"/>
+                    </a:lnL>
+                    <a:lnR w="12700" cap="flat" cmpd="sng" algn="ctr">
+                      <a:solidFill>
+                        <a:schemeClr val="tx1"/>
+                      </a:solidFill>
+                      <a:prstDash val="solid"/>
+                      <a:round/>
+                      <a:headEnd type="none" w="med" len="med"/>
+                      <a:tailEnd type="none" w="med" len="med"/>
+                    </a:lnR>
+                    <a:lnT w="12700" cap="flat" cmpd="sng" algn="ctr">
+                      <a:solidFill>
+                        <a:schemeClr val="tx1"/>
+                      </a:solidFill>
+                      <a:prstDash val="solid"/>
+                      <a:round/>
+                      <a:headEnd type="none" w="med" len="med"/>
+                      <a:tailEnd type="none" w="med" len="med"/>
+                    </a:lnT>
+                    <a:lnB w="12700" cap="flat" cmpd="sng" algn="ctr">
+                      <a:solidFill>
+                        <a:schemeClr val="tx1"/>
+                      </a:solidFill>
+                      <a:prstDash val="solid"/>
+                      <a:round/>
+                      <a:headEnd type="none" w="med" len="med"/>
+                      <a:tailEnd type="none" w="med" len="med"/>
+                    </a:lnB>
+                    <a:solidFill>
+                      <a:schemeClr val="accent4">
+                        <a:lumMod val="60000"/>
+                        <a:lumOff val="40000"/>
+                      </a:schemeClr>
+                    </a:solidFill>
+                  </a:tcPr>
+                </a:tc>
+                <a:tc>
+                  <a:txBody>
+                    <a:bodyPr/>
+                    <a:lstStyle/>
+                    <a:p>
+                      <a:pPr algn="ctr"/>
+                      <a:r>
+                        <a:rPr lang="en-GB" sz="1600" b="0" dirty="0" err="1"/>
+                        <a:t>Marcopolo</a:t>
+                      </a:r>
+                      <a:r>
+                        <a:rPr lang="en-GB" sz="1600" b="0" dirty="0"/>
+                        <a:t> 560</a:t>
+                      </a:r>
+                    </a:p>
+                  </a:txBody>
+                  <a:tcPr>
+                    <a:lnL w="12700" cap="flat" cmpd="sng" algn="ctr">
+                      <a:solidFill>
+                        <a:schemeClr val="tx1"/>
+                      </a:solidFill>
+                      <a:prstDash val="solid"/>
+                      <a:round/>
+                      <a:headEnd type="none" w="med" len="med"/>
+                      <a:tailEnd type="none" w="med" len="med"/>
+                    </a:lnL>
+                    <a:lnR w="12700" cap="flat" cmpd="sng" algn="ctr">
+                      <a:solidFill>
+                        <a:schemeClr val="tx1"/>
+                      </a:solidFill>
+                      <a:prstDash val="solid"/>
+                      <a:round/>
+                      <a:headEnd type="none" w="med" len="med"/>
+                      <a:tailEnd type="none" w="med" len="med"/>
+                    </a:lnR>
+                    <a:lnT w="12700" cap="flat" cmpd="sng" algn="ctr">
+                      <a:solidFill>
+                        <a:schemeClr val="tx1"/>
+                      </a:solidFill>
+                      <a:prstDash val="solid"/>
+                      <a:round/>
+                      <a:headEnd type="none" w="med" len="med"/>
+                      <a:tailEnd type="none" w="med" len="med"/>
+                    </a:lnT>
+                    <a:lnB w="12700" cap="flat" cmpd="sng" algn="ctr">
+                      <a:solidFill>
+                        <a:schemeClr val="tx1"/>
+                      </a:solidFill>
+                      <a:prstDash val="solid"/>
+                      <a:round/>
+                      <a:headEnd type="none" w="med" len="med"/>
+                      <a:tailEnd type="none" w="med" len="med"/>
+                    </a:lnB>
+                    <a:solidFill>
+                      <a:schemeClr val="accent6">
+                        <a:lumMod val="50000"/>
+                      </a:schemeClr>
+                    </a:solidFill>
+                  </a:tcPr>
+                </a:tc>
+                <a:tc>
+                  <a:txBody>
+                    <a:bodyPr/>
+                    <a:lstStyle/>
+                    <a:p>
+                      <a:pPr algn="ctr"/>
+                      <a:r>
+                        <a:rPr lang="en-GB" sz="1600" b="0" dirty="0" err="1"/>
+                        <a:t>Marcopolo</a:t>
+                      </a:r>
+                      <a:r>
+                        <a:rPr lang="en-GB" sz="1600" b="0" dirty="0"/>
+                        <a:t> 140</a:t>
+                      </a:r>
+                    </a:p>
+                  </a:txBody>
+                  <a:tcPr>
+                    <a:lnL w="12700" cap="flat" cmpd="sng" algn="ctr">
+                      <a:solidFill>
+                        <a:schemeClr val="tx1"/>
+                      </a:solidFill>
+                      <a:prstDash val="solid"/>
+                      <a:round/>
+                      <a:headEnd type="none" w="med" len="med"/>
+                      <a:tailEnd type="none" w="med" len="med"/>
+                    </a:lnL>
+                    <a:lnR w="12700" cap="flat" cmpd="sng" algn="ctr">
+                      <a:solidFill>
+                        <a:schemeClr val="tx1"/>
+                      </a:solidFill>
+                      <a:prstDash val="solid"/>
+                      <a:round/>
+                      <a:headEnd type="none" w="med" len="med"/>
+                      <a:tailEnd type="none" w="med" len="med"/>
+                    </a:lnR>
+                    <a:lnT w="12700" cap="flat" cmpd="sng" algn="ctr">
+                      <a:solidFill>
+                        <a:schemeClr val="tx1"/>
+                      </a:solidFill>
+                      <a:prstDash val="solid"/>
+                      <a:round/>
+                      <a:headEnd type="none" w="med" len="med"/>
+                      <a:tailEnd type="none" w="med" len="med"/>
+                    </a:lnT>
+                    <a:lnB w="12700" cap="flat" cmpd="sng" algn="ctr">
+                      <a:solidFill>
+                        <a:schemeClr val="tx1"/>
+                      </a:solidFill>
+                      <a:prstDash val="solid"/>
+                      <a:round/>
+                      <a:headEnd type="none" w="med" len="med"/>
+                      <a:tailEnd type="none" w="med" len="med"/>
+                    </a:lnB>
+                    <a:solidFill>
+                      <a:schemeClr val="accent6">
+                        <a:lumMod val="60000"/>
+                        <a:lumOff val="40000"/>
+                      </a:schemeClr>
+                    </a:solidFill>
+                  </a:tcPr>
+                </a:tc>
+                <a:tc>
+                  <a:txBody>
+                    <a:bodyPr/>
+                    <a:lstStyle/>
+                    <a:p>
+                      <a:pPr algn="ctr"/>
+                      <a:r>
+                        <a:rPr lang="en-GB" sz="1600" b="0" dirty="0" err="1"/>
+                        <a:t>Hondia</a:t>
+                      </a:r>
+                      <a:r>
+                        <a:rPr lang="en-GB" sz="1600" b="0" dirty="0"/>
+                        <a:t> 140 </a:t>
+                      </a:r>
+                    </a:p>
+                  </a:txBody>
+                  <a:tcPr>
+                    <a:lnL w="12700" cap="flat" cmpd="sng" algn="ctr">
+                      <a:solidFill>
+                        <a:schemeClr val="tx1"/>
+                      </a:solidFill>
+                      <a:prstDash val="solid"/>
+                      <a:round/>
+                      <a:headEnd type="none" w="med" len="med"/>
+                      <a:tailEnd type="none" w="med" len="med"/>
+                    </a:lnL>
+                    <a:lnR w="12700" cap="flat" cmpd="sng" algn="ctr">
+                      <a:solidFill>
+                        <a:schemeClr val="tx1"/>
+                      </a:solidFill>
+                      <a:prstDash val="solid"/>
+                      <a:round/>
+                      <a:headEnd type="none" w="med" len="med"/>
+                      <a:tailEnd type="none" w="med" len="med"/>
+                    </a:lnR>
+                    <a:lnT w="12700" cap="flat" cmpd="sng" algn="ctr">
+                      <a:solidFill>
+                        <a:schemeClr val="tx1"/>
+                      </a:solidFill>
+                      <a:prstDash val="solid"/>
+                      <a:round/>
+                      <a:headEnd type="none" w="med" len="med"/>
+                      <a:tailEnd type="none" w="med" len="med"/>
+                    </a:lnT>
+                    <a:lnB w="12700" cap="flat" cmpd="sng" algn="ctr">
+                      <a:solidFill>
+                        <a:schemeClr val="tx1"/>
+                      </a:solidFill>
+                      <a:prstDash val="solid"/>
+                      <a:round/>
+                      <a:headEnd type="none" w="med" len="med"/>
+                      <a:tailEnd type="none" w="med" len="med"/>
+                    </a:lnB>
+                    <a:solidFill>
+                      <a:srgbClr val="BA57F7"/>
+                    </a:solidFill>
+                  </a:tcPr>
+                </a:tc>
+                <a:extLst>
+                  <a:ext uri="{0D108BD9-81ED-4DB2-BD59-A6C34878D82A}">
+                    <a16:rowId xmlns:a16="http://schemas.microsoft.com/office/drawing/2014/main" val="1072107468"/>
+                  </a:ext>
+                </a:extLst>
+              </a:tr>
+              <a:tr h="336220">
+                <a:tc>
+                  <a:txBody>
+                    <a:bodyPr/>
+                    <a:lstStyle/>
+                    <a:p>
+                      <a:pPr algn="ctr"/>
+                      <a:r>
+                        <a:rPr lang="en-GB" sz="1600" b="0" dirty="0" err="1"/>
+                        <a:t>Marcopolo</a:t>
+                      </a:r>
+                      <a:r>
+                        <a:rPr lang="en-GB" sz="1600" b="0" dirty="0"/>
+                        <a:t> 35</a:t>
+                      </a:r>
+                    </a:p>
+                  </a:txBody>
+                  <a:tcPr>
+                    <a:lnL w="12700" cap="flat" cmpd="sng" algn="ctr">
+                      <a:solidFill>
+                        <a:schemeClr val="tx1"/>
+                      </a:solidFill>
+                      <a:prstDash val="solid"/>
+                      <a:round/>
+                      <a:headEnd type="none" w="med" len="med"/>
+                      <a:tailEnd type="none" w="med" len="med"/>
+                    </a:lnL>
+                    <a:lnR w="12700" cap="flat" cmpd="sng" algn="ctr">
+                      <a:solidFill>
+                        <a:schemeClr val="tx1"/>
+                      </a:solidFill>
+                      <a:prstDash val="solid"/>
+                      <a:round/>
+                      <a:headEnd type="none" w="med" len="med"/>
+                      <a:tailEnd type="none" w="med" len="med"/>
+                    </a:lnR>
+                    <a:lnT w="12700" cap="flat" cmpd="sng" algn="ctr">
+                      <a:solidFill>
+                        <a:schemeClr val="tx1"/>
+                      </a:solidFill>
+                      <a:prstDash val="solid"/>
+                      <a:round/>
+                      <a:headEnd type="none" w="med" len="med"/>
+                      <a:tailEnd type="none" w="med" len="med"/>
+                    </a:lnT>
+                    <a:lnB w="12700" cap="flat" cmpd="sng" algn="ctr">
+                      <a:solidFill>
+                        <a:schemeClr val="tx1"/>
+                      </a:solidFill>
+                      <a:prstDash val="solid"/>
+                      <a:round/>
+                      <a:headEnd type="none" w="med" len="med"/>
+                      <a:tailEnd type="none" w="med" len="med"/>
+                    </a:lnB>
+                    <a:solidFill>
+                      <a:schemeClr val="accent6">
+                        <a:lumMod val="20000"/>
+                        <a:lumOff val="80000"/>
+                      </a:schemeClr>
+                    </a:solidFill>
+                  </a:tcPr>
+                </a:tc>
+                <a:tc>
+                  <a:txBody>
+                    <a:bodyPr/>
+                    <a:lstStyle/>
+                    <a:p>
+                      <a:pPr algn="ctr"/>
+                      <a:r>
+                        <a:rPr lang="en-GB" sz="1600" b="0" dirty="0" err="1"/>
+                        <a:t>Hondia</a:t>
+                      </a:r>
+                      <a:r>
+                        <a:rPr lang="en-GB" sz="1600" b="0" dirty="0"/>
+                        <a:t> 35</a:t>
+                      </a:r>
+                    </a:p>
+                  </a:txBody>
+                  <a:tcPr>
+                    <a:lnL w="12700" cap="flat" cmpd="sng" algn="ctr">
+                      <a:solidFill>
+                        <a:schemeClr val="tx1"/>
+                      </a:solidFill>
+                      <a:prstDash val="solid"/>
+                      <a:round/>
+                      <a:headEnd type="none" w="med" len="med"/>
+                      <a:tailEnd type="none" w="med" len="med"/>
+                    </a:lnL>
+                    <a:lnR w="12700" cap="flat" cmpd="sng" algn="ctr">
+                      <a:solidFill>
+                        <a:schemeClr val="tx1"/>
+                      </a:solidFill>
+                      <a:prstDash val="solid"/>
+                      <a:round/>
+                      <a:headEnd type="none" w="med" len="med"/>
+                      <a:tailEnd type="none" w="med" len="med"/>
+                    </a:lnR>
+                    <a:lnT w="12700" cap="flat" cmpd="sng" algn="ctr">
+                      <a:solidFill>
+                        <a:schemeClr val="tx1"/>
+                      </a:solidFill>
+                      <a:prstDash val="solid"/>
+                      <a:round/>
+                      <a:headEnd type="none" w="med" len="med"/>
+                      <a:tailEnd type="none" w="med" len="med"/>
+                    </a:lnT>
+                    <a:lnB w="12700" cap="flat" cmpd="sng" algn="ctr">
+                      <a:solidFill>
+                        <a:schemeClr val="tx1"/>
+                      </a:solidFill>
+                      <a:prstDash val="solid"/>
+                      <a:round/>
+                      <a:headEnd type="none" w="med" len="med"/>
+                      <a:tailEnd type="none" w="med" len="med"/>
+                    </a:lnB>
+                    <a:solidFill>
+                      <a:srgbClr val="E8C7FD"/>
+                    </a:solidFill>
+                  </a:tcPr>
+                </a:tc>
+                <a:tc>
+                  <a:txBody>
+                    <a:bodyPr/>
+                    <a:lstStyle/>
+                    <a:p>
+                      <a:pPr algn="ctr"/>
+                      <a:r>
+                        <a:rPr lang="en-GB" sz="1600" b="0" dirty="0"/>
+                        <a:t>Bologna 560</a:t>
+                      </a:r>
+                    </a:p>
+                  </a:txBody>
+                  <a:tcPr>
+                    <a:lnL w="12700" cap="flat" cmpd="sng" algn="ctr">
+                      <a:solidFill>
+                        <a:schemeClr val="tx1"/>
+                      </a:solidFill>
+                      <a:prstDash val="solid"/>
+                      <a:round/>
+                      <a:headEnd type="none" w="med" len="med"/>
+                      <a:tailEnd type="none" w="med" len="med"/>
+                    </a:lnL>
+                    <a:lnR w="12700" cap="flat" cmpd="sng" algn="ctr">
+                      <a:solidFill>
+                        <a:schemeClr val="tx1"/>
+                      </a:solidFill>
+                      <a:prstDash val="solid"/>
+                      <a:round/>
+                      <a:headEnd type="none" w="med" len="med"/>
+                      <a:tailEnd type="none" w="med" len="med"/>
+                    </a:lnR>
+                    <a:lnT w="12700" cap="flat" cmpd="sng" algn="ctr">
+                      <a:solidFill>
+                        <a:schemeClr val="tx1"/>
+                      </a:solidFill>
+                      <a:prstDash val="solid"/>
+                      <a:round/>
+                      <a:headEnd type="none" w="med" len="med"/>
+                      <a:tailEnd type="none" w="med" len="med"/>
+                    </a:lnT>
+                    <a:lnB w="12700" cap="flat" cmpd="sng" algn="ctr">
+                      <a:solidFill>
+                        <a:schemeClr val="tx1"/>
+                      </a:solidFill>
+                      <a:prstDash val="solid"/>
+                      <a:round/>
+                      <a:headEnd type="none" w="med" len="med"/>
+                      <a:tailEnd type="none" w="med" len="med"/>
+                    </a:lnB>
+                    <a:solidFill>
+                      <a:schemeClr val="accent4">
+                        <a:lumMod val="50000"/>
+                      </a:schemeClr>
+                    </a:solidFill>
+                  </a:tcPr>
+                </a:tc>
+                <a:tc>
+                  <a:txBody>
+                    <a:bodyPr/>
+                    <a:lstStyle/>
+                    <a:p>
+                      <a:pPr algn="ctr"/>
+                      <a:r>
+                        <a:rPr lang="en-GB" sz="1600" b="0" dirty="0" err="1"/>
+                        <a:t>Marcopolo</a:t>
+                      </a:r>
+                      <a:r>
+                        <a:rPr lang="en-GB" sz="1600" b="0" dirty="0"/>
+                        <a:t> 70</a:t>
+                      </a:r>
+                    </a:p>
+                  </a:txBody>
+                  <a:tcPr>
+                    <a:lnL w="12700" cap="flat" cmpd="sng" algn="ctr">
+                      <a:solidFill>
+                        <a:schemeClr val="tx1"/>
+                      </a:solidFill>
+                      <a:prstDash val="solid"/>
+                      <a:round/>
+                      <a:headEnd type="none" w="med" len="med"/>
+                      <a:tailEnd type="none" w="med" len="med"/>
+                    </a:lnL>
+                    <a:lnR w="12700" cap="flat" cmpd="sng" algn="ctr">
+                      <a:solidFill>
+                        <a:schemeClr val="tx1"/>
+                      </a:solidFill>
+                      <a:prstDash val="solid"/>
+                      <a:round/>
+                      <a:headEnd type="none" w="med" len="med"/>
+                      <a:tailEnd type="none" w="med" len="med"/>
+                    </a:lnR>
+                    <a:lnT w="12700" cap="flat" cmpd="sng" algn="ctr">
+                      <a:solidFill>
+                        <a:schemeClr val="tx1"/>
+                      </a:solidFill>
+                      <a:prstDash val="solid"/>
+                      <a:round/>
+                      <a:headEnd type="none" w="med" len="med"/>
+                      <a:tailEnd type="none" w="med" len="med"/>
+                    </a:lnT>
+                    <a:lnB w="12700" cap="flat" cmpd="sng" algn="ctr">
+                      <a:solidFill>
+                        <a:schemeClr val="tx1"/>
+                      </a:solidFill>
+                      <a:prstDash val="solid"/>
+                      <a:round/>
+                      <a:headEnd type="none" w="med" len="med"/>
+                      <a:tailEnd type="none" w="med" len="med"/>
+                    </a:lnB>
+                    <a:solidFill>
+                      <a:schemeClr val="accent6">
+                        <a:lumMod val="40000"/>
+                        <a:lumOff val="60000"/>
+                      </a:schemeClr>
+                    </a:solidFill>
+                  </a:tcPr>
+                </a:tc>
+                <a:extLst>
+                  <a:ext uri="{0D108BD9-81ED-4DB2-BD59-A6C34878D82A}">
+                    <a16:rowId xmlns:a16="http://schemas.microsoft.com/office/drawing/2014/main" val="526704754"/>
+                  </a:ext>
+                </a:extLst>
+              </a:tr>
+              <a:tr h="336220">
+                <a:tc>
+                  <a:txBody>
+                    <a:bodyPr/>
+                    <a:lstStyle/>
+                    <a:p>
+                      <a:pPr algn="ctr"/>
+                      <a:r>
+                        <a:rPr lang="en-GB" sz="1600" b="0" dirty="0"/>
+                        <a:t>Bologna 280</a:t>
+                      </a:r>
+                    </a:p>
+                  </a:txBody>
+                  <a:tcPr>
+                    <a:lnL w="12700" cap="flat" cmpd="sng" algn="ctr">
+                      <a:solidFill>
+                        <a:schemeClr val="tx1"/>
+                      </a:solidFill>
+                      <a:prstDash val="solid"/>
+                      <a:round/>
+                      <a:headEnd type="none" w="med" len="med"/>
+                      <a:tailEnd type="none" w="med" len="med"/>
+                    </a:lnL>
+                    <a:lnR w="12700" cap="flat" cmpd="sng" algn="ctr">
+                      <a:solidFill>
+                        <a:schemeClr val="tx1"/>
+                      </a:solidFill>
+                      <a:prstDash val="solid"/>
+                      <a:round/>
+                      <a:headEnd type="none" w="med" len="med"/>
+                      <a:tailEnd type="none" w="med" len="med"/>
+                    </a:lnR>
+                    <a:lnT w="12700" cap="flat" cmpd="sng" algn="ctr">
+                      <a:solidFill>
+                        <a:schemeClr val="tx1"/>
+                      </a:solidFill>
+                      <a:prstDash val="solid"/>
+                      <a:round/>
+                      <a:headEnd type="none" w="med" len="med"/>
+                      <a:tailEnd type="none" w="med" len="med"/>
+                    </a:lnT>
+                    <a:lnB w="12700" cap="flat" cmpd="sng" algn="ctr">
+                      <a:solidFill>
+                        <a:schemeClr val="tx1"/>
+                      </a:solidFill>
+                      <a:prstDash val="solid"/>
+                      <a:round/>
+                      <a:headEnd type="none" w="med" len="med"/>
+                      <a:tailEnd type="none" w="med" len="med"/>
+                    </a:lnB>
+                    <a:solidFill>
+                      <a:schemeClr val="accent4">
+                        <a:lumMod val="75000"/>
+                      </a:schemeClr>
+                    </a:solidFill>
+                  </a:tcPr>
+                </a:tc>
+                <a:tc>
+                  <a:txBody>
+                    <a:bodyPr/>
+                    <a:lstStyle/>
+                    <a:p>
+                      <a:pPr algn="ctr"/>
+                      <a:r>
+                        <a:rPr lang="en-GB" sz="1600" b="0" dirty="0" err="1"/>
+                        <a:t>Hondia</a:t>
+                      </a:r>
+                      <a:r>
+                        <a:rPr lang="en-GB" sz="1600" b="0" dirty="0"/>
+                        <a:t> 70</a:t>
+                      </a:r>
+                    </a:p>
+                  </a:txBody>
+                  <a:tcPr>
+                    <a:lnL w="12700" cap="flat" cmpd="sng" algn="ctr">
+                      <a:solidFill>
+                        <a:schemeClr val="tx1"/>
+                      </a:solidFill>
+                      <a:prstDash val="solid"/>
+                      <a:round/>
+                      <a:headEnd type="none" w="med" len="med"/>
+                      <a:tailEnd type="none" w="med" len="med"/>
+                    </a:lnL>
+                    <a:lnR w="12700" cap="flat" cmpd="sng" algn="ctr">
+                      <a:solidFill>
+                        <a:schemeClr val="tx1"/>
+                      </a:solidFill>
+                      <a:prstDash val="solid"/>
+                      <a:round/>
+                      <a:headEnd type="none" w="med" len="med"/>
+                      <a:tailEnd type="none" w="med" len="med"/>
+                    </a:lnR>
+                    <a:lnT w="12700" cap="flat" cmpd="sng" algn="ctr">
+                      <a:solidFill>
+                        <a:schemeClr val="tx1"/>
+                      </a:solidFill>
+                      <a:prstDash val="solid"/>
+                      <a:round/>
+                      <a:headEnd type="none" w="med" len="med"/>
+                      <a:tailEnd type="none" w="med" len="med"/>
+                    </a:lnT>
+                    <a:lnB w="12700" cap="flat" cmpd="sng" algn="ctr">
+                      <a:solidFill>
+                        <a:schemeClr val="tx1"/>
+                      </a:solidFill>
+                      <a:prstDash val="solid"/>
+                      <a:round/>
+                      <a:headEnd type="none" w="med" len="med"/>
+                      <a:tailEnd type="none" w="med" len="med"/>
+                    </a:lnB>
+                    <a:solidFill>
+                      <a:srgbClr val="D69BFB"/>
+                    </a:solidFill>
+                  </a:tcPr>
+                </a:tc>
+                <a:tc>
+                  <a:txBody>
+                    <a:bodyPr/>
+                    <a:lstStyle/>
+                    <a:p>
+                      <a:pPr algn="ctr"/>
+                      <a:r>
+                        <a:rPr lang="en-GB" sz="1600" b="0" dirty="0"/>
+                        <a:t>Bologna 35</a:t>
+                      </a:r>
+                    </a:p>
+                  </a:txBody>
+                  <a:tcPr>
+                    <a:lnL w="12700" cap="flat" cmpd="sng" algn="ctr">
+                      <a:solidFill>
+                        <a:schemeClr val="tx1"/>
+                      </a:solidFill>
+                      <a:prstDash val="solid"/>
+                      <a:round/>
+                      <a:headEnd type="none" w="med" len="med"/>
+                      <a:tailEnd type="none" w="med" len="med"/>
+                    </a:lnL>
+                    <a:lnR w="12700" cap="flat" cmpd="sng" algn="ctr">
+                      <a:solidFill>
+                        <a:schemeClr val="tx1"/>
+                      </a:solidFill>
+                      <a:prstDash val="solid"/>
+                      <a:round/>
+                      <a:headEnd type="none" w="med" len="med"/>
+                      <a:tailEnd type="none" w="med" len="med"/>
+                    </a:lnR>
+                    <a:lnT w="12700" cap="flat" cmpd="sng" algn="ctr">
+                      <a:solidFill>
+                        <a:schemeClr val="tx1"/>
+                      </a:solidFill>
+                      <a:prstDash val="solid"/>
+                      <a:round/>
+                      <a:headEnd type="none" w="med" len="med"/>
+                      <a:tailEnd type="none" w="med" len="med"/>
+                    </a:lnT>
+                    <a:lnB w="12700" cap="flat" cmpd="sng" algn="ctr">
+                      <a:solidFill>
+                        <a:schemeClr val="tx1"/>
+                      </a:solidFill>
+                      <a:prstDash val="solid"/>
+                      <a:round/>
+                      <a:headEnd type="none" w="med" len="med"/>
+                      <a:tailEnd type="none" w="med" len="med"/>
+                    </a:lnB>
+                    <a:solidFill>
+                      <a:schemeClr val="accent4">
+                        <a:lumMod val="20000"/>
+                        <a:lumOff val="80000"/>
+                      </a:schemeClr>
+                    </a:solidFill>
+                  </a:tcPr>
+                </a:tc>
+                <a:tc>
+                  <a:txBody>
+                    <a:bodyPr/>
+                    <a:lstStyle/>
+                    <a:p>
+                      <a:pPr algn="ctr"/>
+                      <a:r>
+                        <a:rPr lang="en-GB" sz="1600" b="0" dirty="0" err="1"/>
+                        <a:t>Marcopolo</a:t>
+                      </a:r>
+                      <a:r>
+                        <a:rPr lang="en-GB" sz="1600" b="0" dirty="0"/>
+                        <a:t> 140</a:t>
+                      </a:r>
+                    </a:p>
+                  </a:txBody>
+                  <a:tcPr>
+                    <a:lnL w="12700" cap="flat" cmpd="sng" algn="ctr">
+                      <a:solidFill>
+                        <a:schemeClr val="tx1"/>
+                      </a:solidFill>
+                      <a:prstDash val="solid"/>
+                      <a:round/>
+                      <a:headEnd type="none" w="med" len="med"/>
+                      <a:tailEnd type="none" w="med" len="med"/>
+                    </a:lnL>
+                    <a:lnR w="12700" cap="flat" cmpd="sng" algn="ctr">
+                      <a:solidFill>
+                        <a:schemeClr val="tx1"/>
+                      </a:solidFill>
+                      <a:prstDash val="solid"/>
+                      <a:round/>
+                      <a:headEnd type="none" w="med" len="med"/>
+                      <a:tailEnd type="none" w="med" len="med"/>
+                    </a:lnR>
+                    <a:lnT w="12700" cap="flat" cmpd="sng" algn="ctr">
+                      <a:solidFill>
+                        <a:schemeClr val="tx1"/>
+                      </a:solidFill>
+                      <a:prstDash val="solid"/>
+                      <a:round/>
+                      <a:headEnd type="none" w="med" len="med"/>
+                      <a:tailEnd type="none" w="med" len="med"/>
+                    </a:lnT>
+                    <a:lnB w="12700" cap="flat" cmpd="sng" algn="ctr">
+                      <a:solidFill>
+                        <a:schemeClr val="tx1"/>
+                      </a:solidFill>
+                      <a:prstDash val="solid"/>
+                      <a:round/>
+                      <a:headEnd type="none" w="med" len="med"/>
+                      <a:tailEnd type="none" w="med" len="med"/>
+                    </a:lnB>
+                    <a:solidFill>
+                      <a:schemeClr val="accent6">
+                        <a:lumMod val="60000"/>
+                        <a:lumOff val="40000"/>
+                      </a:schemeClr>
+                    </a:solidFill>
+                  </a:tcPr>
+                </a:tc>
+                <a:extLst>
+                  <a:ext uri="{0D108BD9-81ED-4DB2-BD59-A6C34878D82A}">
+                    <a16:rowId xmlns:a16="http://schemas.microsoft.com/office/drawing/2014/main" val="977033093"/>
+                  </a:ext>
+                </a:extLst>
+              </a:tr>
+              <a:tr h="336220">
+                <a:tc>
+                  <a:txBody>
+                    <a:bodyPr/>
+                    <a:lstStyle/>
+                    <a:p>
+                      <a:pPr algn="ctr"/>
+                      <a:r>
+                        <a:rPr lang="en-GB" sz="1600" b="0" dirty="0" err="1"/>
+                        <a:t>Marcopolo</a:t>
+                      </a:r>
+                      <a:r>
+                        <a:rPr lang="en-GB" sz="1600" b="0" dirty="0"/>
+                        <a:t> 70</a:t>
+                      </a:r>
+                    </a:p>
+                  </a:txBody>
+                  <a:tcPr>
+                    <a:lnL w="12700" cap="flat" cmpd="sng" algn="ctr">
+                      <a:solidFill>
+                        <a:schemeClr val="tx1"/>
+                      </a:solidFill>
+                      <a:prstDash val="solid"/>
+                      <a:round/>
+                      <a:headEnd type="none" w="med" len="med"/>
+                      <a:tailEnd type="none" w="med" len="med"/>
+                    </a:lnL>
+                    <a:lnR w="12700" cap="flat" cmpd="sng" algn="ctr">
+                      <a:solidFill>
+                        <a:schemeClr val="tx1"/>
+                      </a:solidFill>
+                      <a:prstDash val="solid"/>
+                      <a:round/>
+                      <a:headEnd type="none" w="med" len="med"/>
+                      <a:tailEnd type="none" w="med" len="med"/>
+                    </a:lnR>
+                    <a:lnT w="12700" cap="flat" cmpd="sng" algn="ctr">
+                      <a:solidFill>
+                        <a:schemeClr val="tx1"/>
+                      </a:solidFill>
+                      <a:prstDash val="solid"/>
+                      <a:round/>
+                      <a:headEnd type="none" w="med" len="med"/>
+                      <a:tailEnd type="none" w="med" len="med"/>
+                    </a:lnT>
+                    <a:lnB w="12700" cap="flat" cmpd="sng" algn="ctr">
+                      <a:solidFill>
+                        <a:schemeClr val="tx1"/>
+                      </a:solidFill>
+                      <a:prstDash val="solid"/>
+                      <a:round/>
+                      <a:headEnd type="none" w="med" len="med"/>
+                      <a:tailEnd type="none" w="med" len="med"/>
+                    </a:lnB>
+                    <a:solidFill>
+                      <a:schemeClr val="accent6">
+                        <a:lumMod val="40000"/>
+                        <a:lumOff val="60000"/>
+                      </a:schemeClr>
+                    </a:solidFill>
+                  </a:tcPr>
+                </a:tc>
+                <a:tc>
+                  <a:txBody>
+                    <a:bodyPr/>
+                    <a:lstStyle/>
+                    <a:p>
+                      <a:pPr algn="ctr"/>
+                      <a:r>
+                        <a:rPr lang="en-GB" sz="1600" b="0" dirty="0" err="1"/>
+                        <a:t>Marcopolo</a:t>
+                      </a:r>
+                      <a:r>
+                        <a:rPr lang="en-GB" sz="1600" b="0" dirty="0"/>
+                        <a:t> 35</a:t>
+                      </a:r>
+                    </a:p>
+                  </a:txBody>
+                  <a:tcPr>
+                    <a:lnL w="12700" cap="flat" cmpd="sng" algn="ctr">
+                      <a:solidFill>
+                        <a:schemeClr val="tx1"/>
+                      </a:solidFill>
+                      <a:prstDash val="solid"/>
+                      <a:round/>
+                      <a:headEnd type="none" w="med" len="med"/>
+                      <a:tailEnd type="none" w="med" len="med"/>
+                    </a:lnL>
+                    <a:lnR w="12700" cap="flat" cmpd="sng" algn="ctr">
+                      <a:solidFill>
+                        <a:schemeClr val="tx1"/>
+                      </a:solidFill>
+                      <a:prstDash val="solid"/>
+                      <a:round/>
+                      <a:headEnd type="none" w="med" len="med"/>
+                      <a:tailEnd type="none" w="med" len="med"/>
+                    </a:lnR>
+                    <a:lnT w="12700" cap="flat" cmpd="sng" algn="ctr">
+                      <a:solidFill>
+                        <a:schemeClr val="tx1"/>
+                      </a:solidFill>
+                      <a:prstDash val="solid"/>
+                      <a:round/>
+                      <a:headEnd type="none" w="med" len="med"/>
+                      <a:tailEnd type="none" w="med" len="med"/>
+                    </a:lnT>
+                    <a:lnB w="12700" cap="flat" cmpd="sng" algn="ctr">
+                      <a:solidFill>
+                        <a:schemeClr val="tx1"/>
+                      </a:solidFill>
+                      <a:prstDash val="solid"/>
+                      <a:round/>
+                      <a:headEnd type="none" w="med" len="med"/>
+                      <a:tailEnd type="none" w="med" len="med"/>
+                    </a:lnB>
+                    <a:solidFill>
+                      <a:schemeClr val="accent6">
+                        <a:lumMod val="20000"/>
+                        <a:lumOff val="80000"/>
+                      </a:schemeClr>
+                    </a:solidFill>
+                  </a:tcPr>
+                </a:tc>
+                <a:tc>
+                  <a:txBody>
+                    <a:bodyPr/>
+                    <a:lstStyle/>
+                    <a:p>
+                      <a:pPr algn="ctr"/>
+                      <a:r>
+                        <a:rPr lang="en-GB" sz="1600" b="0" dirty="0" err="1"/>
+                        <a:t>Hondia</a:t>
+                      </a:r>
+                      <a:r>
+                        <a:rPr lang="en-GB" sz="1600" b="0" dirty="0"/>
+                        <a:t> 560</a:t>
+                      </a:r>
+                    </a:p>
+                  </a:txBody>
+                  <a:tcPr>
+                    <a:lnL w="12700" cap="flat" cmpd="sng" algn="ctr">
+                      <a:solidFill>
+                        <a:schemeClr val="tx1"/>
+                      </a:solidFill>
+                      <a:prstDash val="solid"/>
+                      <a:round/>
+                      <a:headEnd type="none" w="med" len="med"/>
+                      <a:tailEnd type="none" w="med" len="med"/>
+                    </a:lnL>
+                    <a:lnR w="12700" cap="flat" cmpd="sng" algn="ctr">
+                      <a:solidFill>
+                        <a:schemeClr val="tx1"/>
+                      </a:solidFill>
+                      <a:prstDash val="solid"/>
+                      <a:round/>
+                      <a:headEnd type="none" w="med" len="med"/>
+                      <a:tailEnd type="none" w="med" len="med"/>
+                    </a:lnR>
+                    <a:lnT w="12700" cap="flat" cmpd="sng" algn="ctr">
+                      <a:solidFill>
+                        <a:schemeClr val="tx1"/>
+                      </a:solidFill>
+                      <a:prstDash val="solid"/>
+                      <a:round/>
+                      <a:headEnd type="none" w="med" len="med"/>
+                      <a:tailEnd type="none" w="med" len="med"/>
+                    </a:lnT>
+                    <a:lnB w="12700" cap="flat" cmpd="sng" algn="ctr">
+                      <a:solidFill>
+                        <a:schemeClr val="tx1"/>
+                      </a:solidFill>
+                      <a:prstDash val="solid"/>
+                      <a:round/>
+                      <a:headEnd type="none" w="med" len="med"/>
+                      <a:tailEnd type="none" w="med" len="med"/>
+                    </a:lnB>
+                    <a:solidFill>
+                      <a:srgbClr val="62089A"/>
+                    </a:solidFill>
+                  </a:tcPr>
+                </a:tc>
+                <a:tc>
+                  <a:txBody>
+                    <a:bodyPr/>
+                    <a:lstStyle/>
+                    <a:p>
+                      <a:pPr algn="ctr"/>
+                      <a:r>
+                        <a:rPr lang="en-GB" sz="1600" b="0" dirty="0" err="1"/>
+                        <a:t>Hondia</a:t>
+                      </a:r>
+                      <a:r>
+                        <a:rPr lang="en-GB" sz="1600" b="0" dirty="0"/>
+                        <a:t> 280</a:t>
+                      </a:r>
+                    </a:p>
+                  </a:txBody>
+                  <a:tcPr>
+                    <a:lnL w="12700" cap="flat" cmpd="sng" algn="ctr">
+                      <a:solidFill>
+                        <a:schemeClr val="tx1"/>
+                      </a:solidFill>
+                      <a:prstDash val="solid"/>
+                      <a:round/>
+                      <a:headEnd type="none" w="med" len="med"/>
+                      <a:tailEnd type="none" w="med" len="med"/>
+                    </a:lnL>
+                    <a:lnR w="12700" cap="flat" cmpd="sng" algn="ctr">
+                      <a:solidFill>
+                        <a:schemeClr val="tx1"/>
+                      </a:solidFill>
+                      <a:prstDash val="solid"/>
+                      <a:round/>
+                      <a:headEnd type="none" w="med" len="med"/>
+                      <a:tailEnd type="none" w="med" len="med"/>
+                    </a:lnR>
+                    <a:lnT w="12700" cap="flat" cmpd="sng" algn="ctr">
+                      <a:solidFill>
+                        <a:schemeClr val="tx1"/>
+                      </a:solidFill>
+                      <a:prstDash val="solid"/>
+                      <a:round/>
+                      <a:headEnd type="none" w="med" len="med"/>
+                      <a:tailEnd type="none" w="med" len="med"/>
+                    </a:lnT>
+                    <a:lnB w="12700" cap="flat" cmpd="sng" algn="ctr">
+                      <a:solidFill>
+                        <a:schemeClr val="tx1"/>
+                      </a:solidFill>
+                      <a:prstDash val="solid"/>
+                      <a:round/>
+                      <a:headEnd type="none" w="med" len="med"/>
+                      <a:tailEnd type="none" w="med" len="med"/>
+                    </a:lnB>
+                    <a:solidFill>
+                      <a:srgbClr val="9E15F3"/>
+                    </a:solidFill>
+                  </a:tcPr>
+                </a:tc>
+                <a:extLst>
+                  <a:ext uri="{0D108BD9-81ED-4DB2-BD59-A6C34878D82A}">
+                    <a16:rowId xmlns:a16="http://schemas.microsoft.com/office/drawing/2014/main" val="2732432305"/>
+                  </a:ext>
+                </a:extLst>
+              </a:tr>
+              <a:tr h="336220">
+                <a:tc>
+                  <a:txBody>
+                    <a:bodyPr/>
+                    <a:lstStyle/>
+                    <a:p>
+                      <a:pPr algn="ctr"/>
+                      <a:r>
+                        <a:rPr lang="en-GB" sz="1600" b="0" dirty="0" err="1"/>
+                        <a:t>Hondia</a:t>
+                      </a:r>
+                      <a:r>
+                        <a:rPr lang="en-GB" sz="1600" b="0" dirty="0"/>
+                        <a:t> 35</a:t>
+                      </a:r>
+                    </a:p>
+                  </a:txBody>
+                  <a:tcPr>
+                    <a:lnL w="12700" cap="flat" cmpd="sng" algn="ctr">
+                      <a:solidFill>
+                        <a:schemeClr val="tx1"/>
+                      </a:solidFill>
+                      <a:prstDash val="solid"/>
+                      <a:round/>
+                      <a:headEnd type="none" w="med" len="med"/>
+                      <a:tailEnd type="none" w="med" len="med"/>
+                    </a:lnL>
+                    <a:lnR w="12700" cap="flat" cmpd="sng" algn="ctr">
+                      <a:solidFill>
+                        <a:schemeClr val="tx1"/>
+                      </a:solidFill>
+                      <a:prstDash val="solid"/>
+                      <a:round/>
+                      <a:headEnd type="none" w="med" len="med"/>
+                      <a:tailEnd type="none" w="med" len="med"/>
+                    </a:lnR>
+                    <a:lnT w="12700" cap="flat" cmpd="sng" algn="ctr">
+                      <a:solidFill>
+                        <a:schemeClr val="tx1"/>
+                      </a:solidFill>
+                      <a:prstDash val="solid"/>
+                      <a:round/>
+                      <a:headEnd type="none" w="med" len="med"/>
+                      <a:tailEnd type="none" w="med" len="med"/>
+                    </a:lnT>
+                    <a:lnB w="12700" cap="flat" cmpd="sng" algn="ctr">
+                      <a:solidFill>
+                        <a:schemeClr val="tx1"/>
+                      </a:solidFill>
+                      <a:prstDash val="solid"/>
+                      <a:round/>
+                      <a:headEnd type="none" w="med" len="med"/>
+                      <a:tailEnd type="none" w="med" len="med"/>
+                    </a:lnB>
+                    <a:solidFill>
+                      <a:srgbClr val="E1B6FC"/>
+                    </a:solidFill>
+                  </a:tcPr>
+                </a:tc>
+                <a:tc>
+                  <a:txBody>
+                    <a:bodyPr/>
+                    <a:lstStyle/>
+                    <a:p>
+                      <a:pPr algn="ctr"/>
+                      <a:r>
+                        <a:rPr lang="en-GB" sz="1600" b="0" dirty="0"/>
+                        <a:t>Bologna 140</a:t>
+                      </a:r>
+                    </a:p>
+                  </a:txBody>
+                  <a:tcPr>
+                    <a:lnL w="12700" cap="flat" cmpd="sng" algn="ctr">
+                      <a:solidFill>
+                        <a:schemeClr val="tx1"/>
+                      </a:solidFill>
+                      <a:prstDash val="solid"/>
+                      <a:round/>
+                      <a:headEnd type="none" w="med" len="med"/>
+                      <a:tailEnd type="none" w="med" len="med"/>
+                    </a:lnL>
+                    <a:lnR w="12700" cap="flat" cmpd="sng" algn="ctr">
+                      <a:solidFill>
+                        <a:schemeClr val="tx1"/>
+                      </a:solidFill>
+                      <a:prstDash val="solid"/>
+                      <a:round/>
+                      <a:headEnd type="none" w="med" len="med"/>
+                      <a:tailEnd type="none" w="med" len="med"/>
+                    </a:lnR>
+                    <a:lnT w="12700" cap="flat" cmpd="sng" algn="ctr">
+                      <a:solidFill>
+                        <a:schemeClr val="tx1"/>
+                      </a:solidFill>
+                      <a:prstDash val="solid"/>
+                      <a:round/>
+                      <a:headEnd type="none" w="med" len="med"/>
+                      <a:tailEnd type="none" w="med" len="med"/>
+                    </a:lnT>
+                    <a:lnB w="12700" cap="flat" cmpd="sng" algn="ctr">
+                      <a:solidFill>
+                        <a:schemeClr val="tx1"/>
+                      </a:solidFill>
+                      <a:prstDash val="solid"/>
+                      <a:round/>
+                      <a:headEnd type="none" w="med" len="med"/>
+                      <a:tailEnd type="none" w="med" len="med"/>
+                    </a:lnB>
+                    <a:solidFill>
+                      <a:schemeClr val="accent4">
+                        <a:lumMod val="60000"/>
+                        <a:lumOff val="40000"/>
+                      </a:schemeClr>
+                    </a:solidFill>
+                  </a:tcPr>
+                </a:tc>
+                <a:tc>
+                  <a:txBody>
+                    <a:bodyPr/>
+                    <a:lstStyle/>
+                    <a:p>
+                      <a:pPr algn="ctr"/>
+                      <a:r>
+                        <a:rPr lang="en-GB" sz="1600" b="0" dirty="0" err="1"/>
+                        <a:t>Marcopolo</a:t>
+                      </a:r>
+                      <a:r>
+                        <a:rPr lang="en-GB" sz="1600" b="0" dirty="0"/>
+                        <a:t> 280</a:t>
+                      </a:r>
+                    </a:p>
+                  </a:txBody>
+                  <a:tcPr>
+                    <a:lnL w="12700" cap="flat" cmpd="sng" algn="ctr">
+                      <a:solidFill>
+                        <a:schemeClr val="tx1"/>
+                      </a:solidFill>
+                      <a:prstDash val="solid"/>
+                      <a:round/>
+                      <a:headEnd type="none" w="med" len="med"/>
+                      <a:tailEnd type="none" w="med" len="med"/>
+                    </a:lnL>
+                    <a:lnR w="12700" cap="flat" cmpd="sng" algn="ctr">
+                      <a:solidFill>
+                        <a:schemeClr val="tx1"/>
+                      </a:solidFill>
+                      <a:prstDash val="solid"/>
+                      <a:round/>
+                      <a:headEnd type="none" w="med" len="med"/>
+                      <a:tailEnd type="none" w="med" len="med"/>
+                    </a:lnR>
+                    <a:lnT w="12700" cap="flat" cmpd="sng" algn="ctr">
+                      <a:solidFill>
+                        <a:schemeClr val="tx1"/>
+                      </a:solidFill>
+                      <a:prstDash val="solid"/>
+                      <a:round/>
+                      <a:headEnd type="none" w="med" len="med"/>
+                      <a:tailEnd type="none" w="med" len="med"/>
+                    </a:lnT>
+                    <a:lnB w="12700" cap="flat" cmpd="sng" algn="ctr">
+                      <a:solidFill>
+                        <a:schemeClr val="tx1"/>
+                      </a:solidFill>
+                      <a:prstDash val="solid"/>
+                      <a:round/>
+                      <a:headEnd type="none" w="med" len="med"/>
+                      <a:tailEnd type="none" w="med" len="med"/>
+                    </a:lnB>
+                    <a:solidFill>
+                      <a:schemeClr val="accent6">
+                        <a:lumMod val="75000"/>
+                      </a:schemeClr>
+                    </a:solidFill>
+                  </a:tcPr>
+                </a:tc>
+                <a:tc>
+                  <a:txBody>
+                    <a:bodyPr/>
+                    <a:lstStyle/>
+                    <a:p>
+                      <a:pPr algn="ctr"/>
+                      <a:r>
+                        <a:rPr lang="en-GB" sz="1600" b="0" dirty="0"/>
+                        <a:t>Bologna 560</a:t>
+                      </a:r>
+                    </a:p>
+                  </a:txBody>
+                  <a:tcPr>
+                    <a:lnL w="12700" cap="flat" cmpd="sng" algn="ctr">
+                      <a:solidFill>
+                        <a:schemeClr val="tx1"/>
+                      </a:solidFill>
+                      <a:prstDash val="solid"/>
+                      <a:round/>
+                      <a:headEnd type="none" w="med" len="med"/>
+                      <a:tailEnd type="none" w="med" len="med"/>
+                    </a:lnL>
+                    <a:lnR w="12700" cap="flat" cmpd="sng" algn="ctr">
+                      <a:solidFill>
+                        <a:schemeClr val="tx1"/>
+                      </a:solidFill>
+                      <a:prstDash val="solid"/>
+                      <a:round/>
+                      <a:headEnd type="none" w="med" len="med"/>
+                      <a:tailEnd type="none" w="med" len="med"/>
+                    </a:lnR>
+                    <a:lnT w="12700" cap="flat" cmpd="sng" algn="ctr">
+                      <a:solidFill>
+                        <a:schemeClr val="tx1"/>
+                      </a:solidFill>
+                      <a:prstDash val="solid"/>
+                      <a:round/>
+                      <a:headEnd type="none" w="med" len="med"/>
+                      <a:tailEnd type="none" w="med" len="med"/>
+                    </a:lnT>
+                    <a:lnB w="12700" cap="flat" cmpd="sng" algn="ctr">
+                      <a:solidFill>
+                        <a:schemeClr val="tx1"/>
+                      </a:solidFill>
+                      <a:prstDash val="solid"/>
+                      <a:round/>
+                      <a:headEnd type="none" w="med" len="med"/>
+                      <a:tailEnd type="none" w="med" len="med"/>
+                    </a:lnB>
+                    <a:solidFill>
+                      <a:schemeClr val="accent4">
+                        <a:lumMod val="50000"/>
+                      </a:schemeClr>
+                    </a:solidFill>
+                  </a:tcPr>
+                </a:tc>
+                <a:extLst>
+                  <a:ext uri="{0D108BD9-81ED-4DB2-BD59-A6C34878D82A}">
+                    <a16:rowId xmlns:a16="http://schemas.microsoft.com/office/drawing/2014/main" val="1392027146"/>
+                  </a:ext>
+                </a:extLst>
+              </a:tr>
+              <a:tr h="336220">
+                <a:tc>
+                  <a:txBody>
+                    <a:bodyPr/>
+                    <a:lstStyle/>
+                    <a:p>
+                      <a:pPr algn="ctr"/>
+                      <a:r>
+                        <a:rPr lang="en-GB" sz="1600" b="0" dirty="0"/>
+                        <a:t>Bologna 35</a:t>
+                      </a:r>
+                    </a:p>
+                  </a:txBody>
+                  <a:tcPr>
+                    <a:lnL w="12700" cap="flat" cmpd="sng" algn="ctr">
+                      <a:solidFill>
+                        <a:schemeClr val="tx1"/>
+                      </a:solidFill>
+                      <a:prstDash val="solid"/>
+                      <a:round/>
+                      <a:headEnd type="none" w="med" len="med"/>
+                      <a:tailEnd type="none" w="med" len="med"/>
+                    </a:lnL>
+                    <a:lnR w="12700" cap="flat" cmpd="sng" algn="ctr">
+                      <a:solidFill>
+                        <a:schemeClr val="tx1"/>
+                      </a:solidFill>
+                      <a:prstDash val="solid"/>
+                      <a:round/>
+                      <a:headEnd type="none" w="med" len="med"/>
+                      <a:tailEnd type="none" w="med" len="med"/>
+                    </a:lnR>
+                    <a:lnT w="12700" cap="flat" cmpd="sng" algn="ctr">
+                      <a:solidFill>
+                        <a:schemeClr val="tx1"/>
+                      </a:solidFill>
+                      <a:prstDash val="solid"/>
+                      <a:round/>
+                      <a:headEnd type="none" w="med" len="med"/>
+                      <a:tailEnd type="none" w="med" len="med"/>
+                    </a:lnT>
+                    <a:lnB w="12700" cap="flat" cmpd="sng" algn="ctr">
+                      <a:solidFill>
+                        <a:schemeClr val="tx1"/>
+                      </a:solidFill>
+                      <a:prstDash val="solid"/>
+                      <a:round/>
+                      <a:headEnd type="none" w="med" len="med"/>
+                      <a:tailEnd type="none" w="med" len="med"/>
+                    </a:lnB>
+                    <a:solidFill>
+                      <a:schemeClr val="accent4">
+                        <a:lumMod val="20000"/>
+                        <a:lumOff val="80000"/>
+                      </a:schemeClr>
+                    </a:solidFill>
+                  </a:tcPr>
+                </a:tc>
+                <a:tc>
+                  <a:txBody>
+                    <a:bodyPr/>
+                    <a:lstStyle/>
+                    <a:p>
+                      <a:pPr algn="ctr"/>
+                      <a:r>
+                        <a:rPr lang="en-GB" sz="1600" b="0" dirty="0" err="1"/>
+                        <a:t>Marcopolo</a:t>
+                      </a:r>
+                      <a:r>
+                        <a:rPr lang="en-GB" sz="1600" b="0" dirty="0"/>
+                        <a:t> 140</a:t>
+                      </a:r>
+                    </a:p>
+                  </a:txBody>
+                  <a:tcPr>
+                    <a:lnL w="12700" cap="flat" cmpd="sng" algn="ctr">
+                      <a:solidFill>
+                        <a:schemeClr val="tx1"/>
+                      </a:solidFill>
+                      <a:prstDash val="solid"/>
+                      <a:round/>
+                      <a:headEnd type="none" w="med" len="med"/>
+                      <a:tailEnd type="none" w="med" len="med"/>
+                    </a:lnL>
+                    <a:lnR w="12700" cap="flat" cmpd="sng" algn="ctr">
+                      <a:solidFill>
+                        <a:schemeClr val="tx1"/>
+                      </a:solidFill>
+                      <a:prstDash val="solid"/>
+                      <a:round/>
+                      <a:headEnd type="none" w="med" len="med"/>
+                      <a:tailEnd type="none" w="med" len="med"/>
+                    </a:lnR>
+                    <a:lnT w="12700" cap="flat" cmpd="sng" algn="ctr">
+                      <a:solidFill>
+                        <a:schemeClr val="tx1"/>
+                      </a:solidFill>
+                      <a:prstDash val="solid"/>
+                      <a:round/>
+                      <a:headEnd type="none" w="med" len="med"/>
+                      <a:tailEnd type="none" w="med" len="med"/>
+                    </a:lnT>
+                    <a:lnB w="12700" cap="flat" cmpd="sng" algn="ctr">
+                      <a:solidFill>
+                        <a:schemeClr val="tx1"/>
+                      </a:solidFill>
+                      <a:prstDash val="solid"/>
+                      <a:round/>
+                      <a:headEnd type="none" w="med" len="med"/>
+                      <a:tailEnd type="none" w="med" len="med"/>
+                    </a:lnB>
+                    <a:solidFill>
+                      <a:schemeClr val="accent6">
+                        <a:lumMod val="60000"/>
+                        <a:lumOff val="40000"/>
+                      </a:schemeClr>
+                    </a:solidFill>
+                  </a:tcPr>
+                </a:tc>
+                <a:tc>
+                  <a:txBody>
+                    <a:bodyPr/>
+                    <a:lstStyle/>
+                    <a:p>
+                      <a:pPr algn="ctr"/>
+                      <a:r>
+                        <a:rPr lang="en-GB" sz="1600" b="0" dirty="0"/>
+                        <a:t>Bologna 140</a:t>
+                      </a:r>
+                    </a:p>
+                  </a:txBody>
+                  <a:tcPr>
+                    <a:lnL w="12700" cap="flat" cmpd="sng" algn="ctr">
+                      <a:solidFill>
+                        <a:schemeClr val="tx1"/>
+                      </a:solidFill>
+                      <a:prstDash val="solid"/>
+                      <a:round/>
+                      <a:headEnd type="none" w="med" len="med"/>
+                      <a:tailEnd type="none" w="med" len="med"/>
+                    </a:lnL>
+                    <a:lnR w="12700" cap="flat" cmpd="sng" algn="ctr">
+                      <a:solidFill>
+                        <a:schemeClr val="tx1"/>
+                      </a:solidFill>
+                      <a:prstDash val="solid"/>
+                      <a:round/>
+                      <a:headEnd type="none" w="med" len="med"/>
+                      <a:tailEnd type="none" w="med" len="med"/>
+                    </a:lnR>
+                    <a:lnT w="12700" cap="flat" cmpd="sng" algn="ctr">
+                      <a:solidFill>
+                        <a:schemeClr val="tx1"/>
+                      </a:solidFill>
+                      <a:prstDash val="solid"/>
+                      <a:round/>
+                      <a:headEnd type="none" w="med" len="med"/>
+                      <a:tailEnd type="none" w="med" len="med"/>
+                    </a:lnT>
+                    <a:lnB w="12700" cap="flat" cmpd="sng" algn="ctr">
+                      <a:solidFill>
+                        <a:schemeClr val="tx1"/>
+                      </a:solidFill>
+                      <a:prstDash val="solid"/>
+                      <a:round/>
+                      <a:headEnd type="none" w="med" len="med"/>
+                      <a:tailEnd type="none" w="med" len="med"/>
+                    </a:lnB>
+                    <a:solidFill>
+                      <a:schemeClr val="accent4">
+                        <a:lumMod val="60000"/>
+                        <a:lumOff val="40000"/>
+                      </a:schemeClr>
+                    </a:solidFill>
+                  </a:tcPr>
+                </a:tc>
+                <a:tc>
+                  <a:txBody>
+                    <a:bodyPr/>
+                    <a:lstStyle/>
+                    <a:p>
+                      <a:pPr algn="ctr"/>
+                      <a:r>
+                        <a:rPr lang="en-GB" sz="1600" b="0" dirty="0"/>
+                        <a:t>Bologna 70</a:t>
+                      </a:r>
+                    </a:p>
+                  </a:txBody>
+                  <a:tcPr>
+                    <a:lnL w="12700" cap="flat" cmpd="sng" algn="ctr">
+                      <a:solidFill>
+                        <a:schemeClr val="tx1"/>
+                      </a:solidFill>
+                      <a:prstDash val="solid"/>
+                      <a:round/>
+                      <a:headEnd type="none" w="med" len="med"/>
+                      <a:tailEnd type="none" w="med" len="med"/>
+                    </a:lnL>
+                    <a:lnR w="12700" cap="flat" cmpd="sng" algn="ctr">
+                      <a:solidFill>
+                        <a:schemeClr val="tx1"/>
+                      </a:solidFill>
+                      <a:prstDash val="solid"/>
+                      <a:round/>
+                      <a:headEnd type="none" w="med" len="med"/>
+                      <a:tailEnd type="none" w="med" len="med"/>
+                    </a:lnR>
+                    <a:lnT w="12700" cap="flat" cmpd="sng" algn="ctr">
+                      <a:solidFill>
+                        <a:schemeClr val="tx1"/>
+                      </a:solidFill>
+                      <a:prstDash val="solid"/>
+                      <a:round/>
+                      <a:headEnd type="none" w="med" len="med"/>
+                      <a:tailEnd type="none" w="med" len="med"/>
+                    </a:lnT>
+                    <a:lnB w="12700" cap="flat" cmpd="sng" algn="ctr">
+                      <a:solidFill>
+                        <a:schemeClr val="tx1"/>
+                      </a:solidFill>
+                      <a:prstDash val="solid"/>
+                      <a:round/>
+                      <a:headEnd type="none" w="med" len="med"/>
+                      <a:tailEnd type="none" w="med" len="med"/>
+                    </a:lnB>
+                    <a:solidFill>
+                      <a:schemeClr val="accent4">
+                        <a:lumMod val="40000"/>
+                        <a:lumOff val="60000"/>
+                      </a:schemeClr>
+                    </a:solidFill>
+                  </a:tcPr>
+                </a:tc>
+                <a:extLst>
+                  <a:ext uri="{0D108BD9-81ED-4DB2-BD59-A6C34878D82A}">
+                    <a16:rowId xmlns:a16="http://schemas.microsoft.com/office/drawing/2014/main" val="1781908283"/>
+                  </a:ext>
+                </a:extLst>
+              </a:tr>
+              <a:tr h="336220">
+                <a:tc>
+                  <a:txBody>
+                    <a:bodyPr/>
+                    <a:lstStyle/>
+                    <a:p>
+                      <a:pPr algn="ctr"/>
+                      <a:r>
+                        <a:rPr lang="en-GB" sz="1600" b="0" dirty="0" err="1"/>
+                        <a:t>Hondia</a:t>
+                      </a:r>
+                      <a:r>
+                        <a:rPr lang="en-GB" sz="1600" b="0" dirty="0"/>
+                        <a:t> 140</a:t>
+                      </a:r>
+                    </a:p>
+                  </a:txBody>
+                  <a:tcPr>
+                    <a:lnL w="12700" cap="flat" cmpd="sng" algn="ctr">
+                      <a:solidFill>
+                        <a:schemeClr val="tx1"/>
+                      </a:solidFill>
+                      <a:prstDash val="solid"/>
+                      <a:round/>
+                      <a:headEnd type="none" w="med" len="med"/>
+                      <a:tailEnd type="none" w="med" len="med"/>
+                    </a:lnL>
+                    <a:lnR w="12700" cap="flat" cmpd="sng" algn="ctr">
+                      <a:solidFill>
+                        <a:schemeClr val="tx1"/>
+                      </a:solidFill>
+                      <a:prstDash val="solid"/>
+                      <a:round/>
+                      <a:headEnd type="none" w="med" len="med"/>
+                      <a:tailEnd type="none" w="med" len="med"/>
+                    </a:lnR>
+                    <a:lnT w="12700" cap="flat" cmpd="sng" algn="ctr">
+                      <a:solidFill>
+                        <a:schemeClr val="tx1"/>
+                      </a:solidFill>
+                      <a:prstDash val="solid"/>
+                      <a:round/>
+                      <a:headEnd type="none" w="med" len="med"/>
+                      <a:tailEnd type="none" w="med" len="med"/>
+                    </a:lnT>
+                    <a:lnB w="12700" cap="flat" cmpd="sng" algn="ctr">
+                      <a:solidFill>
+                        <a:schemeClr val="tx1"/>
+                      </a:solidFill>
+                      <a:prstDash val="solid"/>
+                      <a:round/>
+                      <a:headEnd type="none" w="med" len="med"/>
+                      <a:tailEnd type="none" w="med" len="med"/>
+                    </a:lnB>
+                    <a:solidFill>
+                      <a:srgbClr val="BA57F7"/>
+                    </a:solidFill>
+                  </a:tcPr>
+                </a:tc>
+                <a:tc>
+                  <a:txBody>
+                    <a:bodyPr/>
+                    <a:lstStyle/>
+                    <a:p>
+                      <a:pPr algn="ctr"/>
+                      <a:r>
+                        <a:rPr lang="en-GB" sz="1600" b="0" dirty="0"/>
+                        <a:t>Bologna 560</a:t>
+                      </a:r>
+                    </a:p>
+                  </a:txBody>
+                  <a:tcPr>
+                    <a:lnL w="12700" cap="flat" cmpd="sng" algn="ctr">
+                      <a:solidFill>
+                        <a:schemeClr val="tx1"/>
+                      </a:solidFill>
+                      <a:prstDash val="solid"/>
+                      <a:round/>
+                      <a:headEnd type="none" w="med" len="med"/>
+                      <a:tailEnd type="none" w="med" len="med"/>
+                    </a:lnL>
+                    <a:lnR w="12700" cap="flat" cmpd="sng" algn="ctr">
+                      <a:solidFill>
+                        <a:schemeClr val="tx1"/>
+                      </a:solidFill>
+                      <a:prstDash val="solid"/>
+                      <a:round/>
+                      <a:headEnd type="none" w="med" len="med"/>
+                      <a:tailEnd type="none" w="med" len="med"/>
+                    </a:lnR>
+                    <a:lnT w="12700" cap="flat" cmpd="sng" algn="ctr">
+                      <a:solidFill>
+                        <a:schemeClr val="tx1"/>
+                      </a:solidFill>
+                      <a:prstDash val="solid"/>
+                      <a:round/>
+                      <a:headEnd type="none" w="med" len="med"/>
+                      <a:tailEnd type="none" w="med" len="med"/>
+                    </a:lnT>
+                    <a:lnB w="12700" cap="flat" cmpd="sng" algn="ctr">
+                      <a:solidFill>
+                        <a:schemeClr val="tx1"/>
+                      </a:solidFill>
+                      <a:prstDash val="solid"/>
+                      <a:round/>
+                      <a:headEnd type="none" w="med" len="med"/>
+                      <a:tailEnd type="none" w="med" len="med"/>
+                    </a:lnB>
+                    <a:solidFill>
+                      <a:schemeClr val="accent4">
+                        <a:lumMod val="50000"/>
+                      </a:schemeClr>
+                    </a:solidFill>
+                  </a:tcPr>
+                </a:tc>
+                <a:tc>
+                  <a:txBody>
+                    <a:bodyPr/>
+                    <a:lstStyle/>
+                    <a:p>
+                      <a:pPr algn="ctr"/>
+                      <a:r>
+                        <a:rPr lang="en-GB" sz="1600" b="0" dirty="0" err="1"/>
+                        <a:t>Marcopolo</a:t>
+                      </a:r>
+                      <a:r>
+                        <a:rPr lang="en-GB" sz="1600" b="0" dirty="0"/>
+                        <a:t> 35</a:t>
+                      </a:r>
+                    </a:p>
+                  </a:txBody>
+                  <a:tcPr>
+                    <a:lnL w="12700" cap="flat" cmpd="sng" algn="ctr">
+                      <a:solidFill>
+                        <a:schemeClr val="tx1"/>
+                      </a:solidFill>
+                      <a:prstDash val="solid"/>
+                      <a:round/>
+                      <a:headEnd type="none" w="med" len="med"/>
+                      <a:tailEnd type="none" w="med" len="med"/>
+                    </a:lnL>
+                    <a:lnR w="12700" cap="flat" cmpd="sng" algn="ctr">
+                      <a:solidFill>
+                        <a:schemeClr val="tx1"/>
+                      </a:solidFill>
+                      <a:prstDash val="solid"/>
+                      <a:round/>
+                      <a:headEnd type="none" w="med" len="med"/>
+                      <a:tailEnd type="none" w="med" len="med"/>
+                    </a:lnR>
+                    <a:lnT w="12700" cap="flat" cmpd="sng" algn="ctr">
+                      <a:solidFill>
+                        <a:schemeClr val="tx1"/>
+                      </a:solidFill>
+                      <a:prstDash val="solid"/>
+                      <a:round/>
+                      <a:headEnd type="none" w="med" len="med"/>
+                      <a:tailEnd type="none" w="med" len="med"/>
+                    </a:lnT>
+                    <a:lnB w="12700" cap="flat" cmpd="sng" algn="ctr">
+                      <a:solidFill>
+                        <a:schemeClr val="tx1"/>
+                      </a:solidFill>
+                      <a:prstDash val="solid"/>
+                      <a:round/>
+                      <a:headEnd type="none" w="med" len="med"/>
+                      <a:tailEnd type="none" w="med" len="med"/>
+                    </a:lnB>
+                    <a:solidFill>
+                      <a:schemeClr val="accent6">
+                        <a:lumMod val="20000"/>
+                        <a:lumOff val="80000"/>
+                      </a:schemeClr>
+                    </a:solidFill>
+                  </a:tcPr>
+                </a:tc>
+                <a:tc>
+                  <a:txBody>
+                    <a:bodyPr/>
+                    <a:lstStyle/>
+                    <a:p>
+                      <a:pPr algn="ctr"/>
+                      <a:r>
+                        <a:rPr lang="en-GB" sz="1600" b="0" dirty="0" err="1"/>
+                        <a:t>Marcopolo</a:t>
+                      </a:r>
+                      <a:r>
+                        <a:rPr lang="en-GB" sz="1600" b="0" dirty="0"/>
+                        <a:t> 560</a:t>
+                      </a:r>
+                    </a:p>
+                  </a:txBody>
+                  <a:tcPr>
+                    <a:lnL w="12700" cap="flat" cmpd="sng" algn="ctr">
+                      <a:solidFill>
+                        <a:schemeClr val="tx1"/>
+                      </a:solidFill>
+                      <a:prstDash val="solid"/>
+                      <a:round/>
+                      <a:headEnd type="none" w="med" len="med"/>
+                      <a:tailEnd type="none" w="med" len="med"/>
+                    </a:lnL>
+                    <a:lnR w="12700" cap="flat" cmpd="sng" algn="ctr">
+                      <a:solidFill>
+                        <a:schemeClr val="tx1"/>
+                      </a:solidFill>
+                      <a:prstDash val="solid"/>
+                      <a:round/>
+                      <a:headEnd type="none" w="med" len="med"/>
+                      <a:tailEnd type="none" w="med" len="med"/>
+                    </a:lnR>
+                    <a:lnT w="12700" cap="flat" cmpd="sng" algn="ctr">
+                      <a:solidFill>
+                        <a:schemeClr val="tx1"/>
+                      </a:solidFill>
+                      <a:prstDash val="solid"/>
+                      <a:round/>
+                      <a:headEnd type="none" w="med" len="med"/>
+                      <a:tailEnd type="none" w="med" len="med"/>
+                    </a:lnT>
+                    <a:lnB w="12700" cap="flat" cmpd="sng" algn="ctr">
+                      <a:solidFill>
+                        <a:schemeClr val="tx1"/>
+                      </a:solidFill>
+                      <a:prstDash val="solid"/>
+                      <a:round/>
+                      <a:headEnd type="none" w="med" len="med"/>
+                      <a:tailEnd type="none" w="med" len="med"/>
+                    </a:lnB>
+                    <a:solidFill>
+                      <a:schemeClr val="accent6">
+                        <a:lumMod val="50000"/>
+                      </a:schemeClr>
+                    </a:solidFill>
+                  </a:tcPr>
+                </a:tc>
+                <a:extLst>
+                  <a:ext uri="{0D108BD9-81ED-4DB2-BD59-A6C34878D82A}">
+                    <a16:rowId xmlns:a16="http://schemas.microsoft.com/office/drawing/2014/main" val="2426076893"/>
+                  </a:ext>
+                </a:extLst>
+              </a:tr>
+              <a:tr h="336220">
+                <a:tc>
+                  <a:txBody>
+                    <a:bodyPr/>
+                    <a:lstStyle/>
+                    <a:p>
+                      <a:pPr algn="ctr"/>
+                      <a:r>
+                        <a:rPr lang="en-GB" sz="1600" b="0" dirty="0" err="1"/>
+                        <a:t>Marcopolo</a:t>
+                      </a:r>
+                      <a:r>
+                        <a:rPr lang="en-GB" sz="1600" b="0" dirty="0"/>
+                        <a:t> 280</a:t>
+                      </a:r>
+                    </a:p>
+                  </a:txBody>
+                  <a:tcPr>
+                    <a:lnL w="12700" cap="flat" cmpd="sng" algn="ctr">
+                      <a:solidFill>
+                        <a:schemeClr val="tx1"/>
+                      </a:solidFill>
+                      <a:prstDash val="solid"/>
+                      <a:round/>
+                      <a:headEnd type="none" w="med" len="med"/>
+                      <a:tailEnd type="none" w="med" len="med"/>
+                    </a:lnL>
+                    <a:lnR w="12700" cap="flat" cmpd="sng" algn="ctr">
+                      <a:solidFill>
+                        <a:schemeClr val="tx1"/>
+                      </a:solidFill>
+                      <a:prstDash val="solid"/>
+                      <a:round/>
+                      <a:headEnd type="none" w="med" len="med"/>
+                      <a:tailEnd type="none" w="med" len="med"/>
+                    </a:lnR>
+                    <a:lnT w="12700" cap="flat" cmpd="sng" algn="ctr">
+                      <a:solidFill>
+                        <a:schemeClr val="tx1"/>
+                      </a:solidFill>
+                      <a:prstDash val="solid"/>
+                      <a:round/>
+                      <a:headEnd type="none" w="med" len="med"/>
+                      <a:tailEnd type="none" w="med" len="med"/>
+                    </a:lnT>
+                    <a:lnB w="12700" cap="flat" cmpd="sng" algn="ctr">
+                      <a:solidFill>
+                        <a:schemeClr val="tx1"/>
+                      </a:solidFill>
+                      <a:prstDash val="solid"/>
+                      <a:round/>
+                      <a:headEnd type="none" w="med" len="med"/>
+                      <a:tailEnd type="none" w="med" len="med"/>
+                    </a:lnB>
+                    <a:solidFill>
+                      <a:schemeClr val="accent6">
+                        <a:lumMod val="75000"/>
+                      </a:schemeClr>
+                    </a:solidFill>
+                  </a:tcPr>
+                </a:tc>
+                <a:tc>
+                  <a:txBody>
+                    <a:bodyPr/>
+                    <a:lstStyle/>
+                    <a:p>
+                      <a:pPr algn="ctr"/>
+                      <a:r>
+                        <a:rPr lang="en-GB" sz="1600" b="0" dirty="0" err="1"/>
+                        <a:t>Hondia</a:t>
+                      </a:r>
+                      <a:r>
+                        <a:rPr lang="en-GB" sz="1600" b="0" dirty="0"/>
+                        <a:t> 280 </a:t>
+                      </a:r>
+                    </a:p>
+                  </a:txBody>
+                  <a:tcPr>
+                    <a:lnL w="12700" cap="flat" cmpd="sng" algn="ctr">
+                      <a:solidFill>
+                        <a:schemeClr val="tx1"/>
+                      </a:solidFill>
+                      <a:prstDash val="solid"/>
+                      <a:round/>
+                      <a:headEnd type="none" w="med" len="med"/>
+                      <a:tailEnd type="none" w="med" len="med"/>
+                    </a:lnL>
+                    <a:lnR w="12700" cap="flat" cmpd="sng" algn="ctr">
+                      <a:solidFill>
+                        <a:schemeClr val="tx1"/>
+                      </a:solidFill>
+                      <a:prstDash val="solid"/>
+                      <a:round/>
+                      <a:headEnd type="none" w="med" len="med"/>
+                      <a:tailEnd type="none" w="med" len="med"/>
+                    </a:lnR>
+                    <a:lnT w="12700" cap="flat" cmpd="sng" algn="ctr">
+                      <a:solidFill>
+                        <a:schemeClr val="tx1"/>
+                      </a:solidFill>
+                      <a:prstDash val="solid"/>
+                      <a:round/>
+                      <a:headEnd type="none" w="med" len="med"/>
+                      <a:tailEnd type="none" w="med" len="med"/>
+                    </a:lnT>
+                    <a:lnB w="12700" cap="flat" cmpd="sng" algn="ctr">
+                      <a:solidFill>
+                        <a:schemeClr val="tx1"/>
+                      </a:solidFill>
+                      <a:prstDash val="solid"/>
+                      <a:round/>
+                      <a:headEnd type="none" w="med" len="med"/>
+                      <a:tailEnd type="none" w="med" len="med"/>
+                    </a:lnB>
+                    <a:solidFill>
+                      <a:srgbClr val="9E15F3"/>
+                    </a:solidFill>
+                  </a:tcPr>
+                </a:tc>
+                <a:tc>
+                  <a:txBody>
+                    <a:bodyPr/>
+                    <a:lstStyle/>
+                    <a:p>
+                      <a:pPr algn="ctr"/>
+                      <a:r>
+                        <a:rPr lang="en-GB" sz="1600" b="0" dirty="0" err="1"/>
+                        <a:t>Hondia</a:t>
+                      </a:r>
+                      <a:r>
+                        <a:rPr lang="en-GB" sz="1600" b="0" dirty="0"/>
+                        <a:t> 70</a:t>
+                      </a:r>
+                    </a:p>
+                  </a:txBody>
+                  <a:tcPr>
+                    <a:lnL w="12700" cap="flat" cmpd="sng" algn="ctr">
+                      <a:solidFill>
+                        <a:schemeClr val="tx1"/>
+                      </a:solidFill>
+                      <a:prstDash val="solid"/>
+                      <a:round/>
+                      <a:headEnd type="none" w="med" len="med"/>
+                      <a:tailEnd type="none" w="med" len="med"/>
+                    </a:lnL>
+                    <a:lnR w="12700" cap="flat" cmpd="sng" algn="ctr">
+                      <a:solidFill>
+                        <a:schemeClr val="tx1"/>
+                      </a:solidFill>
+                      <a:prstDash val="solid"/>
+                      <a:round/>
+                      <a:headEnd type="none" w="med" len="med"/>
+                      <a:tailEnd type="none" w="med" len="med"/>
+                    </a:lnR>
+                    <a:lnT w="12700" cap="flat" cmpd="sng" algn="ctr">
+                      <a:solidFill>
+                        <a:schemeClr val="tx1"/>
+                      </a:solidFill>
+                      <a:prstDash val="solid"/>
+                      <a:round/>
+                      <a:headEnd type="none" w="med" len="med"/>
+                      <a:tailEnd type="none" w="med" len="med"/>
+                    </a:lnT>
+                    <a:lnB w="12700" cap="flat" cmpd="sng" algn="ctr">
+                      <a:solidFill>
+                        <a:schemeClr val="tx1"/>
+                      </a:solidFill>
+                      <a:prstDash val="solid"/>
+                      <a:round/>
+                      <a:headEnd type="none" w="med" len="med"/>
+                      <a:tailEnd type="none" w="med" len="med"/>
+                    </a:lnB>
+                    <a:solidFill>
+                      <a:srgbClr val="D69BFB"/>
+                    </a:solidFill>
+                  </a:tcPr>
+                </a:tc>
+                <a:tc>
+                  <a:txBody>
+                    <a:bodyPr/>
+                    <a:lstStyle/>
+                    <a:p>
+                      <a:pPr algn="ctr"/>
+                      <a:r>
+                        <a:rPr lang="en-GB" sz="1600" b="0" dirty="0" err="1"/>
+                        <a:t>Hondia</a:t>
+                      </a:r>
+                      <a:r>
+                        <a:rPr lang="en-GB" sz="1600" b="0" dirty="0"/>
+                        <a:t> 35</a:t>
+                      </a:r>
+                    </a:p>
+                  </a:txBody>
+                  <a:tcPr>
+                    <a:lnL w="12700" cap="flat" cmpd="sng" algn="ctr">
+                      <a:solidFill>
+                        <a:schemeClr val="tx1"/>
+                      </a:solidFill>
+                      <a:prstDash val="solid"/>
+                      <a:round/>
+                      <a:headEnd type="none" w="med" len="med"/>
+                      <a:tailEnd type="none" w="med" len="med"/>
+                    </a:lnL>
+                    <a:lnR w="12700" cap="flat" cmpd="sng" algn="ctr">
+                      <a:solidFill>
+                        <a:schemeClr val="tx1"/>
+                      </a:solidFill>
+                      <a:prstDash val="solid"/>
+                      <a:round/>
+                      <a:headEnd type="none" w="med" len="med"/>
+                      <a:tailEnd type="none" w="med" len="med"/>
+                    </a:lnR>
+                    <a:lnT w="12700" cap="flat" cmpd="sng" algn="ctr">
+                      <a:solidFill>
+                        <a:schemeClr val="tx1"/>
+                      </a:solidFill>
+                      <a:prstDash val="solid"/>
+                      <a:round/>
+                      <a:headEnd type="none" w="med" len="med"/>
+                      <a:tailEnd type="none" w="med" len="med"/>
+                    </a:lnT>
+                    <a:lnB w="12700" cap="flat" cmpd="sng" algn="ctr">
+                      <a:solidFill>
+                        <a:schemeClr val="tx1"/>
+                      </a:solidFill>
+                      <a:prstDash val="solid"/>
+                      <a:round/>
+                      <a:headEnd type="none" w="med" len="med"/>
+                      <a:tailEnd type="none" w="med" len="med"/>
+                    </a:lnB>
+                    <a:solidFill>
+                      <a:srgbClr val="E1B6FC"/>
+                    </a:solidFill>
+                  </a:tcPr>
+                </a:tc>
+                <a:extLst>
+                  <a:ext uri="{0D108BD9-81ED-4DB2-BD59-A6C34878D82A}">
+                    <a16:rowId xmlns:a16="http://schemas.microsoft.com/office/drawing/2014/main" val="209154479"/>
+                  </a:ext>
+                </a:extLst>
+              </a:tr>
+              <a:tr h="336220">
+                <a:tc>
+                  <a:txBody>
+                    <a:bodyPr/>
+                    <a:lstStyle/>
+                    <a:p>
+                      <a:pPr algn="ctr"/>
+                      <a:r>
+                        <a:rPr lang="en-GB" sz="1600" b="1" dirty="0">
+                          <a:solidFill>
+                            <a:schemeClr val="bg2"/>
+                          </a:solidFill>
+                        </a:rPr>
+                        <a:t>Artur Nick</a:t>
+                      </a:r>
+                    </a:p>
+                  </a:txBody>
+                  <a:tcPr>
+                    <a:lnL w="12700" cap="flat" cmpd="sng" algn="ctr">
+                      <a:solidFill>
+                        <a:schemeClr val="tx1"/>
+                      </a:solidFill>
+                      <a:prstDash val="solid"/>
+                      <a:round/>
+                      <a:headEnd type="none" w="med" len="med"/>
+                      <a:tailEnd type="none" w="med" len="med"/>
+                    </a:lnL>
+                    <a:lnR w="12700" cap="flat" cmpd="sng" algn="ctr">
+                      <a:solidFill>
+                        <a:schemeClr val="tx1"/>
+                      </a:solidFill>
+                      <a:prstDash val="solid"/>
+                      <a:round/>
+                      <a:headEnd type="none" w="med" len="med"/>
+                      <a:tailEnd type="none" w="med" len="med"/>
+                    </a:lnR>
+                    <a:lnT w="12700" cap="flat" cmpd="sng" algn="ctr">
+                      <a:solidFill>
+                        <a:schemeClr val="tx1"/>
+                      </a:solidFill>
+                      <a:prstDash val="solid"/>
+                      <a:round/>
+                      <a:headEnd type="none" w="med" len="med"/>
+                      <a:tailEnd type="none" w="med" len="med"/>
+                    </a:lnT>
+                    <a:lnB w="12700" cap="flat" cmpd="sng" algn="ctr">
+                      <a:solidFill>
+                        <a:schemeClr val="tx1"/>
+                      </a:solidFill>
+                      <a:prstDash val="solid"/>
+                      <a:round/>
+                      <a:headEnd type="none" w="med" len="med"/>
+                      <a:tailEnd type="none" w="med" len="med"/>
+                    </a:lnB>
+                    <a:solidFill>
+                      <a:schemeClr val="tx1">
+                        <a:lumMod val="50000"/>
+                        <a:lumOff val="50000"/>
+                      </a:schemeClr>
+                    </a:solidFill>
+                  </a:tcPr>
+                </a:tc>
+                <a:tc>
+                  <a:txBody>
+                    <a:bodyPr/>
+                    <a:lstStyle/>
+                    <a:p>
+                      <a:pPr marL="0" marR="0" lvl="0" indent="0" algn="ctr" defTabSz="914400" rtl="0" eaLnBrk="1" fontAlgn="auto" latinLnBrk="0" hangingPunct="1">
+                        <a:lnSpc>
+                          <a:spcPct val="100000"/>
+                        </a:lnSpc>
+                        <a:spcBef>
+                          <a:spcPts val="0"/>
+                        </a:spcBef>
+                        <a:spcAft>
+                          <a:spcPts val="0"/>
+                        </a:spcAft>
+                        <a:buClrTx/>
+                        <a:buSzTx/>
+                        <a:buFontTx/>
+                        <a:buNone/>
+                        <a:tabLst/>
+                        <a:defRPr/>
+                      </a:pPr>
+                      <a:r>
+                        <a:rPr lang="en-GB" sz="1600" b="1" dirty="0">
+                          <a:solidFill>
+                            <a:schemeClr val="bg2"/>
+                          </a:solidFill>
+                        </a:rPr>
+                        <a:t>Artur Nick</a:t>
+                      </a:r>
+                    </a:p>
+                  </a:txBody>
+                  <a:tcPr>
+                    <a:lnL w="12700" cap="flat" cmpd="sng" algn="ctr">
+                      <a:solidFill>
+                        <a:schemeClr val="tx1"/>
+                      </a:solidFill>
+                      <a:prstDash val="solid"/>
+                      <a:round/>
+                      <a:headEnd type="none" w="med" len="med"/>
+                      <a:tailEnd type="none" w="med" len="med"/>
+                    </a:lnL>
+                    <a:lnR w="12700" cap="flat" cmpd="sng" algn="ctr">
+                      <a:solidFill>
+                        <a:schemeClr val="tx1"/>
+                      </a:solidFill>
+                      <a:prstDash val="solid"/>
+                      <a:round/>
+                      <a:headEnd type="none" w="med" len="med"/>
+                      <a:tailEnd type="none" w="med" len="med"/>
+                    </a:lnR>
+                    <a:lnT w="12700" cap="flat" cmpd="sng" algn="ctr">
+                      <a:solidFill>
+                        <a:schemeClr val="tx1"/>
+                      </a:solidFill>
+                      <a:prstDash val="solid"/>
+                      <a:round/>
+                      <a:headEnd type="none" w="med" len="med"/>
+                      <a:tailEnd type="none" w="med" len="med"/>
+                    </a:lnT>
+                    <a:lnB w="12700" cap="flat" cmpd="sng" algn="ctr">
+                      <a:solidFill>
+                        <a:schemeClr val="tx1"/>
+                      </a:solidFill>
+                      <a:prstDash val="solid"/>
+                      <a:round/>
+                      <a:headEnd type="none" w="med" len="med"/>
+                      <a:tailEnd type="none" w="med" len="med"/>
+                    </a:lnB>
+                    <a:solidFill>
+                      <a:schemeClr val="bg1">
+                        <a:lumMod val="50000"/>
+                      </a:schemeClr>
+                    </a:solidFill>
+                  </a:tcPr>
+                </a:tc>
+                <a:tc>
+                  <a:txBody>
+                    <a:bodyPr/>
+                    <a:lstStyle/>
+                    <a:p>
+                      <a:pPr marL="0" marR="0" lvl="0" indent="0" algn="ctr" defTabSz="914400" rtl="0" eaLnBrk="1" fontAlgn="auto" latinLnBrk="0" hangingPunct="1">
+                        <a:lnSpc>
+                          <a:spcPct val="100000"/>
+                        </a:lnSpc>
+                        <a:spcBef>
+                          <a:spcPts val="0"/>
+                        </a:spcBef>
+                        <a:spcAft>
+                          <a:spcPts val="0"/>
+                        </a:spcAft>
+                        <a:buClrTx/>
+                        <a:buSzTx/>
+                        <a:buFontTx/>
+                        <a:buNone/>
+                        <a:tabLst/>
+                        <a:defRPr/>
+                      </a:pPr>
+                      <a:r>
+                        <a:rPr lang="en-GB" sz="1600" b="1" dirty="0">
+                          <a:solidFill>
+                            <a:schemeClr val="bg2"/>
+                          </a:solidFill>
+                        </a:rPr>
+                        <a:t>Artur Nick</a:t>
+                      </a:r>
+                    </a:p>
+                  </a:txBody>
+                  <a:tcPr>
+                    <a:lnL w="12700" cap="flat" cmpd="sng" algn="ctr">
+                      <a:solidFill>
+                        <a:schemeClr val="tx1"/>
+                      </a:solidFill>
+                      <a:prstDash val="solid"/>
+                      <a:round/>
+                      <a:headEnd type="none" w="med" len="med"/>
+                      <a:tailEnd type="none" w="med" len="med"/>
+                    </a:lnL>
+                    <a:lnR w="12700" cap="flat" cmpd="sng" algn="ctr">
+                      <a:solidFill>
+                        <a:schemeClr val="tx1"/>
+                      </a:solidFill>
+                      <a:prstDash val="solid"/>
+                      <a:round/>
+                      <a:headEnd type="none" w="med" len="med"/>
+                      <a:tailEnd type="none" w="med" len="med"/>
+                    </a:lnR>
+                    <a:lnT w="12700" cap="flat" cmpd="sng" algn="ctr">
+                      <a:solidFill>
+                        <a:schemeClr val="tx1"/>
+                      </a:solidFill>
+                      <a:prstDash val="solid"/>
+                      <a:round/>
+                      <a:headEnd type="none" w="med" len="med"/>
+                      <a:tailEnd type="none" w="med" len="med"/>
+                    </a:lnT>
+                    <a:lnB w="12700" cap="flat" cmpd="sng" algn="ctr">
+                      <a:solidFill>
+                        <a:schemeClr val="tx1"/>
+                      </a:solidFill>
+                      <a:prstDash val="solid"/>
+                      <a:round/>
+                      <a:headEnd type="none" w="med" len="med"/>
+                      <a:tailEnd type="none" w="med" len="med"/>
+                    </a:lnB>
+                    <a:solidFill>
+                      <a:schemeClr val="bg1">
+                        <a:lumMod val="50000"/>
+                      </a:schemeClr>
+                    </a:solidFill>
+                  </a:tcPr>
+                </a:tc>
+                <a:tc>
+                  <a:txBody>
+                    <a:bodyPr/>
+                    <a:lstStyle/>
+                    <a:p>
+                      <a:pPr marL="0" marR="0" lvl="0" indent="0" algn="ctr" defTabSz="914400" rtl="0" eaLnBrk="1" fontAlgn="auto" latinLnBrk="0" hangingPunct="1">
+                        <a:lnSpc>
+                          <a:spcPct val="100000"/>
+                        </a:lnSpc>
+                        <a:spcBef>
+                          <a:spcPts val="0"/>
+                        </a:spcBef>
+                        <a:spcAft>
+                          <a:spcPts val="0"/>
+                        </a:spcAft>
+                        <a:buClrTx/>
+                        <a:buSzTx/>
+                        <a:buFontTx/>
+                        <a:buNone/>
+                        <a:tabLst/>
+                        <a:defRPr/>
+                      </a:pPr>
+                      <a:r>
+                        <a:rPr lang="en-GB" sz="1600" b="1" dirty="0">
+                          <a:solidFill>
+                            <a:schemeClr val="bg2"/>
+                          </a:solidFill>
+                        </a:rPr>
+                        <a:t>Artur Nick</a:t>
+                      </a:r>
+                    </a:p>
+                  </a:txBody>
+                  <a:tcPr>
+                    <a:lnL w="12700" cap="flat" cmpd="sng" algn="ctr">
+                      <a:solidFill>
+                        <a:schemeClr val="tx1"/>
+                      </a:solidFill>
+                      <a:prstDash val="solid"/>
+                      <a:round/>
+                      <a:headEnd type="none" w="med" len="med"/>
+                      <a:tailEnd type="none" w="med" len="med"/>
+                    </a:lnL>
+                    <a:lnR w="12700" cap="flat" cmpd="sng" algn="ctr">
+                      <a:solidFill>
+                        <a:schemeClr val="tx1"/>
+                      </a:solidFill>
+                      <a:prstDash val="solid"/>
+                      <a:round/>
+                      <a:headEnd type="none" w="med" len="med"/>
+                      <a:tailEnd type="none" w="med" len="med"/>
+                    </a:lnR>
+                    <a:lnT w="12700" cap="flat" cmpd="sng" algn="ctr">
+                      <a:solidFill>
+                        <a:schemeClr val="tx1"/>
+                      </a:solidFill>
+                      <a:prstDash val="solid"/>
+                      <a:round/>
+                      <a:headEnd type="none" w="med" len="med"/>
+                      <a:tailEnd type="none" w="med" len="med"/>
+                    </a:lnT>
+                    <a:lnB w="12700" cap="flat" cmpd="sng" algn="ctr">
+                      <a:solidFill>
+                        <a:schemeClr val="tx1"/>
+                      </a:solidFill>
+                      <a:prstDash val="solid"/>
+                      <a:round/>
+                      <a:headEnd type="none" w="med" len="med"/>
+                      <a:tailEnd type="none" w="med" len="med"/>
+                    </a:lnB>
+                    <a:solidFill>
+                      <a:schemeClr val="bg1">
+                        <a:lumMod val="50000"/>
+                      </a:schemeClr>
+                    </a:solidFill>
+                  </a:tcPr>
+                </a:tc>
+                <a:extLst>
+                  <a:ext uri="{0D108BD9-81ED-4DB2-BD59-A6C34878D82A}">
+                    <a16:rowId xmlns:a16="http://schemas.microsoft.com/office/drawing/2014/main" val="1449424655"/>
+                  </a:ext>
+                </a:extLst>
+              </a:tr>
+            </a:tbl>
+          </a:graphicData>
+        </a:graphic>
+      </p:graphicFrame>
+      <p:sp>
+        <p:nvSpPr>
+          <p:cNvPr id="13" name="TextBox 12">
+            <a:extLst>
+              <a:ext uri="{FF2B5EF4-FFF2-40B4-BE49-F238E27FC236}">
+                <a16:creationId xmlns:a16="http://schemas.microsoft.com/office/drawing/2014/main" id="{4CCBD583-26C6-6B70-9C08-3558023908F1}"/>
+              </a:ext>
+            </a:extLst>
+          </p:cNvPr>
+          <p:cNvSpPr txBox="1"/>
+          <p:nvPr/>
+        </p:nvSpPr>
+        <p:spPr>
+          <a:xfrm>
+            <a:off x="3951111" y="407803"/>
+            <a:ext cx="6592711" cy="369332"/>
+          </a:xfrm>
+          <a:prstGeom prst="rect">
+            <a:avLst/>
+          </a:prstGeom>
+          <a:noFill/>
+        </p:spPr>
+        <p:txBody>
+          <a:bodyPr wrap="square" rtlCol="0">
+            <a:spAutoFit/>
+          </a:bodyPr>
+          <a:lstStyle/>
+          <a:p>
+            <a:pPr algn="ctr"/>
+            <a:r>
+              <a:rPr lang="en-GB" dirty="0"/>
+              <a:t>38 m</a:t>
+            </a:r>
+          </a:p>
+        </p:txBody>
+      </p:sp>
+      <p:sp>
+        <p:nvSpPr>
+          <p:cNvPr id="14" name="TextBox 13">
+            <a:extLst>
+              <a:ext uri="{FF2B5EF4-FFF2-40B4-BE49-F238E27FC236}">
+                <a16:creationId xmlns:a16="http://schemas.microsoft.com/office/drawing/2014/main" id="{C6A793DF-33BC-DC08-7178-E106F39DFBC7}"/>
+              </a:ext>
+            </a:extLst>
+          </p:cNvPr>
+          <p:cNvSpPr txBox="1"/>
+          <p:nvPr/>
+        </p:nvSpPr>
+        <p:spPr>
+          <a:xfrm rot="16200000">
+            <a:off x="818264" y="3450339"/>
+            <a:ext cx="5715740" cy="369332"/>
+          </a:xfrm>
+          <a:prstGeom prst="rect">
+            <a:avLst/>
+          </a:prstGeom>
+          <a:noFill/>
+        </p:spPr>
+        <p:txBody>
+          <a:bodyPr wrap="square" rtlCol="0">
+            <a:spAutoFit/>
+          </a:bodyPr>
+          <a:lstStyle/>
+          <a:p>
+            <a:pPr algn="ctr"/>
+            <a:r>
+              <a:rPr lang="en-GB" dirty="0"/>
+              <a:t>25.5 m</a:t>
+            </a:r>
+          </a:p>
+        </p:txBody>
+      </p:sp>
+    </p:spTree>
+    <p:extLst>
+      <p:ext uri="{BB962C8B-B14F-4D97-AF65-F5344CB8AC3E}">
+        <p14:creationId xmlns:p14="http://schemas.microsoft.com/office/powerpoint/2010/main" val="3693632938"/>
+      </p:ext>
+    </p:extLst>
+  </p:cSld>
+  <p:clrMapOvr>
+    <a:masterClrMapping/>
+  </p:clrMapOvr>
+</p:sld>
+</file>
+
+<file path=ppt/slides/slide20.xml><?xml version="1.0" encoding="utf-8"?>
 <p:sld xmlns:a="http://schemas.openxmlformats.org/drawingml/2006/main" xmlns:r="http://schemas.openxmlformats.org/officeDocument/2006/relationships" xmlns:p="http://schemas.openxmlformats.org/presentationml/2006/main">
   <p:cSld>
     <p:spTree>
@@ -6341,7 +11080,7 @@
 </p:sld>
 </file>
 
-<file path=ppt/slides/slide19.xml><?xml version="1.0" encoding="utf-8"?>
+<file path=ppt/slides/slide21.xml><?xml version="1.0" encoding="utf-8"?>
 <p:sld xmlns:a="http://schemas.openxmlformats.org/drawingml/2006/main" xmlns:r="http://schemas.openxmlformats.org/officeDocument/2006/relationships" xmlns:p="http://schemas.openxmlformats.org/presentationml/2006/main">
   <p:cSld>
     <p:spTree>
@@ -6613,7 +11352,37 @@
 </p:sld>
 </file>
 
-<file path=ppt/slides/slide2.xml><?xml version="1.0" encoding="utf-8"?>
+<file path=ppt/slides/slide3.xml><?xml version="1.0" encoding="utf-8"?>
+<p:sld xmlns:a="http://schemas.openxmlformats.org/drawingml/2006/main" xmlns:r="http://schemas.openxmlformats.org/officeDocument/2006/relationships" xmlns:p="http://schemas.openxmlformats.org/presentationml/2006/main">
+  <p:cSld>
+    <p:spTree>
+      <p:nvGrpSpPr>
+        <p:cNvPr id="1" name=""/>
+        <p:cNvGrpSpPr/>
+        <p:nvPr/>
+      </p:nvGrpSpPr>
+      <p:grpSpPr>
+        <a:xfrm>
+          <a:off x="0" y="0"/>
+          <a:ext cx="0" cy="0"/>
+          <a:chOff x="0" y="0"/>
+          <a:chExt cx="0" cy="0"/>
+        </a:xfrm>
+      </p:grpSpPr>
+    </p:spTree>
+    <p:extLst>
+      <p:ext uri="{BB962C8B-B14F-4D97-AF65-F5344CB8AC3E}">
+        <p14:creationId xmlns:p14="http://schemas.microsoft.com/office/powerpoint/2010/main" val="2148833783"/>
+      </p:ext>
+    </p:extLst>
+  </p:cSld>
+  <p:clrMapOvr>
+    <a:masterClrMapping/>
+  </p:clrMapOvr>
+</p:sld>
+</file>
+
+<file path=ppt/slides/slide4.xml><?xml version="1.0" encoding="utf-8"?>
 <p:sld xmlns:a="http://schemas.openxmlformats.org/drawingml/2006/main" xmlns:r="http://schemas.openxmlformats.org/officeDocument/2006/relationships" xmlns:p="http://schemas.openxmlformats.org/presentationml/2006/main">
   <p:cSld>
     <p:spTree>
@@ -6856,7 +11625,7 @@
 </p:sld>
 </file>
 
-<file path=ppt/slides/slide3.xml><?xml version="1.0" encoding="utf-8"?>
+<file path=ppt/slides/slide5.xml><?xml version="1.0" encoding="utf-8"?>
 <p:sld xmlns:a="http://schemas.openxmlformats.org/drawingml/2006/main" xmlns:r="http://schemas.openxmlformats.org/officeDocument/2006/relationships" xmlns:p="http://schemas.openxmlformats.org/presentationml/2006/main">
   <p:cSld>
     <p:spTree>
@@ -7099,7 +11868,7 @@
 </p:sld>
 </file>
 
-<file path=ppt/slides/slide4.xml><?xml version="1.0" encoding="utf-8"?>
+<file path=ppt/slides/slide6.xml><?xml version="1.0" encoding="utf-8"?>
 <p:sld xmlns:a="http://schemas.openxmlformats.org/drawingml/2006/main" xmlns:r="http://schemas.openxmlformats.org/officeDocument/2006/relationships" xmlns:p="http://schemas.openxmlformats.org/presentationml/2006/main">
   <p:cSld>
     <p:spTree>
@@ -7374,7 +12143,7 @@
 </p:sld>
 </file>
 
-<file path=ppt/slides/slide5.xml><?xml version="1.0" encoding="utf-8"?>
+<file path=ppt/slides/slide7.xml><?xml version="1.0" encoding="utf-8"?>
 <p:sld xmlns:a="http://schemas.openxmlformats.org/drawingml/2006/main" xmlns:r="http://schemas.openxmlformats.org/officeDocument/2006/relationships" xmlns:p="http://schemas.openxmlformats.org/presentationml/2006/main">
   <p:cSld>
     <p:spTree>
@@ -7440,7 +12209,7 @@
 </p:sld>
 </file>
 
-<file path=ppt/slides/slide6.xml><?xml version="1.0" encoding="utf-8"?>
+<file path=ppt/slides/slide8.xml><?xml version="1.0" encoding="utf-8"?>
 <p:sld xmlns:a="http://schemas.openxmlformats.org/drawingml/2006/main" xmlns:r="http://schemas.openxmlformats.org/officeDocument/2006/relationships" xmlns:p="http://schemas.openxmlformats.org/presentationml/2006/main">
   <p:cSld>
     <p:spTree>
@@ -7785,7 +12554,7 @@
 </p:sld>
 </file>
 
-<file path=ppt/slides/slide7.xml><?xml version="1.0" encoding="utf-8"?>
+<file path=ppt/slides/slide9.xml><?xml version="1.0" encoding="utf-8"?>
 <p:sld xmlns:a="http://schemas.openxmlformats.org/drawingml/2006/main" xmlns:r="http://schemas.openxmlformats.org/officeDocument/2006/relationships" xmlns:p="http://schemas.openxmlformats.org/presentationml/2006/main">
   <p:cSld>
     <p:spTree>
@@ -7884,222 +12653,6 @@
     <p:extLst>
       <p:ext uri="{BB962C8B-B14F-4D97-AF65-F5344CB8AC3E}">
         <p14:creationId xmlns:p14="http://schemas.microsoft.com/office/powerpoint/2010/main" val="2089919513"/>
-      </p:ext>
-    </p:extLst>
-  </p:cSld>
-  <p:clrMapOvr>
-    <a:masterClrMapping/>
-  </p:clrMapOvr>
-</p:sld>
-</file>
-
-<file path=ppt/slides/slide8.xml><?xml version="1.0" encoding="utf-8"?>
-<p:sld xmlns:a="http://schemas.openxmlformats.org/drawingml/2006/main" xmlns:r="http://schemas.openxmlformats.org/officeDocument/2006/relationships" xmlns:p="http://schemas.openxmlformats.org/presentationml/2006/main">
-  <p:cSld>
-    <p:spTree>
-      <p:nvGrpSpPr>
-        <p:cNvPr id="1" name=""/>
-        <p:cNvGrpSpPr/>
-        <p:nvPr/>
-      </p:nvGrpSpPr>
-      <p:grpSpPr>
-        <a:xfrm>
-          <a:off x="0" y="0"/>
-          <a:ext cx="0" cy="0"/>
-          <a:chOff x="0" y="0"/>
-          <a:chExt cx="0" cy="0"/>
-        </a:xfrm>
-      </p:grpSpPr>
-      <p:sp>
-        <p:nvSpPr>
-          <p:cNvPr id="5" name="TextBox 4">
-            <a:extLst>
-              <a:ext uri="{FF2B5EF4-FFF2-40B4-BE49-F238E27FC236}">
-                <a16:creationId xmlns:a16="http://schemas.microsoft.com/office/drawing/2014/main" id="{CF9368EB-896A-995D-AE0A-CC7CF683BBF7}"/>
-              </a:ext>
-            </a:extLst>
-          </p:cNvPr>
-          <p:cNvSpPr txBox="1"/>
-          <p:nvPr/>
-        </p:nvSpPr>
-        <p:spPr>
-          <a:xfrm>
-            <a:off x="266700" y="431800"/>
-            <a:ext cx="1701800" cy="1323439"/>
-          </a:xfrm>
-          <a:prstGeom prst="rect">
-            <a:avLst/>
-          </a:prstGeom>
-          <a:noFill/>
-        </p:spPr>
-        <p:txBody>
-          <a:bodyPr wrap="square" rtlCol="0">
-            <a:spAutoFit/>
-          </a:bodyPr>
-          <a:lstStyle/>
-          <a:p>
-            <a:r>
-              <a:rPr lang="es-ES" sz="4000" dirty="0"/>
-              <a:t>30m</a:t>
-            </a:r>
-          </a:p>
-          <a:p>
-            <a:r>
-              <a:rPr lang="es-ES" sz="4000" dirty="0"/>
-              <a:t>03-09</a:t>
-            </a:r>
-            <a:endParaRPr lang="en-US" sz="4000" dirty="0"/>
-          </a:p>
-        </p:txBody>
-      </p:sp>
-      <p:pic>
-        <p:nvPicPr>
-          <p:cNvPr id="7" name="Picture 6" descr="Chart, scatter chart&#10;&#10;Description automatically generated">
-            <a:extLst>
-              <a:ext uri="{FF2B5EF4-FFF2-40B4-BE49-F238E27FC236}">
-                <a16:creationId xmlns:a16="http://schemas.microsoft.com/office/drawing/2014/main" id="{6B717CC0-2DBC-4430-8A05-51836720698F}"/>
-              </a:ext>
-            </a:extLst>
-          </p:cNvPr>
-          <p:cNvPicPr>
-            <a:picLocks noChangeAspect="1"/>
-          </p:cNvPicPr>
-          <p:nvPr/>
-        </p:nvPicPr>
-        <p:blipFill>
-          <a:blip r:embed="rId2">
-            <a:extLst>
-              <a:ext uri="{28A0092B-C50C-407E-A947-70E740481C1C}">
-                <a14:useLocalDpi xmlns:a14="http://schemas.microsoft.com/office/drawing/2010/main" val="0"/>
-              </a:ext>
-            </a:extLst>
-          </a:blip>
-          <a:stretch>
-            <a:fillRect/>
-          </a:stretch>
-        </p:blipFill>
-        <p:spPr>
-          <a:xfrm>
-            <a:off x="2209792" y="387347"/>
-            <a:ext cx="8111075" cy="6083306"/>
-          </a:xfrm>
-          <a:prstGeom prst="rect">
-            <a:avLst/>
-          </a:prstGeom>
-        </p:spPr>
-      </p:pic>
-    </p:spTree>
-    <p:extLst>
-      <p:ext uri="{BB962C8B-B14F-4D97-AF65-F5344CB8AC3E}">
-        <p14:creationId xmlns:p14="http://schemas.microsoft.com/office/powerpoint/2010/main" val="2219820270"/>
-      </p:ext>
-    </p:extLst>
-  </p:cSld>
-  <p:clrMapOvr>
-    <a:masterClrMapping/>
-  </p:clrMapOvr>
-</p:sld>
-</file>
-
-<file path=ppt/slides/slide9.xml><?xml version="1.0" encoding="utf-8"?>
-<p:sld xmlns:a="http://schemas.openxmlformats.org/drawingml/2006/main" xmlns:r="http://schemas.openxmlformats.org/officeDocument/2006/relationships" xmlns:p="http://schemas.openxmlformats.org/presentationml/2006/main">
-  <p:cSld>
-    <p:spTree>
-      <p:nvGrpSpPr>
-        <p:cNvPr id="1" name=""/>
-        <p:cNvGrpSpPr/>
-        <p:nvPr/>
-      </p:nvGrpSpPr>
-      <p:grpSpPr>
-        <a:xfrm>
-          <a:off x="0" y="0"/>
-          <a:ext cx="0" cy="0"/>
-          <a:chOff x="0" y="0"/>
-          <a:chExt cx="0" cy="0"/>
-        </a:xfrm>
-      </p:grpSpPr>
-      <p:sp>
-        <p:nvSpPr>
-          <p:cNvPr id="6" name="TextBox 5">
-            <a:extLst>
-              <a:ext uri="{FF2B5EF4-FFF2-40B4-BE49-F238E27FC236}">
-                <a16:creationId xmlns:a16="http://schemas.microsoft.com/office/drawing/2014/main" id="{3D624DE4-1442-FD9A-39D0-E3D43E919456}"/>
-              </a:ext>
-            </a:extLst>
-          </p:cNvPr>
-          <p:cNvSpPr txBox="1"/>
-          <p:nvPr/>
-        </p:nvSpPr>
-        <p:spPr>
-          <a:xfrm>
-            <a:off x="266700" y="431800"/>
-            <a:ext cx="2002366" cy="1323439"/>
-          </a:xfrm>
-          <a:prstGeom prst="rect">
-            <a:avLst/>
-          </a:prstGeom>
-          <a:noFill/>
-        </p:spPr>
-        <p:txBody>
-          <a:bodyPr wrap="square" rtlCol="0">
-            <a:spAutoFit/>
-          </a:bodyPr>
-          <a:lstStyle/>
-          <a:p>
-            <a:r>
-              <a:rPr lang="es-ES" sz="4000" dirty="0"/>
-              <a:t>50m</a:t>
-            </a:r>
-          </a:p>
-          <a:p>
-            <a:r>
-              <a:rPr lang="es-ES" sz="4000" dirty="0"/>
-              <a:t>03-22</a:t>
-            </a:r>
-            <a:endParaRPr lang="en-US" sz="4000" dirty="0"/>
-          </a:p>
-        </p:txBody>
-      </p:sp>
-      <p:pic>
-        <p:nvPicPr>
-          <p:cNvPr id="8" name="Picture 7" descr="Chart, scatter chart&#10;&#10;Description automatically generated">
-            <a:extLst>
-              <a:ext uri="{FF2B5EF4-FFF2-40B4-BE49-F238E27FC236}">
-                <a16:creationId xmlns:a16="http://schemas.microsoft.com/office/drawing/2014/main" id="{AAFDA79A-9C4F-37DF-50CB-723620D51538}"/>
-              </a:ext>
-            </a:extLst>
-          </p:cNvPr>
-          <p:cNvPicPr>
-            <a:picLocks noChangeAspect="1"/>
-          </p:cNvPicPr>
-          <p:nvPr/>
-        </p:nvPicPr>
-        <p:blipFill>
-          <a:blip r:embed="rId2">
-            <a:extLst>
-              <a:ext uri="{28A0092B-C50C-407E-A947-70E740481C1C}">
-                <a14:useLocalDpi xmlns:a14="http://schemas.microsoft.com/office/drawing/2010/main" val="0"/>
-              </a:ext>
-            </a:extLst>
-          </a:blip>
-          <a:stretch>
-            <a:fillRect/>
-          </a:stretch>
-        </p:blipFill>
-        <p:spPr>
-          <a:xfrm>
-            <a:off x="2269066" y="352955"/>
-            <a:ext cx="8009475" cy="6007106"/>
-          </a:xfrm>
-          <a:prstGeom prst="rect">
-            <a:avLst/>
-          </a:prstGeom>
-        </p:spPr>
-      </p:pic>
-    </p:spTree>
-    <p:extLst>
-      <p:ext uri="{BB962C8B-B14F-4D97-AF65-F5344CB8AC3E}">
-        <p14:creationId xmlns:p14="http://schemas.microsoft.com/office/powerpoint/2010/main" val="1548625031"/>
       </p:ext>
     </p:extLst>
   </p:cSld>
